--- a/CircularComparison.pptx
+++ b/CircularComparison.pptx
@@ -5,7 +5,7 @@
     <p:sldMasterId id="2147483648" r:id="rId1"/>
   </p:sldMasterIdLst>
   <p:notesMasterIdLst>
-    <p:notesMasterId r:id="rId18"/>
+    <p:notesMasterId r:id="rId20"/>
   </p:notesMasterIdLst>
   <p:sldIdLst>
     <p:sldId id="256" r:id="rId2"/>
@@ -13,17 +13,19 @@
     <p:sldId id="258" r:id="rId4"/>
     <p:sldId id="259" r:id="rId5"/>
     <p:sldId id="260" r:id="rId6"/>
-    <p:sldId id="261" r:id="rId7"/>
-    <p:sldId id="262" r:id="rId8"/>
-    <p:sldId id="263" r:id="rId9"/>
-    <p:sldId id="264" r:id="rId10"/>
-    <p:sldId id="265" r:id="rId11"/>
-    <p:sldId id="266" r:id="rId12"/>
-    <p:sldId id="267" r:id="rId13"/>
-    <p:sldId id="271" r:id="rId14"/>
-    <p:sldId id="268" r:id="rId15"/>
-    <p:sldId id="269" r:id="rId16"/>
-    <p:sldId id="270" r:id="rId17"/>
+    <p:sldId id="272" r:id="rId7"/>
+    <p:sldId id="261" r:id="rId8"/>
+    <p:sldId id="262" r:id="rId9"/>
+    <p:sldId id="263" r:id="rId10"/>
+    <p:sldId id="264" r:id="rId11"/>
+    <p:sldId id="265" r:id="rId12"/>
+    <p:sldId id="266" r:id="rId13"/>
+    <p:sldId id="273" r:id="rId14"/>
+    <p:sldId id="267" r:id="rId15"/>
+    <p:sldId id="271" r:id="rId16"/>
+    <p:sldId id="268" r:id="rId17"/>
+    <p:sldId id="269" r:id="rId18"/>
+    <p:sldId id="270" r:id="rId19"/>
   </p:sldIdLst>
   <p:sldSz cx="12192000" cy="6858000"/>
   <p:notesSz cx="6858000" cy="9144000"/>
@@ -264,7 +266,7 @@
             <a:fld id="{69710459-A9A9-44BC-B2E0-145534F5D5BE}" type="datetime1">
               <a:rPr lang="en-US"/>
               <a:pPr lvl="0"/>
-              <a:t>16/5/2016</a:t>
+              <a:t>17/5/2016</a:t>
             </a:fld>
             <a:endParaRPr lang="en-US"/>
           </a:p>
@@ -733,7 +735,7 @@
             <a:fld id="{5DF7ACC5-4A93-4D98-AA97-5E5A05B407E5}" type="datetime1">
               <a:rPr lang="en-US"/>
               <a:pPr lvl="0"/>
-              <a:t>16/5/2016</a:t>
+              <a:t>17/5/2016</a:t>
             </a:fld>
             <a:endParaRPr lang="en-US"/>
           </a:p>
@@ -937,7 +939,7 @@
             <a:fld id="{3688D078-0363-4287-B128-1494DE522A37}" type="datetime1">
               <a:rPr lang="en-US"/>
               <a:pPr lvl="0"/>
-              <a:t>16/5/2016</a:t>
+              <a:t>17/5/2016</a:t>
             </a:fld>
             <a:endParaRPr lang="en-US"/>
           </a:p>
@@ -1151,7 +1153,7 @@
             <a:fld id="{1B794190-3008-497B-B27B-876A5165700B}" type="datetime1">
               <a:rPr lang="en-US"/>
               <a:pPr lvl="0"/>
-              <a:t>16/5/2016</a:t>
+              <a:t>17/5/2016</a:t>
             </a:fld>
             <a:endParaRPr lang="en-US"/>
           </a:p>
@@ -1355,7 +1357,7 @@
             <a:fld id="{F83E5642-0E73-449F-B572-C1739627C765}" type="datetime1">
               <a:rPr lang="en-US"/>
               <a:pPr lvl="0"/>
-              <a:t>16/5/2016</a:t>
+              <a:t>17/5/2016</a:t>
             </a:fld>
             <a:endParaRPr lang="en-US"/>
           </a:p>
@@ -1534,7 +1536,7 @@
             <a:fld id="{D5E47D91-8FBD-4C13-AC85-72D3925D59FC}" type="datetime1">
               <a:rPr lang="en-US"/>
               <a:pPr lvl="0"/>
-              <a:t>16/5/2016</a:t>
+              <a:t>17/5/2016</a:t>
             </a:fld>
             <a:endParaRPr lang="en-US"/>
           </a:p>
@@ -1815,7 +1817,7 @@
             <a:fld id="{808DD69D-8740-48D0-8199-6258BDC3CF11}" type="datetime1">
               <a:rPr lang="en-US"/>
               <a:pPr lvl="0"/>
-              <a:t>16/5/2016</a:t>
+              <a:t>17/5/2016</a:t>
             </a:fld>
             <a:endParaRPr lang="en-US"/>
           </a:p>
@@ -2167,7 +2169,7 @@
             <a:fld id="{1C3ABF99-F18C-498A-97A3-E04E5CDCE106}" type="datetime1">
               <a:rPr lang="en-US"/>
               <a:pPr lvl="0"/>
-              <a:t>16/5/2016</a:t>
+              <a:t>17/5/2016</a:t>
             </a:fld>
             <a:endParaRPr lang="en-US"/>
           </a:p>
@@ -2304,7 +2306,7 @@
             <a:fld id="{FBC6DEF2-FEB5-4DC1-AE64-5224C7565C06}" type="datetime1">
               <a:rPr lang="en-US"/>
               <a:pPr lvl="0"/>
-              <a:t>16/5/2016</a:t>
+              <a:t>17/5/2016</a:t>
             </a:fld>
             <a:endParaRPr lang="en-US"/>
           </a:p>
@@ -2414,7 +2416,7 @@
             <a:fld id="{9247CB25-9EEE-4238-B0C3-84C85F1609C2}" type="datetime1">
               <a:rPr lang="en-US"/>
               <a:pPr lvl="0"/>
-              <a:t>16/5/2016</a:t>
+              <a:t>17/5/2016</a:t>
             </a:fld>
             <a:endParaRPr lang="en-US"/>
           </a:p>
@@ -2662,7 +2664,7 @@
             <a:fld id="{8AF7135D-FD00-4E0F-A295-850590BDD73C}" type="datetime1">
               <a:rPr lang="en-US"/>
               <a:pPr lvl="0"/>
-              <a:t>16/5/2016</a:t>
+              <a:t>17/5/2016</a:t>
             </a:fld>
             <a:endParaRPr lang="en-US"/>
           </a:p>
@@ -2867,7 +2869,7 @@
             <a:fld id="{9CFB5424-FE0C-462F-92AF-1C9A2DA16D95}" type="datetime1">
               <a:rPr lang="en-US"/>
               <a:pPr lvl="0"/>
-              <a:t>16/5/2016</a:t>
+              <a:t>17/5/2016</a:t>
             </a:fld>
             <a:endParaRPr lang="en-US"/>
           </a:p>
@@ -3118,7 +3120,7 @@
             <a:fld id="{0C505D9C-A4E0-4613-A843-6609350BD5E4}" type="datetime1">
               <a:rPr lang="en-US"/>
               <a:pPr lvl="0"/>
-              <a:t>16/5/2016</a:t>
+              <a:t>17/5/2016</a:t>
             </a:fld>
             <a:endParaRPr lang="en-US"/>
           </a:p>
@@ -3903,7 +3905,1236 @@
         </p:nvSpPr>
         <p:spPr>
           <a:xfrm>
-            <a:off x="1014314" y="1060896"/>
+            <a:off x="1014316" y="791702"/>
+            <a:ext cx="8087484" cy="584775"/>
+          </a:xfrm>
+          <a:prstGeom prst="rect">
+            <a:avLst/>
+          </a:prstGeom>
+          <a:noFill/>
+          <a:ln cap="flat">
+            <a:noFill/>
+          </a:ln>
+        </p:spPr>
+        <p:txBody>
+          <a:bodyPr vert="horz" wrap="square" lIns="91440" tIns="45720" rIns="91440" bIns="45720" anchor="t" anchorCtr="0" compatLnSpc="1">
+            <a:spAutoFit/>
+          </a:bodyPr>
+          <a:lstStyle/>
+          <a:p>
+            <a:pPr marL="0" marR="0" lvl="0" indent="0" algn="l" defTabSz="914400" rtl="0" fontAlgn="auto" hangingPunct="1">
+              <a:lnSpc>
+                <a:spcPct val="100000"/>
+              </a:lnSpc>
+              <a:spcBef>
+                <a:spcPts val="0"/>
+              </a:spcBef>
+              <a:spcAft>
+                <a:spcPts val="0"/>
+              </a:spcAft>
+              <a:buNone/>
+              <a:tabLst/>
+              <a:defRPr sz="1800" b="0" i="0" u="none" strike="noStrike" kern="0" cap="none" spc="0" baseline="0">
+                <a:solidFill>
+                  <a:srgbClr val="000000"/>
+                </a:solidFill>
+                <a:uFillTx/>
+              </a:defRPr>
+            </a:pPr>
+            <a:r>
+              <a:rPr lang="en-US" sz="3200" b="0" i="0" u="none" strike="noStrike" kern="1200" cap="none" spc="0" baseline="0" dirty="0">
+                <a:solidFill>
+                  <a:srgbClr val="000000"/>
+                </a:solidFill>
+                <a:uFillTx/>
+                <a:latin typeface="Calibri"/>
+              </a:rPr>
+              <a:t>Analysis of </a:t>
+            </a:r>
+            <a:r>
+              <a:rPr lang="en-US" sz="3200" b="0" i="0" u="none" strike="noStrike" kern="1200" cap="none" spc="0" baseline="0" dirty="0" err="1">
+                <a:solidFill>
+                  <a:srgbClr val="000000"/>
+                </a:solidFill>
+                <a:uFillTx/>
+                <a:latin typeface="Calibri"/>
+              </a:rPr>
+              <a:t>hCSC</a:t>
+            </a:r>
+            <a:endParaRPr lang="en-US" sz="3200" b="0" i="0" u="none" strike="noStrike" kern="1200" cap="none" spc="0" baseline="0" dirty="0">
+              <a:solidFill>
+                <a:srgbClr val="000000"/>
+              </a:solidFill>
+              <a:uFillTx/>
+              <a:latin typeface="Calibri"/>
+            </a:endParaRPr>
+          </a:p>
+        </p:txBody>
+      </p:sp>
+      <p:sp>
+        <p:nvSpPr>
+          <p:cNvPr id="7" name="TextBox 15"/>
+          <p:cNvSpPr txBox="1"/>
+          <p:nvPr/>
+        </p:nvSpPr>
+        <p:spPr>
+          <a:xfrm>
+            <a:off x="0" y="0"/>
+            <a:ext cx="12191996" cy="369335"/>
+          </a:xfrm>
+          <a:prstGeom prst="rect">
+            <a:avLst/>
+          </a:prstGeom>
+          <a:solidFill>
+            <a:srgbClr val="333F50"/>
+          </a:solidFill>
+          <a:ln cap="flat">
+            <a:noFill/>
+          </a:ln>
+        </p:spPr>
+        <p:txBody>
+          <a:bodyPr vert="horz" wrap="square" lIns="91440" tIns="45720" rIns="91440" bIns="45720" anchor="t" anchorCtr="0" compatLnSpc="1">
+            <a:spAutoFit/>
+          </a:bodyPr>
+          <a:lstStyle/>
+          <a:p>
+            <a:pPr marL="0" marR="0" lvl="0" indent="0" algn="l" defTabSz="914400" rtl="0" fontAlgn="auto" hangingPunct="1">
+              <a:lnSpc>
+                <a:spcPct val="100000"/>
+              </a:lnSpc>
+              <a:spcBef>
+                <a:spcPts val="0"/>
+              </a:spcBef>
+              <a:spcAft>
+                <a:spcPts val="0"/>
+              </a:spcAft>
+              <a:buNone/>
+              <a:tabLst/>
+              <a:defRPr sz="1800" b="0" i="0" u="none" strike="noStrike" kern="0" cap="none" spc="0" baseline="0">
+                <a:solidFill>
+                  <a:srgbClr val="000000"/>
+                </a:solidFill>
+                <a:uFillTx/>
+              </a:defRPr>
+            </a:pPr>
+            <a:r>
+              <a:rPr lang="en-US" sz="1800" b="0" i="0" u="none" strike="noStrike" kern="1200" cap="none" spc="0" baseline="0">
+                <a:solidFill>
+                  <a:srgbClr val="FFFFFF"/>
+                </a:solidFill>
+                <a:uFillTx/>
+                <a:latin typeface="Corbel" pitchFamily="34"/>
+              </a:rPr>
+              <a:t> CIRCULAR SEQUENCE COMPARISON: ALGORITHMS AND APPLICATIONS</a:t>
+            </a:r>
+          </a:p>
+        </p:txBody>
+      </p:sp>
+      <mc:AlternateContent xmlns:mc="http://schemas.openxmlformats.org/markup-compatibility/2006" xmlns:a14="http://schemas.microsoft.com/office/drawing/2010/main">
+        <mc:Choice Requires="a14">
+          <p:sp>
+            <p:nvSpPr>
+              <p:cNvPr id="16" name="TextBox 14"/>
+              <p:cNvSpPr txBox="1"/>
+              <p:nvPr/>
+            </p:nvSpPr>
+            <p:spPr>
+              <a:xfrm>
+                <a:off x="1014316" y="1770708"/>
+                <a:ext cx="10163363" cy="461665"/>
+              </a:xfrm>
+              <a:prstGeom prst="rect">
+                <a:avLst/>
+              </a:prstGeom>
+              <a:noFill/>
+              <a:ln cap="flat">
+                <a:noFill/>
+              </a:ln>
+            </p:spPr>
+            <p:txBody>
+              <a:bodyPr vert="horz" wrap="square" lIns="91440" tIns="45720" rIns="91440" bIns="45720" anchor="t" anchorCtr="0" compatLnSpc="1">
+                <a:spAutoFit/>
+              </a:bodyPr>
+              <a:lstStyle/>
+              <a:p>
+                <a:pPr lvl="0">
+                  <a:defRPr sz="1800" b="0" i="0" u="none" strike="noStrike" kern="0" cap="none" spc="0" baseline="0">
+                    <a:solidFill>
+                      <a:srgbClr val="000000"/>
+                    </a:solidFill>
+                    <a:uFillTx/>
+                  </a:defRPr>
+                </a:pPr>
+                <a:r>
+                  <a:rPr lang="en-US" sz="2400" dirty="0">
+                    <a:solidFill>
+                      <a:srgbClr val="000000"/>
+                    </a:solidFill>
+                    <a:latin typeface="Calibri"/>
+                  </a:rPr>
+                  <a:t>Step 2 (block-by-block search)	</a:t>
+                </a:r>
+                <a14:m>
+                  <m:oMath xmlns:m="http://schemas.openxmlformats.org/officeDocument/2006/math">
+                    <m:r>
+                      <a:rPr lang="en-US" sz="2400" b="0" i="1" u="none" strike="noStrike" kern="1200" cap="none" spc="0" baseline="0" smtClean="0">
+                        <a:solidFill>
+                          <a:srgbClr val="000000"/>
+                        </a:solidFill>
+                        <a:uFillTx/>
+                        <a:latin typeface="Cambria Math" panose="02040503050406030204" pitchFamily="18" charset="0"/>
+                        <a:ea typeface="Cambria Math" panose="02040503050406030204" pitchFamily="18" charset="0"/>
+                      </a:rPr>
+                      <m:t>𝒪</m:t>
+                    </m:r>
+                    <m:r>
+                      <a:rPr lang="en-US" sz="2400" b="0" i="1" u="none" strike="noStrike" kern="1200" cap="none" spc="0" baseline="0" smtClean="0">
+                        <a:solidFill>
+                          <a:srgbClr val="000000"/>
+                        </a:solidFill>
+                        <a:uFillTx/>
+                        <a:latin typeface="Cambria Math" panose="02040503050406030204" pitchFamily="18" charset="0"/>
+                        <a:ea typeface="Cambria Math" panose="02040503050406030204" pitchFamily="18" charset="0"/>
+                      </a:rPr>
+                      <m:t>(</m:t>
+                    </m:r>
+                    <m:r>
+                      <a:rPr lang="en-US" sz="2400" b="0" i="1" u="none" strike="noStrike" kern="1200" cap="none" spc="0" baseline="0" smtClean="0">
+                        <a:solidFill>
+                          <a:srgbClr val="000000"/>
+                        </a:solidFill>
+                        <a:uFillTx/>
+                        <a:latin typeface="Cambria Math" panose="02040503050406030204" pitchFamily="18" charset="0"/>
+                        <a:ea typeface="Cambria Math" panose="02040503050406030204" pitchFamily="18" charset="0"/>
+                      </a:rPr>
+                      <m:t>𝛽</m:t>
+                    </m:r>
+                    <m:d>
+                      <m:dPr>
+                        <m:ctrlPr>
+                          <a:rPr lang="en-US" sz="2400" b="0" i="1" u="none" strike="noStrike" kern="1200" cap="none" spc="0" baseline="0" smtClean="0">
+                            <a:solidFill>
+                              <a:srgbClr val="000000"/>
+                            </a:solidFill>
+                            <a:uFillTx/>
+                            <a:latin typeface="Cambria Math" panose="02040503050406030204" pitchFamily="18" charset="0"/>
+                            <a:ea typeface="Cambria Math" panose="02040503050406030204" pitchFamily="18" charset="0"/>
+                          </a:rPr>
+                        </m:ctrlPr>
+                      </m:dPr>
+                      <m:e>
+                        <m:r>
+                          <a:rPr lang="en-US" sz="2400" b="0" i="1" u="none" strike="noStrike" kern="1200" cap="none" spc="0" baseline="0" smtClean="0">
+                            <a:solidFill>
+                              <a:srgbClr val="000000"/>
+                            </a:solidFill>
+                            <a:uFillTx/>
+                            <a:latin typeface="Cambria Math" panose="02040503050406030204" pitchFamily="18" charset="0"/>
+                            <a:ea typeface="Cambria Math" panose="02040503050406030204" pitchFamily="18" charset="0"/>
+                          </a:rPr>
+                          <m:t>𝑚</m:t>
+                        </m:r>
+                        <m:r>
+                          <a:rPr lang="en-US" sz="2400" b="0" i="1" u="none" strike="noStrike" kern="1200" cap="none" spc="0" baseline="0" smtClean="0">
+                            <a:solidFill>
+                              <a:srgbClr val="000000"/>
+                            </a:solidFill>
+                            <a:uFillTx/>
+                            <a:latin typeface="Cambria Math" panose="02040503050406030204" pitchFamily="18" charset="0"/>
+                            <a:ea typeface="Cambria Math" panose="02040503050406030204" pitchFamily="18" charset="0"/>
+                          </a:rPr>
+                          <m:t>+</m:t>
+                        </m:r>
+                        <m:r>
+                          <a:rPr lang="en-US" sz="2400" b="0" i="1" u="none" strike="noStrike" kern="1200" cap="none" spc="0" baseline="0" smtClean="0">
+                            <a:solidFill>
+                              <a:srgbClr val="000000"/>
+                            </a:solidFill>
+                            <a:uFillTx/>
+                            <a:latin typeface="Cambria Math" panose="02040503050406030204" pitchFamily="18" charset="0"/>
+                            <a:ea typeface="Cambria Math" panose="02040503050406030204" pitchFamily="18" charset="0"/>
+                          </a:rPr>
+                          <m:t>𝑛</m:t>
+                        </m:r>
+                      </m:e>
+                    </m:d>
+                    <m:r>
+                      <a:rPr lang="en-US" sz="2400" b="0" i="1" u="none" strike="noStrike" kern="1200" cap="none" spc="0" baseline="0" smtClean="0">
+                        <a:solidFill>
+                          <a:srgbClr val="000000"/>
+                        </a:solidFill>
+                        <a:uFillTx/>
+                        <a:latin typeface="Cambria Math" panose="02040503050406030204" pitchFamily="18" charset="0"/>
+                        <a:ea typeface="Cambria Math" panose="02040503050406030204" pitchFamily="18" charset="0"/>
+                      </a:rPr>
+                      <m:t>)</m:t>
+                    </m:r>
+                  </m:oMath>
+                </a14:m>
+                <a:endParaRPr lang="en-US" sz="2400" b="0" i="0" u="none" strike="noStrike" kern="1200" cap="none" spc="0" baseline="0" dirty="0">
+                  <a:solidFill>
+                    <a:srgbClr val="000000"/>
+                  </a:solidFill>
+                  <a:uFillTx/>
+                  <a:latin typeface="Calibri"/>
+                </a:endParaRPr>
+              </a:p>
+            </p:txBody>
+          </p:sp>
+        </mc:Choice>
+        <mc:Fallback xmlns="">
+          <p:sp>
+            <p:nvSpPr>
+              <p:cNvPr id="16" name="TextBox 14"/>
+              <p:cNvSpPr txBox="1">
+                <a:spLocks noRot="1" noChangeAspect="1" noMove="1" noResize="1" noEditPoints="1" noAdjustHandles="1" noChangeArrowheads="1" noChangeShapeType="1" noTextEdit="1"/>
+              </p:cNvSpPr>
+              <p:nvPr/>
+            </p:nvSpPr>
+            <p:spPr>
+              <a:xfrm>
+                <a:off x="1014316" y="1770708"/>
+                <a:ext cx="10163363" cy="461665"/>
+              </a:xfrm>
+              <a:prstGeom prst="rect">
+                <a:avLst/>
+              </a:prstGeom>
+              <a:blipFill>
+                <a:blip r:embed="rId2"/>
+                <a:stretch>
+                  <a:fillRect l="-899" t="-10526" b="-28947"/>
+                </a:stretch>
+              </a:blipFill>
+              <a:ln cap="flat">
+                <a:noFill/>
+              </a:ln>
+            </p:spPr>
+            <p:txBody>
+              <a:bodyPr/>
+              <a:lstStyle/>
+              <a:p>
+                <a:r>
+                  <a:rPr lang="en-US">
+                    <a:noFill/>
+                  </a:rPr>
+                  <a:t> </a:t>
+                </a:r>
+              </a:p>
+            </p:txBody>
+          </p:sp>
+        </mc:Fallback>
+      </mc:AlternateContent>
+      <mc:AlternateContent xmlns:mc="http://schemas.openxmlformats.org/markup-compatibility/2006" xmlns:a14="http://schemas.microsoft.com/office/drawing/2010/main">
+        <mc:Choice Requires="a14">
+          <p:sp>
+            <p:nvSpPr>
+              <p:cNvPr id="18" name="TextBox 14"/>
+              <p:cNvSpPr txBox="1"/>
+              <p:nvPr/>
+            </p:nvSpPr>
+            <p:spPr>
+              <a:xfrm>
+                <a:off x="1014315" y="2404522"/>
+                <a:ext cx="10163363" cy="631520"/>
+              </a:xfrm>
+              <a:prstGeom prst="rect">
+                <a:avLst/>
+              </a:prstGeom>
+              <a:noFill/>
+              <a:ln cap="flat">
+                <a:noFill/>
+              </a:ln>
+            </p:spPr>
+            <p:txBody>
+              <a:bodyPr vert="horz" wrap="square" lIns="91440" tIns="45720" rIns="91440" bIns="45720" anchor="t" anchorCtr="0" compatLnSpc="1">
+                <a:spAutoFit/>
+              </a:bodyPr>
+              <a:lstStyle/>
+              <a:p>
+                <a:pPr>
+                  <a:defRPr sz="1800" b="0" i="0" u="none" strike="noStrike" kern="0" cap="none" spc="0" baseline="0">
+                    <a:solidFill>
+                      <a:srgbClr val="000000"/>
+                    </a:solidFill>
+                    <a:uFillTx/>
+                  </a:defRPr>
+                </a:pPr>
+                <a:r>
+                  <a:rPr lang="en-US" sz="2400" dirty="0">
+                    <a:solidFill>
+                      <a:srgbClr val="000000"/>
+                    </a:solidFill>
+                  </a:rPr>
+                  <a:t>Step 3 (char-by-char local search)	</a:t>
+                </a:r>
+                <a14:m>
+                  <m:oMath xmlns:m="http://schemas.openxmlformats.org/officeDocument/2006/math">
+                    <m:r>
+                      <a:rPr lang="en-US" sz="2400" i="1">
+                        <a:solidFill>
+                          <a:srgbClr val="000000"/>
+                        </a:solidFill>
+                        <a:latin typeface="Cambria Math" panose="02040503050406030204" pitchFamily="18" charset="0"/>
+                        <a:ea typeface="Cambria Math" panose="02040503050406030204" pitchFamily="18" charset="0"/>
+                      </a:rPr>
+                      <m:t>𝒪</m:t>
+                    </m:r>
+                    <m:r>
+                      <a:rPr lang="en-US" sz="2400" i="1">
+                        <a:solidFill>
+                          <a:srgbClr val="000000"/>
+                        </a:solidFill>
+                        <a:latin typeface="Cambria Math" panose="02040503050406030204" pitchFamily="18" charset="0"/>
+                        <a:ea typeface="Cambria Math" panose="02040503050406030204" pitchFamily="18" charset="0"/>
+                      </a:rPr>
+                      <m:t>(</m:t>
+                    </m:r>
+                    <m:f>
+                      <m:fPr>
+                        <m:ctrlPr>
+                          <a:rPr lang="en-US" sz="2400" b="0" i="1" smtClean="0">
+                            <a:solidFill>
+                              <a:srgbClr val="000000"/>
+                            </a:solidFill>
+                            <a:latin typeface="Cambria Math" panose="02040503050406030204" pitchFamily="18" charset="0"/>
+                            <a:ea typeface="Cambria Math" panose="02040503050406030204" pitchFamily="18" charset="0"/>
+                          </a:rPr>
+                        </m:ctrlPr>
+                      </m:fPr>
+                      <m:num>
+                        <m:r>
+                          <a:rPr lang="en-US" sz="2400" b="0" i="1" smtClean="0">
+                            <a:solidFill>
+                              <a:srgbClr val="000000"/>
+                            </a:solidFill>
+                            <a:latin typeface="Cambria Math" panose="02040503050406030204" pitchFamily="18" charset="0"/>
+                            <a:ea typeface="Cambria Math" panose="02040503050406030204" pitchFamily="18" charset="0"/>
+                          </a:rPr>
+                          <m:t>𝑚</m:t>
+                        </m:r>
+                      </m:num>
+                      <m:den>
+                        <m:r>
+                          <a:rPr lang="en-US" sz="2400" i="1">
+                            <a:solidFill>
+                              <a:srgbClr val="000000"/>
+                            </a:solidFill>
+                            <a:latin typeface="Cambria Math" panose="02040503050406030204" pitchFamily="18" charset="0"/>
+                            <a:ea typeface="Cambria Math" panose="02040503050406030204" pitchFamily="18" charset="0"/>
+                          </a:rPr>
+                          <m:t>𝛽</m:t>
+                        </m:r>
+                      </m:den>
+                    </m:f>
+                    <m:d>
+                      <m:dPr>
+                        <m:ctrlPr>
+                          <a:rPr lang="en-US" sz="2400" i="1">
+                            <a:solidFill>
+                              <a:srgbClr val="000000"/>
+                            </a:solidFill>
+                            <a:latin typeface="Cambria Math" panose="02040503050406030204" pitchFamily="18" charset="0"/>
+                            <a:ea typeface="Cambria Math" panose="02040503050406030204" pitchFamily="18" charset="0"/>
+                          </a:rPr>
+                        </m:ctrlPr>
+                      </m:dPr>
+                      <m:e>
+                        <m:r>
+                          <a:rPr lang="en-US" sz="2400" i="1">
+                            <a:solidFill>
+                              <a:srgbClr val="000000"/>
+                            </a:solidFill>
+                            <a:latin typeface="Cambria Math" panose="02040503050406030204" pitchFamily="18" charset="0"/>
+                            <a:ea typeface="Cambria Math" panose="02040503050406030204" pitchFamily="18" charset="0"/>
+                          </a:rPr>
+                          <m:t>𝑚</m:t>
+                        </m:r>
+                        <m:r>
+                          <a:rPr lang="en-US" sz="2400" i="1">
+                            <a:solidFill>
+                              <a:srgbClr val="000000"/>
+                            </a:solidFill>
+                            <a:latin typeface="Cambria Math" panose="02040503050406030204" pitchFamily="18" charset="0"/>
+                            <a:ea typeface="Cambria Math" panose="02040503050406030204" pitchFamily="18" charset="0"/>
+                          </a:rPr>
+                          <m:t>+</m:t>
+                        </m:r>
+                        <m:r>
+                          <a:rPr lang="en-US" sz="2400" i="1">
+                            <a:solidFill>
+                              <a:srgbClr val="000000"/>
+                            </a:solidFill>
+                            <a:latin typeface="Cambria Math" panose="02040503050406030204" pitchFamily="18" charset="0"/>
+                            <a:ea typeface="Cambria Math" panose="02040503050406030204" pitchFamily="18" charset="0"/>
+                          </a:rPr>
+                          <m:t>𝑛</m:t>
+                        </m:r>
+                      </m:e>
+                    </m:d>
+                    <m:r>
+                      <a:rPr lang="en-US" sz="2400" i="1">
+                        <a:solidFill>
+                          <a:srgbClr val="000000"/>
+                        </a:solidFill>
+                        <a:latin typeface="Cambria Math" panose="02040503050406030204" pitchFamily="18" charset="0"/>
+                        <a:ea typeface="Cambria Math" panose="02040503050406030204" pitchFamily="18" charset="0"/>
+                      </a:rPr>
+                      <m:t>)</m:t>
+                    </m:r>
+                  </m:oMath>
+                </a14:m>
+                <a:endParaRPr lang="en-US" sz="2400" dirty="0">
+                  <a:solidFill>
+                    <a:srgbClr val="000000"/>
+                  </a:solidFill>
+                </a:endParaRPr>
+              </a:p>
+            </p:txBody>
+          </p:sp>
+        </mc:Choice>
+        <mc:Fallback xmlns="">
+          <p:sp>
+            <p:nvSpPr>
+              <p:cNvPr id="18" name="TextBox 14"/>
+              <p:cNvSpPr txBox="1">
+                <a:spLocks noRot="1" noChangeAspect="1" noMove="1" noResize="1" noEditPoints="1" noAdjustHandles="1" noChangeArrowheads="1" noChangeShapeType="1" noTextEdit="1"/>
+              </p:cNvSpPr>
+              <p:nvPr/>
+            </p:nvSpPr>
+            <p:spPr>
+              <a:xfrm>
+                <a:off x="1014315" y="2404522"/>
+                <a:ext cx="10163363" cy="631520"/>
+              </a:xfrm>
+              <a:prstGeom prst="rect">
+                <a:avLst/>
+              </a:prstGeom>
+              <a:blipFill>
+                <a:blip r:embed="rId3"/>
+                <a:stretch>
+                  <a:fillRect l="-899" b="-1923"/>
+                </a:stretch>
+              </a:blipFill>
+              <a:ln cap="flat">
+                <a:noFill/>
+              </a:ln>
+            </p:spPr>
+            <p:txBody>
+              <a:bodyPr/>
+              <a:lstStyle/>
+              <a:p>
+                <a:r>
+                  <a:rPr lang="en-US">
+                    <a:noFill/>
+                  </a:rPr>
+                  <a:t> </a:t>
+                </a:r>
+              </a:p>
+            </p:txBody>
+          </p:sp>
+        </mc:Fallback>
+      </mc:AlternateContent>
+      <mc:AlternateContent xmlns:mc="http://schemas.openxmlformats.org/markup-compatibility/2006" xmlns:a14="http://schemas.microsoft.com/office/drawing/2010/main">
+        <mc:Choice Requires="a14">
+          <p:sp>
+            <p:nvSpPr>
+              <p:cNvPr id="19" name="TextBox 14"/>
+              <p:cNvSpPr txBox="1"/>
+              <p:nvPr/>
+            </p:nvSpPr>
+            <p:spPr>
+              <a:xfrm>
+                <a:off x="1014312" y="3022432"/>
+                <a:ext cx="10163363" cy="922176"/>
+              </a:xfrm>
+              <a:prstGeom prst="rect">
+                <a:avLst/>
+              </a:prstGeom>
+              <a:noFill/>
+              <a:ln cap="flat">
+                <a:noFill/>
+              </a:ln>
+            </p:spPr>
+            <p:txBody>
+              <a:bodyPr vert="horz" wrap="square" lIns="91440" tIns="45720" rIns="91440" bIns="45720" anchor="t" anchorCtr="0" compatLnSpc="1">
+                <a:spAutoFit/>
+              </a:bodyPr>
+              <a:lstStyle/>
+              <a:p>
+                <a:pPr>
+                  <a:defRPr sz="1800" b="0" i="0" u="none" strike="noStrike" kern="0" cap="none" spc="0" baseline="0">
+                    <a:solidFill>
+                      <a:srgbClr val="000000"/>
+                    </a:solidFill>
+                    <a:uFillTx/>
+                  </a:defRPr>
+                </a:pPr>
+                <a:r>
+                  <a:rPr lang="en-US" sz="2400" dirty="0">
+                    <a:solidFill>
+                      <a:srgbClr val="000000"/>
+                    </a:solidFill>
+                  </a:rPr>
+                  <a:t>Total					</a:t>
+                </a:r>
+                <a14:m>
+                  <m:oMath xmlns:m="http://schemas.openxmlformats.org/officeDocument/2006/math">
+                    <m:r>
+                      <a:rPr lang="en-US" sz="2400" i="1">
+                        <a:solidFill>
+                          <a:srgbClr val="000000"/>
+                        </a:solidFill>
+                        <a:latin typeface="Cambria Math" panose="02040503050406030204" pitchFamily="18" charset="0"/>
+                        <a:ea typeface="Cambria Math" panose="02040503050406030204" pitchFamily="18" charset="0"/>
+                      </a:rPr>
+                      <m:t>𝒪</m:t>
+                    </m:r>
+                    <m:d>
+                      <m:dPr>
+                        <m:ctrlPr>
+                          <a:rPr lang="en-US" sz="2400" i="1">
+                            <a:solidFill>
+                              <a:srgbClr val="000000"/>
+                            </a:solidFill>
+                            <a:latin typeface="Cambria Math" panose="02040503050406030204" pitchFamily="18" charset="0"/>
+                            <a:ea typeface="Cambria Math" panose="02040503050406030204" pitchFamily="18" charset="0"/>
+                          </a:rPr>
+                        </m:ctrlPr>
+                      </m:dPr>
+                      <m:e>
+                        <m:d>
+                          <m:dPr>
+                            <m:ctrlPr>
+                              <a:rPr lang="en-US" sz="2400" b="0" i="1" smtClean="0">
+                                <a:solidFill>
+                                  <a:srgbClr val="000000"/>
+                                </a:solidFill>
+                                <a:latin typeface="Cambria Math" panose="02040503050406030204" pitchFamily="18" charset="0"/>
+                                <a:ea typeface="Cambria Math" panose="02040503050406030204" pitchFamily="18" charset="0"/>
+                              </a:rPr>
+                            </m:ctrlPr>
+                          </m:dPr>
+                          <m:e>
+                            <m:r>
+                              <a:rPr lang="en-US" sz="2400" i="1">
+                                <a:solidFill>
+                                  <a:srgbClr val="000000"/>
+                                </a:solidFill>
+                                <a:latin typeface="Cambria Math" panose="02040503050406030204" pitchFamily="18" charset="0"/>
+                                <a:ea typeface="Cambria Math" panose="02040503050406030204" pitchFamily="18" charset="0"/>
+                              </a:rPr>
+                              <m:t>𝛽</m:t>
+                            </m:r>
+                            <m:r>
+                              <a:rPr lang="en-US" sz="2400" b="0" i="1" smtClean="0">
+                                <a:solidFill>
+                                  <a:srgbClr val="000000"/>
+                                </a:solidFill>
+                                <a:latin typeface="Cambria Math" panose="02040503050406030204" pitchFamily="18" charset="0"/>
+                                <a:ea typeface="Cambria Math" panose="02040503050406030204" pitchFamily="18" charset="0"/>
+                              </a:rPr>
+                              <m:t>+</m:t>
+                            </m:r>
+                            <m:f>
+                              <m:fPr>
+                                <m:ctrlPr>
+                                  <a:rPr lang="en-US" sz="2400" i="1">
+                                    <a:solidFill>
+                                      <a:srgbClr val="000000"/>
+                                    </a:solidFill>
+                                    <a:latin typeface="Cambria Math" panose="02040503050406030204" pitchFamily="18" charset="0"/>
+                                    <a:ea typeface="Cambria Math" panose="02040503050406030204" pitchFamily="18" charset="0"/>
+                                  </a:rPr>
+                                </m:ctrlPr>
+                              </m:fPr>
+                              <m:num>
+                                <m:r>
+                                  <a:rPr lang="en-US" sz="2400" i="1">
+                                    <a:solidFill>
+                                      <a:srgbClr val="000000"/>
+                                    </a:solidFill>
+                                    <a:latin typeface="Cambria Math" panose="02040503050406030204" pitchFamily="18" charset="0"/>
+                                    <a:ea typeface="Cambria Math" panose="02040503050406030204" pitchFamily="18" charset="0"/>
+                                  </a:rPr>
+                                  <m:t>𝑚</m:t>
+                                </m:r>
+                              </m:num>
+                              <m:den>
+                                <m:r>
+                                  <a:rPr lang="en-US" sz="2400" i="1">
+                                    <a:solidFill>
+                                      <a:srgbClr val="000000"/>
+                                    </a:solidFill>
+                                    <a:latin typeface="Cambria Math" panose="02040503050406030204" pitchFamily="18" charset="0"/>
+                                    <a:ea typeface="Cambria Math" panose="02040503050406030204" pitchFamily="18" charset="0"/>
+                                  </a:rPr>
+                                  <m:t>𝛽</m:t>
+                                </m:r>
+                              </m:den>
+                            </m:f>
+                          </m:e>
+                        </m:d>
+                        <m:d>
+                          <m:dPr>
+                            <m:ctrlPr>
+                              <a:rPr lang="en-US" sz="2400" i="1">
+                                <a:solidFill>
+                                  <a:srgbClr val="000000"/>
+                                </a:solidFill>
+                                <a:latin typeface="Cambria Math" panose="02040503050406030204" pitchFamily="18" charset="0"/>
+                                <a:ea typeface="Cambria Math" panose="02040503050406030204" pitchFamily="18" charset="0"/>
+                              </a:rPr>
+                            </m:ctrlPr>
+                          </m:dPr>
+                          <m:e>
+                            <m:r>
+                              <a:rPr lang="en-US" sz="2400" i="1">
+                                <a:solidFill>
+                                  <a:srgbClr val="000000"/>
+                                </a:solidFill>
+                                <a:latin typeface="Cambria Math" panose="02040503050406030204" pitchFamily="18" charset="0"/>
+                                <a:ea typeface="Cambria Math" panose="02040503050406030204" pitchFamily="18" charset="0"/>
+                              </a:rPr>
+                              <m:t>𝑚</m:t>
+                            </m:r>
+                            <m:r>
+                              <a:rPr lang="en-US" sz="2400" i="1">
+                                <a:solidFill>
+                                  <a:srgbClr val="000000"/>
+                                </a:solidFill>
+                                <a:latin typeface="Cambria Math" panose="02040503050406030204" pitchFamily="18" charset="0"/>
+                                <a:ea typeface="Cambria Math" panose="02040503050406030204" pitchFamily="18" charset="0"/>
+                              </a:rPr>
+                              <m:t>+</m:t>
+                            </m:r>
+                            <m:r>
+                              <a:rPr lang="en-US" sz="2400" i="1">
+                                <a:solidFill>
+                                  <a:srgbClr val="000000"/>
+                                </a:solidFill>
+                                <a:latin typeface="Cambria Math" panose="02040503050406030204" pitchFamily="18" charset="0"/>
+                                <a:ea typeface="Cambria Math" panose="02040503050406030204" pitchFamily="18" charset="0"/>
+                              </a:rPr>
+                              <m:t>𝑛</m:t>
+                            </m:r>
+                          </m:e>
+                        </m:d>
+                      </m:e>
+                    </m:d>
+                  </m:oMath>
+                </a14:m>
+                <a:r>
+                  <a:rPr lang="en-US" sz="2400" dirty="0">
+                    <a:solidFill>
+                      <a:srgbClr val="000000"/>
+                    </a:solidFill>
+                  </a:rPr>
+                  <a:t> </a:t>
+                </a:r>
+              </a:p>
+            </p:txBody>
+          </p:sp>
+        </mc:Choice>
+        <mc:Fallback xmlns="">
+          <p:sp>
+            <p:nvSpPr>
+              <p:cNvPr id="19" name="TextBox 14"/>
+              <p:cNvSpPr txBox="1">
+                <a:spLocks noRot="1" noChangeAspect="1" noMove="1" noResize="1" noEditPoints="1" noAdjustHandles="1" noChangeArrowheads="1" noChangeShapeType="1" noTextEdit="1"/>
+              </p:cNvSpPr>
+              <p:nvPr/>
+            </p:nvSpPr>
+            <p:spPr>
+              <a:xfrm>
+                <a:off x="1014312" y="3022432"/>
+                <a:ext cx="10163363" cy="922176"/>
+              </a:xfrm>
+              <a:prstGeom prst="rect">
+                <a:avLst/>
+              </a:prstGeom>
+              <a:blipFill>
+                <a:blip r:embed="rId4"/>
+                <a:stretch>
+                  <a:fillRect l="-899"/>
+                </a:stretch>
+              </a:blipFill>
+              <a:ln cap="flat">
+                <a:noFill/>
+              </a:ln>
+            </p:spPr>
+            <p:txBody>
+              <a:bodyPr/>
+              <a:lstStyle/>
+              <a:p>
+                <a:r>
+                  <a:rPr lang="en-US">
+                    <a:noFill/>
+                  </a:rPr>
+                  <a:t> </a:t>
+                </a:r>
+              </a:p>
+            </p:txBody>
+          </p:sp>
+        </mc:Fallback>
+      </mc:AlternateContent>
+      <p:sp>
+        <p:nvSpPr>
+          <p:cNvPr id="20" name="TextBox 14"/>
+          <p:cNvSpPr txBox="1"/>
+          <p:nvPr/>
+        </p:nvSpPr>
+        <p:spPr>
+          <a:xfrm>
+            <a:off x="1014312" y="5553392"/>
+            <a:ext cx="10163363" cy="461665"/>
+          </a:xfrm>
+          <a:prstGeom prst="rect">
+            <a:avLst/>
+          </a:prstGeom>
+          <a:noFill/>
+          <a:ln cap="flat">
+            <a:noFill/>
+          </a:ln>
+        </p:spPr>
+        <p:txBody>
+          <a:bodyPr vert="horz" wrap="square" lIns="91440" tIns="45720" rIns="91440" bIns="45720" anchor="t" anchorCtr="0" compatLnSpc="1">
+            <a:spAutoFit/>
+          </a:bodyPr>
+          <a:lstStyle/>
+          <a:p>
+            <a:pPr>
+              <a:defRPr sz="1800" b="0" i="0" u="none" strike="noStrike" kern="0" cap="none" spc="0" baseline="0">
+                <a:solidFill>
+                  <a:srgbClr val="000000"/>
+                </a:solidFill>
+                <a:uFillTx/>
+              </a:defRPr>
+            </a:pPr>
+            <a:r>
+              <a:rPr lang="en-US" sz="2400" dirty="0">
+                <a:solidFill>
+                  <a:srgbClr val="000000"/>
+                </a:solidFill>
+              </a:rPr>
+              <a:t>Does not necessarily find global optimum!</a:t>
+            </a:r>
+          </a:p>
+        </p:txBody>
+      </p:sp>
+      <p:sp>
+        <p:nvSpPr>
+          <p:cNvPr id="21" name="TextBox 14"/>
+          <p:cNvSpPr txBox="1"/>
+          <p:nvPr/>
+        </p:nvSpPr>
+        <p:spPr>
+          <a:xfrm>
+            <a:off x="1014312" y="4813149"/>
+            <a:ext cx="10163363" cy="461665"/>
+          </a:xfrm>
+          <a:prstGeom prst="rect">
+            <a:avLst/>
+          </a:prstGeom>
+          <a:noFill/>
+          <a:ln cap="flat">
+            <a:noFill/>
+          </a:ln>
+        </p:spPr>
+        <p:txBody>
+          <a:bodyPr vert="horz" wrap="square" lIns="91440" tIns="45720" rIns="91440" bIns="45720" anchor="t" anchorCtr="0" compatLnSpc="1">
+            <a:spAutoFit/>
+          </a:bodyPr>
+          <a:lstStyle/>
+          <a:p>
+            <a:pPr>
+              <a:defRPr sz="1800" b="0" i="0" u="none" strike="noStrike" kern="0" cap="none" spc="0" baseline="0">
+                <a:solidFill>
+                  <a:srgbClr val="000000"/>
+                </a:solidFill>
+                <a:uFillTx/>
+              </a:defRPr>
+            </a:pPr>
+            <a:r>
+              <a:rPr lang="en-US" sz="2400" dirty="0">
+                <a:solidFill>
+                  <a:srgbClr val="000000"/>
+                </a:solidFill>
+              </a:rPr>
+              <a:t>Linear additional space</a:t>
+            </a:r>
+          </a:p>
+        </p:txBody>
+      </p:sp>
+      <mc:AlternateContent xmlns:mc="http://schemas.openxmlformats.org/markup-compatibility/2006" xmlns:a14="http://schemas.microsoft.com/office/drawing/2010/main">
+        <mc:Choice Requires="a14">
+          <p:sp>
+            <p:nvSpPr>
+              <p:cNvPr id="22" name="TextBox 14"/>
+              <p:cNvSpPr txBox="1"/>
+              <p:nvPr/>
+            </p:nvSpPr>
+            <p:spPr>
+              <a:xfrm>
+                <a:off x="1014312" y="4018557"/>
+                <a:ext cx="10163363" cy="461665"/>
+              </a:xfrm>
+              <a:prstGeom prst="rect">
+                <a:avLst/>
+              </a:prstGeom>
+              <a:noFill/>
+              <a:ln cap="flat">
+                <a:noFill/>
+              </a:ln>
+            </p:spPr>
+            <p:txBody>
+              <a:bodyPr vert="horz" wrap="square" lIns="91440" tIns="45720" rIns="91440" bIns="45720" anchor="t" anchorCtr="0" compatLnSpc="1">
+                <a:spAutoFit/>
+              </a:bodyPr>
+              <a:lstStyle/>
+              <a:p>
+                <a:pPr>
+                  <a:defRPr sz="1800" b="0" i="0" u="none" strike="noStrike" kern="0" cap="none" spc="0" baseline="0">
+                    <a:solidFill>
+                      <a:srgbClr val="000000"/>
+                    </a:solidFill>
+                    <a:uFillTx/>
+                  </a:defRPr>
+                </a:pPr>
+                <a:r>
+                  <a:rPr lang="en-US" sz="2400" dirty="0">
+                    <a:solidFill>
+                      <a:srgbClr val="000000"/>
+                    </a:solidFill>
+                  </a:rPr>
+                  <a:t>By letting </a:t>
+                </a:r>
+                <a14:m>
+                  <m:oMath xmlns:m="http://schemas.openxmlformats.org/officeDocument/2006/math">
+                    <m:r>
+                      <m:rPr>
+                        <m:sty m:val="p"/>
+                      </m:rPr>
+                      <a:rPr lang="el-GR" sz="2400" i="1">
+                        <a:solidFill>
+                          <a:srgbClr val="000000"/>
+                        </a:solidFill>
+                        <a:latin typeface="Cambria Math" panose="02040503050406030204" pitchFamily="18" charset="0"/>
+                        <a:ea typeface="Cambria Math" panose="02040503050406030204" pitchFamily="18" charset="0"/>
+                      </a:rPr>
+                      <m:t>β</m:t>
+                    </m:r>
+                    <m:r>
+                      <a:rPr lang="en-US" sz="2400" i="1">
+                        <a:solidFill>
+                          <a:srgbClr val="000000"/>
+                        </a:solidFill>
+                        <a:latin typeface="Cambria Math" panose="02040503050406030204" pitchFamily="18" charset="0"/>
+                        <a:ea typeface="Cambria Math" panose="02040503050406030204" pitchFamily="18" charset="0"/>
+                      </a:rPr>
+                      <m:t>=</m:t>
+                    </m:r>
+                    <m:rad>
+                      <m:radPr>
+                        <m:degHide m:val="on"/>
+                        <m:ctrlPr>
+                          <a:rPr lang="en-US" sz="2400" i="1">
+                            <a:solidFill>
+                              <a:srgbClr val="000000"/>
+                            </a:solidFill>
+                            <a:latin typeface="Cambria Math" panose="02040503050406030204" pitchFamily="18" charset="0"/>
+                            <a:ea typeface="Cambria Math" panose="02040503050406030204" pitchFamily="18" charset="0"/>
+                          </a:rPr>
+                        </m:ctrlPr>
+                      </m:radPr>
+                      <m:deg/>
+                      <m:e>
+                        <m:r>
+                          <a:rPr lang="en-US" sz="2400" i="1">
+                            <a:solidFill>
+                              <a:srgbClr val="000000"/>
+                            </a:solidFill>
+                            <a:latin typeface="Cambria Math" panose="02040503050406030204" pitchFamily="18" charset="0"/>
+                            <a:ea typeface="Cambria Math" panose="02040503050406030204" pitchFamily="18" charset="0"/>
+                          </a:rPr>
+                          <m:t>𝑚</m:t>
+                        </m:r>
+                      </m:e>
+                    </m:rad>
+                  </m:oMath>
+                </a14:m>
+                <a:r>
+                  <a:rPr lang="en-US" sz="2400" dirty="0">
+                    <a:solidFill>
+                      <a:srgbClr val="000000"/>
+                    </a:solidFill>
+                  </a:rPr>
+                  <a:t>			</a:t>
+                </a:r>
+                <a14:m>
+                  <m:oMath xmlns:m="http://schemas.openxmlformats.org/officeDocument/2006/math">
+                    <m:r>
+                      <a:rPr lang="en-US" sz="2400" i="1">
+                        <a:solidFill>
+                          <a:srgbClr val="000000"/>
+                        </a:solidFill>
+                        <a:latin typeface="Cambria Math" panose="02040503050406030204" pitchFamily="18" charset="0"/>
+                        <a:ea typeface="Cambria Math" panose="02040503050406030204" pitchFamily="18" charset="0"/>
+                      </a:rPr>
+                      <m:t>𝒪</m:t>
+                    </m:r>
+                    <m:r>
+                      <a:rPr lang="en-US" sz="2400" i="1">
+                        <a:solidFill>
+                          <a:srgbClr val="000000"/>
+                        </a:solidFill>
+                        <a:latin typeface="Cambria Math" panose="02040503050406030204" pitchFamily="18" charset="0"/>
+                        <a:ea typeface="Cambria Math" panose="02040503050406030204" pitchFamily="18" charset="0"/>
+                      </a:rPr>
+                      <m:t>(</m:t>
+                    </m:r>
+                    <m:rad>
+                      <m:radPr>
+                        <m:degHide m:val="on"/>
+                        <m:ctrlPr>
+                          <a:rPr lang="en-US" sz="2400" i="1">
+                            <a:solidFill>
+                              <a:srgbClr val="000000"/>
+                            </a:solidFill>
+                            <a:latin typeface="Cambria Math" panose="02040503050406030204" pitchFamily="18" charset="0"/>
+                            <a:ea typeface="Cambria Math" panose="02040503050406030204" pitchFamily="18" charset="0"/>
+                          </a:rPr>
+                        </m:ctrlPr>
+                      </m:radPr>
+                      <m:deg/>
+                      <m:e>
+                        <m:r>
+                          <a:rPr lang="en-US" sz="2400" i="1">
+                            <a:solidFill>
+                              <a:srgbClr val="000000"/>
+                            </a:solidFill>
+                            <a:latin typeface="Cambria Math" panose="02040503050406030204" pitchFamily="18" charset="0"/>
+                            <a:ea typeface="Cambria Math" panose="02040503050406030204" pitchFamily="18" charset="0"/>
+                          </a:rPr>
+                          <m:t>𝑚</m:t>
+                        </m:r>
+                      </m:e>
+                    </m:rad>
+                    <m:d>
+                      <m:dPr>
+                        <m:ctrlPr>
+                          <a:rPr lang="en-US" sz="2400" i="1">
+                            <a:solidFill>
+                              <a:srgbClr val="000000"/>
+                            </a:solidFill>
+                            <a:latin typeface="Cambria Math" panose="02040503050406030204" pitchFamily="18" charset="0"/>
+                            <a:ea typeface="Cambria Math" panose="02040503050406030204" pitchFamily="18" charset="0"/>
+                          </a:rPr>
+                        </m:ctrlPr>
+                      </m:dPr>
+                      <m:e>
+                        <m:r>
+                          <a:rPr lang="en-US" sz="2400" i="1">
+                            <a:solidFill>
+                              <a:srgbClr val="000000"/>
+                            </a:solidFill>
+                            <a:latin typeface="Cambria Math" panose="02040503050406030204" pitchFamily="18" charset="0"/>
+                            <a:ea typeface="Cambria Math" panose="02040503050406030204" pitchFamily="18" charset="0"/>
+                          </a:rPr>
+                          <m:t>𝑚</m:t>
+                        </m:r>
+                        <m:r>
+                          <a:rPr lang="en-US" sz="2400" i="1">
+                            <a:solidFill>
+                              <a:srgbClr val="000000"/>
+                            </a:solidFill>
+                            <a:latin typeface="Cambria Math" panose="02040503050406030204" pitchFamily="18" charset="0"/>
+                            <a:ea typeface="Cambria Math" panose="02040503050406030204" pitchFamily="18" charset="0"/>
+                          </a:rPr>
+                          <m:t>+</m:t>
+                        </m:r>
+                        <m:r>
+                          <a:rPr lang="en-US" sz="2400" i="1">
+                            <a:solidFill>
+                              <a:srgbClr val="000000"/>
+                            </a:solidFill>
+                            <a:latin typeface="Cambria Math" panose="02040503050406030204" pitchFamily="18" charset="0"/>
+                            <a:ea typeface="Cambria Math" panose="02040503050406030204" pitchFamily="18" charset="0"/>
+                          </a:rPr>
+                          <m:t>𝑛</m:t>
+                        </m:r>
+                      </m:e>
+                    </m:d>
+                    <m:r>
+                      <a:rPr lang="en-US" sz="2400" i="1">
+                        <a:solidFill>
+                          <a:srgbClr val="000000"/>
+                        </a:solidFill>
+                        <a:latin typeface="Cambria Math" panose="02040503050406030204" pitchFamily="18" charset="0"/>
+                        <a:ea typeface="Cambria Math" panose="02040503050406030204" pitchFamily="18" charset="0"/>
+                      </a:rPr>
+                      <m:t>)</m:t>
+                    </m:r>
+                  </m:oMath>
+                </a14:m>
+                <a:endParaRPr lang="en-US" sz="2400" dirty="0">
+                  <a:solidFill>
+                    <a:srgbClr val="000000"/>
+                  </a:solidFill>
+                </a:endParaRPr>
+              </a:p>
+            </p:txBody>
+          </p:sp>
+        </mc:Choice>
+        <mc:Fallback xmlns="">
+          <p:sp>
+            <p:nvSpPr>
+              <p:cNvPr id="22" name="TextBox 14"/>
+              <p:cNvSpPr txBox="1">
+                <a:spLocks noRot="1" noChangeAspect="1" noMove="1" noResize="1" noEditPoints="1" noAdjustHandles="1" noChangeArrowheads="1" noChangeShapeType="1" noTextEdit="1"/>
+              </p:cNvSpPr>
+              <p:nvPr/>
+            </p:nvSpPr>
+            <p:spPr>
+              <a:xfrm>
+                <a:off x="1014312" y="4018557"/>
+                <a:ext cx="10163363" cy="461665"/>
+              </a:xfrm>
+              <a:prstGeom prst="rect">
+                <a:avLst/>
+              </a:prstGeom>
+              <a:blipFill>
+                <a:blip r:embed="rId5"/>
+                <a:stretch>
+                  <a:fillRect l="-899" t="-9211" b="-30263"/>
+                </a:stretch>
+              </a:blipFill>
+              <a:ln cap="flat">
+                <a:noFill/>
+              </a:ln>
+            </p:spPr>
+            <p:txBody>
+              <a:bodyPr/>
+              <a:lstStyle/>
+              <a:p>
+                <a:r>
+                  <a:rPr lang="en-US">
+                    <a:noFill/>
+                  </a:rPr>
+                  <a:t> </a:t>
+                </a:r>
+              </a:p>
+            </p:txBody>
+          </p:sp>
+        </mc:Fallback>
+      </mc:AlternateContent>
+    </p:spTree>
+    <p:extLst>
+      <p:ext uri="{BB962C8B-B14F-4D97-AF65-F5344CB8AC3E}">
+        <p14:creationId xmlns:p14="http://schemas.microsoft.com/office/powerpoint/2010/main" val="2723225820"/>
+      </p:ext>
+    </p:extLst>
+  </p:cSld>
+  <p:clrMapOvr>
+    <a:masterClrMapping/>
+  </p:clrMapOvr>
+</p:sld>
+</file>
+
+<file path=ppt/slides/slide11.xml><?xml version="1.0" encoding="utf-8"?>
+<p:sld xmlns:a="http://schemas.openxmlformats.org/drawingml/2006/main" xmlns:r="http://schemas.openxmlformats.org/officeDocument/2006/relationships" xmlns:p="http://schemas.openxmlformats.org/presentationml/2006/main">
+  <p:cSld>
+    <p:spTree>
+      <p:nvGrpSpPr>
+        <p:cNvPr id="1" name=""/>
+        <p:cNvGrpSpPr/>
+        <p:nvPr/>
+      </p:nvGrpSpPr>
+      <p:grpSpPr>
+        <a:xfrm>
+          <a:off x="0" y="0"/>
+          <a:ext cx="0" cy="0"/>
+          <a:chOff x="0" y="0"/>
+          <a:chExt cx="0" cy="0"/>
+        </a:xfrm>
+      </p:grpSpPr>
+      <p:sp>
+        <p:nvSpPr>
+          <p:cNvPr id="2" name="TextBox 1"/>
+          <p:cNvSpPr txBox="1"/>
+          <p:nvPr/>
+        </p:nvSpPr>
+        <p:spPr>
+          <a:xfrm>
+            <a:off x="0" y="6488664"/>
+            <a:ext cx="12191996" cy="369335"/>
+          </a:xfrm>
+          <a:prstGeom prst="rect">
+            <a:avLst/>
+          </a:prstGeom>
+          <a:solidFill>
+            <a:srgbClr val="333F50"/>
+          </a:solidFill>
+          <a:ln cap="flat">
+            <a:noFill/>
+          </a:ln>
+        </p:spPr>
+        <p:txBody>
+          <a:bodyPr vert="horz" wrap="square" lIns="91440" tIns="45720" rIns="91440" bIns="45720" anchor="t" anchorCtr="0" compatLnSpc="1">
+            <a:spAutoFit/>
+          </a:bodyPr>
+          <a:lstStyle/>
+          <a:p>
+            <a:pPr marL="0" marR="0" lvl="0" indent="0" algn="r" defTabSz="914400" rtl="0" fontAlgn="auto" hangingPunct="1">
+              <a:lnSpc>
+                <a:spcPct val="100000"/>
+              </a:lnSpc>
+              <a:spcBef>
+                <a:spcPts val="0"/>
+              </a:spcBef>
+              <a:spcAft>
+                <a:spcPts val="0"/>
+              </a:spcAft>
+              <a:buNone/>
+              <a:tabLst/>
+              <a:defRPr sz="1800" b="0" i="0" u="none" strike="noStrike" kern="0" cap="none" spc="0" baseline="0">
+                <a:solidFill>
+                  <a:srgbClr val="000000"/>
+                </a:solidFill>
+                <a:uFillTx/>
+              </a:defRPr>
+            </a:pPr>
+            <a:r>
+              <a:rPr lang="en-US" sz="1800" b="0" i="0" u="none" strike="noStrike" kern="1200" cap="none" spc="0" baseline="0">
+                <a:solidFill>
+                  <a:srgbClr val="FFFFFF"/>
+                </a:solidFill>
+                <a:uFillTx/>
+                <a:latin typeface="Calibri"/>
+              </a:rPr>
+              <a:t> </a:t>
+            </a:r>
+            <a:r>
+              <a:rPr lang="en-US" sz="1600" b="0" i="0" u="none" strike="noStrike" kern="1200" cap="none" spc="0" baseline="0">
+                <a:solidFill>
+                  <a:srgbClr val="FFFFFF"/>
+                </a:solidFill>
+                <a:uFillTx/>
+                <a:latin typeface="Calibri"/>
+              </a:rPr>
+              <a:t>Roberto Zanotto |18/05/16</a:t>
+            </a:r>
+          </a:p>
+        </p:txBody>
+      </p:sp>
+      <p:sp>
+        <p:nvSpPr>
+          <p:cNvPr id="3" name="TextBox 4"/>
+          <p:cNvSpPr txBox="1"/>
+          <p:nvPr/>
+        </p:nvSpPr>
+        <p:spPr>
+          <a:xfrm>
+            <a:off x="1014314" y="1117167"/>
             <a:ext cx="7918671" cy="584775"/>
           </a:xfrm>
           <a:prstGeom prst="rect">
@@ -4066,8 +5297,8 @@
           </a:p>
         </p:txBody>
       </p:sp>
-      <mc:AlternateContent xmlns:mc="http://schemas.openxmlformats.org/markup-compatibility/2006" xmlns:a14="http://schemas.microsoft.com/office/drawing/2010/main">
-        <mc:Choice Requires="a14">
+      <mc:AlternateContent xmlns:mc="http://schemas.openxmlformats.org/markup-compatibility/2006">
+        <mc:Choice xmlns:a14="http://schemas.microsoft.com/office/drawing/2010/main" Requires="a14">
           <p:sp>
             <p:nvSpPr>
               <p:cNvPr id="16" name="TextBox 14"/>
@@ -4076,8 +5307,8 @@
             </p:nvSpPr>
             <p:spPr>
               <a:xfrm>
-                <a:off x="1014314" y="2361876"/>
-                <a:ext cx="6399360" cy="830997"/>
+                <a:off x="1014314" y="2544758"/>
+                <a:ext cx="7777994" cy="830997"/>
               </a:xfrm>
               <a:prstGeom prst="rect">
                 <a:avLst/>
@@ -4093,7 +5324,7 @@
               </a:bodyPr>
               <a:lstStyle/>
               <a:p>
-                <a:pPr lvl="0">
+                <a:pPr>
                   <a:defRPr sz="1800" b="0" i="0" u="none" strike="noStrike" kern="0" cap="none" spc="0" baseline="0">
                     <a:solidFill>
                       <a:srgbClr val="000000"/>
@@ -4133,16 +5364,62 @@
                     </m:r>
                   </m:oMath>
                 </a14:m>
-                <a:endParaRPr lang="en-US" sz="2400" b="0" u="none" strike="noStrike" kern="1200" cap="none" spc="0" baseline="0" dirty="0">
-                  <a:solidFill>
-                    <a:srgbClr val="000000"/>
-                  </a:solidFill>
-                  <a:uFillTx/>
-                  <a:latin typeface="Calibri"/>
-                </a:endParaRPr>
+                <a:r>
+                  <a:rPr lang="en-US" sz="2400" b="0" u="none" strike="noStrike" kern="1200" cap="none" spc="0" baseline="0" dirty="0">
+                    <a:solidFill>
+                      <a:srgbClr val="000000"/>
+                    </a:solidFill>
+                    <a:uFillTx/>
+                    <a:latin typeface="Calibri"/>
+                  </a:rPr>
+                  <a:t> and create </a:t>
+                </a:r>
+                <a14:m>
+                  <m:oMath xmlns:m="http://schemas.openxmlformats.org/officeDocument/2006/math">
+                    <m:r>
+                      <a:rPr lang="en-US" sz="2400" i="1">
+                        <a:latin typeface="Cambria Math" panose="02040503050406030204" pitchFamily="18" charset="0"/>
+                      </a:rPr>
+                      <m:t>𝑥</m:t>
+                    </m:r>
+                    <m:r>
+                      <a:rPr lang="en-US" sz="2400" i="1">
+                        <a:latin typeface="Cambria Math" panose="02040503050406030204" pitchFamily="18" charset="0"/>
+                      </a:rPr>
+                      <m:t>′</m:t>
+                    </m:r>
+                  </m:oMath>
+                </a14:m>
+                <a:r>
+                  <a:rPr lang="en-US" sz="2400" b="0" u="none" strike="noStrike" kern="1200" cap="none" spc="0" baseline="0" dirty="0">
+                    <a:solidFill>
+                      <a:srgbClr val="000000"/>
+                    </a:solidFill>
+                    <a:uFillTx/>
+                    <a:latin typeface="Calibri"/>
+                  </a:rPr>
+                  <a:t> and </a:t>
+                </a:r>
+                <a14:m>
+                  <m:oMath xmlns:m="http://schemas.openxmlformats.org/officeDocument/2006/math">
+                    <m:r>
+                      <a:rPr lang="en-US" sz="2400" b="0" i="1" smtClean="0">
+                        <a:latin typeface="Cambria Math" panose="02040503050406030204" pitchFamily="18" charset="0"/>
+                      </a:rPr>
+                      <m:t>𝑦</m:t>
+                    </m:r>
+                    <m:r>
+                      <a:rPr lang="en-US" sz="2400" i="1">
+                        <a:latin typeface="Cambria Math" panose="02040503050406030204" pitchFamily="18" charset="0"/>
+                      </a:rPr>
+                      <m:t>′</m:t>
+                    </m:r>
+                  </m:oMath>
+                </a14:m>
+                <a:endParaRPr lang="en-US" sz="2400" dirty="0"/>
               </a:p>
               <a:p>
-                <a:pPr lvl="0">
+                <a:pPr>
                   <a:defRPr sz="1800" b="0" i="0" u="none" strike="noStrike" kern="0" cap="none" spc="0" baseline="0">
                     <a:solidFill>
                       <a:srgbClr val="000000"/>
@@ -4158,13 +5435,59 @@
                     <a:uFillTx/>
                     <a:latin typeface="Calibri"/>
                   </a:rPr>
-                  <a:t>	and substitute each q-gram with its rank</a:t>
+                  <a:t>	from </a:t>
+                </a:r>
+                <a14:m>
+                  <m:oMath xmlns:m="http://schemas.openxmlformats.org/officeDocument/2006/math">
+                    <m:r>
+                      <a:rPr lang="en-US" sz="2400" i="1">
+                        <a:latin typeface="Cambria Math" panose="02040503050406030204" pitchFamily="18" charset="0"/>
+                      </a:rPr>
+                      <m:t>𝑥</m:t>
+                    </m:r>
+                    <m:r>
+                      <a:rPr lang="en-US" sz="2400" b="0" i="1" smtClean="0">
+                        <a:latin typeface="Cambria Math" panose="02040503050406030204" pitchFamily="18" charset="0"/>
+                      </a:rPr>
+                      <m:t>𝑥</m:t>
+                    </m:r>
+                  </m:oMath>
+                </a14:m>
+                <a:r>
+                  <a:rPr lang="en-US" sz="2400" b="0" i="0" u="none" strike="noStrike" kern="1200" cap="none" spc="0" baseline="0" dirty="0">
+                    <a:solidFill>
+                      <a:srgbClr val="000000"/>
+                    </a:solidFill>
+                    <a:uFillTx/>
+                    <a:latin typeface="Calibri"/>
+                  </a:rPr>
+                  <a:t> and </a:t>
+                </a:r>
+                <a14:m>
+                  <m:oMath xmlns:m="http://schemas.openxmlformats.org/officeDocument/2006/math">
+                    <m:r>
+                      <a:rPr lang="en-US" sz="2400" b="0" i="1" smtClean="0">
+                        <a:latin typeface="Cambria Math" panose="02040503050406030204" pitchFamily="18" charset="0"/>
+                      </a:rPr>
+                      <m:t>𝑦</m:t>
+                    </m:r>
+                  </m:oMath>
+                </a14:m>
+                <a:r>
+                  <a:rPr lang="en-US" sz="2400" b="0" i="0" u="none" strike="noStrike" kern="1200" cap="none" spc="0" baseline="0" dirty="0">
+                    <a:solidFill>
+                      <a:srgbClr val="000000"/>
+                    </a:solidFill>
+                    <a:uFillTx/>
+                    <a:latin typeface="Calibri"/>
+                  </a:rPr>
+                  <a:t> substituting each q-gram with its rank</a:t>
                 </a:r>
               </a:p>
             </p:txBody>
           </p:sp>
         </mc:Choice>
-        <mc:Fallback xmlns="">
+        <mc:Fallback>
           <p:sp>
             <p:nvSpPr>
               <p:cNvPr id="16" name="TextBox 14"/>
@@ -4175,8 +5498,8 @@
             </p:nvSpPr>
             <p:spPr>
               <a:xfrm>
-                <a:off x="1014314" y="2361876"/>
-                <a:ext cx="6399360" cy="830997"/>
+                <a:off x="1014314" y="2544758"/>
+                <a:ext cx="7777994" cy="830997"/>
               </a:xfrm>
               <a:prstGeom prst="rect">
                 <a:avLst/>
@@ -4184,7 +5507,7 @@
               <a:blipFill>
                 <a:blip r:embed="rId2"/>
                 <a:stretch>
-                  <a:fillRect l="-1429" t="-5839" b="-15328"/>
+                  <a:fillRect l="-1176" t="-5839" b="-15328"/>
                 </a:stretch>
               </a:blipFill>
               <a:ln cap="flat">
@@ -4214,7 +5537,7 @@
         </p:nvSpPr>
         <p:spPr>
           <a:xfrm>
-            <a:off x="1131641" y="4255993"/>
+            <a:off x="1131641" y="4171586"/>
             <a:ext cx="4751945" cy="338554"/>
           </a:xfrm>
           <a:prstGeom prst="rect">
@@ -4495,13 +5818,13 @@
           <p:nvPr>
             <p:extLst>
               <p:ext uri="{D42A27DB-BD31-4B8C-83A1-F6EECF244321}">
-                <p14:modId xmlns:p14="http://schemas.microsoft.com/office/powerpoint/2010/main" val="4039793178"/>
+                <p14:modId xmlns:p14="http://schemas.microsoft.com/office/powerpoint/2010/main" val="1316652781"/>
               </p:ext>
             </p:extLst>
           </p:nvPr>
         </p:nvGraphicFramePr>
         <p:xfrm>
-          <a:off x="8341208" y="2713598"/>
+          <a:off x="9422467" y="2259859"/>
           <a:ext cx="1387230" cy="2966720"/>
         </p:xfrm>
         <a:graphic>
@@ -4872,7 +6195,7 @@
         </p:nvSpPr>
         <p:spPr>
           <a:xfrm>
-            <a:off x="1131641" y="5063399"/>
+            <a:off x="1131641" y="4978992"/>
             <a:ext cx="2751042" cy="338554"/>
           </a:xfrm>
           <a:prstGeom prst="rect">
@@ -5018,7 +6341,7 @@
         </p:nvSpPr>
         <p:spPr>
           <a:xfrm>
-            <a:off x="4238257" y="5063399"/>
+            <a:off x="4238257" y="4978992"/>
             <a:ext cx="1191872" cy="338554"/>
           </a:xfrm>
           <a:prstGeom prst="rect">
@@ -5070,7 +6393,7 @@
         </p:nvCxnSpPr>
         <p:spPr>
           <a:xfrm>
-            <a:off x="1266092" y="4709181"/>
+            <a:off x="1266092" y="4624774"/>
             <a:ext cx="0" cy="253218"/>
           </a:xfrm>
           <a:prstGeom prst="straightConnector1">
@@ -5103,7 +6426,7 @@
         </p:nvCxnSpPr>
         <p:spPr>
           <a:xfrm>
-            <a:off x="4372707" y="4706836"/>
+            <a:off x="4372707" y="4622429"/>
             <a:ext cx="0" cy="253218"/>
           </a:xfrm>
           <a:prstGeom prst="straightConnector1">
@@ -5128,8 +6451,8 @@
           </a:fontRef>
         </p:style>
       </p:cxnSp>
-      <mc:AlternateContent xmlns:mc="http://schemas.openxmlformats.org/markup-compatibility/2006" xmlns:a14="http://schemas.microsoft.com/office/drawing/2010/main">
-        <mc:Choice Requires="a14">
+      <mc:AlternateContent xmlns:mc="http://schemas.openxmlformats.org/markup-compatibility/2006">
+        <mc:Choice xmlns:a14="http://schemas.microsoft.com/office/drawing/2010/main" Requires="a14">
           <p:sp>
             <p:nvSpPr>
               <p:cNvPr id="23" name="TextBox 22"/>
@@ -5138,7 +6461,7 @@
             </p:nvSpPr>
             <p:spPr>
               <a:xfrm>
-                <a:off x="1143238" y="3829344"/>
+                <a:off x="1143238" y="3744937"/>
                 <a:ext cx="245708" cy="369332"/>
               </a:xfrm>
               <a:prstGeom prst="rect">
@@ -5173,7 +6496,7 @@
             </p:txBody>
           </p:sp>
         </mc:Choice>
-        <mc:Fallback xmlns="">
+        <mc:Fallback>
           <p:sp>
             <p:nvSpPr>
               <p:cNvPr id="23" name="TextBox 22"/>
@@ -5184,7 +6507,7 @@
             </p:nvSpPr>
             <p:spPr>
               <a:xfrm>
-                <a:off x="1143238" y="3829344"/>
+                <a:off x="1143238" y="3744937"/>
                 <a:ext cx="245708" cy="369332"/>
               </a:xfrm>
               <a:prstGeom prst="rect">
@@ -5212,8 +6535,8 @@
           </p:sp>
         </mc:Fallback>
       </mc:AlternateContent>
-      <mc:AlternateContent xmlns:mc="http://schemas.openxmlformats.org/markup-compatibility/2006" xmlns:a14="http://schemas.microsoft.com/office/drawing/2010/main">
-        <mc:Choice Requires="a14">
+      <mc:AlternateContent xmlns:mc="http://schemas.openxmlformats.org/markup-compatibility/2006">
+        <mc:Choice xmlns:a14="http://schemas.microsoft.com/office/drawing/2010/main" Requires="a14">
           <p:sp>
             <p:nvSpPr>
               <p:cNvPr id="24" name="TextBox 23"/>
@@ -5222,7 +6545,7 @@
             </p:nvSpPr>
             <p:spPr>
               <a:xfrm>
-                <a:off x="2730543" y="3836901"/>
+                <a:off x="2730543" y="3752494"/>
                 <a:ext cx="245708" cy="369332"/>
               </a:xfrm>
               <a:prstGeom prst="rect">
@@ -5257,7 +6580,7 @@
             </p:txBody>
           </p:sp>
         </mc:Choice>
-        <mc:Fallback xmlns="">
+        <mc:Fallback>
           <p:sp>
             <p:nvSpPr>
               <p:cNvPr id="24" name="TextBox 23"/>
@@ -5268,7 +6591,7 @@
             </p:nvSpPr>
             <p:spPr>
               <a:xfrm>
-                <a:off x="2730543" y="3836901"/>
+                <a:off x="2730543" y="3752494"/>
                 <a:ext cx="245708" cy="369332"/>
               </a:xfrm>
               <a:prstGeom prst="rect">
@@ -5296,8 +6619,8 @@
           </p:sp>
         </mc:Fallback>
       </mc:AlternateContent>
-      <mc:AlternateContent xmlns:mc="http://schemas.openxmlformats.org/markup-compatibility/2006" xmlns:a14="http://schemas.microsoft.com/office/drawing/2010/main">
-        <mc:Choice Requires="a14">
+      <mc:AlternateContent xmlns:mc="http://schemas.openxmlformats.org/markup-compatibility/2006">
+        <mc:Choice xmlns:a14="http://schemas.microsoft.com/office/drawing/2010/main" Requires="a14">
           <p:sp>
             <p:nvSpPr>
               <p:cNvPr id="25" name="TextBox 24"/>
@@ -5306,7 +6629,7 @@
             </p:nvSpPr>
             <p:spPr>
               <a:xfrm>
-                <a:off x="4300025" y="3827626"/>
+                <a:off x="4300025" y="3743219"/>
                 <a:ext cx="245708" cy="369332"/>
               </a:xfrm>
               <a:prstGeom prst="rect">
@@ -5341,7 +6664,7 @@
             </p:txBody>
           </p:sp>
         </mc:Choice>
-        <mc:Fallback xmlns="">
+        <mc:Fallback>
           <p:sp>
             <p:nvSpPr>
               <p:cNvPr id="25" name="TextBox 24"/>
@@ -5352,7 +6675,7 @@
             </p:nvSpPr>
             <p:spPr>
               <a:xfrm>
-                <a:off x="4300025" y="3827626"/>
+                <a:off x="4300025" y="3743219"/>
                 <a:ext cx="245708" cy="369332"/>
               </a:xfrm>
               <a:prstGeom prst="rect">
@@ -5361,7 +6684,7 @@
               <a:blipFill>
                 <a:blip r:embed="rId5"/>
                 <a:stretch>
-                  <a:fillRect l="-29268" r="-26829" b="-26667"/>
+                  <a:fillRect l="-29268" r="-26829" b="-24590"/>
                 </a:stretch>
               </a:blipFill>
             </p:spPr>
@@ -5380,8 +6703,8 @@
           </p:sp>
         </mc:Fallback>
       </mc:AlternateContent>
-      <mc:AlternateContent xmlns:mc="http://schemas.openxmlformats.org/markup-compatibility/2006" xmlns:a14="http://schemas.microsoft.com/office/drawing/2010/main">
-        <mc:Choice Requires="a14">
+      <mc:AlternateContent xmlns:mc="http://schemas.openxmlformats.org/markup-compatibility/2006">
+        <mc:Choice xmlns:a14="http://schemas.microsoft.com/office/drawing/2010/main" Requires="a14">
           <p:sp>
             <p:nvSpPr>
               <p:cNvPr id="26" name="TextBox 25"/>
@@ -5390,7 +6713,7 @@
             </p:nvSpPr>
             <p:spPr>
               <a:xfrm>
-                <a:off x="1143238" y="5429532"/>
+                <a:off x="1143238" y="5345125"/>
                 <a:ext cx="312585" cy="369332"/>
               </a:xfrm>
               <a:prstGeom prst="rect">
@@ -5431,7 +6754,7 @@
             </p:txBody>
           </p:sp>
         </mc:Choice>
-        <mc:Fallback xmlns="">
+        <mc:Fallback>
           <p:sp>
             <p:nvSpPr>
               <p:cNvPr id="26" name="TextBox 25"/>
@@ -5442,7 +6765,7 @@
             </p:nvSpPr>
             <p:spPr>
               <a:xfrm>
-                <a:off x="1143238" y="5429532"/>
+                <a:off x="1143238" y="5345125"/>
                 <a:ext cx="312585" cy="369332"/>
               </a:xfrm>
               <a:prstGeom prst="rect">
@@ -5470,8 +6793,8 @@
           </p:sp>
         </mc:Fallback>
       </mc:AlternateContent>
-      <mc:AlternateContent xmlns:mc="http://schemas.openxmlformats.org/markup-compatibility/2006" xmlns:a14="http://schemas.microsoft.com/office/drawing/2010/main">
-        <mc:Choice Requires="a14">
+      <mc:AlternateContent xmlns:mc="http://schemas.openxmlformats.org/markup-compatibility/2006">
+        <mc:Choice xmlns:a14="http://schemas.microsoft.com/office/drawing/2010/main" Requires="a14">
           <p:sp>
             <p:nvSpPr>
               <p:cNvPr id="27" name="TextBox 26"/>
@@ -5480,7 +6803,7 @@
             </p:nvSpPr>
             <p:spPr>
               <a:xfrm>
-                <a:off x="4263921" y="5429532"/>
+                <a:off x="4263921" y="5345125"/>
                 <a:ext cx="320601" cy="369332"/>
               </a:xfrm>
               <a:prstGeom prst="rect">
@@ -5521,7 +6844,7 @@
             </p:txBody>
           </p:sp>
         </mc:Choice>
-        <mc:Fallback xmlns="">
+        <mc:Fallback>
           <p:sp>
             <p:nvSpPr>
               <p:cNvPr id="27" name="TextBox 26"/>
@@ -5532,7 +6855,7 @@
             </p:nvSpPr>
             <p:spPr>
               <a:xfrm>
-                <a:off x="4263921" y="5429532"/>
+                <a:off x="4263921" y="5345125"/>
                 <a:ext cx="320601" cy="369332"/>
               </a:xfrm>
               <a:prstGeom prst="rect">
@@ -5568,7 +6891,7 @@
         </p:nvSpPr>
         <p:spPr>
           <a:xfrm>
-            <a:off x="8763912" y="2224005"/>
+            <a:off x="9845171" y="1770266"/>
             <a:ext cx="541821" cy="461665"/>
           </a:xfrm>
           <a:prstGeom prst="rect">
@@ -5616,2167 +6939,6 @@
     <p:extLst>
       <p:ext uri="{BB962C8B-B14F-4D97-AF65-F5344CB8AC3E}">
         <p14:creationId xmlns:p14="http://schemas.microsoft.com/office/powerpoint/2010/main" val="3961971621"/>
-      </p:ext>
-    </p:extLst>
-  </p:cSld>
-  <p:clrMapOvr>
-    <a:masterClrMapping/>
-  </p:clrMapOvr>
-</p:sld>
-</file>
-
-<file path=ppt/slides/slide11.xml><?xml version="1.0" encoding="utf-8"?>
-<p:sld xmlns:a="http://schemas.openxmlformats.org/drawingml/2006/main" xmlns:r="http://schemas.openxmlformats.org/officeDocument/2006/relationships" xmlns:p="http://schemas.openxmlformats.org/presentationml/2006/main">
-  <p:cSld>
-    <p:spTree>
-      <p:nvGrpSpPr>
-        <p:cNvPr id="1" name=""/>
-        <p:cNvGrpSpPr/>
-        <p:nvPr/>
-      </p:nvGrpSpPr>
-      <p:grpSpPr>
-        <a:xfrm>
-          <a:off x="0" y="0"/>
-          <a:ext cx="0" cy="0"/>
-          <a:chOff x="0" y="0"/>
-          <a:chExt cx="0" cy="0"/>
-        </a:xfrm>
-      </p:grpSpPr>
-      <p:sp>
-        <p:nvSpPr>
-          <p:cNvPr id="2" name="TextBox 1"/>
-          <p:cNvSpPr txBox="1"/>
-          <p:nvPr/>
-        </p:nvSpPr>
-        <p:spPr>
-          <a:xfrm>
-            <a:off x="0" y="6488664"/>
-            <a:ext cx="12191996" cy="369335"/>
-          </a:xfrm>
-          <a:prstGeom prst="rect">
-            <a:avLst/>
-          </a:prstGeom>
-          <a:solidFill>
-            <a:srgbClr val="333F50"/>
-          </a:solidFill>
-          <a:ln cap="flat">
-            <a:noFill/>
-          </a:ln>
-        </p:spPr>
-        <p:txBody>
-          <a:bodyPr vert="horz" wrap="square" lIns="91440" tIns="45720" rIns="91440" bIns="45720" anchor="t" anchorCtr="0" compatLnSpc="1">
-            <a:spAutoFit/>
-          </a:bodyPr>
-          <a:lstStyle/>
-          <a:p>
-            <a:pPr marL="0" marR="0" lvl="0" indent="0" algn="r" defTabSz="914400" rtl="0" fontAlgn="auto" hangingPunct="1">
-              <a:lnSpc>
-                <a:spcPct val="100000"/>
-              </a:lnSpc>
-              <a:spcBef>
-                <a:spcPts val="0"/>
-              </a:spcBef>
-              <a:spcAft>
-                <a:spcPts val="0"/>
-              </a:spcAft>
-              <a:buNone/>
-              <a:tabLst/>
-              <a:defRPr sz="1800" b="0" i="0" u="none" strike="noStrike" kern="0" cap="none" spc="0" baseline="0">
-                <a:solidFill>
-                  <a:srgbClr val="000000"/>
-                </a:solidFill>
-                <a:uFillTx/>
-              </a:defRPr>
-            </a:pPr>
-            <a:r>
-              <a:rPr lang="en-US" sz="1800" b="0" i="0" u="none" strike="noStrike" kern="1200" cap="none" spc="0" baseline="0">
-                <a:solidFill>
-                  <a:srgbClr val="FFFFFF"/>
-                </a:solidFill>
-                <a:uFillTx/>
-                <a:latin typeface="Calibri"/>
-              </a:rPr>
-              <a:t> </a:t>
-            </a:r>
-            <a:r>
-              <a:rPr lang="en-US" sz="1600" b="0" i="0" u="none" strike="noStrike" kern="1200" cap="none" spc="0" baseline="0">
-                <a:solidFill>
-                  <a:srgbClr val="FFFFFF"/>
-                </a:solidFill>
-                <a:uFillTx/>
-                <a:latin typeface="Calibri"/>
-              </a:rPr>
-              <a:t>Roberto Zanotto |18/05/16</a:t>
-            </a:r>
-          </a:p>
-        </p:txBody>
-      </p:sp>
-      <p:sp>
-        <p:nvSpPr>
-          <p:cNvPr id="3" name="TextBox 4"/>
-          <p:cNvSpPr txBox="1"/>
-          <p:nvPr/>
-        </p:nvSpPr>
-        <p:spPr>
-          <a:xfrm>
-            <a:off x="1014314" y="751400"/>
-            <a:ext cx="7519541" cy="584775"/>
-          </a:xfrm>
-          <a:prstGeom prst="rect">
-            <a:avLst/>
-          </a:prstGeom>
-          <a:noFill/>
-          <a:ln cap="flat">
-            <a:noFill/>
-          </a:ln>
-        </p:spPr>
-        <p:txBody>
-          <a:bodyPr vert="horz" wrap="square" lIns="91440" tIns="45720" rIns="91440" bIns="45720" anchor="t" anchorCtr="0" compatLnSpc="1">
-            <a:spAutoFit/>
-          </a:bodyPr>
-          <a:lstStyle/>
-          <a:p>
-            <a:pPr marL="0" marR="0" lvl="0" indent="0" algn="l" defTabSz="914400" rtl="0" fontAlgn="auto" hangingPunct="1">
-              <a:lnSpc>
-                <a:spcPct val="100000"/>
-              </a:lnSpc>
-              <a:spcBef>
-                <a:spcPts val="0"/>
-              </a:spcBef>
-              <a:spcAft>
-                <a:spcPts val="0"/>
-              </a:spcAft>
-              <a:buNone/>
-              <a:tabLst/>
-              <a:defRPr sz="1800" b="0" i="0" u="none" strike="noStrike" kern="0" cap="none" spc="0" baseline="0">
-                <a:solidFill>
-                  <a:srgbClr val="000000"/>
-                </a:solidFill>
-                <a:uFillTx/>
-              </a:defRPr>
-            </a:pPr>
-            <a:r>
-              <a:rPr lang="en-US" sz="3200" dirty="0">
-                <a:solidFill>
-                  <a:srgbClr val="000000"/>
-                </a:solidFill>
-                <a:latin typeface="Calibri"/>
-              </a:rPr>
-              <a:t>Exact</a:t>
-            </a:r>
-            <a:r>
-              <a:rPr lang="en-US" sz="3200" b="0" i="0" u="none" strike="noStrike" kern="1200" cap="none" spc="0" baseline="0" dirty="0">
-                <a:solidFill>
-                  <a:srgbClr val="000000"/>
-                </a:solidFill>
-                <a:uFillTx/>
-                <a:latin typeface="Calibri"/>
-              </a:rPr>
-              <a:t> algorithm based of suffix array</a:t>
-            </a:r>
-            <a:r>
-              <a:rPr lang="en-US" sz="3200" b="0" i="0" u="none" strike="noStrike" kern="1200" cap="none" spc="0" dirty="0">
-                <a:solidFill>
-                  <a:srgbClr val="000000"/>
-                </a:solidFill>
-                <a:uFillTx/>
-                <a:latin typeface="Calibri"/>
-              </a:rPr>
-              <a:t> (</a:t>
-            </a:r>
-            <a:r>
-              <a:rPr lang="en-US" sz="3200" dirty="0" err="1">
-                <a:solidFill>
-                  <a:srgbClr val="000000"/>
-                </a:solidFill>
-                <a:latin typeface="Calibri"/>
-              </a:rPr>
-              <a:t>sa</a:t>
-            </a:r>
-            <a:r>
-              <a:rPr lang="en-US" sz="3200" b="0" i="0" u="none" strike="noStrike" kern="1200" cap="none" spc="0" baseline="0" dirty="0" err="1">
-                <a:solidFill>
-                  <a:srgbClr val="000000"/>
-                </a:solidFill>
-                <a:uFillTx/>
-                <a:latin typeface="Calibri"/>
-              </a:rPr>
-              <a:t>CSC</a:t>
-            </a:r>
-            <a:r>
-              <a:rPr lang="en-US" sz="3200" b="0" i="0" u="none" strike="noStrike" kern="1200" cap="none" spc="0" baseline="0" dirty="0">
-                <a:solidFill>
-                  <a:srgbClr val="000000"/>
-                </a:solidFill>
-                <a:uFillTx/>
-                <a:latin typeface="Calibri"/>
-              </a:rPr>
-              <a:t>)</a:t>
-            </a:r>
-            <a:endParaRPr lang="en-US" sz="3200" b="1" i="0" u="none" strike="noStrike" kern="1200" cap="none" spc="0" baseline="0" dirty="0">
-              <a:solidFill>
-                <a:srgbClr val="000000"/>
-              </a:solidFill>
-              <a:uFillTx/>
-              <a:latin typeface="Calibri"/>
-            </a:endParaRPr>
-          </a:p>
-        </p:txBody>
-      </p:sp>
-      <p:sp>
-        <p:nvSpPr>
-          <p:cNvPr id="7" name="TextBox 15"/>
-          <p:cNvSpPr txBox="1"/>
-          <p:nvPr/>
-        </p:nvSpPr>
-        <p:spPr>
-          <a:xfrm>
-            <a:off x="0" y="0"/>
-            <a:ext cx="12191996" cy="369335"/>
-          </a:xfrm>
-          <a:prstGeom prst="rect">
-            <a:avLst/>
-          </a:prstGeom>
-          <a:solidFill>
-            <a:srgbClr val="333F50"/>
-          </a:solidFill>
-          <a:ln cap="flat">
-            <a:noFill/>
-          </a:ln>
-        </p:spPr>
-        <p:txBody>
-          <a:bodyPr vert="horz" wrap="square" lIns="91440" tIns="45720" rIns="91440" bIns="45720" anchor="t" anchorCtr="0" compatLnSpc="1">
-            <a:spAutoFit/>
-          </a:bodyPr>
-          <a:lstStyle/>
-          <a:p>
-            <a:pPr marL="0" marR="0" lvl="0" indent="0" algn="l" defTabSz="914400" rtl="0" fontAlgn="auto" hangingPunct="1">
-              <a:lnSpc>
-                <a:spcPct val="100000"/>
-              </a:lnSpc>
-              <a:spcBef>
-                <a:spcPts val="0"/>
-              </a:spcBef>
-              <a:spcAft>
-                <a:spcPts val="0"/>
-              </a:spcAft>
-              <a:buNone/>
-              <a:tabLst/>
-              <a:defRPr sz="1800" b="0" i="0" u="none" strike="noStrike" kern="0" cap="none" spc="0" baseline="0">
-                <a:solidFill>
-                  <a:srgbClr val="000000"/>
-                </a:solidFill>
-                <a:uFillTx/>
-              </a:defRPr>
-            </a:pPr>
-            <a:r>
-              <a:rPr lang="en-US" sz="1800" b="0" i="0" u="none" strike="noStrike" kern="1200" cap="none" spc="0" baseline="0">
-                <a:solidFill>
-                  <a:srgbClr val="FFFFFF"/>
-                </a:solidFill>
-                <a:uFillTx/>
-                <a:latin typeface="Corbel" pitchFamily="34"/>
-              </a:rPr>
-              <a:t> CIRCULAR SEQUENCE COMPARISON: ALGORITHMS AND APPLICATIONS</a:t>
-            </a:r>
-          </a:p>
-        </p:txBody>
-      </p:sp>
-      <p:sp>
-        <p:nvSpPr>
-          <p:cNvPr id="16" name="TextBox 14"/>
-          <p:cNvSpPr txBox="1"/>
-          <p:nvPr/>
-        </p:nvSpPr>
-        <p:spPr>
-          <a:xfrm>
-            <a:off x="1014314" y="1697642"/>
-            <a:ext cx="6877661" cy="830997"/>
-          </a:xfrm>
-          <a:prstGeom prst="rect">
-            <a:avLst/>
-          </a:prstGeom>
-          <a:noFill/>
-          <a:ln cap="flat">
-            <a:noFill/>
-          </a:ln>
-        </p:spPr>
-        <p:txBody>
-          <a:bodyPr vert="horz" wrap="square" lIns="91440" tIns="45720" rIns="91440" bIns="45720" anchor="t" anchorCtr="0" compatLnSpc="1">
-            <a:spAutoFit/>
-          </a:bodyPr>
-          <a:lstStyle/>
-          <a:p>
-            <a:pPr lvl="0">
-              <a:defRPr sz="1800" b="0" i="0" u="none" strike="noStrike" kern="0" cap="none" spc="0" baseline="0">
-                <a:solidFill>
-                  <a:srgbClr val="000000"/>
-                </a:solidFill>
-                <a:uFillTx/>
-              </a:defRPr>
-            </a:pPr>
-            <a:r>
-              <a:rPr lang="en-US" sz="2400" b="1" dirty="0">
-                <a:solidFill>
-                  <a:srgbClr val="000000"/>
-                </a:solidFill>
-                <a:latin typeface="Calibri"/>
-              </a:rPr>
-              <a:t>Step 2:</a:t>
-            </a:r>
-            <a:r>
-              <a:rPr lang="en-US" sz="2400" dirty="0">
-                <a:solidFill>
-                  <a:srgbClr val="000000"/>
-                </a:solidFill>
-                <a:latin typeface="Calibri"/>
-              </a:rPr>
-              <a:t> Compute the </a:t>
-            </a:r>
-            <a:r>
-              <a:rPr lang="en-US" sz="2400" dirty="0" err="1">
-                <a:solidFill>
-                  <a:srgbClr val="000000"/>
-                </a:solidFill>
-                <a:latin typeface="Calibri"/>
-              </a:rPr>
-              <a:t>blockwise</a:t>
-            </a:r>
-            <a:r>
-              <a:rPr lang="en-US" sz="2400" dirty="0">
-                <a:solidFill>
-                  <a:srgbClr val="000000"/>
-                </a:solidFill>
-                <a:latin typeface="Calibri"/>
-              </a:rPr>
-              <a:t> q-gram distance</a:t>
-            </a:r>
-          </a:p>
-          <a:p>
-            <a:pPr lvl="0">
-              <a:defRPr sz="1800" b="0" i="0" u="none" strike="noStrike" kern="0" cap="none" spc="0" baseline="0">
-                <a:solidFill>
-                  <a:srgbClr val="000000"/>
-                </a:solidFill>
-                <a:uFillTx/>
-              </a:defRPr>
-            </a:pPr>
-            <a:r>
-              <a:rPr lang="en-US" sz="2400" dirty="0">
-                <a:solidFill>
-                  <a:srgbClr val="000000"/>
-                </a:solidFill>
-                <a:latin typeface="Calibri"/>
-              </a:rPr>
-              <a:t>	for the initial window position</a:t>
-            </a:r>
-            <a:endParaRPr lang="en-US" sz="2400" b="0" u="none" strike="noStrike" kern="1200" cap="none" spc="0" baseline="0" dirty="0">
-              <a:solidFill>
-                <a:srgbClr val="000000"/>
-              </a:solidFill>
-              <a:uFillTx/>
-              <a:latin typeface="Calibri"/>
-            </a:endParaRPr>
-          </a:p>
-        </p:txBody>
-      </p:sp>
-      <p:sp>
-        <p:nvSpPr>
-          <p:cNvPr id="18" name="TextBox 3"/>
-          <p:cNvSpPr txBox="1"/>
-          <p:nvPr/>
-        </p:nvSpPr>
-        <p:spPr>
-          <a:xfrm>
-            <a:off x="1346705" y="2659902"/>
-            <a:ext cx="7187150" cy="338554"/>
-          </a:xfrm>
-          <a:prstGeom prst="rect">
-            <a:avLst/>
-          </a:prstGeom>
-          <a:solidFill>
-            <a:srgbClr val="E7E6E6"/>
-          </a:solidFill>
-          <a:ln w="9528" cap="flat">
-            <a:solidFill>
-              <a:srgbClr val="000000"/>
-            </a:solidFill>
-            <a:prstDash val="solid"/>
-            <a:miter/>
-          </a:ln>
-        </p:spPr>
-        <p:txBody>
-          <a:bodyPr vert="horz" wrap="square" lIns="91440" tIns="45720" rIns="91440" bIns="45720" anchor="t" anchorCtr="0" compatLnSpc="1">
-            <a:spAutoFit/>
-          </a:bodyPr>
-          <a:lstStyle/>
-          <a:p>
-            <a:pPr lvl="0">
-              <a:defRPr sz="1800" b="0" i="0" u="none" strike="noStrike" kern="0" cap="none" spc="0" baseline="0">
-                <a:solidFill>
-                  <a:srgbClr val="000000"/>
-                </a:solidFill>
-                <a:uFillTx/>
-              </a:defRPr>
-            </a:pPr>
-            <a:r>
-              <a:rPr lang="en-US" sz="1600" dirty="0">
-                <a:solidFill>
-                  <a:srgbClr val="000000"/>
-                </a:solidFill>
-                <a:latin typeface="Consolas" pitchFamily="49"/>
-                <a:cs typeface="Consolas" pitchFamily="49"/>
-              </a:rPr>
-              <a:t>9 6</a:t>
-            </a:r>
-            <a:r>
-              <a:rPr lang="en-US" sz="1600" dirty="0">
-                <a:solidFill>
-                  <a:srgbClr val="FF0000"/>
-                </a:solidFill>
-                <a:latin typeface="Consolas" pitchFamily="49"/>
-                <a:cs typeface="Consolas" pitchFamily="49"/>
-              </a:rPr>
-              <a:t> </a:t>
-            </a:r>
-            <a:r>
-              <a:rPr lang="en-US" sz="1600" dirty="0">
-                <a:solidFill>
-                  <a:srgbClr val="000000"/>
-                </a:solidFill>
-                <a:latin typeface="Consolas" pitchFamily="49"/>
-                <a:cs typeface="Consolas" pitchFamily="49"/>
-              </a:rPr>
-              <a:t>2 2</a:t>
-            </a:r>
-            <a:r>
-              <a:rPr lang="en-US" sz="1600" dirty="0">
-                <a:solidFill>
-                  <a:srgbClr val="FF0000"/>
-                </a:solidFill>
-                <a:latin typeface="Consolas" pitchFamily="49"/>
-                <a:cs typeface="Consolas" pitchFamily="49"/>
-              </a:rPr>
-              <a:t>|</a:t>
-            </a:r>
-            <a:r>
-              <a:rPr lang="en-US" sz="1600" kern="0" dirty="0">
-                <a:solidFill>
-                  <a:srgbClr val="000000"/>
-                </a:solidFill>
-                <a:latin typeface="Consolas" pitchFamily="49"/>
-                <a:cs typeface="Consolas" pitchFamily="49"/>
-              </a:rPr>
-              <a:t>8</a:t>
-            </a:r>
-            <a:r>
-              <a:rPr lang="en-US" sz="1600" dirty="0">
-                <a:solidFill>
-                  <a:srgbClr val="000000"/>
-                </a:solidFill>
-                <a:latin typeface="Consolas" pitchFamily="49"/>
-                <a:cs typeface="Consolas" pitchFamily="49"/>
-              </a:rPr>
-              <a:t> 0</a:t>
-            </a:r>
-            <a:r>
-              <a:rPr lang="en-US" sz="1600" dirty="0">
-                <a:solidFill>
-                  <a:srgbClr val="FF0000"/>
-                </a:solidFill>
-                <a:latin typeface="Consolas" pitchFamily="49"/>
-                <a:cs typeface="Consolas" pitchFamily="49"/>
-              </a:rPr>
-              <a:t> </a:t>
-            </a:r>
-            <a:r>
-              <a:rPr lang="en-US" sz="1600" dirty="0">
-                <a:solidFill>
-                  <a:srgbClr val="000000"/>
-                </a:solidFill>
-                <a:latin typeface="Consolas" pitchFamily="49"/>
-                <a:cs typeface="Consolas" pitchFamily="49"/>
-              </a:rPr>
-              <a:t>1 5</a:t>
-            </a:r>
-            <a:r>
-              <a:rPr lang="en-US" sz="1600" dirty="0">
-                <a:solidFill>
-                  <a:srgbClr val="FF0000"/>
-                </a:solidFill>
-                <a:latin typeface="Consolas" pitchFamily="49"/>
-                <a:cs typeface="Consolas" pitchFamily="49"/>
-              </a:rPr>
-              <a:t>|</a:t>
-            </a:r>
-            <a:r>
-              <a:rPr lang="en-US" sz="1600" kern="0" dirty="0">
-                <a:solidFill>
-                  <a:srgbClr val="000000"/>
-                </a:solidFill>
-                <a:latin typeface="Consolas" pitchFamily="49"/>
-                <a:cs typeface="Consolas" pitchFamily="49"/>
-              </a:rPr>
-              <a:t>7</a:t>
-            </a:r>
-            <a:r>
-              <a:rPr lang="en-US" sz="1600" dirty="0">
-                <a:solidFill>
-                  <a:srgbClr val="000000"/>
-                </a:solidFill>
-                <a:latin typeface="Consolas" pitchFamily="49"/>
-                <a:cs typeface="Consolas" pitchFamily="49"/>
-              </a:rPr>
-              <a:t> 9 0 1</a:t>
-            </a:r>
-            <a:r>
-              <a:rPr lang="en-US" sz="1600" dirty="0">
-                <a:solidFill>
-                  <a:srgbClr val="FF0000"/>
-                </a:solidFill>
-                <a:latin typeface="Consolas" pitchFamily="49"/>
-                <a:cs typeface="Consolas" pitchFamily="49"/>
-              </a:rPr>
-              <a:t>|</a:t>
-            </a:r>
-            <a:r>
-              <a:rPr lang="en-US" sz="1600" dirty="0">
-                <a:solidFill>
-                  <a:srgbClr val="000000"/>
-                </a:solidFill>
-                <a:latin typeface="Consolas" pitchFamily="49"/>
-                <a:cs typeface="Consolas" pitchFamily="49"/>
-              </a:rPr>
-              <a:t>3 7</a:t>
-            </a:r>
-            <a:r>
-              <a:rPr lang="en-US" sz="1600" dirty="0">
-                <a:solidFill>
-                  <a:srgbClr val="FF0000"/>
-                </a:solidFill>
-                <a:latin typeface="Consolas" pitchFamily="49"/>
-                <a:cs typeface="Consolas" pitchFamily="49"/>
-              </a:rPr>
-              <a:t> </a:t>
-            </a:r>
-            <a:r>
-              <a:rPr lang="en-US" sz="1600" dirty="0">
-                <a:solidFill>
-                  <a:srgbClr val="000000"/>
-                </a:solidFill>
-                <a:latin typeface="Consolas" pitchFamily="49"/>
-                <a:cs typeface="Consolas" pitchFamily="49"/>
-              </a:rPr>
-              <a:t>4 5</a:t>
-            </a:r>
-            <a:r>
-              <a:rPr lang="en-US" sz="1600" dirty="0">
-                <a:solidFill>
-                  <a:srgbClr val="FF0000"/>
-                </a:solidFill>
-                <a:latin typeface="Consolas" pitchFamily="49"/>
-                <a:cs typeface="Consolas" pitchFamily="49"/>
-              </a:rPr>
-              <a:t>|</a:t>
-            </a:r>
-            <a:r>
-              <a:rPr lang="en-US" sz="1600" dirty="0">
-                <a:solidFill>
-                  <a:srgbClr val="000000"/>
-                </a:solidFill>
-                <a:latin typeface="Consolas" pitchFamily="49"/>
-                <a:cs typeface="Consolas" pitchFamily="49"/>
-              </a:rPr>
-              <a:t>9 6</a:t>
-            </a:r>
-            <a:r>
-              <a:rPr lang="en-US" sz="1600" dirty="0">
-                <a:solidFill>
-                  <a:srgbClr val="FF0000"/>
-                </a:solidFill>
-                <a:latin typeface="Consolas" pitchFamily="49"/>
-                <a:cs typeface="Consolas" pitchFamily="49"/>
-              </a:rPr>
-              <a:t> </a:t>
-            </a:r>
-            <a:r>
-              <a:rPr lang="en-US" sz="1600" dirty="0">
-                <a:solidFill>
-                  <a:srgbClr val="000000"/>
-                </a:solidFill>
-                <a:latin typeface="Consolas" pitchFamily="49"/>
-                <a:cs typeface="Consolas" pitchFamily="49"/>
-              </a:rPr>
-              <a:t>2 2 </a:t>
-            </a:r>
-            <a:r>
-              <a:rPr lang="en-US" sz="1600" kern="0" dirty="0">
-                <a:solidFill>
-                  <a:srgbClr val="000000"/>
-                </a:solidFill>
-                <a:latin typeface="Consolas" pitchFamily="49"/>
-                <a:cs typeface="Consolas" pitchFamily="49"/>
-              </a:rPr>
-              <a:t>8</a:t>
-            </a:r>
-            <a:r>
-              <a:rPr lang="en-US" sz="1600" dirty="0">
-                <a:solidFill>
-                  <a:srgbClr val="000000"/>
-                </a:solidFill>
-                <a:latin typeface="Consolas" pitchFamily="49"/>
-                <a:cs typeface="Consolas" pitchFamily="49"/>
-              </a:rPr>
-              <a:t> 0</a:t>
-            </a:r>
-            <a:r>
-              <a:rPr lang="en-US" sz="1600" dirty="0">
-                <a:solidFill>
-                  <a:srgbClr val="FF0000"/>
-                </a:solidFill>
-                <a:latin typeface="Consolas" pitchFamily="49"/>
-                <a:cs typeface="Consolas" pitchFamily="49"/>
-              </a:rPr>
-              <a:t> </a:t>
-            </a:r>
-            <a:r>
-              <a:rPr lang="en-US" sz="1600" dirty="0">
-                <a:solidFill>
-                  <a:srgbClr val="000000"/>
-                </a:solidFill>
-                <a:latin typeface="Consolas" pitchFamily="49"/>
-                <a:cs typeface="Consolas" pitchFamily="49"/>
-              </a:rPr>
-              <a:t>1 5 </a:t>
-            </a:r>
-            <a:r>
-              <a:rPr lang="en-US" sz="1600" kern="0" dirty="0">
-                <a:solidFill>
-                  <a:srgbClr val="000000"/>
-                </a:solidFill>
-                <a:latin typeface="Consolas" pitchFamily="49"/>
-                <a:cs typeface="Consolas" pitchFamily="49"/>
-              </a:rPr>
-              <a:t>7</a:t>
-            </a:r>
-            <a:r>
-              <a:rPr lang="en-US" sz="1600" dirty="0">
-                <a:solidFill>
-                  <a:srgbClr val="000000"/>
-                </a:solidFill>
-                <a:latin typeface="Consolas" pitchFamily="49"/>
-                <a:cs typeface="Consolas" pitchFamily="49"/>
-              </a:rPr>
-              <a:t> 9 0 1 3 7</a:t>
-            </a:r>
-            <a:r>
-              <a:rPr lang="en-US" sz="1600" dirty="0">
-                <a:solidFill>
-                  <a:srgbClr val="FF0000"/>
-                </a:solidFill>
-                <a:latin typeface="Consolas" pitchFamily="49"/>
-                <a:cs typeface="Consolas" pitchFamily="49"/>
-              </a:rPr>
-              <a:t> </a:t>
-            </a:r>
-            <a:r>
-              <a:rPr lang="en-US" sz="1600" dirty="0">
-                <a:solidFill>
-                  <a:srgbClr val="000000"/>
-                </a:solidFill>
-                <a:latin typeface="Consolas" pitchFamily="49"/>
-                <a:cs typeface="Consolas" pitchFamily="49"/>
-              </a:rPr>
-              <a:t>4 5</a:t>
-            </a:r>
-          </a:p>
-        </p:txBody>
-      </p:sp>
-      <p:sp>
-        <p:nvSpPr>
-          <p:cNvPr id="19" name="TextBox 3"/>
-          <p:cNvSpPr txBox="1"/>
-          <p:nvPr/>
-        </p:nvSpPr>
-        <p:spPr>
-          <a:xfrm>
-            <a:off x="1346705" y="3140362"/>
-            <a:ext cx="3642095" cy="338554"/>
-          </a:xfrm>
-          <a:prstGeom prst="rect">
-            <a:avLst/>
-          </a:prstGeom>
-          <a:solidFill>
-            <a:srgbClr val="E7E6E6"/>
-          </a:solidFill>
-          <a:ln w="9528" cap="flat">
-            <a:solidFill>
-              <a:srgbClr val="000000"/>
-            </a:solidFill>
-            <a:prstDash val="solid"/>
-            <a:miter/>
-          </a:ln>
-        </p:spPr>
-        <p:txBody>
-          <a:bodyPr vert="horz" wrap="square" lIns="91440" tIns="45720" rIns="91440" bIns="45720" anchor="t" anchorCtr="0" compatLnSpc="1">
-            <a:spAutoFit/>
-          </a:bodyPr>
-          <a:lstStyle/>
-          <a:p>
-            <a:pPr marL="0" marR="0" lvl="0" indent="0" algn="l" defTabSz="914400" rtl="0" fontAlgn="auto" hangingPunct="1">
-              <a:lnSpc>
-                <a:spcPct val="100000"/>
-              </a:lnSpc>
-              <a:spcBef>
-                <a:spcPts val="0"/>
-              </a:spcBef>
-              <a:spcAft>
-                <a:spcPts val="0"/>
-              </a:spcAft>
-              <a:buNone/>
-              <a:tabLst/>
-              <a:defRPr sz="1800" b="0" i="0" u="none" strike="noStrike" kern="0" cap="none" spc="0" baseline="0">
-                <a:solidFill>
-                  <a:srgbClr val="000000"/>
-                </a:solidFill>
-                <a:uFillTx/>
-              </a:defRPr>
-            </a:pPr>
-            <a:r>
-              <a:rPr lang="en-US" sz="1600" dirty="0">
-                <a:solidFill>
-                  <a:srgbClr val="000000"/>
-                </a:solidFill>
-                <a:latin typeface="Consolas" pitchFamily="49"/>
-                <a:cs typeface="Consolas" pitchFamily="49"/>
-              </a:rPr>
-              <a:t>0</a:t>
-            </a:r>
-            <a:r>
-              <a:rPr lang="en-US" sz="1600" b="0" i="0" u="none" strike="noStrike" kern="1200" cap="none" spc="0" baseline="0" dirty="0">
-                <a:solidFill>
-                  <a:srgbClr val="000000"/>
-                </a:solidFill>
-                <a:uFillTx/>
-                <a:latin typeface="Consolas" pitchFamily="49"/>
-                <a:cs typeface="Consolas" pitchFamily="49"/>
-              </a:rPr>
-              <a:t> </a:t>
-            </a:r>
-            <a:r>
-              <a:rPr lang="en-US" sz="1600" dirty="0">
-                <a:solidFill>
-                  <a:srgbClr val="000000"/>
-                </a:solidFill>
-                <a:latin typeface="Consolas" pitchFamily="49"/>
-                <a:cs typeface="Consolas" pitchFamily="49"/>
-              </a:rPr>
-              <a:t>1</a:t>
-            </a:r>
-            <a:r>
-              <a:rPr lang="en-US" sz="1600" b="0" i="0" u="none" strike="noStrike" kern="1200" cap="none" spc="0" baseline="0" dirty="0">
-                <a:solidFill>
-                  <a:srgbClr val="000000"/>
-                </a:solidFill>
-                <a:uFillTx/>
-                <a:latin typeface="Consolas" pitchFamily="49"/>
-                <a:cs typeface="Consolas" pitchFamily="49"/>
-              </a:rPr>
-              <a:t> </a:t>
-            </a:r>
-            <a:r>
-              <a:rPr lang="en-US" sz="1600" dirty="0">
-                <a:solidFill>
-                  <a:srgbClr val="000000"/>
-                </a:solidFill>
-                <a:latin typeface="Consolas" pitchFamily="49"/>
-                <a:cs typeface="Consolas" pitchFamily="49"/>
-              </a:rPr>
-              <a:t>3</a:t>
-            </a:r>
-            <a:r>
-              <a:rPr lang="en-US" sz="1600" b="0" i="0" u="none" strike="noStrike" kern="1200" cap="none" spc="0" baseline="0" dirty="0">
-                <a:solidFill>
-                  <a:srgbClr val="000000"/>
-                </a:solidFill>
-                <a:uFillTx/>
-                <a:latin typeface="Consolas" pitchFamily="49"/>
-                <a:cs typeface="Consolas" pitchFamily="49"/>
-              </a:rPr>
-              <a:t> </a:t>
-            </a:r>
-            <a:r>
-              <a:rPr lang="en-US" sz="1600" dirty="0">
-                <a:solidFill>
-                  <a:srgbClr val="000000"/>
-                </a:solidFill>
-                <a:latin typeface="Consolas" pitchFamily="49"/>
-                <a:cs typeface="Consolas" pitchFamily="49"/>
-              </a:rPr>
-              <a:t>7</a:t>
-            </a:r>
-            <a:r>
-              <a:rPr lang="en-US" sz="1600" dirty="0">
-                <a:solidFill>
-                  <a:srgbClr val="FF0000"/>
-                </a:solidFill>
-                <a:latin typeface="Consolas" pitchFamily="49"/>
-                <a:cs typeface="Consolas" pitchFamily="49"/>
-              </a:rPr>
-              <a:t>|</a:t>
-            </a:r>
-            <a:r>
-              <a:rPr lang="en-US" sz="1600" dirty="0">
-                <a:solidFill>
-                  <a:srgbClr val="000000"/>
-                </a:solidFill>
-                <a:latin typeface="Consolas" pitchFamily="49"/>
-                <a:cs typeface="Consolas" pitchFamily="49"/>
-              </a:rPr>
-              <a:t>4</a:t>
-            </a:r>
-            <a:r>
-              <a:rPr lang="en-US" sz="1600" b="0" i="0" u="none" strike="noStrike" kern="1200" cap="none" spc="0" baseline="0" dirty="0">
-                <a:solidFill>
-                  <a:srgbClr val="000000"/>
-                </a:solidFill>
-                <a:uFillTx/>
-                <a:latin typeface="Consolas" pitchFamily="49"/>
-                <a:cs typeface="Consolas" pitchFamily="49"/>
-              </a:rPr>
-              <a:t> </a:t>
-            </a:r>
-            <a:r>
-              <a:rPr lang="en-US" sz="1600" dirty="0">
-                <a:solidFill>
-                  <a:srgbClr val="000000"/>
-                </a:solidFill>
-                <a:latin typeface="Consolas" pitchFamily="49"/>
-                <a:cs typeface="Consolas" pitchFamily="49"/>
-              </a:rPr>
-              <a:t>5</a:t>
-            </a:r>
-            <a:r>
-              <a:rPr lang="en-US" sz="1600" b="0" i="0" u="none" strike="noStrike" kern="1200" cap="none" spc="0" baseline="0" dirty="0">
-                <a:solidFill>
-                  <a:srgbClr val="000000"/>
-                </a:solidFill>
-                <a:uFillTx/>
-                <a:latin typeface="Consolas" pitchFamily="49"/>
-                <a:cs typeface="Consolas" pitchFamily="49"/>
-              </a:rPr>
-              <a:t> </a:t>
-            </a:r>
-            <a:r>
-              <a:rPr lang="en-US" sz="1600" dirty="0">
-                <a:solidFill>
-                  <a:srgbClr val="000000"/>
-                </a:solidFill>
-                <a:latin typeface="Consolas" pitchFamily="49"/>
-                <a:cs typeface="Consolas" pitchFamily="49"/>
-              </a:rPr>
-              <a:t>9</a:t>
-            </a:r>
-            <a:r>
-              <a:rPr lang="en-US" sz="1600" b="0" i="0" u="none" strike="noStrike" kern="1200" cap="none" spc="0" baseline="0" dirty="0">
-                <a:solidFill>
-                  <a:srgbClr val="000000"/>
-                </a:solidFill>
-                <a:uFillTx/>
-                <a:latin typeface="Consolas" pitchFamily="49"/>
-                <a:cs typeface="Consolas" pitchFamily="49"/>
-              </a:rPr>
-              <a:t> </a:t>
-            </a:r>
-            <a:r>
-              <a:rPr lang="en-US" sz="1600" dirty="0">
-                <a:solidFill>
-                  <a:srgbClr val="000000"/>
-                </a:solidFill>
-                <a:latin typeface="Consolas" pitchFamily="49"/>
-                <a:cs typeface="Consolas" pitchFamily="49"/>
-              </a:rPr>
-              <a:t>6</a:t>
-            </a:r>
-            <a:r>
-              <a:rPr lang="en-US" sz="1600" dirty="0">
-                <a:solidFill>
-                  <a:srgbClr val="FF0000"/>
-                </a:solidFill>
-                <a:latin typeface="Consolas" pitchFamily="49"/>
-                <a:cs typeface="Consolas" pitchFamily="49"/>
-              </a:rPr>
-              <a:t>|</a:t>
-            </a:r>
-            <a:r>
-              <a:rPr lang="en-US" sz="1600" dirty="0">
-                <a:solidFill>
-                  <a:srgbClr val="000000"/>
-                </a:solidFill>
-                <a:latin typeface="Consolas" pitchFamily="49"/>
-                <a:cs typeface="Consolas" pitchFamily="49"/>
-              </a:rPr>
-              <a:t>2</a:t>
-            </a:r>
-            <a:r>
-              <a:rPr lang="en-US" sz="1600" b="0" i="0" u="none" strike="noStrike" kern="1200" cap="none" spc="0" baseline="0" dirty="0">
-                <a:solidFill>
-                  <a:srgbClr val="000000"/>
-                </a:solidFill>
-                <a:uFillTx/>
-                <a:latin typeface="Consolas" pitchFamily="49"/>
-                <a:cs typeface="Consolas" pitchFamily="49"/>
-              </a:rPr>
-              <a:t> </a:t>
-            </a:r>
-            <a:r>
-              <a:rPr lang="en-US" sz="1600" dirty="0">
-                <a:solidFill>
-                  <a:srgbClr val="000000"/>
-                </a:solidFill>
-                <a:latin typeface="Consolas" pitchFamily="49"/>
-                <a:cs typeface="Consolas" pitchFamily="49"/>
-              </a:rPr>
-              <a:t>2</a:t>
-            </a:r>
-            <a:r>
-              <a:rPr lang="en-US" sz="1600" b="0" i="0" u="none" strike="noStrike" kern="1200" cap="none" spc="0" baseline="0" dirty="0">
-                <a:solidFill>
-                  <a:srgbClr val="000000"/>
-                </a:solidFill>
-                <a:uFillTx/>
-                <a:latin typeface="Consolas" pitchFamily="49"/>
-                <a:cs typeface="Consolas" pitchFamily="49"/>
-              </a:rPr>
-              <a:t> </a:t>
-            </a:r>
-            <a:r>
-              <a:rPr lang="en-US" sz="1600" kern="0" dirty="0">
-                <a:solidFill>
-                  <a:srgbClr val="000000"/>
-                </a:solidFill>
-                <a:latin typeface="Consolas" pitchFamily="49"/>
-                <a:cs typeface="Consolas" pitchFamily="49"/>
-              </a:rPr>
-              <a:t>8</a:t>
-            </a:r>
-            <a:r>
-              <a:rPr lang="en-US" sz="1600" b="0" i="0" u="none" strike="noStrike" kern="1200" cap="none" spc="0" baseline="0" dirty="0">
-                <a:solidFill>
-                  <a:srgbClr val="000000"/>
-                </a:solidFill>
-                <a:uFillTx/>
-                <a:latin typeface="Consolas" pitchFamily="49"/>
-                <a:cs typeface="Consolas" pitchFamily="49"/>
-              </a:rPr>
-              <a:t> </a:t>
-            </a:r>
-            <a:r>
-              <a:rPr lang="en-US" sz="1600" dirty="0">
-                <a:solidFill>
-                  <a:srgbClr val="000000"/>
-                </a:solidFill>
-                <a:latin typeface="Consolas" pitchFamily="49"/>
-                <a:cs typeface="Consolas" pitchFamily="49"/>
-              </a:rPr>
-              <a:t>0</a:t>
-            </a:r>
-            <a:r>
-              <a:rPr lang="en-US" sz="1600" b="0" i="0" u="none" strike="noStrike" kern="1200" cap="none" spc="0" baseline="0" dirty="0">
-                <a:solidFill>
-                  <a:srgbClr val="FF0000"/>
-                </a:solidFill>
-                <a:uFillTx/>
-                <a:latin typeface="Consolas" pitchFamily="49"/>
-                <a:cs typeface="Consolas" pitchFamily="49"/>
-              </a:rPr>
-              <a:t>|</a:t>
-            </a:r>
-            <a:r>
-              <a:rPr lang="en-US" sz="1600" dirty="0">
-                <a:solidFill>
-                  <a:srgbClr val="000000"/>
-                </a:solidFill>
-                <a:latin typeface="Consolas" pitchFamily="49"/>
-                <a:cs typeface="Consolas" pitchFamily="49"/>
-              </a:rPr>
-              <a:t>1</a:t>
-            </a:r>
-            <a:r>
-              <a:rPr lang="en-US" sz="1600" b="0" i="0" u="none" strike="noStrike" kern="1200" cap="none" spc="0" baseline="0" dirty="0">
-                <a:solidFill>
-                  <a:srgbClr val="000000"/>
-                </a:solidFill>
-                <a:uFillTx/>
-                <a:latin typeface="Consolas" pitchFamily="49"/>
-                <a:cs typeface="Consolas" pitchFamily="49"/>
-              </a:rPr>
-              <a:t> </a:t>
-            </a:r>
-            <a:r>
-              <a:rPr lang="en-US" sz="1600" dirty="0">
-                <a:solidFill>
-                  <a:srgbClr val="000000"/>
-                </a:solidFill>
-                <a:latin typeface="Consolas" pitchFamily="49"/>
-                <a:cs typeface="Consolas" pitchFamily="49"/>
-              </a:rPr>
-              <a:t>5</a:t>
-            </a:r>
-            <a:r>
-              <a:rPr lang="en-US" sz="1600" b="0" i="0" u="none" strike="noStrike" kern="1200" cap="none" spc="0" baseline="0" dirty="0">
-                <a:solidFill>
-                  <a:srgbClr val="000000"/>
-                </a:solidFill>
-                <a:uFillTx/>
-                <a:latin typeface="Consolas" pitchFamily="49"/>
-                <a:cs typeface="Consolas" pitchFamily="49"/>
-              </a:rPr>
-              <a:t> </a:t>
-            </a:r>
-            <a:r>
-              <a:rPr lang="en-US" sz="1600" kern="0" dirty="0">
-                <a:solidFill>
-                  <a:srgbClr val="000000"/>
-                </a:solidFill>
-                <a:latin typeface="Consolas" pitchFamily="49"/>
-                <a:cs typeface="Consolas" pitchFamily="49"/>
-              </a:rPr>
-              <a:t>7</a:t>
-            </a:r>
-            <a:r>
-              <a:rPr lang="en-US" sz="1600" b="0" i="0" u="none" strike="noStrike" kern="1200" cap="none" spc="0" baseline="0" dirty="0">
-                <a:solidFill>
-                  <a:srgbClr val="000000"/>
-                </a:solidFill>
-                <a:uFillTx/>
-                <a:latin typeface="Consolas" pitchFamily="49"/>
-                <a:cs typeface="Consolas" pitchFamily="49"/>
-              </a:rPr>
-              <a:t> </a:t>
-            </a:r>
-            <a:r>
-              <a:rPr lang="en-US" sz="1600" dirty="0">
-                <a:solidFill>
-                  <a:srgbClr val="000000"/>
-                </a:solidFill>
-                <a:latin typeface="Consolas" pitchFamily="49"/>
-                <a:cs typeface="Consolas" pitchFamily="49"/>
-              </a:rPr>
-              <a:t>9</a:t>
-            </a:r>
-            <a:endParaRPr lang="en-US" sz="1600" b="0" i="0" u="none" strike="noStrike" kern="1200" cap="none" spc="0" baseline="0" dirty="0">
-              <a:solidFill>
-                <a:srgbClr val="000000"/>
-              </a:solidFill>
-              <a:uFillTx/>
-              <a:latin typeface="Consolas" pitchFamily="49"/>
-              <a:cs typeface="Consolas" pitchFamily="49"/>
-            </a:endParaRPr>
-          </a:p>
-        </p:txBody>
-      </p:sp>
-      <mc:AlternateContent xmlns:mc="http://schemas.openxmlformats.org/markup-compatibility/2006" xmlns:a14="http://schemas.microsoft.com/office/drawing/2010/main">
-        <mc:Choice Requires="a14">
-          <p:sp>
-            <p:nvSpPr>
-              <p:cNvPr id="29" name="TextBox 28"/>
-              <p:cNvSpPr txBox="1"/>
-              <p:nvPr/>
-            </p:nvSpPr>
-            <p:spPr>
-              <a:xfrm>
-                <a:off x="1006499" y="2631622"/>
-                <a:ext cx="312586" cy="369332"/>
-              </a:xfrm>
-              <a:prstGeom prst="rect">
-                <a:avLst/>
-              </a:prstGeom>
-              <a:noFill/>
-            </p:spPr>
-            <p:txBody>
-              <a:bodyPr wrap="none" lIns="0" tIns="0" rIns="0" bIns="0" rtlCol="0">
-                <a:spAutoFit/>
-              </a:bodyPr>
-              <a:lstStyle/>
-              <a:p>
-                <a:pPr/>
-                <a14:m>
-                  <m:oMathPara xmlns:m="http://schemas.openxmlformats.org/officeDocument/2006/math">
-                    <m:oMathParaPr>
-                      <m:jc m:val="centerGroup"/>
-                    </m:oMathParaPr>
-                    <m:oMath xmlns:m="http://schemas.openxmlformats.org/officeDocument/2006/math">
-                      <m:r>
-                        <a:rPr lang="en-US" sz="2400" b="0" i="1" smtClean="0">
-                          <a:latin typeface="Cambria Math" panose="02040503050406030204" pitchFamily="18" charset="0"/>
-                        </a:rPr>
-                        <m:t>𝑥</m:t>
-                      </m:r>
-                      <m:r>
-                        <a:rPr lang="en-US" sz="2400" b="0" i="1" smtClean="0">
-                          <a:latin typeface="Cambria Math" panose="02040503050406030204" pitchFamily="18" charset="0"/>
-                        </a:rPr>
-                        <m:t>′</m:t>
-                      </m:r>
-                    </m:oMath>
-                  </m:oMathPara>
-                </a14:m>
-                <a:endParaRPr lang="en-US" sz="2400" dirty="0"/>
-              </a:p>
-            </p:txBody>
-          </p:sp>
-        </mc:Choice>
-        <mc:Fallback xmlns="">
-          <p:sp>
-            <p:nvSpPr>
-              <p:cNvPr id="29" name="TextBox 28"/>
-              <p:cNvSpPr txBox="1">
-                <a:spLocks noRot="1" noChangeAspect="1" noMove="1" noResize="1" noEditPoints="1" noAdjustHandles="1" noChangeArrowheads="1" noChangeShapeType="1" noTextEdit="1"/>
-              </p:cNvSpPr>
-              <p:nvPr/>
-            </p:nvSpPr>
-            <p:spPr>
-              <a:xfrm>
-                <a:off x="1006499" y="2631622"/>
-                <a:ext cx="312586" cy="369332"/>
-              </a:xfrm>
-              <a:prstGeom prst="rect">
-                <a:avLst/>
-              </a:prstGeom>
-              <a:blipFill>
-                <a:blip r:embed="rId2"/>
-                <a:stretch>
-                  <a:fillRect l="-25490" t="-1667" r="-29412" b="-10000"/>
-                </a:stretch>
-              </a:blipFill>
-            </p:spPr>
-            <p:txBody>
-              <a:bodyPr/>
-              <a:lstStyle/>
-              <a:p>
-                <a:r>
-                  <a:rPr lang="en-US">
-                    <a:noFill/>
-                  </a:rPr>
-                  <a:t> </a:t>
-                </a:r>
-              </a:p>
-            </p:txBody>
-          </p:sp>
-        </mc:Fallback>
-      </mc:AlternateContent>
-      <mc:AlternateContent xmlns:mc="http://schemas.openxmlformats.org/markup-compatibility/2006" xmlns:a14="http://schemas.microsoft.com/office/drawing/2010/main">
-        <mc:Choice Requires="a14">
-          <p:sp>
-            <p:nvSpPr>
-              <p:cNvPr id="30" name="TextBox 29"/>
-              <p:cNvSpPr txBox="1"/>
-              <p:nvPr/>
-            </p:nvSpPr>
-            <p:spPr>
-              <a:xfrm>
-                <a:off x="1006499" y="3124973"/>
-                <a:ext cx="320601" cy="369332"/>
-              </a:xfrm>
-              <a:prstGeom prst="rect">
-                <a:avLst/>
-              </a:prstGeom>
-              <a:noFill/>
-            </p:spPr>
-            <p:txBody>
-              <a:bodyPr wrap="none" lIns="0" tIns="0" rIns="0" bIns="0" rtlCol="0">
-                <a:spAutoFit/>
-              </a:bodyPr>
-              <a:lstStyle/>
-              <a:p>
-                <a:pPr/>
-                <a14:m>
-                  <m:oMathPara xmlns:m="http://schemas.openxmlformats.org/officeDocument/2006/math">
-                    <m:oMathParaPr>
-                      <m:jc m:val="centerGroup"/>
-                    </m:oMathParaPr>
-                    <m:oMath xmlns:m="http://schemas.openxmlformats.org/officeDocument/2006/math">
-                      <m:r>
-                        <a:rPr lang="en-US" sz="2400" b="0" i="1" smtClean="0">
-                          <a:latin typeface="Cambria Math" panose="02040503050406030204" pitchFamily="18" charset="0"/>
-                        </a:rPr>
-                        <m:t>𝑦</m:t>
-                      </m:r>
-                      <m:r>
-                        <a:rPr lang="en-US" sz="2400" b="0" i="1" smtClean="0">
-                          <a:latin typeface="Cambria Math" panose="02040503050406030204" pitchFamily="18" charset="0"/>
-                        </a:rPr>
-                        <m:t>′</m:t>
-                      </m:r>
-                    </m:oMath>
-                  </m:oMathPara>
-                </a14:m>
-                <a:endParaRPr lang="en-US" sz="2400" dirty="0"/>
-              </a:p>
-            </p:txBody>
-          </p:sp>
-        </mc:Choice>
-        <mc:Fallback xmlns="">
-          <p:sp>
-            <p:nvSpPr>
-              <p:cNvPr id="30" name="TextBox 29"/>
-              <p:cNvSpPr txBox="1">
-                <a:spLocks noRot="1" noChangeAspect="1" noMove="1" noResize="1" noEditPoints="1" noAdjustHandles="1" noChangeArrowheads="1" noChangeShapeType="1" noTextEdit="1"/>
-              </p:cNvSpPr>
-              <p:nvPr/>
-            </p:nvSpPr>
-            <p:spPr>
-              <a:xfrm>
-                <a:off x="1006499" y="3124973"/>
-                <a:ext cx="320601" cy="369332"/>
-              </a:xfrm>
-              <a:prstGeom prst="rect">
-                <a:avLst/>
-              </a:prstGeom>
-              <a:blipFill>
-                <a:blip r:embed="rId3"/>
-                <a:stretch>
-                  <a:fillRect l="-35849" t="-6667" r="-35849" b="-38333"/>
-                </a:stretch>
-              </a:blipFill>
-            </p:spPr>
-            <p:txBody>
-              <a:bodyPr/>
-              <a:lstStyle/>
-              <a:p>
-                <a:r>
-                  <a:rPr lang="en-US">
-                    <a:noFill/>
-                  </a:rPr>
-                  <a:t> </a:t>
-                </a:r>
-              </a:p>
-            </p:txBody>
-          </p:sp>
-        </mc:Fallback>
-      </mc:AlternateContent>
-      <p:sp>
-        <p:nvSpPr>
-          <p:cNvPr id="32" name="TextBox 14"/>
-          <p:cNvSpPr txBox="1"/>
-          <p:nvPr/>
-        </p:nvSpPr>
-        <p:spPr>
-          <a:xfrm>
-            <a:off x="1014314" y="4035106"/>
-            <a:ext cx="7806129" cy="830997"/>
-          </a:xfrm>
-          <a:prstGeom prst="rect">
-            <a:avLst/>
-          </a:prstGeom>
-          <a:noFill/>
-          <a:ln cap="flat">
-            <a:noFill/>
-          </a:ln>
-        </p:spPr>
-        <p:txBody>
-          <a:bodyPr vert="horz" wrap="square" lIns="91440" tIns="45720" rIns="91440" bIns="45720" anchor="t" anchorCtr="0" compatLnSpc="1">
-            <a:spAutoFit/>
-          </a:bodyPr>
-          <a:lstStyle/>
-          <a:p>
-            <a:pPr lvl="0">
-              <a:defRPr sz="1800" b="0" i="0" u="none" strike="noStrike" kern="0" cap="none" spc="0" baseline="0">
-                <a:solidFill>
-                  <a:srgbClr val="000000"/>
-                </a:solidFill>
-                <a:uFillTx/>
-              </a:defRPr>
-            </a:pPr>
-            <a:r>
-              <a:rPr lang="en-US" sz="2400" b="1" dirty="0">
-                <a:solidFill>
-                  <a:srgbClr val="000000"/>
-                </a:solidFill>
-                <a:latin typeface="Calibri"/>
-              </a:rPr>
-              <a:t>Step 3:</a:t>
-            </a:r>
-            <a:r>
-              <a:rPr lang="en-US" sz="2400" dirty="0">
-                <a:solidFill>
-                  <a:srgbClr val="000000"/>
-                </a:solidFill>
-                <a:latin typeface="Calibri"/>
-              </a:rPr>
-              <a:t> Slide the window char-by-char, update the distance 	and keep the best position</a:t>
-            </a:r>
-            <a:endParaRPr lang="en-US" sz="2400" b="0" u="none" strike="noStrike" kern="1200" cap="none" spc="0" baseline="0" dirty="0">
-              <a:solidFill>
-                <a:srgbClr val="000000"/>
-              </a:solidFill>
-              <a:uFillTx/>
-              <a:latin typeface="Calibri"/>
-            </a:endParaRPr>
-          </a:p>
-        </p:txBody>
-      </p:sp>
-      <p:sp>
-        <p:nvSpPr>
-          <p:cNvPr id="33" name="TextBox 3"/>
-          <p:cNvSpPr txBox="1"/>
-          <p:nvPr/>
-        </p:nvSpPr>
-        <p:spPr>
-          <a:xfrm>
-            <a:off x="1346705" y="5011434"/>
-            <a:ext cx="7187150" cy="338554"/>
-          </a:xfrm>
-          <a:prstGeom prst="rect">
-            <a:avLst/>
-          </a:prstGeom>
-          <a:solidFill>
-            <a:srgbClr val="E7E6E6"/>
-          </a:solidFill>
-          <a:ln w="9528" cap="flat">
-            <a:solidFill>
-              <a:srgbClr val="000000"/>
-            </a:solidFill>
-            <a:prstDash val="solid"/>
-            <a:miter/>
-          </a:ln>
-        </p:spPr>
-        <p:txBody>
-          <a:bodyPr vert="horz" wrap="square" lIns="91440" tIns="45720" rIns="91440" bIns="45720" anchor="t" anchorCtr="0" compatLnSpc="1">
-            <a:spAutoFit/>
-          </a:bodyPr>
-          <a:lstStyle/>
-          <a:p>
-            <a:pPr lvl="0">
-              <a:defRPr sz="1800" b="0" i="0" u="none" strike="noStrike" kern="0" cap="none" spc="0" baseline="0">
-                <a:solidFill>
-                  <a:srgbClr val="000000"/>
-                </a:solidFill>
-                <a:uFillTx/>
-              </a:defRPr>
-            </a:pPr>
-            <a:r>
-              <a:rPr lang="en-US" sz="1600" dirty="0">
-                <a:solidFill>
-                  <a:srgbClr val="000000"/>
-                </a:solidFill>
-                <a:latin typeface="Consolas" pitchFamily="49"/>
-                <a:cs typeface="Consolas" pitchFamily="49"/>
-              </a:rPr>
-              <a:t>9 6</a:t>
-            </a:r>
-            <a:r>
-              <a:rPr lang="en-US" sz="1600" dirty="0">
-                <a:solidFill>
-                  <a:srgbClr val="FF0000"/>
-                </a:solidFill>
-                <a:latin typeface="Consolas" pitchFamily="49"/>
-                <a:cs typeface="Consolas" pitchFamily="49"/>
-              </a:rPr>
-              <a:t> </a:t>
-            </a:r>
-            <a:r>
-              <a:rPr lang="en-US" sz="1600" dirty="0">
-                <a:solidFill>
-                  <a:srgbClr val="000000"/>
-                </a:solidFill>
-                <a:latin typeface="Consolas" pitchFamily="49"/>
-                <a:cs typeface="Consolas" pitchFamily="49"/>
-              </a:rPr>
-              <a:t>2 2 </a:t>
-            </a:r>
-            <a:r>
-              <a:rPr lang="en-US" sz="1600" kern="0" dirty="0">
-                <a:solidFill>
-                  <a:srgbClr val="000000"/>
-                </a:solidFill>
-                <a:latin typeface="Consolas" pitchFamily="49"/>
-                <a:cs typeface="Consolas" pitchFamily="49"/>
-              </a:rPr>
-              <a:t>8</a:t>
-            </a:r>
-            <a:r>
-              <a:rPr lang="en-US" sz="1600" dirty="0">
-                <a:solidFill>
-                  <a:srgbClr val="000000"/>
-                </a:solidFill>
-                <a:latin typeface="Consolas" pitchFamily="49"/>
-                <a:cs typeface="Consolas" pitchFamily="49"/>
-              </a:rPr>
-              <a:t> 0</a:t>
-            </a:r>
-            <a:r>
-              <a:rPr lang="en-US" sz="1600" dirty="0">
-                <a:solidFill>
-                  <a:srgbClr val="FF0000"/>
-                </a:solidFill>
-                <a:latin typeface="Consolas" pitchFamily="49"/>
-                <a:cs typeface="Consolas" pitchFamily="49"/>
-              </a:rPr>
-              <a:t> </a:t>
-            </a:r>
-            <a:r>
-              <a:rPr lang="en-US" sz="1600" dirty="0">
-                <a:solidFill>
-                  <a:srgbClr val="000000"/>
-                </a:solidFill>
-                <a:latin typeface="Consolas" pitchFamily="49"/>
-                <a:cs typeface="Consolas" pitchFamily="49"/>
-              </a:rPr>
-              <a:t>1 5 </a:t>
-            </a:r>
-            <a:r>
-              <a:rPr lang="en-US" sz="1600" kern="0" dirty="0">
-                <a:solidFill>
-                  <a:srgbClr val="000000"/>
-                </a:solidFill>
-                <a:latin typeface="Consolas" pitchFamily="49"/>
-                <a:cs typeface="Consolas" pitchFamily="49"/>
-              </a:rPr>
-              <a:t>7</a:t>
-            </a:r>
-            <a:r>
-              <a:rPr lang="en-US" sz="1600" dirty="0">
-                <a:solidFill>
-                  <a:srgbClr val="000000"/>
-                </a:solidFill>
-                <a:latin typeface="Consolas" pitchFamily="49"/>
-                <a:cs typeface="Consolas" pitchFamily="49"/>
-              </a:rPr>
-              <a:t> 9</a:t>
-            </a:r>
-            <a:r>
-              <a:rPr lang="en-US" sz="1600" dirty="0">
-                <a:solidFill>
-                  <a:srgbClr val="FF0000"/>
-                </a:solidFill>
-                <a:latin typeface="Consolas" pitchFamily="49"/>
-                <a:cs typeface="Consolas" pitchFamily="49"/>
-              </a:rPr>
-              <a:t>|</a:t>
-            </a:r>
-            <a:r>
-              <a:rPr lang="en-US" sz="1600" dirty="0">
-                <a:solidFill>
-                  <a:srgbClr val="000000"/>
-                </a:solidFill>
-                <a:latin typeface="Consolas" pitchFamily="49"/>
-                <a:cs typeface="Consolas" pitchFamily="49"/>
-              </a:rPr>
-              <a:t>0 1 3 7</a:t>
-            </a:r>
-            <a:r>
-              <a:rPr lang="en-US" sz="1600" dirty="0">
-                <a:solidFill>
-                  <a:srgbClr val="FF0000"/>
-                </a:solidFill>
-                <a:latin typeface="Consolas" pitchFamily="49"/>
-                <a:cs typeface="Consolas" pitchFamily="49"/>
-              </a:rPr>
-              <a:t>|</a:t>
-            </a:r>
-            <a:r>
-              <a:rPr lang="en-US" sz="1600" dirty="0">
-                <a:solidFill>
-                  <a:srgbClr val="000000"/>
-                </a:solidFill>
-                <a:latin typeface="Consolas" pitchFamily="49"/>
-                <a:cs typeface="Consolas" pitchFamily="49"/>
-              </a:rPr>
-              <a:t>4 5 9 6</a:t>
-            </a:r>
-            <a:r>
-              <a:rPr lang="en-US" sz="1600" dirty="0">
-                <a:solidFill>
-                  <a:srgbClr val="FF0000"/>
-                </a:solidFill>
-                <a:latin typeface="Consolas" pitchFamily="49"/>
-                <a:cs typeface="Consolas" pitchFamily="49"/>
-              </a:rPr>
-              <a:t>|</a:t>
-            </a:r>
-            <a:r>
-              <a:rPr lang="en-US" sz="1600" dirty="0">
-                <a:solidFill>
-                  <a:srgbClr val="000000"/>
-                </a:solidFill>
-                <a:latin typeface="Consolas" pitchFamily="49"/>
-                <a:cs typeface="Consolas" pitchFamily="49"/>
-              </a:rPr>
-              <a:t>2 2 </a:t>
-            </a:r>
-            <a:r>
-              <a:rPr lang="en-US" sz="1600" kern="0" dirty="0">
-                <a:solidFill>
-                  <a:srgbClr val="000000"/>
-                </a:solidFill>
-                <a:latin typeface="Consolas" pitchFamily="49"/>
-                <a:cs typeface="Consolas" pitchFamily="49"/>
-              </a:rPr>
-              <a:t>8</a:t>
-            </a:r>
-            <a:r>
-              <a:rPr lang="en-US" sz="1600" dirty="0">
-                <a:solidFill>
-                  <a:srgbClr val="000000"/>
-                </a:solidFill>
-                <a:latin typeface="Consolas" pitchFamily="49"/>
-                <a:cs typeface="Consolas" pitchFamily="49"/>
-              </a:rPr>
-              <a:t> 0</a:t>
-            </a:r>
-            <a:r>
-              <a:rPr lang="en-US" sz="1600" dirty="0">
-                <a:solidFill>
-                  <a:srgbClr val="FF0000"/>
-                </a:solidFill>
-                <a:latin typeface="Consolas" pitchFamily="49"/>
-                <a:cs typeface="Consolas" pitchFamily="49"/>
-              </a:rPr>
-              <a:t>|</a:t>
-            </a:r>
-            <a:r>
-              <a:rPr lang="en-US" sz="1600" dirty="0">
-                <a:solidFill>
-                  <a:srgbClr val="000000"/>
-                </a:solidFill>
-                <a:latin typeface="Consolas" pitchFamily="49"/>
-                <a:cs typeface="Consolas" pitchFamily="49"/>
-              </a:rPr>
-              <a:t>1 5 </a:t>
-            </a:r>
-            <a:r>
-              <a:rPr lang="en-US" sz="1600" kern="0" dirty="0">
-                <a:solidFill>
-                  <a:srgbClr val="000000"/>
-                </a:solidFill>
-                <a:latin typeface="Consolas" pitchFamily="49"/>
-                <a:cs typeface="Consolas" pitchFamily="49"/>
-              </a:rPr>
-              <a:t>7</a:t>
-            </a:r>
-            <a:r>
-              <a:rPr lang="en-US" sz="1600" dirty="0">
-                <a:solidFill>
-                  <a:srgbClr val="000000"/>
-                </a:solidFill>
-                <a:latin typeface="Consolas" pitchFamily="49"/>
-                <a:cs typeface="Consolas" pitchFamily="49"/>
-              </a:rPr>
-              <a:t> 9</a:t>
-            </a:r>
-            <a:r>
-              <a:rPr lang="en-US" sz="1600" dirty="0">
-                <a:solidFill>
-                  <a:srgbClr val="FF0000"/>
-                </a:solidFill>
-                <a:latin typeface="Consolas" pitchFamily="49"/>
-                <a:cs typeface="Consolas" pitchFamily="49"/>
-              </a:rPr>
-              <a:t>|</a:t>
-            </a:r>
-            <a:r>
-              <a:rPr lang="en-US" sz="1600" dirty="0">
-                <a:solidFill>
-                  <a:srgbClr val="000000"/>
-                </a:solidFill>
-                <a:latin typeface="Consolas" pitchFamily="49"/>
-                <a:cs typeface="Consolas" pitchFamily="49"/>
-              </a:rPr>
-              <a:t>0 1 3 7</a:t>
-            </a:r>
-            <a:r>
-              <a:rPr lang="en-US" sz="1600" dirty="0">
-                <a:solidFill>
-                  <a:srgbClr val="FF0000"/>
-                </a:solidFill>
-                <a:latin typeface="Consolas" pitchFamily="49"/>
-                <a:cs typeface="Consolas" pitchFamily="49"/>
-              </a:rPr>
-              <a:t> </a:t>
-            </a:r>
-            <a:r>
-              <a:rPr lang="en-US" sz="1600" dirty="0">
-                <a:solidFill>
-                  <a:srgbClr val="000000"/>
-                </a:solidFill>
-                <a:latin typeface="Consolas" pitchFamily="49"/>
-                <a:cs typeface="Consolas" pitchFamily="49"/>
-              </a:rPr>
-              <a:t>4 5</a:t>
-            </a:r>
-          </a:p>
-        </p:txBody>
-      </p:sp>
-      <p:sp>
-        <p:nvSpPr>
-          <p:cNvPr id="34" name="TextBox 3"/>
-          <p:cNvSpPr txBox="1"/>
-          <p:nvPr/>
-        </p:nvSpPr>
-        <p:spPr>
-          <a:xfrm>
-            <a:off x="3569398" y="5491894"/>
-            <a:ext cx="3642095" cy="338554"/>
-          </a:xfrm>
-          <a:prstGeom prst="rect">
-            <a:avLst/>
-          </a:prstGeom>
-          <a:solidFill>
-            <a:srgbClr val="E7E6E6"/>
-          </a:solidFill>
-          <a:ln w="9528" cap="flat">
-            <a:solidFill>
-              <a:srgbClr val="000000"/>
-            </a:solidFill>
-            <a:prstDash val="solid"/>
-            <a:miter/>
-          </a:ln>
-        </p:spPr>
-        <p:txBody>
-          <a:bodyPr vert="horz" wrap="square" lIns="91440" tIns="45720" rIns="91440" bIns="45720" anchor="t" anchorCtr="0" compatLnSpc="1">
-            <a:spAutoFit/>
-          </a:bodyPr>
-          <a:lstStyle/>
-          <a:p>
-            <a:pPr marL="0" marR="0" lvl="0" indent="0" algn="l" defTabSz="914400" rtl="0" fontAlgn="auto" hangingPunct="1">
-              <a:lnSpc>
-                <a:spcPct val="100000"/>
-              </a:lnSpc>
-              <a:spcBef>
-                <a:spcPts val="0"/>
-              </a:spcBef>
-              <a:spcAft>
-                <a:spcPts val="0"/>
-              </a:spcAft>
-              <a:buNone/>
-              <a:tabLst/>
-              <a:defRPr sz="1800" b="0" i="0" u="none" strike="noStrike" kern="0" cap="none" spc="0" baseline="0">
-                <a:solidFill>
-                  <a:srgbClr val="000000"/>
-                </a:solidFill>
-                <a:uFillTx/>
-              </a:defRPr>
-            </a:pPr>
-            <a:r>
-              <a:rPr lang="en-US" sz="1600" dirty="0">
-                <a:solidFill>
-                  <a:srgbClr val="000000"/>
-                </a:solidFill>
-                <a:latin typeface="Consolas" pitchFamily="49"/>
-                <a:cs typeface="Consolas" pitchFamily="49"/>
-              </a:rPr>
-              <a:t>0</a:t>
-            </a:r>
-            <a:r>
-              <a:rPr lang="en-US" sz="1600" b="0" i="0" u="none" strike="noStrike" kern="1200" cap="none" spc="0" baseline="0" dirty="0">
-                <a:solidFill>
-                  <a:srgbClr val="000000"/>
-                </a:solidFill>
-                <a:uFillTx/>
-                <a:latin typeface="Consolas" pitchFamily="49"/>
-                <a:cs typeface="Consolas" pitchFamily="49"/>
-              </a:rPr>
-              <a:t> </a:t>
-            </a:r>
-            <a:r>
-              <a:rPr lang="en-US" sz="1600" dirty="0">
-                <a:solidFill>
-                  <a:srgbClr val="000000"/>
-                </a:solidFill>
-                <a:latin typeface="Consolas" pitchFamily="49"/>
-                <a:cs typeface="Consolas" pitchFamily="49"/>
-              </a:rPr>
-              <a:t>1</a:t>
-            </a:r>
-            <a:r>
-              <a:rPr lang="en-US" sz="1600" b="0" i="0" u="none" strike="noStrike" kern="1200" cap="none" spc="0" baseline="0" dirty="0">
-                <a:solidFill>
-                  <a:srgbClr val="000000"/>
-                </a:solidFill>
-                <a:uFillTx/>
-                <a:latin typeface="Consolas" pitchFamily="49"/>
-                <a:cs typeface="Consolas" pitchFamily="49"/>
-              </a:rPr>
-              <a:t> </a:t>
-            </a:r>
-            <a:r>
-              <a:rPr lang="en-US" sz="1600" dirty="0">
-                <a:solidFill>
-                  <a:srgbClr val="000000"/>
-                </a:solidFill>
-                <a:latin typeface="Consolas" pitchFamily="49"/>
-                <a:cs typeface="Consolas" pitchFamily="49"/>
-              </a:rPr>
-              <a:t>3</a:t>
-            </a:r>
-            <a:r>
-              <a:rPr lang="en-US" sz="1600" b="0" i="0" u="none" strike="noStrike" kern="1200" cap="none" spc="0" baseline="0" dirty="0">
-                <a:solidFill>
-                  <a:srgbClr val="000000"/>
-                </a:solidFill>
-                <a:uFillTx/>
-                <a:latin typeface="Consolas" pitchFamily="49"/>
-                <a:cs typeface="Consolas" pitchFamily="49"/>
-              </a:rPr>
-              <a:t> </a:t>
-            </a:r>
-            <a:r>
-              <a:rPr lang="en-US" sz="1600" dirty="0">
-                <a:solidFill>
-                  <a:srgbClr val="000000"/>
-                </a:solidFill>
-                <a:latin typeface="Consolas" pitchFamily="49"/>
-                <a:cs typeface="Consolas" pitchFamily="49"/>
-              </a:rPr>
-              <a:t>7</a:t>
-            </a:r>
-            <a:r>
-              <a:rPr lang="en-US" sz="1600" dirty="0">
-                <a:solidFill>
-                  <a:srgbClr val="FF0000"/>
-                </a:solidFill>
-                <a:latin typeface="Consolas" pitchFamily="49"/>
-                <a:cs typeface="Consolas" pitchFamily="49"/>
-              </a:rPr>
-              <a:t>|</a:t>
-            </a:r>
-            <a:r>
-              <a:rPr lang="en-US" sz="1600" dirty="0">
-                <a:solidFill>
-                  <a:srgbClr val="000000"/>
-                </a:solidFill>
-                <a:latin typeface="Consolas" pitchFamily="49"/>
-                <a:cs typeface="Consolas" pitchFamily="49"/>
-              </a:rPr>
-              <a:t>4</a:t>
-            </a:r>
-            <a:r>
-              <a:rPr lang="en-US" sz="1600" b="0" i="0" u="none" strike="noStrike" kern="1200" cap="none" spc="0" baseline="0" dirty="0">
-                <a:solidFill>
-                  <a:srgbClr val="000000"/>
-                </a:solidFill>
-                <a:uFillTx/>
-                <a:latin typeface="Consolas" pitchFamily="49"/>
-                <a:cs typeface="Consolas" pitchFamily="49"/>
-              </a:rPr>
-              <a:t> </a:t>
-            </a:r>
-            <a:r>
-              <a:rPr lang="en-US" sz="1600" dirty="0">
-                <a:solidFill>
-                  <a:srgbClr val="000000"/>
-                </a:solidFill>
-                <a:latin typeface="Consolas" pitchFamily="49"/>
-                <a:cs typeface="Consolas" pitchFamily="49"/>
-              </a:rPr>
-              <a:t>5</a:t>
-            </a:r>
-            <a:r>
-              <a:rPr lang="en-US" sz="1600" b="0" i="0" u="none" strike="noStrike" kern="1200" cap="none" spc="0" baseline="0" dirty="0">
-                <a:solidFill>
-                  <a:srgbClr val="000000"/>
-                </a:solidFill>
-                <a:uFillTx/>
-                <a:latin typeface="Consolas" pitchFamily="49"/>
-                <a:cs typeface="Consolas" pitchFamily="49"/>
-              </a:rPr>
-              <a:t> </a:t>
-            </a:r>
-            <a:r>
-              <a:rPr lang="en-US" sz="1600" dirty="0">
-                <a:solidFill>
-                  <a:srgbClr val="000000"/>
-                </a:solidFill>
-                <a:latin typeface="Consolas" pitchFamily="49"/>
-                <a:cs typeface="Consolas" pitchFamily="49"/>
-              </a:rPr>
-              <a:t>9</a:t>
-            </a:r>
-            <a:r>
-              <a:rPr lang="en-US" sz="1600" b="0" i="0" u="none" strike="noStrike" kern="1200" cap="none" spc="0" baseline="0" dirty="0">
-                <a:solidFill>
-                  <a:srgbClr val="000000"/>
-                </a:solidFill>
-                <a:uFillTx/>
-                <a:latin typeface="Consolas" pitchFamily="49"/>
-                <a:cs typeface="Consolas" pitchFamily="49"/>
-              </a:rPr>
-              <a:t> </a:t>
-            </a:r>
-            <a:r>
-              <a:rPr lang="en-US" sz="1600" dirty="0">
-                <a:solidFill>
-                  <a:srgbClr val="000000"/>
-                </a:solidFill>
-                <a:latin typeface="Consolas" pitchFamily="49"/>
-                <a:cs typeface="Consolas" pitchFamily="49"/>
-              </a:rPr>
-              <a:t>6</a:t>
-            </a:r>
-            <a:r>
-              <a:rPr lang="en-US" sz="1600" dirty="0">
-                <a:solidFill>
-                  <a:srgbClr val="FF0000"/>
-                </a:solidFill>
-                <a:latin typeface="Consolas" pitchFamily="49"/>
-                <a:cs typeface="Consolas" pitchFamily="49"/>
-              </a:rPr>
-              <a:t>|</a:t>
-            </a:r>
-            <a:r>
-              <a:rPr lang="en-US" sz="1600" dirty="0">
-                <a:solidFill>
-                  <a:srgbClr val="000000"/>
-                </a:solidFill>
-                <a:latin typeface="Consolas" pitchFamily="49"/>
-                <a:cs typeface="Consolas" pitchFamily="49"/>
-              </a:rPr>
-              <a:t>2</a:t>
-            </a:r>
-            <a:r>
-              <a:rPr lang="en-US" sz="1600" b="0" i="0" u="none" strike="noStrike" kern="1200" cap="none" spc="0" baseline="0" dirty="0">
-                <a:solidFill>
-                  <a:srgbClr val="000000"/>
-                </a:solidFill>
-                <a:uFillTx/>
-                <a:latin typeface="Consolas" pitchFamily="49"/>
-                <a:cs typeface="Consolas" pitchFamily="49"/>
-              </a:rPr>
-              <a:t> </a:t>
-            </a:r>
-            <a:r>
-              <a:rPr lang="en-US" sz="1600" dirty="0">
-                <a:solidFill>
-                  <a:srgbClr val="000000"/>
-                </a:solidFill>
-                <a:latin typeface="Consolas" pitchFamily="49"/>
-                <a:cs typeface="Consolas" pitchFamily="49"/>
-              </a:rPr>
-              <a:t>2</a:t>
-            </a:r>
-            <a:r>
-              <a:rPr lang="en-US" sz="1600" b="0" i="0" u="none" strike="noStrike" kern="1200" cap="none" spc="0" baseline="0" dirty="0">
-                <a:solidFill>
-                  <a:srgbClr val="000000"/>
-                </a:solidFill>
-                <a:uFillTx/>
-                <a:latin typeface="Consolas" pitchFamily="49"/>
-                <a:cs typeface="Consolas" pitchFamily="49"/>
-              </a:rPr>
-              <a:t> </a:t>
-            </a:r>
-            <a:r>
-              <a:rPr lang="en-US" sz="1600" kern="0" dirty="0">
-                <a:solidFill>
-                  <a:srgbClr val="000000"/>
-                </a:solidFill>
-                <a:latin typeface="Consolas" pitchFamily="49"/>
-                <a:cs typeface="Consolas" pitchFamily="49"/>
-              </a:rPr>
-              <a:t>8</a:t>
-            </a:r>
-            <a:r>
-              <a:rPr lang="en-US" sz="1600" b="0" i="0" u="none" strike="noStrike" kern="1200" cap="none" spc="0" baseline="0" dirty="0">
-                <a:solidFill>
-                  <a:srgbClr val="000000"/>
-                </a:solidFill>
-                <a:uFillTx/>
-                <a:latin typeface="Consolas" pitchFamily="49"/>
-                <a:cs typeface="Consolas" pitchFamily="49"/>
-              </a:rPr>
-              <a:t> </a:t>
-            </a:r>
-            <a:r>
-              <a:rPr lang="en-US" sz="1600" dirty="0">
-                <a:solidFill>
-                  <a:srgbClr val="000000"/>
-                </a:solidFill>
-                <a:latin typeface="Consolas" pitchFamily="49"/>
-                <a:cs typeface="Consolas" pitchFamily="49"/>
-              </a:rPr>
-              <a:t>0</a:t>
-            </a:r>
-            <a:r>
-              <a:rPr lang="en-US" sz="1600" b="0" i="0" u="none" strike="noStrike" kern="1200" cap="none" spc="0" baseline="0" dirty="0">
-                <a:solidFill>
-                  <a:srgbClr val="FF0000"/>
-                </a:solidFill>
-                <a:uFillTx/>
-                <a:latin typeface="Consolas" pitchFamily="49"/>
-                <a:cs typeface="Consolas" pitchFamily="49"/>
-              </a:rPr>
-              <a:t>|</a:t>
-            </a:r>
-            <a:r>
-              <a:rPr lang="en-US" sz="1600" dirty="0">
-                <a:solidFill>
-                  <a:srgbClr val="000000"/>
-                </a:solidFill>
-                <a:latin typeface="Consolas" pitchFamily="49"/>
-                <a:cs typeface="Consolas" pitchFamily="49"/>
-              </a:rPr>
-              <a:t>1</a:t>
-            </a:r>
-            <a:r>
-              <a:rPr lang="en-US" sz="1600" b="0" i="0" u="none" strike="noStrike" kern="1200" cap="none" spc="0" baseline="0" dirty="0">
-                <a:solidFill>
-                  <a:srgbClr val="000000"/>
-                </a:solidFill>
-                <a:uFillTx/>
-                <a:latin typeface="Consolas" pitchFamily="49"/>
-                <a:cs typeface="Consolas" pitchFamily="49"/>
-              </a:rPr>
-              <a:t> </a:t>
-            </a:r>
-            <a:r>
-              <a:rPr lang="en-US" sz="1600" dirty="0">
-                <a:solidFill>
-                  <a:srgbClr val="000000"/>
-                </a:solidFill>
-                <a:latin typeface="Consolas" pitchFamily="49"/>
-                <a:cs typeface="Consolas" pitchFamily="49"/>
-              </a:rPr>
-              <a:t>5</a:t>
-            </a:r>
-            <a:r>
-              <a:rPr lang="en-US" sz="1600" b="0" i="0" u="none" strike="noStrike" kern="1200" cap="none" spc="0" baseline="0" dirty="0">
-                <a:solidFill>
-                  <a:srgbClr val="000000"/>
-                </a:solidFill>
-                <a:uFillTx/>
-                <a:latin typeface="Consolas" pitchFamily="49"/>
-                <a:cs typeface="Consolas" pitchFamily="49"/>
-              </a:rPr>
-              <a:t> </a:t>
-            </a:r>
-            <a:r>
-              <a:rPr lang="en-US" sz="1600" kern="0" dirty="0">
-                <a:solidFill>
-                  <a:srgbClr val="000000"/>
-                </a:solidFill>
-                <a:latin typeface="Consolas" pitchFamily="49"/>
-                <a:cs typeface="Consolas" pitchFamily="49"/>
-              </a:rPr>
-              <a:t>7</a:t>
-            </a:r>
-            <a:r>
-              <a:rPr lang="en-US" sz="1600" b="0" i="0" u="none" strike="noStrike" kern="1200" cap="none" spc="0" baseline="0" dirty="0">
-                <a:solidFill>
-                  <a:srgbClr val="000000"/>
-                </a:solidFill>
-                <a:uFillTx/>
-                <a:latin typeface="Consolas" pitchFamily="49"/>
-                <a:cs typeface="Consolas" pitchFamily="49"/>
-              </a:rPr>
-              <a:t> </a:t>
-            </a:r>
-            <a:r>
-              <a:rPr lang="en-US" sz="1600" dirty="0">
-                <a:solidFill>
-                  <a:srgbClr val="000000"/>
-                </a:solidFill>
-                <a:latin typeface="Consolas" pitchFamily="49"/>
-                <a:cs typeface="Consolas" pitchFamily="49"/>
-              </a:rPr>
-              <a:t>9</a:t>
-            </a:r>
-            <a:endParaRPr lang="en-US" sz="1600" b="0" i="0" u="none" strike="noStrike" kern="1200" cap="none" spc="0" baseline="0" dirty="0">
-              <a:solidFill>
-                <a:srgbClr val="000000"/>
-              </a:solidFill>
-              <a:uFillTx/>
-              <a:latin typeface="Consolas" pitchFamily="49"/>
-              <a:cs typeface="Consolas" pitchFamily="49"/>
-            </a:endParaRPr>
-          </a:p>
-        </p:txBody>
-      </p:sp>
-      <mc:AlternateContent xmlns:mc="http://schemas.openxmlformats.org/markup-compatibility/2006" xmlns:a14="http://schemas.microsoft.com/office/drawing/2010/main">
-        <mc:Choice Requires="a14">
-          <p:sp>
-            <p:nvSpPr>
-              <p:cNvPr id="35" name="TextBox 34"/>
-              <p:cNvSpPr txBox="1"/>
-              <p:nvPr/>
-            </p:nvSpPr>
-            <p:spPr>
-              <a:xfrm>
-                <a:off x="1006499" y="4983154"/>
-                <a:ext cx="312586" cy="369332"/>
-              </a:xfrm>
-              <a:prstGeom prst="rect">
-                <a:avLst/>
-              </a:prstGeom>
-              <a:noFill/>
-            </p:spPr>
-            <p:txBody>
-              <a:bodyPr wrap="none" lIns="0" tIns="0" rIns="0" bIns="0" rtlCol="0">
-                <a:spAutoFit/>
-              </a:bodyPr>
-              <a:lstStyle/>
-              <a:p>
-                <a:pPr/>
-                <a14:m>
-                  <m:oMathPara xmlns:m="http://schemas.openxmlformats.org/officeDocument/2006/math">
-                    <m:oMathParaPr>
-                      <m:jc m:val="centerGroup"/>
-                    </m:oMathParaPr>
-                    <m:oMath xmlns:m="http://schemas.openxmlformats.org/officeDocument/2006/math">
-                      <m:r>
-                        <a:rPr lang="en-US" sz="2400" b="0" i="1" smtClean="0">
-                          <a:latin typeface="Cambria Math" panose="02040503050406030204" pitchFamily="18" charset="0"/>
-                        </a:rPr>
-                        <m:t>𝑥</m:t>
-                      </m:r>
-                      <m:r>
-                        <a:rPr lang="en-US" sz="2400" b="0" i="1" smtClean="0">
-                          <a:latin typeface="Cambria Math" panose="02040503050406030204" pitchFamily="18" charset="0"/>
-                        </a:rPr>
-                        <m:t>′</m:t>
-                      </m:r>
-                    </m:oMath>
-                  </m:oMathPara>
-                </a14:m>
-                <a:endParaRPr lang="en-US" sz="2400" dirty="0"/>
-              </a:p>
-            </p:txBody>
-          </p:sp>
-        </mc:Choice>
-        <mc:Fallback xmlns="">
-          <p:sp>
-            <p:nvSpPr>
-              <p:cNvPr id="35" name="TextBox 34"/>
-              <p:cNvSpPr txBox="1">
-                <a:spLocks noRot="1" noChangeAspect="1" noMove="1" noResize="1" noEditPoints="1" noAdjustHandles="1" noChangeArrowheads="1" noChangeShapeType="1" noTextEdit="1"/>
-              </p:cNvSpPr>
-              <p:nvPr/>
-            </p:nvSpPr>
-            <p:spPr>
-              <a:xfrm>
-                <a:off x="1006499" y="4983154"/>
-                <a:ext cx="312586" cy="369332"/>
-              </a:xfrm>
-              <a:prstGeom prst="rect">
-                <a:avLst/>
-              </a:prstGeom>
-              <a:blipFill>
-                <a:blip r:embed="rId4"/>
-                <a:stretch>
-                  <a:fillRect l="-25490" t="-1639" r="-29412" b="-9836"/>
-                </a:stretch>
-              </a:blipFill>
-            </p:spPr>
-            <p:txBody>
-              <a:bodyPr/>
-              <a:lstStyle/>
-              <a:p>
-                <a:r>
-                  <a:rPr lang="en-US">
-                    <a:noFill/>
-                  </a:rPr>
-                  <a:t> </a:t>
-                </a:r>
-              </a:p>
-            </p:txBody>
-          </p:sp>
-        </mc:Fallback>
-      </mc:AlternateContent>
-      <mc:AlternateContent xmlns:mc="http://schemas.openxmlformats.org/markup-compatibility/2006" xmlns:a14="http://schemas.microsoft.com/office/drawing/2010/main">
-        <mc:Choice Requires="a14">
-          <p:sp>
-            <p:nvSpPr>
-              <p:cNvPr id="36" name="TextBox 35"/>
-              <p:cNvSpPr txBox="1"/>
-              <p:nvPr/>
-            </p:nvSpPr>
-            <p:spPr>
-              <a:xfrm>
-                <a:off x="1006499" y="5476505"/>
-                <a:ext cx="320601" cy="369332"/>
-              </a:xfrm>
-              <a:prstGeom prst="rect">
-                <a:avLst/>
-              </a:prstGeom>
-              <a:noFill/>
-            </p:spPr>
-            <p:txBody>
-              <a:bodyPr wrap="none" lIns="0" tIns="0" rIns="0" bIns="0" rtlCol="0">
-                <a:spAutoFit/>
-              </a:bodyPr>
-              <a:lstStyle/>
-              <a:p>
-                <a:pPr/>
-                <a14:m>
-                  <m:oMathPara xmlns:m="http://schemas.openxmlformats.org/officeDocument/2006/math">
-                    <m:oMathParaPr>
-                      <m:jc m:val="centerGroup"/>
-                    </m:oMathParaPr>
-                    <m:oMath xmlns:m="http://schemas.openxmlformats.org/officeDocument/2006/math">
-                      <m:r>
-                        <a:rPr lang="en-US" sz="2400" b="0" i="1" smtClean="0">
-                          <a:latin typeface="Cambria Math" panose="02040503050406030204" pitchFamily="18" charset="0"/>
-                        </a:rPr>
-                        <m:t>𝑦</m:t>
-                      </m:r>
-                      <m:r>
-                        <a:rPr lang="en-US" sz="2400" b="0" i="1" smtClean="0">
-                          <a:latin typeface="Cambria Math" panose="02040503050406030204" pitchFamily="18" charset="0"/>
-                        </a:rPr>
-                        <m:t>′</m:t>
-                      </m:r>
-                    </m:oMath>
-                  </m:oMathPara>
-                </a14:m>
-                <a:endParaRPr lang="en-US" sz="2400" dirty="0"/>
-              </a:p>
-            </p:txBody>
-          </p:sp>
-        </mc:Choice>
-        <mc:Fallback xmlns="">
-          <p:sp>
-            <p:nvSpPr>
-              <p:cNvPr id="36" name="TextBox 35"/>
-              <p:cNvSpPr txBox="1">
-                <a:spLocks noRot="1" noChangeAspect="1" noMove="1" noResize="1" noEditPoints="1" noAdjustHandles="1" noChangeArrowheads="1" noChangeShapeType="1" noTextEdit="1"/>
-              </p:cNvSpPr>
-              <p:nvPr/>
-            </p:nvSpPr>
-            <p:spPr>
-              <a:xfrm>
-                <a:off x="1006499" y="5476505"/>
-                <a:ext cx="320601" cy="369332"/>
-              </a:xfrm>
-              <a:prstGeom prst="rect">
-                <a:avLst/>
-              </a:prstGeom>
-              <a:blipFill>
-                <a:blip r:embed="rId5"/>
-                <a:stretch>
-                  <a:fillRect l="-35849" t="-4918" r="-35849" b="-36066"/>
-                </a:stretch>
-              </a:blipFill>
-            </p:spPr>
-            <p:txBody>
-              <a:bodyPr/>
-              <a:lstStyle/>
-              <a:p>
-                <a:r>
-                  <a:rPr lang="en-US">
-                    <a:noFill/>
-                  </a:rPr>
-                  <a:t> </a:t>
-                </a:r>
-              </a:p>
-            </p:txBody>
-          </p:sp>
-        </mc:Fallback>
-      </mc:AlternateContent>
-    </p:spTree>
-    <p:extLst>
-      <p:ext uri="{BB962C8B-B14F-4D97-AF65-F5344CB8AC3E}">
-        <p14:creationId xmlns:p14="http://schemas.microsoft.com/office/powerpoint/2010/main" val="880806876"/>
       </p:ext>
     </p:extLst>
   </p:cSld>
@@ -7874,6 +7036,2638 @@
       </p:sp>
       <p:sp>
         <p:nvSpPr>
+          <p:cNvPr id="7" name="TextBox 15"/>
+          <p:cNvSpPr txBox="1"/>
+          <p:nvPr/>
+        </p:nvSpPr>
+        <p:spPr>
+          <a:xfrm>
+            <a:off x="0" y="0"/>
+            <a:ext cx="12191996" cy="369335"/>
+          </a:xfrm>
+          <a:prstGeom prst="rect">
+            <a:avLst/>
+          </a:prstGeom>
+          <a:solidFill>
+            <a:srgbClr val="333F50"/>
+          </a:solidFill>
+          <a:ln cap="flat">
+            <a:noFill/>
+          </a:ln>
+        </p:spPr>
+        <p:txBody>
+          <a:bodyPr vert="horz" wrap="square" lIns="91440" tIns="45720" rIns="91440" bIns="45720" anchor="t" anchorCtr="0" compatLnSpc="1">
+            <a:spAutoFit/>
+          </a:bodyPr>
+          <a:lstStyle/>
+          <a:p>
+            <a:pPr marL="0" marR="0" lvl="0" indent="0" algn="l" defTabSz="914400" rtl="0" fontAlgn="auto" hangingPunct="1">
+              <a:lnSpc>
+                <a:spcPct val="100000"/>
+              </a:lnSpc>
+              <a:spcBef>
+                <a:spcPts val="0"/>
+              </a:spcBef>
+              <a:spcAft>
+                <a:spcPts val="0"/>
+              </a:spcAft>
+              <a:buNone/>
+              <a:tabLst/>
+              <a:defRPr sz="1800" b="0" i="0" u="none" strike="noStrike" kern="0" cap="none" spc="0" baseline="0">
+                <a:solidFill>
+                  <a:srgbClr val="000000"/>
+                </a:solidFill>
+                <a:uFillTx/>
+              </a:defRPr>
+            </a:pPr>
+            <a:r>
+              <a:rPr lang="en-US" sz="1800" b="0" i="0" u="none" strike="noStrike" kern="1200" cap="none" spc="0" baseline="0">
+                <a:solidFill>
+                  <a:srgbClr val="FFFFFF"/>
+                </a:solidFill>
+                <a:uFillTx/>
+                <a:latin typeface="Corbel" pitchFamily="34"/>
+              </a:rPr>
+              <a:t> CIRCULAR SEQUENCE COMPARISON: ALGORITHMS AND APPLICATIONS</a:t>
+            </a:r>
+          </a:p>
+        </p:txBody>
+      </p:sp>
+      <mc:AlternateContent xmlns:mc="http://schemas.openxmlformats.org/markup-compatibility/2006">
+        <mc:Choice xmlns:a14="http://schemas.microsoft.com/office/drawing/2010/main" Requires="a14">
+          <p:sp>
+            <p:nvSpPr>
+              <p:cNvPr id="16" name="TextBox 14"/>
+              <p:cNvSpPr txBox="1"/>
+              <p:nvPr/>
+            </p:nvSpPr>
+            <p:spPr>
+              <a:xfrm>
+                <a:off x="1014314" y="2538999"/>
+                <a:ext cx="10042892" cy="830997"/>
+              </a:xfrm>
+              <a:prstGeom prst="rect">
+                <a:avLst/>
+              </a:prstGeom>
+              <a:noFill/>
+              <a:ln cap="flat">
+                <a:noFill/>
+              </a:ln>
+            </p:spPr>
+            <p:txBody>
+              <a:bodyPr vert="horz" wrap="square" lIns="91440" tIns="45720" rIns="91440" bIns="45720" anchor="t" anchorCtr="0" compatLnSpc="1">
+                <a:spAutoFit/>
+              </a:bodyPr>
+              <a:lstStyle/>
+              <a:p>
+                <a:pPr lvl="0">
+                  <a:defRPr sz="1800" b="0" i="0" u="none" strike="noStrike" kern="0" cap="none" spc="0" baseline="0">
+                    <a:solidFill>
+                      <a:srgbClr val="000000"/>
+                    </a:solidFill>
+                    <a:uFillTx/>
+                  </a:defRPr>
+                </a:pPr>
+                <a:r>
+                  <a:rPr lang="en-US" sz="2400" b="1" dirty="0">
+                    <a:solidFill>
+                      <a:srgbClr val="000000"/>
+                    </a:solidFill>
+                    <a:latin typeface="Calibri"/>
+                  </a:rPr>
+                  <a:t>Step 2:</a:t>
+                </a:r>
+                <a:r>
+                  <a:rPr lang="en-US" sz="2400" dirty="0">
+                    <a:solidFill>
+                      <a:srgbClr val="000000"/>
+                    </a:solidFill>
+                    <a:latin typeface="Calibri"/>
+                  </a:rPr>
+                  <a:t> Compute the </a:t>
+                </a:r>
+                <a:r>
+                  <a:rPr lang="en-US" sz="2400" dirty="0" err="1">
+                    <a:solidFill>
+                      <a:srgbClr val="000000"/>
+                    </a:solidFill>
+                    <a:latin typeface="Calibri"/>
+                  </a:rPr>
+                  <a:t>blockwise</a:t>
+                </a:r>
+                <a:r>
+                  <a:rPr lang="en-US" sz="2400" dirty="0">
+                    <a:solidFill>
+                      <a:srgbClr val="000000"/>
+                    </a:solidFill>
+                    <a:latin typeface="Calibri"/>
+                  </a:rPr>
+                  <a:t> q-gram distance for the initial window position,</a:t>
+                </a:r>
+              </a:p>
+              <a:p>
+                <a:pPr lvl="0">
+                  <a:defRPr sz="1800" b="0" i="0" u="none" strike="noStrike" kern="0" cap="none" spc="0" baseline="0">
+                    <a:solidFill>
+                      <a:srgbClr val="000000"/>
+                    </a:solidFill>
+                    <a:uFillTx/>
+                  </a:defRPr>
+                </a:pPr>
+                <a:r>
+                  <a:rPr lang="en-US" sz="2400" b="0" u="none" strike="noStrike" kern="1200" cap="none" spc="0" baseline="0" dirty="0">
+                    <a:solidFill>
+                      <a:srgbClr val="000000"/>
+                    </a:solidFill>
+                    <a:uFillTx/>
+                    <a:latin typeface="Calibri"/>
+                  </a:rPr>
+                  <a:t>	keeping a</a:t>
+                </a:r>
+                <a:r>
+                  <a:rPr lang="en-US" sz="2400" b="0" u="none" strike="noStrike" kern="1200" cap="none" spc="0" dirty="0">
+                    <a:solidFill>
+                      <a:srgbClr val="000000"/>
+                    </a:solidFill>
+                    <a:uFillTx/>
+                    <a:latin typeface="Calibri"/>
+                  </a:rPr>
+                  <a:t> </a:t>
+                </a:r>
+                <a14:m>
+                  <m:oMath xmlns:m="http://schemas.openxmlformats.org/officeDocument/2006/math">
+                    <m:r>
+                      <a:rPr lang="en-US" sz="2400" b="0" i="1" u="none" strike="noStrike" kern="1200" cap="none" spc="0" dirty="0" smtClean="0">
+                        <a:solidFill>
+                          <a:srgbClr val="000000"/>
+                        </a:solidFill>
+                        <a:uFillTx/>
+                        <a:latin typeface="Cambria Math" panose="02040503050406030204" pitchFamily="18" charset="0"/>
+                      </a:rPr>
+                      <m:t>𝑑𝑖𝑓𝑓</m:t>
+                    </m:r>
+                  </m:oMath>
+                </a14:m>
+                <a:r>
+                  <a:rPr lang="en-US" sz="2400" b="0" u="none" strike="noStrike" kern="1200" cap="none" spc="0" dirty="0">
+                    <a:solidFill>
+                      <a:srgbClr val="000000"/>
+                    </a:solidFill>
+                    <a:uFillTx/>
+                    <a:latin typeface="Calibri"/>
+                  </a:rPr>
+                  <a:t> array for each block</a:t>
+                </a:r>
+                <a:endParaRPr lang="en-US" sz="2400" b="0" u="none" strike="noStrike" kern="1200" cap="none" spc="0" baseline="0" dirty="0">
+                  <a:solidFill>
+                    <a:srgbClr val="000000"/>
+                  </a:solidFill>
+                  <a:uFillTx/>
+                  <a:latin typeface="Calibri"/>
+                </a:endParaRPr>
+              </a:p>
+            </p:txBody>
+          </p:sp>
+        </mc:Choice>
+        <mc:Fallback>
+          <p:sp>
+            <p:nvSpPr>
+              <p:cNvPr id="16" name="TextBox 14"/>
+              <p:cNvSpPr txBox="1">
+                <a:spLocks noRot="1" noChangeAspect="1" noMove="1" noResize="1" noEditPoints="1" noAdjustHandles="1" noChangeArrowheads="1" noChangeShapeType="1" noTextEdit="1"/>
+              </p:cNvSpPr>
+              <p:nvPr/>
+            </p:nvSpPr>
+            <p:spPr>
+              <a:xfrm>
+                <a:off x="1014314" y="2538999"/>
+                <a:ext cx="10042892" cy="830997"/>
+              </a:xfrm>
+              <a:prstGeom prst="rect">
+                <a:avLst/>
+              </a:prstGeom>
+              <a:blipFill>
+                <a:blip r:embed="rId2"/>
+                <a:stretch>
+                  <a:fillRect l="-910" t="-5882" r="-61" b="-16176"/>
+                </a:stretch>
+              </a:blipFill>
+              <a:ln cap="flat">
+                <a:noFill/>
+              </a:ln>
+            </p:spPr>
+            <p:txBody>
+              <a:bodyPr/>
+              <a:lstStyle/>
+              <a:p>
+                <a:r>
+                  <a:rPr lang="en-US">
+                    <a:noFill/>
+                  </a:rPr>
+                  <a:t> </a:t>
+                </a:r>
+              </a:p>
+            </p:txBody>
+          </p:sp>
+        </mc:Fallback>
+      </mc:AlternateContent>
+      <p:sp>
+        <p:nvSpPr>
+          <p:cNvPr id="18" name="TextBox 3"/>
+          <p:cNvSpPr txBox="1"/>
+          <p:nvPr/>
+        </p:nvSpPr>
+        <p:spPr>
+          <a:xfrm>
+            <a:off x="1410792" y="4124973"/>
+            <a:ext cx="7187150" cy="338554"/>
+          </a:xfrm>
+          <a:prstGeom prst="rect">
+            <a:avLst/>
+          </a:prstGeom>
+          <a:solidFill>
+            <a:srgbClr val="E7E6E6"/>
+          </a:solidFill>
+          <a:ln w="9528" cap="flat">
+            <a:solidFill>
+              <a:srgbClr val="000000"/>
+            </a:solidFill>
+            <a:prstDash val="solid"/>
+            <a:miter/>
+          </a:ln>
+        </p:spPr>
+        <p:txBody>
+          <a:bodyPr vert="horz" wrap="square" lIns="91440" tIns="45720" rIns="91440" bIns="45720" anchor="t" anchorCtr="0" compatLnSpc="1">
+            <a:spAutoFit/>
+          </a:bodyPr>
+          <a:lstStyle/>
+          <a:p>
+            <a:pPr lvl="0">
+              <a:defRPr sz="1800" b="0" i="0" u="none" strike="noStrike" kern="0" cap="none" spc="0" baseline="0">
+                <a:solidFill>
+                  <a:srgbClr val="000000"/>
+                </a:solidFill>
+                <a:uFillTx/>
+              </a:defRPr>
+            </a:pPr>
+            <a:r>
+              <a:rPr lang="en-US" sz="1600" dirty="0">
+                <a:solidFill>
+                  <a:srgbClr val="000000"/>
+                </a:solidFill>
+                <a:latin typeface="Consolas" pitchFamily="49"/>
+                <a:cs typeface="Consolas" pitchFamily="49"/>
+              </a:rPr>
+              <a:t>9 6</a:t>
+            </a:r>
+            <a:r>
+              <a:rPr lang="en-US" sz="1600" dirty="0">
+                <a:solidFill>
+                  <a:srgbClr val="FF0000"/>
+                </a:solidFill>
+                <a:latin typeface="Consolas" pitchFamily="49"/>
+                <a:cs typeface="Consolas" pitchFamily="49"/>
+              </a:rPr>
+              <a:t> </a:t>
+            </a:r>
+            <a:r>
+              <a:rPr lang="en-US" sz="1600" dirty="0">
+                <a:solidFill>
+                  <a:srgbClr val="000000"/>
+                </a:solidFill>
+                <a:latin typeface="Consolas" pitchFamily="49"/>
+                <a:cs typeface="Consolas" pitchFamily="49"/>
+              </a:rPr>
+              <a:t>2 2</a:t>
+            </a:r>
+            <a:r>
+              <a:rPr lang="en-US" sz="1600" dirty="0">
+                <a:solidFill>
+                  <a:srgbClr val="FF0000"/>
+                </a:solidFill>
+                <a:latin typeface="Consolas" pitchFamily="49"/>
+                <a:cs typeface="Consolas" pitchFamily="49"/>
+              </a:rPr>
+              <a:t>|</a:t>
+            </a:r>
+            <a:r>
+              <a:rPr lang="en-US" sz="1600" kern="0" dirty="0">
+                <a:solidFill>
+                  <a:srgbClr val="000000"/>
+                </a:solidFill>
+                <a:latin typeface="Consolas" pitchFamily="49"/>
+                <a:cs typeface="Consolas" pitchFamily="49"/>
+              </a:rPr>
+              <a:t>8</a:t>
+            </a:r>
+            <a:r>
+              <a:rPr lang="en-US" sz="1600" dirty="0">
+                <a:solidFill>
+                  <a:srgbClr val="000000"/>
+                </a:solidFill>
+                <a:latin typeface="Consolas" pitchFamily="49"/>
+                <a:cs typeface="Consolas" pitchFamily="49"/>
+              </a:rPr>
+              <a:t> 0</a:t>
+            </a:r>
+            <a:r>
+              <a:rPr lang="en-US" sz="1600" dirty="0">
+                <a:solidFill>
+                  <a:srgbClr val="FF0000"/>
+                </a:solidFill>
+                <a:latin typeface="Consolas" pitchFamily="49"/>
+                <a:cs typeface="Consolas" pitchFamily="49"/>
+              </a:rPr>
+              <a:t> </a:t>
+            </a:r>
+            <a:r>
+              <a:rPr lang="en-US" sz="1600" dirty="0">
+                <a:solidFill>
+                  <a:srgbClr val="000000"/>
+                </a:solidFill>
+                <a:latin typeface="Consolas" pitchFamily="49"/>
+                <a:cs typeface="Consolas" pitchFamily="49"/>
+              </a:rPr>
+              <a:t>1 5</a:t>
+            </a:r>
+            <a:r>
+              <a:rPr lang="en-US" sz="1600" dirty="0">
+                <a:solidFill>
+                  <a:srgbClr val="FF0000"/>
+                </a:solidFill>
+                <a:latin typeface="Consolas" pitchFamily="49"/>
+                <a:cs typeface="Consolas" pitchFamily="49"/>
+              </a:rPr>
+              <a:t>|</a:t>
+            </a:r>
+            <a:r>
+              <a:rPr lang="en-US" sz="1600" kern="0" dirty="0">
+                <a:solidFill>
+                  <a:srgbClr val="000000"/>
+                </a:solidFill>
+                <a:latin typeface="Consolas" pitchFamily="49"/>
+                <a:cs typeface="Consolas" pitchFamily="49"/>
+              </a:rPr>
+              <a:t>7</a:t>
+            </a:r>
+            <a:r>
+              <a:rPr lang="en-US" sz="1600" dirty="0">
+                <a:solidFill>
+                  <a:srgbClr val="000000"/>
+                </a:solidFill>
+                <a:latin typeface="Consolas" pitchFamily="49"/>
+                <a:cs typeface="Consolas" pitchFamily="49"/>
+              </a:rPr>
+              <a:t> 9 0 1</a:t>
+            </a:r>
+            <a:r>
+              <a:rPr lang="en-US" sz="1600" dirty="0">
+                <a:solidFill>
+                  <a:srgbClr val="FF0000"/>
+                </a:solidFill>
+                <a:latin typeface="Consolas" pitchFamily="49"/>
+                <a:cs typeface="Consolas" pitchFamily="49"/>
+              </a:rPr>
+              <a:t>|</a:t>
+            </a:r>
+            <a:r>
+              <a:rPr lang="en-US" sz="1600" dirty="0">
+                <a:solidFill>
+                  <a:srgbClr val="000000"/>
+                </a:solidFill>
+                <a:latin typeface="Consolas" pitchFamily="49"/>
+                <a:cs typeface="Consolas" pitchFamily="49"/>
+              </a:rPr>
+              <a:t>3 7</a:t>
+            </a:r>
+            <a:r>
+              <a:rPr lang="en-US" sz="1600" dirty="0">
+                <a:solidFill>
+                  <a:srgbClr val="FF0000"/>
+                </a:solidFill>
+                <a:latin typeface="Consolas" pitchFamily="49"/>
+                <a:cs typeface="Consolas" pitchFamily="49"/>
+              </a:rPr>
+              <a:t> </a:t>
+            </a:r>
+            <a:r>
+              <a:rPr lang="en-US" sz="1600" dirty="0">
+                <a:solidFill>
+                  <a:srgbClr val="000000"/>
+                </a:solidFill>
+                <a:latin typeface="Consolas" pitchFamily="49"/>
+                <a:cs typeface="Consolas" pitchFamily="49"/>
+              </a:rPr>
+              <a:t>4 5</a:t>
+            </a:r>
+            <a:r>
+              <a:rPr lang="en-US" sz="1600" dirty="0">
+                <a:solidFill>
+                  <a:srgbClr val="FF0000"/>
+                </a:solidFill>
+                <a:latin typeface="Consolas" pitchFamily="49"/>
+                <a:cs typeface="Consolas" pitchFamily="49"/>
+              </a:rPr>
+              <a:t>|</a:t>
+            </a:r>
+            <a:r>
+              <a:rPr lang="en-US" sz="1600" dirty="0">
+                <a:solidFill>
+                  <a:srgbClr val="000000"/>
+                </a:solidFill>
+                <a:latin typeface="Consolas" pitchFamily="49"/>
+                <a:cs typeface="Consolas" pitchFamily="49"/>
+              </a:rPr>
+              <a:t>9 6</a:t>
+            </a:r>
+            <a:r>
+              <a:rPr lang="en-US" sz="1600" dirty="0">
+                <a:solidFill>
+                  <a:srgbClr val="FF0000"/>
+                </a:solidFill>
+                <a:latin typeface="Consolas" pitchFamily="49"/>
+                <a:cs typeface="Consolas" pitchFamily="49"/>
+              </a:rPr>
+              <a:t> </a:t>
+            </a:r>
+            <a:r>
+              <a:rPr lang="en-US" sz="1600" dirty="0">
+                <a:solidFill>
+                  <a:srgbClr val="000000"/>
+                </a:solidFill>
+                <a:latin typeface="Consolas" pitchFamily="49"/>
+                <a:cs typeface="Consolas" pitchFamily="49"/>
+              </a:rPr>
+              <a:t>2 2 </a:t>
+            </a:r>
+            <a:r>
+              <a:rPr lang="en-US" sz="1600" kern="0" dirty="0">
+                <a:solidFill>
+                  <a:srgbClr val="000000"/>
+                </a:solidFill>
+                <a:latin typeface="Consolas" pitchFamily="49"/>
+                <a:cs typeface="Consolas" pitchFamily="49"/>
+              </a:rPr>
+              <a:t>8</a:t>
+            </a:r>
+            <a:r>
+              <a:rPr lang="en-US" sz="1600" dirty="0">
+                <a:solidFill>
+                  <a:srgbClr val="000000"/>
+                </a:solidFill>
+                <a:latin typeface="Consolas" pitchFamily="49"/>
+                <a:cs typeface="Consolas" pitchFamily="49"/>
+              </a:rPr>
+              <a:t> 0</a:t>
+            </a:r>
+            <a:r>
+              <a:rPr lang="en-US" sz="1600" dirty="0">
+                <a:solidFill>
+                  <a:srgbClr val="FF0000"/>
+                </a:solidFill>
+                <a:latin typeface="Consolas" pitchFamily="49"/>
+                <a:cs typeface="Consolas" pitchFamily="49"/>
+              </a:rPr>
+              <a:t> </a:t>
+            </a:r>
+            <a:r>
+              <a:rPr lang="en-US" sz="1600" dirty="0">
+                <a:solidFill>
+                  <a:srgbClr val="000000"/>
+                </a:solidFill>
+                <a:latin typeface="Consolas" pitchFamily="49"/>
+                <a:cs typeface="Consolas" pitchFamily="49"/>
+              </a:rPr>
+              <a:t>1 5 </a:t>
+            </a:r>
+            <a:r>
+              <a:rPr lang="en-US" sz="1600" kern="0" dirty="0">
+                <a:solidFill>
+                  <a:srgbClr val="000000"/>
+                </a:solidFill>
+                <a:latin typeface="Consolas" pitchFamily="49"/>
+                <a:cs typeface="Consolas" pitchFamily="49"/>
+              </a:rPr>
+              <a:t>7</a:t>
+            </a:r>
+            <a:r>
+              <a:rPr lang="en-US" sz="1600" dirty="0">
+                <a:solidFill>
+                  <a:srgbClr val="000000"/>
+                </a:solidFill>
+                <a:latin typeface="Consolas" pitchFamily="49"/>
+                <a:cs typeface="Consolas" pitchFamily="49"/>
+              </a:rPr>
+              <a:t> 9 0 1 3 7</a:t>
+            </a:r>
+            <a:r>
+              <a:rPr lang="en-US" sz="1600" dirty="0">
+                <a:solidFill>
+                  <a:srgbClr val="FF0000"/>
+                </a:solidFill>
+                <a:latin typeface="Consolas" pitchFamily="49"/>
+                <a:cs typeface="Consolas" pitchFamily="49"/>
+              </a:rPr>
+              <a:t> </a:t>
+            </a:r>
+            <a:r>
+              <a:rPr lang="en-US" sz="1600" dirty="0">
+                <a:solidFill>
+                  <a:srgbClr val="000000"/>
+                </a:solidFill>
+                <a:latin typeface="Consolas" pitchFamily="49"/>
+                <a:cs typeface="Consolas" pitchFamily="49"/>
+              </a:rPr>
+              <a:t>4 5</a:t>
+            </a:r>
+          </a:p>
+        </p:txBody>
+      </p:sp>
+      <p:sp>
+        <p:nvSpPr>
+          <p:cNvPr id="19" name="TextBox 3"/>
+          <p:cNvSpPr txBox="1"/>
+          <p:nvPr/>
+        </p:nvSpPr>
+        <p:spPr>
+          <a:xfrm>
+            <a:off x="1410792" y="4605433"/>
+            <a:ext cx="3642095" cy="338554"/>
+          </a:xfrm>
+          <a:prstGeom prst="rect">
+            <a:avLst/>
+          </a:prstGeom>
+          <a:solidFill>
+            <a:srgbClr val="E7E6E6"/>
+          </a:solidFill>
+          <a:ln w="9528" cap="flat">
+            <a:solidFill>
+              <a:srgbClr val="000000"/>
+            </a:solidFill>
+            <a:prstDash val="solid"/>
+            <a:miter/>
+          </a:ln>
+        </p:spPr>
+        <p:txBody>
+          <a:bodyPr vert="horz" wrap="square" lIns="91440" tIns="45720" rIns="91440" bIns="45720" anchor="t" anchorCtr="0" compatLnSpc="1">
+            <a:spAutoFit/>
+          </a:bodyPr>
+          <a:lstStyle/>
+          <a:p>
+            <a:pPr marL="0" marR="0" lvl="0" indent="0" algn="l" defTabSz="914400" rtl="0" fontAlgn="auto" hangingPunct="1">
+              <a:lnSpc>
+                <a:spcPct val="100000"/>
+              </a:lnSpc>
+              <a:spcBef>
+                <a:spcPts val="0"/>
+              </a:spcBef>
+              <a:spcAft>
+                <a:spcPts val="0"/>
+              </a:spcAft>
+              <a:buNone/>
+              <a:tabLst/>
+              <a:defRPr sz="1800" b="0" i="0" u="none" strike="noStrike" kern="0" cap="none" spc="0" baseline="0">
+                <a:solidFill>
+                  <a:srgbClr val="000000"/>
+                </a:solidFill>
+                <a:uFillTx/>
+              </a:defRPr>
+            </a:pPr>
+            <a:r>
+              <a:rPr lang="en-US" sz="1600" dirty="0">
+                <a:solidFill>
+                  <a:srgbClr val="000000"/>
+                </a:solidFill>
+                <a:latin typeface="Consolas" pitchFamily="49"/>
+                <a:cs typeface="Consolas" pitchFamily="49"/>
+              </a:rPr>
+              <a:t>0</a:t>
+            </a:r>
+            <a:r>
+              <a:rPr lang="en-US" sz="1600" b="0" i="0" u="none" strike="noStrike" kern="1200" cap="none" spc="0" baseline="0" dirty="0">
+                <a:solidFill>
+                  <a:srgbClr val="000000"/>
+                </a:solidFill>
+                <a:uFillTx/>
+                <a:latin typeface="Consolas" pitchFamily="49"/>
+                <a:cs typeface="Consolas" pitchFamily="49"/>
+              </a:rPr>
+              <a:t> </a:t>
+            </a:r>
+            <a:r>
+              <a:rPr lang="en-US" sz="1600" dirty="0">
+                <a:solidFill>
+                  <a:srgbClr val="000000"/>
+                </a:solidFill>
+                <a:latin typeface="Consolas" pitchFamily="49"/>
+                <a:cs typeface="Consolas" pitchFamily="49"/>
+              </a:rPr>
+              <a:t>1</a:t>
+            </a:r>
+            <a:r>
+              <a:rPr lang="en-US" sz="1600" b="0" i="0" u="none" strike="noStrike" kern="1200" cap="none" spc="0" baseline="0" dirty="0">
+                <a:solidFill>
+                  <a:srgbClr val="000000"/>
+                </a:solidFill>
+                <a:uFillTx/>
+                <a:latin typeface="Consolas" pitchFamily="49"/>
+                <a:cs typeface="Consolas" pitchFamily="49"/>
+              </a:rPr>
+              <a:t> </a:t>
+            </a:r>
+            <a:r>
+              <a:rPr lang="en-US" sz="1600" dirty="0">
+                <a:solidFill>
+                  <a:srgbClr val="000000"/>
+                </a:solidFill>
+                <a:latin typeface="Consolas" pitchFamily="49"/>
+                <a:cs typeface="Consolas" pitchFamily="49"/>
+              </a:rPr>
+              <a:t>3</a:t>
+            </a:r>
+            <a:r>
+              <a:rPr lang="en-US" sz="1600" b="0" i="0" u="none" strike="noStrike" kern="1200" cap="none" spc="0" baseline="0" dirty="0">
+                <a:solidFill>
+                  <a:srgbClr val="000000"/>
+                </a:solidFill>
+                <a:uFillTx/>
+                <a:latin typeface="Consolas" pitchFamily="49"/>
+                <a:cs typeface="Consolas" pitchFamily="49"/>
+              </a:rPr>
+              <a:t> </a:t>
+            </a:r>
+            <a:r>
+              <a:rPr lang="en-US" sz="1600" dirty="0">
+                <a:solidFill>
+                  <a:srgbClr val="000000"/>
+                </a:solidFill>
+                <a:latin typeface="Consolas" pitchFamily="49"/>
+                <a:cs typeface="Consolas" pitchFamily="49"/>
+              </a:rPr>
+              <a:t>7</a:t>
+            </a:r>
+            <a:r>
+              <a:rPr lang="en-US" sz="1600" dirty="0">
+                <a:solidFill>
+                  <a:srgbClr val="FF0000"/>
+                </a:solidFill>
+                <a:latin typeface="Consolas" pitchFamily="49"/>
+                <a:cs typeface="Consolas" pitchFamily="49"/>
+              </a:rPr>
+              <a:t>|</a:t>
+            </a:r>
+            <a:r>
+              <a:rPr lang="en-US" sz="1600" dirty="0">
+                <a:solidFill>
+                  <a:srgbClr val="000000"/>
+                </a:solidFill>
+                <a:latin typeface="Consolas" pitchFamily="49"/>
+                <a:cs typeface="Consolas" pitchFamily="49"/>
+              </a:rPr>
+              <a:t>4</a:t>
+            </a:r>
+            <a:r>
+              <a:rPr lang="en-US" sz="1600" b="0" i="0" u="none" strike="noStrike" kern="1200" cap="none" spc="0" baseline="0" dirty="0">
+                <a:solidFill>
+                  <a:srgbClr val="000000"/>
+                </a:solidFill>
+                <a:uFillTx/>
+                <a:latin typeface="Consolas" pitchFamily="49"/>
+                <a:cs typeface="Consolas" pitchFamily="49"/>
+              </a:rPr>
+              <a:t> </a:t>
+            </a:r>
+            <a:r>
+              <a:rPr lang="en-US" sz="1600" dirty="0">
+                <a:solidFill>
+                  <a:srgbClr val="000000"/>
+                </a:solidFill>
+                <a:latin typeface="Consolas" pitchFamily="49"/>
+                <a:cs typeface="Consolas" pitchFamily="49"/>
+              </a:rPr>
+              <a:t>5</a:t>
+            </a:r>
+            <a:r>
+              <a:rPr lang="en-US" sz="1600" b="0" i="0" u="none" strike="noStrike" kern="1200" cap="none" spc="0" baseline="0" dirty="0">
+                <a:solidFill>
+                  <a:srgbClr val="000000"/>
+                </a:solidFill>
+                <a:uFillTx/>
+                <a:latin typeface="Consolas" pitchFamily="49"/>
+                <a:cs typeface="Consolas" pitchFamily="49"/>
+              </a:rPr>
+              <a:t> </a:t>
+            </a:r>
+            <a:r>
+              <a:rPr lang="en-US" sz="1600" dirty="0">
+                <a:solidFill>
+                  <a:srgbClr val="000000"/>
+                </a:solidFill>
+                <a:latin typeface="Consolas" pitchFamily="49"/>
+                <a:cs typeface="Consolas" pitchFamily="49"/>
+              </a:rPr>
+              <a:t>9</a:t>
+            </a:r>
+            <a:r>
+              <a:rPr lang="en-US" sz="1600" b="0" i="0" u="none" strike="noStrike" kern="1200" cap="none" spc="0" baseline="0" dirty="0">
+                <a:solidFill>
+                  <a:srgbClr val="000000"/>
+                </a:solidFill>
+                <a:uFillTx/>
+                <a:latin typeface="Consolas" pitchFamily="49"/>
+                <a:cs typeface="Consolas" pitchFamily="49"/>
+              </a:rPr>
+              <a:t> </a:t>
+            </a:r>
+            <a:r>
+              <a:rPr lang="en-US" sz="1600" dirty="0">
+                <a:solidFill>
+                  <a:srgbClr val="000000"/>
+                </a:solidFill>
+                <a:latin typeface="Consolas" pitchFamily="49"/>
+                <a:cs typeface="Consolas" pitchFamily="49"/>
+              </a:rPr>
+              <a:t>6</a:t>
+            </a:r>
+            <a:r>
+              <a:rPr lang="en-US" sz="1600" dirty="0">
+                <a:solidFill>
+                  <a:srgbClr val="FF0000"/>
+                </a:solidFill>
+                <a:latin typeface="Consolas" pitchFamily="49"/>
+                <a:cs typeface="Consolas" pitchFamily="49"/>
+              </a:rPr>
+              <a:t>|</a:t>
+            </a:r>
+            <a:r>
+              <a:rPr lang="en-US" sz="1600" dirty="0">
+                <a:solidFill>
+                  <a:srgbClr val="000000"/>
+                </a:solidFill>
+                <a:latin typeface="Consolas" pitchFamily="49"/>
+                <a:cs typeface="Consolas" pitchFamily="49"/>
+              </a:rPr>
+              <a:t>2</a:t>
+            </a:r>
+            <a:r>
+              <a:rPr lang="en-US" sz="1600" b="0" i="0" u="none" strike="noStrike" kern="1200" cap="none" spc="0" baseline="0" dirty="0">
+                <a:solidFill>
+                  <a:srgbClr val="000000"/>
+                </a:solidFill>
+                <a:uFillTx/>
+                <a:latin typeface="Consolas" pitchFamily="49"/>
+                <a:cs typeface="Consolas" pitchFamily="49"/>
+              </a:rPr>
+              <a:t> </a:t>
+            </a:r>
+            <a:r>
+              <a:rPr lang="en-US" sz="1600" dirty="0">
+                <a:solidFill>
+                  <a:srgbClr val="000000"/>
+                </a:solidFill>
+                <a:latin typeface="Consolas" pitchFamily="49"/>
+                <a:cs typeface="Consolas" pitchFamily="49"/>
+              </a:rPr>
+              <a:t>2</a:t>
+            </a:r>
+            <a:r>
+              <a:rPr lang="en-US" sz="1600" b="0" i="0" u="none" strike="noStrike" kern="1200" cap="none" spc="0" baseline="0" dirty="0">
+                <a:solidFill>
+                  <a:srgbClr val="000000"/>
+                </a:solidFill>
+                <a:uFillTx/>
+                <a:latin typeface="Consolas" pitchFamily="49"/>
+                <a:cs typeface="Consolas" pitchFamily="49"/>
+              </a:rPr>
+              <a:t> </a:t>
+            </a:r>
+            <a:r>
+              <a:rPr lang="en-US" sz="1600" kern="0" dirty="0">
+                <a:solidFill>
+                  <a:srgbClr val="000000"/>
+                </a:solidFill>
+                <a:latin typeface="Consolas" pitchFamily="49"/>
+                <a:cs typeface="Consolas" pitchFamily="49"/>
+              </a:rPr>
+              <a:t>8</a:t>
+            </a:r>
+            <a:r>
+              <a:rPr lang="en-US" sz="1600" b="0" i="0" u="none" strike="noStrike" kern="1200" cap="none" spc="0" baseline="0" dirty="0">
+                <a:solidFill>
+                  <a:srgbClr val="000000"/>
+                </a:solidFill>
+                <a:uFillTx/>
+                <a:latin typeface="Consolas" pitchFamily="49"/>
+                <a:cs typeface="Consolas" pitchFamily="49"/>
+              </a:rPr>
+              <a:t> </a:t>
+            </a:r>
+            <a:r>
+              <a:rPr lang="en-US" sz="1600" dirty="0">
+                <a:solidFill>
+                  <a:srgbClr val="000000"/>
+                </a:solidFill>
+                <a:latin typeface="Consolas" pitchFamily="49"/>
+                <a:cs typeface="Consolas" pitchFamily="49"/>
+              </a:rPr>
+              <a:t>0</a:t>
+            </a:r>
+            <a:r>
+              <a:rPr lang="en-US" sz="1600" b="0" i="0" u="none" strike="noStrike" kern="1200" cap="none" spc="0" baseline="0" dirty="0">
+                <a:solidFill>
+                  <a:srgbClr val="FF0000"/>
+                </a:solidFill>
+                <a:uFillTx/>
+                <a:latin typeface="Consolas" pitchFamily="49"/>
+                <a:cs typeface="Consolas" pitchFamily="49"/>
+              </a:rPr>
+              <a:t>|</a:t>
+            </a:r>
+            <a:r>
+              <a:rPr lang="en-US" sz="1600" dirty="0">
+                <a:solidFill>
+                  <a:srgbClr val="000000"/>
+                </a:solidFill>
+                <a:latin typeface="Consolas" pitchFamily="49"/>
+                <a:cs typeface="Consolas" pitchFamily="49"/>
+              </a:rPr>
+              <a:t>1</a:t>
+            </a:r>
+            <a:r>
+              <a:rPr lang="en-US" sz="1600" b="0" i="0" u="none" strike="noStrike" kern="1200" cap="none" spc="0" baseline="0" dirty="0">
+                <a:solidFill>
+                  <a:srgbClr val="000000"/>
+                </a:solidFill>
+                <a:uFillTx/>
+                <a:latin typeface="Consolas" pitchFamily="49"/>
+                <a:cs typeface="Consolas" pitchFamily="49"/>
+              </a:rPr>
+              <a:t> </a:t>
+            </a:r>
+            <a:r>
+              <a:rPr lang="en-US" sz="1600" dirty="0">
+                <a:solidFill>
+                  <a:srgbClr val="000000"/>
+                </a:solidFill>
+                <a:latin typeface="Consolas" pitchFamily="49"/>
+                <a:cs typeface="Consolas" pitchFamily="49"/>
+              </a:rPr>
+              <a:t>5</a:t>
+            </a:r>
+            <a:r>
+              <a:rPr lang="en-US" sz="1600" b="0" i="0" u="none" strike="noStrike" kern="1200" cap="none" spc="0" baseline="0" dirty="0">
+                <a:solidFill>
+                  <a:srgbClr val="000000"/>
+                </a:solidFill>
+                <a:uFillTx/>
+                <a:latin typeface="Consolas" pitchFamily="49"/>
+                <a:cs typeface="Consolas" pitchFamily="49"/>
+              </a:rPr>
+              <a:t> </a:t>
+            </a:r>
+            <a:r>
+              <a:rPr lang="en-US" sz="1600" kern="0" dirty="0">
+                <a:solidFill>
+                  <a:srgbClr val="000000"/>
+                </a:solidFill>
+                <a:latin typeface="Consolas" pitchFamily="49"/>
+                <a:cs typeface="Consolas" pitchFamily="49"/>
+              </a:rPr>
+              <a:t>7</a:t>
+            </a:r>
+            <a:r>
+              <a:rPr lang="en-US" sz="1600" b="0" i="0" u="none" strike="noStrike" kern="1200" cap="none" spc="0" baseline="0" dirty="0">
+                <a:solidFill>
+                  <a:srgbClr val="000000"/>
+                </a:solidFill>
+                <a:uFillTx/>
+                <a:latin typeface="Consolas" pitchFamily="49"/>
+                <a:cs typeface="Consolas" pitchFamily="49"/>
+              </a:rPr>
+              <a:t> </a:t>
+            </a:r>
+            <a:r>
+              <a:rPr lang="en-US" sz="1600" dirty="0">
+                <a:solidFill>
+                  <a:srgbClr val="000000"/>
+                </a:solidFill>
+                <a:latin typeface="Consolas" pitchFamily="49"/>
+                <a:cs typeface="Consolas" pitchFamily="49"/>
+              </a:rPr>
+              <a:t>9</a:t>
+            </a:r>
+            <a:endParaRPr lang="en-US" sz="1600" b="0" i="0" u="none" strike="noStrike" kern="1200" cap="none" spc="0" baseline="0" dirty="0">
+              <a:solidFill>
+                <a:srgbClr val="000000"/>
+              </a:solidFill>
+              <a:uFillTx/>
+              <a:latin typeface="Consolas" pitchFamily="49"/>
+              <a:cs typeface="Consolas" pitchFamily="49"/>
+            </a:endParaRPr>
+          </a:p>
+        </p:txBody>
+      </p:sp>
+      <mc:AlternateContent xmlns:mc="http://schemas.openxmlformats.org/markup-compatibility/2006">
+        <mc:Choice xmlns:a14="http://schemas.microsoft.com/office/drawing/2010/main" Requires="a14">
+          <p:sp>
+            <p:nvSpPr>
+              <p:cNvPr id="29" name="TextBox 28"/>
+              <p:cNvSpPr txBox="1"/>
+              <p:nvPr/>
+            </p:nvSpPr>
+            <p:spPr>
+              <a:xfrm>
+                <a:off x="1070586" y="4096693"/>
+                <a:ext cx="312586" cy="369332"/>
+              </a:xfrm>
+              <a:prstGeom prst="rect">
+                <a:avLst/>
+              </a:prstGeom>
+              <a:noFill/>
+            </p:spPr>
+            <p:txBody>
+              <a:bodyPr wrap="none" lIns="0" tIns="0" rIns="0" bIns="0" rtlCol="0">
+                <a:spAutoFit/>
+              </a:bodyPr>
+              <a:lstStyle/>
+              <a:p>
+                <a:pPr/>
+                <a14:m>
+                  <m:oMathPara xmlns:m="http://schemas.openxmlformats.org/officeDocument/2006/math">
+                    <m:oMathParaPr>
+                      <m:jc m:val="centerGroup"/>
+                    </m:oMathParaPr>
+                    <m:oMath xmlns:m="http://schemas.openxmlformats.org/officeDocument/2006/math">
+                      <m:r>
+                        <a:rPr lang="en-US" sz="2400" b="0" i="1" smtClean="0">
+                          <a:latin typeface="Cambria Math" panose="02040503050406030204" pitchFamily="18" charset="0"/>
+                        </a:rPr>
+                        <m:t>𝑥</m:t>
+                      </m:r>
+                      <m:r>
+                        <a:rPr lang="en-US" sz="2400" b="0" i="1" smtClean="0">
+                          <a:latin typeface="Cambria Math" panose="02040503050406030204" pitchFamily="18" charset="0"/>
+                        </a:rPr>
+                        <m:t>′</m:t>
+                      </m:r>
+                    </m:oMath>
+                  </m:oMathPara>
+                </a14:m>
+                <a:endParaRPr lang="en-US" sz="2400" dirty="0"/>
+              </a:p>
+            </p:txBody>
+          </p:sp>
+        </mc:Choice>
+        <mc:Fallback>
+          <p:sp>
+            <p:nvSpPr>
+              <p:cNvPr id="29" name="TextBox 28"/>
+              <p:cNvSpPr txBox="1">
+                <a:spLocks noRot="1" noChangeAspect="1" noMove="1" noResize="1" noEditPoints="1" noAdjustHandles="1" noChangeArrowheads="1" noChangeShapeType="1" noTextEdit="1"/>
+              </p:cNvSpPr>
+              <p:nvPr/>
+            </p:nvSpPr>
+            <p:spPr>
+              <a:xfrm>
+                <a:off x="1070586" y="4096693"/>
+                <a:ext cx="312586" cy="369332"/>
+              </a:xfrm>
+              <a:prstGeom prst="rect">
+                <a:avLst/>
+              </a:prstGeom>
+              <a:blipFill>
+                <a:blip r:embed="rId3"/>
+                <a:stretch>
+                  <a:fillRect l="-27451" t="-1639" r="-27451" b="-9836"/>
+                </a:stretch>
+              </a:blipFill>
+            </p:spPr>
+            <p:txBody>
+              <a:bodyPr/>
+              <a:lstStyle/>
+              <a:p>
+                <a:r>
+                  <a:rPr lang="en-US">
+                    <a:noFill/>
+                  </a:rPr>
+                  <a:t> </a:t>
+                </a:r>
+              </a:p>
+            </p:txBody>
+          </p:sp>
+        </mc:Fallback>
+      </mc:AlternateContent>
+      <mc:AlternateContent xmlns:mc="http://schemas.openxmlformats.org/markup-compatibility/2006">
+        <mc:Choice xmlns:a14="http://schemas.microsoft.com/office/drawing/2010/main" Requires="a14">
+          <p:sp>
+            <p:nvSpPr>
+              <p:cNvPr id="30" name="TextBox 29"/>
+              <p:cNvSpPr txBox="1"/>
+              <p:nvPr/>
+            </p:nvSpPr>
+            <p:spPr>
+              <a:xfrm>
+                <a:off x="1070586" y="4590044"/>
+                <a:ext cx="320601" cy="369332"/>
+              </a:xfrm>
+              <a:prstGeom prst="rect">
+                <a:avLst/>
+              </a:prstGeom>
+              <a:noFill/>
+            </p:spPr>
+            <p:txBody>
+              <a:bodyPr wrap="none" lIns="0" tIns="0" rIns="0" bIns="0" rtlCol="0">
+                <a:spAutoFit/>
+              </a:bodyPr>
+              <a:lstStyle/>
+              <a:p>
+                <a:pPr/>
+                <a14:m>
+                  <m:oMathPara xmlns:m="http://schemas.openxmlformats.org/officeDocument/2006/math">
+                    <m:oMathParaPr>
+                      <m:jc m:val="centerGroup"/>
+                    </m:oMathParaPr>
+                    <m:oMath xmlns:m="http://schemas.openxmlformats.org/officeDocument/2006/math">
+                      <m:r>
+                        <a:rPr lang="en-US" sz="2400" b="0" i="1" smtClean="0">
+                          <a:latin typeface="Cambria Math" panose="02040503050406030204" pitchFamily="18" charset="0"/>
+                        </a:rPr>
+                        <m:t>𝑦</m:t>
+                      </m:r>
+                      <m:r>
+                        <a:rPr lang="en-US" sz="2400" b="0" i="1" smtClean="0">
+                          <a:latin typeface="Cambria Math" panose="02040503050406030204" pitchFamily="18" charset="0"/>
+                        </a:rPr>
+                        <m:t>′</m:t>
+                      </m:r>
+                    </m:oMath>
+                  </m:oMathPara>
+                </a14:m>
+                <a:endParaRPr lang="en-US" sz="2400" dirty="0"/>
+              </a:p>
+            </p:txBody>
+          </p:sp>
+        </mc:Choice>
+        <mc:Fallback>
+          <p:sp>
+            <p:nvSpPr>
+              <p:cNvPr id="30" name="TextBox 29"/>
+              <p:cNvSpPr txBox="1">
+                <a:spLocks noRot="1" noChangeAspect="1" noMove="1" noResize="1" noEditPoints="1" noAdjustHandles="1" noChangeArrowheads="1" noChangeShapeType="1" noTextEdit="1"/>
+              </p:cNvSpPr>
+              <p:nvPr/>
+            </p:nvSpPr>
+            <p:spPr>
+              <a:xfrm>
+                <a:off x="1070586" y="4590044"/>
+                <a:ext cx="320601" cy="369332"/>
+              </a:xfrm>
+              <a:prstGeom prst="rect">
+                <a:avLst/>
+              </a:prstGeom>
+              <a:blipFill>
+                <a:blip r:embed="rId4"/>
+                <a:stretch>
+                  <a:fillRect l="-36538" t="-6557" r="-38462" b="-36066"/>
+                </a:stretch>
+              </a:blipFill>
+            </p:spPr>
+            <p:txBody>
+              <a:bodyPr/>
+              <a:lstStyle/>
+              <a:p>
+                <a:r>
+                  <a:rPr lang="en-US">
+                    <a:noFill/>
+                  </a:rPr>
+                  <a:t> </a:t>
+                </a:r>
+              </a:p>
+            </p:txBody>
+          </p:sp>
+        </mc:Fallback>
+      </mc:AlternateContent>
+      <p:sp>
+        <p:nvSpPr>
+          <p:cNvPr id="17" name="TextBox 4"/>
+          <p:cNvSpPr txBox="1"/>
+          <p:nvPr/>
+        </p:nvSpPr>
+        <p:spPr>
+          <a:xfrm>
+            <a:off x="1014314" y="1117167"/>
+            <a:ext cx="7918671" cy="584775"/>
+          </a:xfrm>
+          <a:prstGeom prst="rect">
+            <a:avLst/>
+          </a:prstGeom>
+          <a:noFill/>
+          <a:ln cap="flat">
+            <a:noFill/>
+          </a:ln>
+        </p:spPr>
+        <p:txBody>
+          <a:bodyPr vert="horz" wrap="square" lIns="91440" tIns="45720" rIns="91440" bIns="45720" anchor="t" anchorCtr="0" compatLnSpc="1">
+            <a:spAutoFit/>
+          </a:bodyPr>
+          <a:lstStyle/>
+          <a:p>
+            <a:pPr marL="0" marR="0" lvl="0" indent="0" algn="l" defTabSz="914400" rtl="0" fontAlgn="auto" hangingPunct="1">
+              <a:lnSpc>
+                <a:spcPct val="100000"/>
+              </a:lnSpc>
+              <a:spcBef>
+                <a:spcPts val="0"/>
+              </a:spcBef>
+              <a:spcAft>
+                <a:spcPts val="0"/>
+              </a:spcAft>
+              <a:buNone/>
+              <a:tabLst/>
+              <a:defRPr sz="1800" b="0" i="0" u="none" strike="noStrike" kern="0" cap="none" spc="0" baseline="0">
+                <a:solidFill>
+                  <a:srgbClr val="000000"/>
+                </a:solidFill>
+                <a:uFillTx/>
+              </a:defRPr>
+            </a:pPr>
+            <a:r>
+              <a:rPr lang="en-US" sz="3200" dirty="0">
+                <a:solidFill>
+                  <a:srgbClr val="000000"/>
+                </a:solidFill>
+                <a:latin typeface="Calibri"/>
+              </a:rPr>
+              <a:t>Exact</a:t>
+            </a:r>
+            <a:r>
+              <a:rPr lang="en-US" sz="3200" b="0" i="0" u="none" strike="noStrike" kern="1200" cap="none" spc="0" baseline="0" dirty="0">
+                <a:solidFill>
+                  <a:srgbClr val="000000"/>
+                </a:solidFill>
+                <a:uFillTx/>
+                <a:latin typeface="Calibri"/>
+              </a:rPr>
+              <a:t> algorithm based on suffix array</a:t>
+            </a:r>
+            <a:r>
+              <a:rPr lang="en-US" sz="3200" b="0" i="0" u="none" strike="noStrike" kern="1200" cap="none" spc="0" dirty="0">
+                <a:solidFill>
+                  <a:srgbClr val="000000"/>
+                </a:solidFill>
+                <a:uFillTx/>
+                <a:latin typeface="Calibri"/>
+              </a:rPr>
+              <a:t> (</a:t>
+            </a:r>
+            <a:r>
+              <a:rPr lang="en-US" sz="3200" dirty="0" err="1">
+                <a:solidFill>
+                  <a:srgbClr val="000000"/>
+                </a:solidFill>
+                <a:latin typeface="Calibri"/>
+              </a:rPr>
+              <a:t>sa</a:t>
+            </a:r>
+            <a:r>
+              <a:rPr lang="en-US" sz="3200" b="0" i="0" u="none" strike="noStrike" kern="1200" cap="none" spc="0" baseline="0" dirty="0" err="1">
+                <a:solidFill>
+                  <a:srgbClr val="000000"/>
+                </a:solidFill>
+                <a:uFillTx/>
+                <a:latin typeface="Calibri"/>
+              </a:rPr>
+              <a:t>CSC</a:t>
+            </a:r>
+            <a:r>
+              <a:rPr lang="en-US" sz="3200" b="0" i="0" u="none" strike="noStrike" kern="1200" cap="none" spc="0" baseline="0" dirty="0">
+                <a:solidFill>
+                  <a:srgbClr val="000000"/>
+                </a:solidFill>
+                <a:uFillTx/>
+                <a:latin typeface="Calibri"/>
+              </a:rPr>
+              <a:t>)</a:t>
+            </a:r>
+            <a:endParaRPr lang="en-US" sz="3200" b="1" i="0" u="none" strike="noStrike" kern="1200" cap="none" spc="0" baseline="0" dirty="0">
+              <a:solidFill>
+                <a:srgbClr val="000000"/>
+              </a:solidFill>
+              <a:uFillTx/>
+              <a:latin typeface="Calibri"/>
+            </a:endParaRPr>
+          </a:p>
+        </p:txBody>
+      </p:sp>
+    </p:spTree>
+    <p:extLst>
+      <p:ext uri="{BB962C8B-B14F-4D97-AF65-F5344CB8AC3E}">
+        <p14:creationId xmlns:p14="http://schemas.microsoft.com/office/powerpoint/2010/main" val="880806876"/>
+      </p:ext>
+    </p:extLst>
+  </p:cSld>
+  <p:clrMapOvr>
+    <a:masterClrMapping/>
+  </p:clrMapOvr>
+</p:sld>
+</file>
+
+<file path=ppt/slides/slide13.xml><?xml version="1.0" encoding="utf-8"?>
+<p:sld xmlns:a="http://schemas.openxmlformats.org/drawingml/2006/main" xmlns:r="http://schemas.openxmlformats.org/officeDocument/2006/relationships" xmlns:p="http://schemas.openxmlformats.org/presentationml/2006/main">
+  <p:cSld>
+    <p:spTree>
+      <p:nvGrpSpPr>
+        <p:cNvPr id="1" name=""/>
+        <p:cNvGrpSpPr/>
+        <p:nvPr/>
+      </p:nvGrpSpPr>
+      <p:grpSpPr>
+        <a:xfrm>
+          <a:off x="0" y="0"/>
+          <a:ext cx="0" cy="0"/>
+          <a:chOff x="0" y="0"/>
+          <a:chExt cx="0" cy="0"/>
+        </a:xfrm>
+      </p:grpSpPr>
+      <p:sp>
+        <p:nvSpPr>
+          <p:cNvPr id="2" name="TextBox 1"/>
+          <p:cNvSpPr txBox="1"/>
+          <p:nvPr/>
+        </p:nvSpPr>
+        <p:spPr>
+          <a:xfrm>
+            <a:off x="0" y="6488664"/>
+            <a:ext cx="12191996" cy="369335"/>
+          </a:xfrm>
+          <a:prstGeom prst="rect">
+            <a:avLst/>
+          </a:prstGeom>
+          <a:solidFill>
+            <a:srgbClr val="333F50"/>
+          </a:solidFill>
+          <a:ln cap="flat">
+            <a:noFill/>
+          </a:ln>
+        </p:spPr>
+        <p:txBody>
+          <a:bodyPr vert="horz" wrap="square" lIns="91440" tIns="45720" rIns="91440" bIns="45720" anchor="t" anchorCtr="0" compatLnSpc="1">
+            <a:spAutoFit/>
+          </a:bodyPr>
+          <a:lstStyle/>
+          <a:p>
+            <a:pPr marL="0" marR="0" lvl="0" indent="0" algn="r" defTabSz="914400" rtl="0" fontAlgn="auto" hangingPunct="1">
+              <a:lnSpc>
+                <a:spcPct val="100000"/>
+              </a:lnSpc>
+              <a:spcBef>
+                <a:spcPts val="0"/>
+              </a:spcBef>
+              <a:spcAft>
+                <a:spcPts val="0"/>
+              </a:spcAft>
+              <a:buNone/>
+              <a:tabLst/>
+              <a:defRPr sz="1800" b="0" i="0" u="none" strike="noStrike" kern="0" cap="none" spc="0" baseline="0">
+                <a:solidFill>
+                  <a:srgbClr val="000000"/>
+                </a:solidFill>
+                <a:uFillTx/>
+              </a:defRPr>
+            </a:pPr>
+            <a:r>
+              <a:rPr lang="en-US" sz="1800" b="0" i="0" u="none" strike="noStrike" kern="1200" cap="none" spc="0" baseline="0">
+                <a:solidFill>
+                  <a:srgbClr val="FFFFFF"/>
+                </a:solidFill>
+                <a:uFillTx/>
+                <a:latin typeface="Calibri"/>
+              </a:rPr>
+              <a:t> </a:t>
+            </a:r>
+            <a:r>
+              <a:rPr lang="en-US" sz="1600" b="0" i="0" u="none" strike="noStrike" kern="1200" cap="none" spc="0" baseline="0">
+                <a:solidFill>
+                  <a:srgbClr val="FFFFFF"/>
+                </a:solidFill>
+                <a:uFillTx/>
+                <a:latin typeface="Calibri"/>
+              </a:rPr>
+              <a:t>Roberto Zanotto |18/05/16</a:t>
+            </a:r>
+          </a:p>
+        </p:txBody>
+      </p:sp>
+      <p:sp>
+        <p:nvSpPr>
+          <p:cNvPr id="7" name="TextBox 15"/>
+          <p:cNvSpPr txBox="1"/>
+          <p:nvPr/>
+        </p:nvSpPr>
+        <p:spPr>
+          <a:xfrm>
+            <a:off x="0" y="0"/>
+            <a:ext cx="12191996" cy="369335"/>
+          </a:xfrm>
+          <a:prstGeom prst="rect">
+            <a:avLst/>
+          </a:prstGeom>
+          <a:solidFill>
+            <a:srgbClr val="333F50"/>
+          </a:solidFill>
+          <a:ln cap="flat">
+            <a:noFill/>
+          </a:ln>
+        </p:spPr>
+        <p:txBody>
+          <a:bodyPr vert="horz" wrap="square" lIns="91440" tIns="45720" rIns="91440" bIns="45720" anchor="t" anchorCtr="0" compatLnSpc="1">
+            <a:spAutoFit/>
+          </a:bodyPr>
+          <a:lstStyle/>
+          <a:p>
+            <a:pPr marL="0" marR="0" lvl="0" indent="0" algn="l" defTabSz="914400" rtl="0" fontAlgn="auto" hangingPunct="1">
+              <a:lnSpc>
+                <a:spcPct val="100000"/>
+              </a:lnSpc>
+              <a:spcBef>
+                <a:spcPts val="0"/>
+              </a:spcBef>
+              <a:spcAft>
+                <a:spcPts val="0"/>
+              </a:spcAft>
+              <a:buNone/>
+              <a:tabLst/>
+              <a:defRPr sz="1800" b="0" i="0" u="none" strike="noStrike" kern="0" cap="none" spc="0" baseline="0">
+                <a:solidFill>
+                  <a:srgbClr val="000000"/>
+                </a:solidFill>
+                <a:uFillTx/>
+              </a:defRPr>
+            </a:pPr>
+            <a:r>
+              <a:rPr lang="en-US" sz="1800" b="0" i="0" u="none" strike="noStrike" kern="1200" cap="none" spc="0" baseline="0">
+                <a:solidFill>
+                  <a:srgbClr val="FFFFFF"/>
+                </a:solidFill>
+                <a:uFillTx/>
+                <a:latin typeface="Corbel" pitchFamily="34"/>
+              </a:rPr>
+              <a:t> CIRCULAR SEQUENCE COMPARISON: ALGORITHMS AND APPLICATIONS</a:t>
+            </a:r>
+          </a:p>
+        </p:txBody>
+      </p:sp>
+      <mc:AlternateContent xmlns:mc="http://schemas.openxmlformats.org/markup-compatibility/2006">
+        <mc:Choice xmlns:a14="http://schemas.microsoft.com/office/drawing/2010/main" Requires="a14">
+          <p:sp>
+            <p:nvSpPr>
+              <p:cNvPr id="32" name="TextBox 14"/>
+              <p:cNvSpPr txBox="1"/>
+              <p:nvPr/>
+            </p:nvSpPr>
+            <p:spPr>
+              <a:xfrm>
+                <a:off x="1014314" y="2543274"/>
+                <a:ext cx="9536455" cy="1200329"/>
+              </a:xfrm>
+              <a:prstGeom prst="rect">
+                <a:avLst/>
+              </a:prstGeom>
+              <a:noFill/>
+              <a:ln cap="flat">
+                <a:noFill/>
+              </a:ln>
+            </p:spPr>
+            <p:txBody>
+              <a:bodyPr vert="horz" wrap="square" lIns="91440" tIns="45720" rIns="91440" bIns="45720" anchor="t" anchorCtr="0" compatLnSpc="1">
+                <a:spAutoFit/>
+              </a:bodyPr>
+              <a:lstStyle/>
+              <a:p>
+                <a:pPr lvl="0">
+                  <a:defRPr sz="1800" b="0" i="0" u="none" strike="noStrike" kern="0" cap="none" spc="0" baseline="0">
+                    <a:solidFill>
+                      <a:srgbClr val="000000"/>
+                    </a:solidFill>
+                    <a:uFillTx/>
+                  </a:defRPr>
+                </a:pPr>
+                <a:r>
+                  <a:rPr lang="en-US" sz="2400" b="1" dirty="0">
+                    <a:solidFill>
+                      <a:srgbClr val="000000"/>
+                    </a:solidFill>
+                    <a:latin typeface="Calibri"/>
+                  </a:rPr>
+                  <a:t>Step 3:</a:t>
+                </a:r>
+                <a:r>
+                  <a:rPr lang="en-US" sz="2400" dirty="0">
+                    <a:solidFill>
+                      <a:srgbClr val="000000"/>
+                    </a:solidFill>
+                    <a:latin typeface="Calibri"/>
+                  </a:rPr>
+                  <a:t> Slide the window char-by-char, updating the </a:t>
+                </a:r>
+                <a14:m>
+                  <m:oMath xmlns:m="http://schemas.openxmlformats.org/officeDocument/2006/math">
+                    <m:r>
+                      <a:rPr lang="en-US" sz="2400" i="1" dirty="0" smtClean="0">
+                        <a:solidFill>
+                          <a:srgbClr val="000000"/>
+                        </a:solidFill>
+                        <a:latin typeface="Cambria Math" panose="02040503050406030204" pitchFamily="18" charset="0"/>
+                      </a:rPr>
+                      <m:t>𝑑𝑖𝑓𝑓</m:t>
+                    </m:r>
+                  </m:oMath>
+                </a14:m>
+                <a:r>
+                  <a:rPr lang="en-US" sz="2400" dirty="0">
+                    <a:solidFill>
+                      <a:srgbClr val="000000"/>
+                    </a:solidFill>
+                    <a:latin typeface="Calibri"/>
+                  </a:rPr>
+                  <a:t>s and the 	distance value accordingly;</a:t>
+                </a:r>
+              </a:p>
+              <a:p>
+                <a:pPr lvl="0">
+                  <a:defRPr sz="1800" b="0" i="0" u="none" strike="noStrike" kern="0" cap="none" spc="0" baseline="0">
+                    <a:solidFill>
+                      <a:srgbClr val="000000"/>
+                    </a:solidFill>
+                    <a:uFillTx/>
+                  </a:defRPr>
+                </a:pPr>
+                <a:r>
+                  <a:rPr lang="en-US" sz="2400" b="0" u="none" strike="noStrike" kern="1200" cap="none" spc="0" baseline="0" dirty="0">
+                    <a:solidFill>
+                      <a:srgbClr val="000000"/>
+                    </a:solidFill>
+                    <a:uFillTx/>
+                    <a:latin typeface="Calibri"/>
+                  </a:rPr>
+                  <a:t>	keep</a:t>
+                </a:r>
+                <a:r>
+                  <a:rPr lang="en-US" sz="2400" b="0" u="none" strike="noStrike" kern="1200" cap="none" spc="0" dirty="0">
+                    <a:solidFill>
+                      <a:srgbClr val="000000"/>
+                    </a:solidFill>
+                    <a:uFillTx/>
+                    <a:latin typeface="Calibri"/>
+                  </a:rPr>
+                  <a:t> track of the window position </a:t>
+                </a:r>
+                <a14:m>
+                  <m:oMath xmlns:m="http://schemas.openxmlformats.org/officeDocument/2006/math">
+                    <m:r>
+                      <a:rPr lang="en-US" sz="2400" b="0" i="1" u="none" strike="noStrike" kern="1200" cap="none" spc="0" dirty="0" smtClean="0">
+                        <a:solidFill>
+                          <a:srgbClr val="000000"/>
+                        </a:solidFill>
+                        <a:uFillTx/>
+                        <a:latin typeface="Cambria Math" panose="02040503050406030204" pitchFamily="18" charset="0"/>
+                      </a:rPr>
+                      <m:t>𝑖</m:t>
+                    </m:r>
+                  </m:oMath>
+                </a14:m>
+                <a:r>
+                  <a:rPr lang="en-US" sz="2400" b="0" u="none" strike="noStrike" kern="1200" cap="none" spc="0" dirty="0">
+                    <a:solidFill>
+                      <a:srgbClr val="000000"/>
+                    </a:solidFill>
+                    <a:uFillTx/>
+                    <a:latin typeface="Calibri"/>
+                  </a:rPr>
+                  <a:t> with the lowest distance</a:t>
+                </a:r>
+                <a:endParaRPr lang="en-US" sz="2400" b="0" u="none" strike="noStrike" kern="1200" cap="none" spc="0" baseline="0" dirty="0">
+                  <a:solidFill>
+                    <a:srgbClr val="000000"/>
+                  </a:solidFill>
+                  <a:uFillTx/>
+                  <a:latin typeface="Calibri"/>
+                </a:endParaRPr>
+              </a:p>
+            </p:txBody>
+          </p:sp>
+        </mc:Choice>
+        <mc:Fallback>
+          <p:sp>
+            <p:nvSpPr>
+              <p:cNvPr id="32" name="TextBox 14"/>
+              <p:cNvSpPr txBox="1">
+                <a:spLocks noRot="1" noChangeAspect="1" noMove="1" noResize="1" noEditPoints="1" noAdjustHandles="1" noChangeArrowheads="1" noChangeShapeType="1" noTextEdit="1"/>
+              </p:cNvSpPr>
+              <p:nvPr/>
+            </p:nvSpPr>
+            <p:spPr>
+              <a:xfrm>
+                <a:off x="1014314" y="2543274"/>
+                <a:ext cx="9536455" cy="1200329"/>
+              </a:xfrm>
+              <a:prstGeom prst="rect">
+                <a:avLst/>
+              </a:prstGeom>
+              <a:blipFill>
+                <a:blip r:embed="rId2"/>
+                <a:stretch>
+                  <a:fillRect l="-958" t="-4061" b="-10660"/>
+                </a:stretch>
+              </a:blipFill>
+              <a:ln cap="flat">
+                <a:noFill/>
+              </a:ln>
+            </p:spPr>
+            <p:txBody>
+              <a:bodyPr/>
+              <a:lstStyle/>
+              <a:p>
+                <a:r>
+                  <a:rPr lang="en-US">
+                    <a:noFill/>
+                  </a:rPr>
+                  <a:t> </a:t>
+                </a:r>
+              </a:p>
+            </p:txBody>
+          </p:sp>
+        </mc:Fallback>
+      </mc:AlternateContent>
+      <p:sp>
+        <p:nvSpPr>
+          <p:cNvPr id="33" name="TextBox 3"/>
+          <p:cNvSpPr txBox="1"/>
+          <p:nvPr/>
+        </p:nvSpPr>
+        <p:spPr>
+          <a:xfrm>
+            <a:off x="1424860" y="4515515"/>
+            <a:ext cx="7187150" cy="338554"/>
+          </a:xfrm>
+          <a:prstGeom prst="rect">
+            <a:avLst/>
+          </a:prstGeom>
+          <a:solidFill>
+            <a:srgbClr val="E7E6E6"/>
+          </a:solidFill>
+          <a:ln w="9528" cap="flat">
+            <a:solidFill>
+              <a:srgbClr val="000000"/>
+            </a:solidFill>
+            <a:prstDash val="solid"/>
+            <a:miter/>
+          </a:ln>
+        </p:spPr>
+        <p:txBody>
+          <a:bodyPr vert="horz" wrap="square" lIns="91440" tIns="45720" rIns="91440" bIns="45720" anchor="t" anchorCtr="0" compatLnSpc="1">
+            <a:spAutoFit/>
+          </a:bodyPr>
+          <a:lstStyle/>
+          <a:p>
+            <a:pPr lvl="0">
+              <a:defRPr sz="1800" b="0" i="0" u="none" strike="noStrike" kern="0" cap="none" spc="0" baseline="0">
+                <a:solidFill>
+                  <a:srgbClr val="000000"/>
+                </a:solidFill>
+                <a:uFillTx/>
+              </a:defRPr>
+            </a:pPr>
+            <a:r>
+              <a:rPr lang="en-US" sz="1600" dirty="0">
+                <a:solidFill>
+                  <a:srgbClr val="000000"/>
+                </a:solidFill>
+                <a:latin typeface="Consolas" pitchFamily="49"/>
+                <a:cs typeface="Consolas" pitchFamily="49"/>
+              </a:rPr>
+              <a:t>9 6</a:t>
+            </a:r>
+            <a:r>
+              <a:rPr lang="en-US" sz="1600" dirty="0">
+                <a:solidFill>
+                  <a:srgbClr val="FF0000"/>
+                </a:solidFill>
+                <a:latin typeface="Consolas" pitchFamily="49"/>
+                <a:cs typeface="Consolas" pitchFamily="49"/>
+              </a:rPr>
+              <a:t> </a:t>
+            </a:r>
+            <a:r>
+              <a:rPr lang="en-US" sz="1600" dirty="0">
+                <a:solidFill>
+                  <a:srgbClr val="000000"/>
+                </a:solidFill>
+                <a:latin typeface="Consolas" pitchFamily="49"/>
+                <a:cs typeface="Consolas" pitchFamily="49"/>
+              </a:rPr>
+              <a:t>2 2 </a:t>
+            </a:r>
+            <a:r>
+              <a:rPr lang="en-US" sz="1600" kern="0" dirty="0">
+                <a:solidFill>
+                  <a:srgbClr val="000000"/>
+                </a:solidFill>
+                <a:latin typeface="Consolas" pitchFamily="49"/>
+                <a:cs typeface="Consolas" pitchFamily="49"/>
+              </a:rPr>
+              <a:t>8</a:t>
+            </a:r>
+            <a:r>
+              <a:rPr lang="en-US" sz="1600" dirty="0">
+                <a:solidFill>
+                  <a:srgbClr val="000000"/>
+                </a:solidFill>
+                <a:latin typeface="Consolas" pitchFamily="49"/>
+                <a:cs typeface="Consolas" pitchFamily="49"/>
+              </a:rPr>
+              <a:t> 0</a:t>
+            </a:r>
+            <a:r>
+              <a:rPr lang="en-US" sz="1600" dirty="0">
+                <a:solidFill>
+                  <a:srgbClr val="FF0000"/>
+                </a:solidFill>
+                <a:latin typeface="Consolas" pitchFamily="49"/>
+                <a:cs typeface="Consolas" pitchFamily="49"/>
+              </a:rPr>
+              <a:t> </a:t>
+            </a:r>
+            <a:r>
+              <a:rPr lang="en-US" sz="1600" dirty="0">
+                <a:solidFill>
+                  <a:srgbClr val="000000"/>
+                </a:solidFill>
+                <a:latin typeface="Consolas" pitchFamily="49"/>
+                <a:cs typeface="Consolas" pitchFamily="49"/>
+              </a:rPr>
+              <a:t>1 5 </a:t>
+            </a:r>
+            <a:r>
+              <a:rPr lang="en-US" sz="1600" kern="0" dirty="0">
+                <a:solidFill>
+                  <a:srgbClr val="000000"/>
+                </a:solidFill>
+                <a:latin typeface="Consolas" pitchFamily="49"/>
+                <a:cs typeface="Consolas" pitchFamily="49"/>
+              </a:rPr>
+              <a:t>7</a:t>
+            </a:r>
+            <a:r>
+              <a:rPr lang="en-US" sz="1600" dirty="0">
+                <a:solidFill>
+                  <a:srgbClr val="000000"/>
+                </a:solidFill>
+                <a:latin typeface="Consolas" pitchFamily="49"/>
+                <a:cs typeface="Consolas" pitchFamily="49"/>
+              </a:rPr>
+              <a:t> 9</a:t>
+            </a:r>
+            <a:r>
+              <a:rPr lang="en-US" sz="1600" dirty="0">
+                <a:solidFill>
+                  <a:srgbClr val="FF0000"/>
+                </a:solidFill>
+                <a:latin typeface="Consolas" pitchFamily="49"/>
+                <a:cs typeface="Consolas" pitchFamily="49"/>
+              </a:rPr>
+              <a:t>|</a:t>
+            </a:r>
+            <a:r>
+              <a:rPr lang="en-US" sz="1600" dirty="0">
+                <a:solidFill>
+                  <a:srgbClr val="000000"/>
+                </a:solidFill>
+                <a:latin typeface="Consolas" pitchFamily="49"/>
+                <a:cs typeface="Consolas" pitchFamily="49"/>
+              </a:rPr>
+              <a:t>0 1 3 7</a:t>
+            </a:r>
+            <a:r>
+              <a:rPr lang="en-US" sz="1600" dirty="0">
+                <a:solidFill>
+                  <a:srgbClr val="FF0000"/>
+                </a:solidFill>
+                <a:latin typeface="Consolas" pitchFamily="49"/>
+                <a:cs typeface="Consolas" pitchFamily="49"/>
+              </a:rPr>
+              <a:t>|</a:t>
+            </a:r>
+            <a:r>
+              <a:rPr lang="en-US" sz="1600" dirty="0">
+                <a:solidFill>
+                  <a:srgbClr val="000000"/>
+                </a:solidFill>
+                <a:latin typeface="Consolas" pitchFamily="49"/>
+                <a:cs typeface="Consolas" pitchFamily="49"/>
+              </a:rPr>
+              <a:t>4 5 9 6</a:t>
+            </a:r>
+            <a:r>
+              <a:rPr lang="en-US" sz="1600" dirty="0">
+                <a:solidFill>
+                  <a:srgbClr val="FF0000"/>
+                </a:solidFill>
+                <a:latin typeface="Consolas" pitchFamily="49"/>
+                <a:cs typeface="Consolas" pitchFamily="49"/>
+              </a:rPr>
+              <a:t>|</a:t>
+            </a:r>
+            <a:r>
+              <a:rPr lang="en-US" sz="1600" dirty="0">
+                <a:solidFill>
+                  <a:srgbClr val="000000"/>
+                </a:solidFill>
+                <a:latin typeface="Consolas" pitchFamily="49"/>
+                <a:cs typeface="Consolas" pitchFamily="49"/>
+              </a:rPr>
+              <a:t>2 2 </a:t>
+            </a:r>
+            <a:r>
+              <a:rPr lang="en-US" sz="1600" kern="0" dirty="0">
+                <a:solidFill>
+                  <a:srgbClr val="000000"/>
+                </a:solidFill>
+                <a:latin typeface="Consolas" pitchFamily="49"/>
+                <a:cs typeface="Consolas" pitchFamily="49"/>
+              </a:rPr>
+              <a:t>8</a:t>
+            </a:r>
+            <a:r>
+              <a:rPr lang="en-US" sz="1600" dirty="0">
+                <a:solidFill>
+                  <a:srgbClr val="000000"/>
+                </a:solidFill>
+                <a:latin typeface="Consolas" pitchFamily="49"/>
+                <a:cs typeface="Consolas" pitchFamily="49"/>
+              </a:rPr>
+              <a:t> 0</a:t>
+            </a:r>
+            <a:r>
+              <a:rPr lang="en-US" sz="1600" dirty="0">
+                <a:solidFill>
+                  <a:srgbClr val="FF0000"/>
+                </a:solidFill>
+                <a:latin typeface="Consolas" pitchFamily="49"/>
+                <a:cs typeface="Consolas" pitchFamily="49"/>
+              </a:rPr>
+              <a:t>|</a:t>
+            </a:r>
+            <a:r>
+              <a:rPr lang="en-US" sz="1600" dirty="0">
+                <a:solidFill>
+                  <a:srgbClr val="000000"/>
+                </a:solidFill>
+                <a:latin typeface="Consolas" pitchFamily="49"/>
+                <a:cs typeface="Consolas" pitchFamily="49"/>
+              </a:rPr>
+              <a:t>1 5 </a:t>
+            </a:r>
+            <a:r>
+              <a:rPr lang="en-US" sz="1600" kern="0" dirty="0">
+                <a:solidFill>
+                  <a:srgbClr val="000000"/>
+                </a:solidFill>
+                <a:latin typeface="Consolas" pitchFamily="49"/>
+                <a:cs typeface="Consolas" pitchFamily="49"/>
+              </a:rPr>
+              <a:t>7</a:t>
+            </a:r>
+            <a:r>
+              <a:rPr lang="en-US" sz="1600" dirty="0">
+                <a:solidFill>
+                  <a:srgbClr val="000000"/>
+                </a:solidFill>
+                <a:latin typeface="Consolas" pitchFamily="49"/>
+                <a:cs typeface="Consolas" pitchFamily="49"/>
+              </a:rPr>
+              <a:t> 9</a:t>
+            </a:r>
+            <a:r>
+              <a:rPr lang="en-US" sz="1600" dirty="0">
+                <a:solidFill>
+                  <a:srgbClr val="FF0000"/>
+                </a:solidFill>
+                <a:latin typeface="Consolas" pitchFamily="49"/>
+                <a:cs typeface="Consolas" pitchFamily="49"/>
+              </a:rPr>
+              <a:t>|</a:t>
+            </a:r>
+            <a:r>
+              <a:rPr lang="en-US" sz="1600" dirty="0">
+                <a:solidFill>
+                  <a:srgbClr val="000000"/>
+                </a:solidFill>
+                <a:latin typeface="Consolas" pitchFamily="49"/>
+                <a:cs typeface="Consolas" pitchFamily="49"/>
+              </a:rPr>
+              <a:t>0 1 3 7</a:t>
+            </a:r>
+            <a:r>
+              <a:rPr lang="en-US" sz="1600" dirty="0">
+                <a:solidFill>
+                  <a:srgbClr val="FF0000"/>
+                </a:solidFill>
+                <a:latin typeface="Consolas" pitchFamily="49"/>
+                <a:cs typeface="Consolas" pitchFamily="49"/>
+              </a:rPr>
+              <a:t> </a:t>
+            </a:r>
+            <a:r>
+              <a:rPr lang="en-US" sz="1600" dirty="0">
+                <a:solidFill>
+                  <a:srgbClr val="000000"/>
+                </a:solidFill>
+                <a:latin typeface="Consolas" pitchFamily="49"/>
+                <a:cs typeface="Consolas" pitchFamily="49"/>
+              </a:rPr>
+              <a:t>4 5</a:t>
+            </a:r>
+          </a:p>
+        </p:txBody>
+      </p:sp>
+      <p:sp>
+        <p:nvSpPr>
+          <p:cNvPr id="34" name="TextBox 3"/>
+          <p:cNvSpPr txBox="1"/>
+          <p:nvPr/>
+        </p:nvSpPr>
+        <p:spPr>
+          <a:xfrm>
+            <a:off x="3647553" y="4995975"/>
+            <a:ext cx="3642095" cy="338554"/>
+          </a:xfrm>
+          <a:prstGeom prst="rect">
+            <a:avLst/>
+          </a:prstGeom>
+          <a:solidFill>
+            <a:srgbClr val="E7E6E6"/>
+          </a:solidFill>
+          <a:ln w="9528" cap="flat">
+            <a:solidFill>
+              <a:srgbClr val="000000"/>
+            </a:solidFill>
+            <a:prstDash val="solid"/>
+            <a:miter/>
+          </a:ln>
+        </p:spPr>
+        <p:txBody>
+          <a:bodyPr vert="horz" wrap="square" lIns="91440" tIns="45720" rIns="91440" bIns="45720" anchor="t" anchorCtr="0" compatLnSpc="1">
+            <a:spAutoFit/>
+          </a:bodyPr>
+          <a:lstStyle/>
+          <a:p>
+            <a:pPr marL="0" marR="0" lvl="0" indent="0" algn="l" defTabSz="914400" rtl="0" fontAlgn="auto" hangingPunct="1">
+              <a:lnSpc>
+                <a:spcPct val="100000"/>
+              </a:lnSpc>
+              <a:spcBef>
+                <a:spcPts val="0"/>
+              </a:spcBef>
+              <a:spcAft>
+                <a:spcPts val="0"/>
+              </a:spcAft>
+              <a:buNone/>
+              <a:tabLst/>
+              <a:defRPr sz="1800" b="0" i="0" u="none" strike="noStrike" kern="0" cap="none" spc="0" baseline="0">
+                <a:solidFill>
+                  <a:srgbClr val="000000"/>
+                </a:solidFill>
+                <a:uFillTx/>
+              </a:defRPr>
+            </a:pPr>
+            <a:r>
+              <a:rPr lang="en-US" sz="1600" dirty="0">
+                <a:solidFill>
+                  <a:srgbClr val="000000"/>
+                </a:solidFill>
+                <a:latin typeface="Consolas" pitchFamily="49"/>
+                <a:cs typeface="Consolas" pitchFamily="49"/>
+              </a:rPr>
+              <a:t>0</a:t>
+            </a:r>
+            <a:r>
+              <a:rPr lang="en-US" sz="1600" b="0" i="0" u="none" strike="noStrike" kern="1200" cap="none" spc="0" baseline="0" dirty="0">
+                <a:solidFill>
+                  <a:srgbClr val="000000"/>
+                </a:solidFill>
+                <a:uFillTx/>
+                <a:latin typeface="Consolas" pitchFamily="49"/>
+                <a:cs typeface="Consolas" pitchFamily="49"/>
+              </a:rPr>
+              <a:t> </a:t>
+            </a:r>
+            <a:r>
+              <a:rPr lang="en-US" sz="1600" dirty="0">
+                <a:solidFill>
+                  <a:srgbClr val="000000"/>
+                </a:solidFill>
+                <a:latin typeface="Consolas" pitchFamily="49"/>
+                <a:cs typeface="Consolas" pitchFamily="49"/>
+              </a:rPr>
+              <a:t>1</a:t>
+            </a:r>
+            <a:r>
+              <a:rPr lang="en-US" sz="1600" b="0" i="0" u="none" strike="noStrike" kern="1200" cap="none" spc="0" baseline="0" dirty="0">
+                <a:solidFill>
+                  <a:srgbClr val="000000"/>
+                </a:solidFill>
+                <a:uFillTx/>
+                <a:latin typeface="Consolas" pitchFamily="49"/>
+                <a:cs typeface="Consolas" pitchFamily="49"/>
+              </a:rPr>
+              <a:t> </a:t>
+            </a:r>
+            <a:r>
+              <a:rPr lang="en-US" sz="1600" dirty="0">
+                <a:solidFill>
+                  <a:srgbClr val="000000"/>
+                </a:solidFill>
+                <a:latin typeface="Consolas" pitchFamily="49"/>
+                <a:cs typeface="Consolas" pitchFamily="49"/>
+              </a:rPr>
+              <a:t>3</a:t>
+            </a:r>
+            <a:r>
+              <a:rPr lang="en-US" sz="1600" b="0" i="0" u="none" strike="noStrike" kern="1200" cap="none" spc="0" baseline="0" dirty="0">
+                <a:solidFill>
+                  <a:srgbClr val="000000"/>
+                </a:solidFill>
+                <a:uFillTx/>
+                <a:latin typeface="Consolas" pitchFamily="49"/>
+                <a:cs typeface="Consolas" pitchFamily="49"/>
+              </a:rPr>
+              <a:t> </a:t>
+            </a:r>
+            <a:r>
+              <a:rPr lang="en-US" sz="1600" dirty="0">
+                <a:solidFill>
+                  <a:srgbClr val="000000"/>
+                </a:solidFill>
+                <a:latin typeface="Consolas" pitchFamily="49"/>
+                <a:cs typeface="Consolas" pitchFamily="49"/>
+              </a:rPr>
+              <a:t>7</a:t>
+            </a:r>
+            <a:r>
+              <a:rPr lang="en-US" sz="1600" dirty="0">
+                <a:solidFill>
+                  <a:srgbClr val="FF0000"/>
+                </a:solidFill>
+                <a:latin typeface="Consolas" pitchFamily="49"/>
+                <a:cs typeface="Consolas" pitchFamily="49"/>
+              </a:rPr>
+              <a:t>|</a:t>
+            </a:r>
+            <a:r>
+              <a:rPr lang="en-US" sz="1600" dirty="0">
+                <a:solidFill>
+                  <a:srgbClr val="000000"/>
+                </a:solidFill>
+                <a:latin typeface="Consolas" pitchFamily="49"/>
+                <a:cs typeface="Consolas" pitchFamily="49"/>
+              </a:rPr>
+              <a:t>4</a:t>
+            </a:r>
+            <a:r>
+              <a:rPr lang="en-US" sz="1600" b="0" i="0" u="none" strike="noStrike" kern="1200" cap="none" spc="0" baseline="0" dirty="0">
+                <a:solidFill>
+                  <a:srgbClr val="000000"/>
+                </a:solidFill>
+                <a:uFillTx/>
+                <a:latin typeface="Consolas" pitchFamily="49"/>
+                <a:cs typeface="Consolas" pitchFamily="49"/>
+              </a:rPr>
+              <a:t> </a:t>
+            </a:r>
+            <a:r>
+              <a:rPr lang="en-US" sz="1600" dirty="0">
+                <a:solidFill>
+                  <a:srgbClr val="000000"/>
+                </a:solidFill>
+                <a:latin typeface="Consolas" pitchFamily="49"/>
+                <a:cs typeface="Consolas" pitchFamily="49"/>
+              </a:rPr>
+              <a:t>5</a:t>
+            </a:r>
+            <a:r>
+              <a:rPr lang="en-US" sz="1600" b="0" i="0" u="none" strike="noStrike" kern="1200" cap="none" spc="0" baseline="0" dirty="0">
+                <a:solidFill>
+                  <a:srgbClr val="000000"/>
+                </a:solidFill>
+                <a:uFillTx/>
+                <a:latin typeface="Consolas" pitchFamily="49"/>
+                <a:cs typeface="Consolas" pitchFamily="49"/>
+              </a:rPr>
+              <a:t> </a:t>
+            </a:r>
+            <a:r>
+              <a:rPr lang="en-US" sz="1600" dirty="0">
+                <a:solidFill>
+                  <a:srgbClr val="000000"/>
+                </a:solidFill>
+                <a:latin typeface="Consolas" pitchFamily="49"/>
+                <a:cs typeface="Consolas" pitchFamily="49"/>
+              </a:rPr>
+              <a:t>9</a:t>
+            </a:r>
+            <a:r>
+              <a:rPr lang="en-US" sz="1600" b="0" i="0" u="none" strike="noStrike" kern="1200" cap="none" spc="0" baseline="0" dirty="0">
+                <a:solidFill>
+                  <a:srgbClr val="000000"/>
+                </a:solidFill>
+                <a:uFillTx/>
+                <a:latin typeface="Consolas" pitchFamily="49"/>
+                <a:cs typeface="Consolas" pitchFamily="49"/>
+              </a:rPr>
+              <a:t> </a:t>
+            </a:r>
+            <a:r>
+              <a:rPr lang="en-US" sz="1600" dirty="0">
+                <a:solidFill>
+                  <a:srgbClr val="000000"/>
+                </a:solidFill>
+                <a:latin typeface="Consolas" pitchFamily="49"/>
+                <a:cs typeface="Consolas" pitchFamily="49"/>
+              </a:rPr>
+              <a:t>6</a:t>
+            </a:r>
+            <a:r>
+              <a:rPr lang="en-US" sz="1600" dirty="0">
+                <a:solidFill>
+                  <a:srgbClr val="FF0000"/>
+                </a:solidFill>
+                <a:latin typeface="Consolas" pitchFamily="49"/>
+                <a:cs typeface="Consolas" pitchFamily="49"/>
+              </a:rPr>
+              <a:t>|</a:t>
+            </a:r>
+            <a:r>
+              <a:rPr lang="en-US" sz="1600" dirty="0">
+                <a:solidFill>
+                  <a:srgbClr val="000000"/>
+                </a:solidFill>
+                <a:latin typeface="Consolas" pitchFamily="49"/>
+                <a:cs typeface="Consolas" pitchFamily="49"/>
+              </a:rPr>
+              <a:t>2</a:t>
+            </a:r>
+            <a:r>
+              <a:rPr lang="en-US" sz="1600" b="0" i="0" u="none" strike="noStrike" kern="1200" cap="none" spc="0" baseline="0" dirty="0">
+                <a:solidFill>
+                  <a:srgbClr val="000000"/>
+                </a:solidFill>
+                <a:uFillTx/>
+                <a:latin typeface="Consolas" pitchFamily="49"/>
+                <a:cs typeface="Consolas" pitchFamily="49"/>
+              </a:rPr>
+              <a:t> </a:t>
+            </a:r>
+            <a:r>
+              <a:rPr lang="en-US" sz="1600" dirty="0">
+                <a:solidFill>
+                  <a:srgbClr val="000000"/>
+                </a:solidFill>
+                <a:latin typeface="Consolas" pitchFamily="49"/>
+                <a:cs typeface="Consolas" pitchFamily="49"/>
+              </a:rPr>
+              <a:t>2</a:t>
+            </a:r>
+            <a:r>
+              <a:rPr lang="en-US" sz="1600" b="0" i="0" u="none" strike="noStrike" kern="1200" cap="none" spc="0" baseline="0" dirty="0">
+                <a:solidFill>
+                  <a:srgbClr val="000000"/>
+                </a:solidFill>
+                <a:uFillTx/>
+                <a:latin typeface="Consolas" pitchFamily="49"/>
+                <a:cs typeface="Consolas" pitchFamily="49"/>
+              </a:rPr>
+              <a:t> </a:t>
+            </a:r>
+            <a:r>
+              <a:rPr lang="en-US" sz="1600" kern="0" dirty="0">
+                <a:solidFill>
+                  <a:srgbClr val="000000"/>
+                </a:solidFill>
+                <a:latin typeface="Consolas" pitchFamily="49"/>
+                <a:cs typeface="Consolas" pitchFamily="49"/>
+              </a:rPr>
+              <a:t>8</a:t>
+            </a:r>
+            <a:r>
+              <a:rPr lang="en-US" sz="1600" b="0" i="0" u="none" strike="noStrike" kern="1200" cap="none" spc="0" baseline="0" dirty="0">
+                <a:solidFill>
+                  <a:srgbClr val="000000"/>
+                </a:solidFill>
+                <a:uFillTx/>
+                <a:latin typeface="Consolas" pitchFamily="49"/>
+                <a:cs typeface="Consolas" pitchFamily="49"/>
+              </a:rPr>
+              <a:t> </a:t>
+            </a:r>
+            <a:r>
+              <a:rPr lang="en-US" sz="1600" dirty="0">
+                <a:solidFill>
+                  <a:srgbClr val="000000"/>
+                </a:solidFill>
+                <a:latin typeface="Consolas" pitchFamily="49"/>
+                <a:cs typeface="Consolas" pitchFamily="49"/>
+              </a:rPr>
+              <a:t>0</a:t>
+            </a:r>
+            <a:r>
+              <a:rPr lang="en-US" sz="1600" b="0" i="0" u="none" strike="noStrike" kern="1200" cap="none" spc="0" baseline="0" dirty="0">
+                <a:solidFill>
+                  <a:srgbClr val="FF0000"/>
+                </a:solidFill>
+                <a:uFillTx/>
+                <a:latin typeface="Consolas" pitchFamily="49"/>
+                <a:cs typeface="Consolas" pitchFamily="49"/>
+              </a:rPr>
+              <a:t>|</a:t>
+            </a:r>
+            <a:r>
+              <a:rPr lang="en-US" sz="1600" dirty="0">
+                <a:solidFill>
+                  <a:srgbClr val="000000"/>
+                </a:solidFill>
+                <a:latin typeface="Consolas" pitchFamily="49"/>
+                <a:cs typeface="Consolas" pitchFamily="49"/>
+              </a:rPr>
+              <a:t>1</a:t>
+            </a:r>
+            <a:r>
+              <a:rPr lang="en-US" sz="1600" b="0" i="0" u="none" strike="noStrike" kern="1200" cap="none" spc="0" baseline="0" dirty="0">
+                <a:solidFill>
+                  <a:srgbClr val="000000"/>
+                </a:solidFill>
+                <a:uFillTx/>
+                <a:latin typeface="Consolas" pitchFamily="49"/>
+                <a:cs typeface="Consolas" pitchFamily="49"/>
+              </a:rPr>
+              <a:t> </a:t>
+            </a:r>
+            <a:r>
+              <a:rPr lang="en-US" sz="1600" dirty="0">
+                <a:solidFill>
+                  <a:srgbClr val="000000"/>
+                </a:solidFill>
+                <a:latin typeface="Consolas" pitchFamily="49"/>
+                <a:cs typeface="Consolas" pitchFamily="49"/>
+              </a:rPr>
+              <a:t>5</a:t>
+            </a:r>
+            <a:r>
+              <a:rPr lang="en-US" sz="1600" b="0" i="0" u="none" strike="noStrike" kern="1200" cap="none" spc="0" baseline="0" dirty="0">
+                <a:solidFill>
+                  <a:srgbClr val="000000"/>
+                </a:solidFill>
+                <a:uFillTx/>
+                <a:latin typeface="Consolas" pitchFamily="49"/>
+                <a:cs typeface="Consolas" pitchFamily="49"/>
+              </a:rPr>
+              <a:t> </a:t>
+            </a:r>
+            <a:r>
+              <a:rPr lang="en-US" sz="1600" kern="0" dirty="0">
+                <a:solidFill>
+                  <a:srgbClr val="000000"/>
+                </a:solidFill>
+                <a:latin typeface="Consolas" pitchFamily="49"/>
+                <a:cs typeface="Consolas" pitchFamily="49"/>
+              </a:rPr>
+              <a:t>7</a:t>
+            </a:r>
+            <a:r>
+              <a:rPr lang="en-US" sz="1600" b="0" i="0" u="none" strike="noStrike" kern="1200" cap="none" spc="0" baseline="0" dirty="0">
+                <a:solidFill>
+                  <a:srgbClr val="000000"/>
+                </a:solidFill>
+                <a:uFillTx/>
+                <a:latin typeface="Consolas" pitchFamily="49"/>
+                <a:cs typeface="Consolas" pitchFamily="49"/>
+              </a:rPr>
+              <a:t> </a:t>
+            </a:r>
+            <a:r>
+              <a:rPr lang="en-US" sz="1600" dirty="0">
+                <a:solidFill>
+                  <a:srgbClr val="000000"/>
+                </a:solidFill>
+                <a:latin typeface="Consolas" pitchFamily="49"/>
+                <a:cs typeface="Consolas" pitchFamily="49"/>
+              </a:rPr>
+              <a:t>9</a:t>
+            </a:r>
+            <a:endParaRPr lang="en-US" sz="1600" b="0" i="0" u="none" strike="noStrike" kern="1200" cap="none" spc="0" baseline="0" dirty="0">
+              <a:solidFill>
+                <a:srgbClr val="000000"/>
+              </a:solidFill>
+              <a:uFillTx/>
+              <a:latin typeface="Consolas" pitchFamily="49"/>
+              <a:cs typeface="Consolas" pitchFamily="49"/>
+            </a:endParaRPr>
+          </a:p>
+        </p:txBody>
+      </p:sp>
+      <mc:AlternateContent xmlns:mc="http://schemas.openxmlformats.org/markup-compatibility/2006">
+        <mc:Choice xmlns:a14="http://schemas.microsoft.com/office/drawing/2010/main" Requires="a14">
+          <p:sp>
+            <p:nvSpPr>
+              <p:cNvPr id="35" name="TextBox 34"/>
+              <p:cNvSpPr txBox="1"/>
+              <p:nvPr/>
+            </p:nvSpPr>
+            <p:spPr>
+              <a:xfrm>
+                <a:off x="1084654" y="4487235"/>
+                <a:ext cx="312586" cy="369332"/>
+              </a:xfrm>
+              <a:prstGeom prst="rect">
+                <a:avLst/>
+              </a:prstGeom>
+              <a:noFill/>
+            </p:spPr>
+            <p:txBody>
+              <a:bodyPr wrap="none" lIns="0" tIns="0" rIns="0" bIns="0" rtlCol="0">
+                <a:spAutoFit/>
+              </a:bodyPr>
+              <a:lstStyle/>
+              <a:p>
+                <a:pPr/>
+                <a14:m>
+                  <m:oMathPara xmlns:m="http://schemas.openxmlformats.org/officeDocument/2006/math">
+                    <m:oMathParaPr>
+                      <m:jc m:val="centerGroup"/>
+                    </m:oMathParaPr>
+                    <m:oMath xmlns:m="http://schemas.openxmlformats.org/officeDocument/2006/math">
+                      <m:r>
+                        <a:rPr lang="en-US" sz="2400" b="0" i="1" smtClean="0">
+                          <a:latin typeface="Cambria Math" panose="02040503050406030204" pitchFamily="18" charset="0"/>
+                        </a:rPr>
+                        <m:t>𝑥</m:t>
+                      </m:r>
+                      <m:r>
+                        <a:rPr lang="en-US" sz="2400" b="0" i="1" smtClean="0">
+                          <a:latin typeface="Cambria Math" panose="02040503050406030204" pitchFamily="18" charset="0"/>
+                        </a:rPr>
+                        <m:t>′</m:t>
+                      </m:r>
+                    </m:oMath>
+                  </m:oMathPara>
+                </a14:m>
+                <a:endParaRPr lang="en-US" sz="2400" dirty="0"/>
+              </a:p>
+            </p:txBody>
+          </p:sp>
+        </mc:Choice>
+        <mc:Fallback>
+          <p:sp>
+            <p:nvSpPr>
+              <p:cNvPr id="35" name="TextBox 34"/>
+              <p:cNvSpPr txBox="1">
+                <a:spLocks noRot="1" noChangeAspect="1" noMove="1" noResize="1" noEditPoints="1" noAdjustHandles="1" noChangeArrowheads="1" noChangeShapeType="1" noTextEdit="1"/>
+              </p:cNvSpPr>
+              <p:nvPr/>
+            </p:nvSpPr>
+            <p:spPr>
+              <a:xfrm>
+                <a:off x="1084654" y="4487235"/>
+                <a:ext cx="312586" cy="369332"/>
+              </a:xfrm>
+              <a:prstGeom prst="rect">
+                <a:avLst/>
+              </a:prstGeom>
+              <a:blipFill>
+                <a:blip r:embed="rId3"/>
+                <a:stretch>
+                  <a:fillRect l="-27451" t="-1639" r="-27451" b="-9836"/>
+                </a:stretch>
+              </a:blipFill>
+            </p:spPr>
+            <p:txBody>
+              <a:bodyPr/>
+              <a:lstStyle/>
+              <a:p>
+                <a:r>
+                  <a:rPr lang="en-US">
+                    <a:noFill/>
+                  </a:rPr>
+                  <a:t> </a:t>
+                </a:r>
+              </a:p>
+            </p:txBody>
+          </p:sp>
+        </mc:Fallback>
+      </mc:AlternateContent>
+      <mc:AlternateContent xmlns:mc="http://schemas.openxmlformats.org/markup-compatibility/2006">
+        <mc:Choice xmlns:a14="http://schemas.microsoft.com/office/drawing/2010/main" Requires="a14">
+          <p:sp>
+            <p:nvSpPr>
+              <p:cNvPr id="36" name="TextBox 35"/>
+              <p:cNvSpPr txBox="1"/>
+              <p:nvPr/>
+            </p:nvSpPr>
+            <p:spPr>
+              <a:xfrm>
+                <a:off x="1084654" y="4980586"/>
+                <a:ext cx="320601" cy="369332"/>
+              </a:xfrm>
+              <a:prstGeom prst="rect">
+                <a:avLst/>
+              </a:prstGeom>
+              <a:noFill/>
+            </p:spPr>
+            <p:txBody>
+              <a:bodyPr wrap="none" lIns="0" tIns="0" rIns="0" bIns="0" rtlCol="0">
+                <a:spAutoFit/>
+              </a:bodyPr>
+              <a:lstStyle/>
+              <a:p>
+                <a:pPr/>
+                <a14:m>
+                  <m:oMathPara xmlns:m="http://schemas.openxmlformats.org/officeDocument/2006/math">
+                    <m:oMathParaPr>
+                      <m:jc m:val="centerGroup"/>
+                    </m:oMathParaPr>
+                    <m:oMath xmlns:m="http://schemas.openxmlformats.org/officeDocument/2006/math">
+                      <m:r>
+                        <a:rPr lang="en-US" sz="2400" b="0" i="1" smtClean="0">
+                          <a:latin typeface="Cambria Math" panose="02040503050406030204" pitchFamily="18" charset="0"/>
+                        </a:rPr>
+                        <m:t>𝑦</m:t>
+                      </m:r>
+                      <m:r>
+                        <a:rPr lang="en-US" sz="2400" b="0" i="1" smtClean="0">
+                          <a:latin typeface="Cambria Math" panose="02040503050406030204" pitchFamily="18" charset="0"/>
+                        </a:rPr>
+                        <m:t>′</m:t>
+                      </m:r>
+                    </m:oMath>
+                  </m:oMathPara>
+                </a14:m>
+                <a:endParaRPr lang="en-US" sz="2400" dirty="0"/>
+              </a:p>
+            </p:txBody>
+          </p:sp>
+        </mc:Choice>
+        <mc:Fallback>
+          <p:sp>
+            <p:nvSpPr>
+              <p:cNvPr id="36" name="TextBox 35"/>
+              <p:cNvSpPr txBox="1">
+                <a:spLocks noRot="1" noChangeAspect="1" noMove="1" noResize="1" noEditPoints="1" noAdjustHandles="1" noChangeArrowheads="1" noChangeShapeType="1" noTextEdit="1"/>
+              </p:cNvSpPr>
+              <p:nvPr/>
+            </p:nvSpPr>
+            <p:spPr>
+              <a:xfrm>
+                <a:off x="1084654" y="4980586"/>
+                <a:ext cx="320601" cy="369332"/>
+              </a:xfrm>
+              <a:prstGeom prst="rect">
+                <a:avLst/>
+              </a:prstGeom>
+              <a:blipFill>
+                <a:blip r:embed="rId4"/>
+                <a:stretch>
+                  <a:fillRect l="-35849" t="-6557" r="-35849" b="-36066"/>
+                </a:stretch>
+              </a:blipFill>
+            </p:spPr>
+            <p:txBody>
+              <a:bodyPr/>
+              <a:lstStyle/>
+              <a:p>
+                <a:r>
+                  <a:rPr lang="en-US">
+                    <a:noFill/>
+                  </a:rPr>
+                  <a:t> </a:t>
+                </a:r>
+              </a:p>
+            </p:txBody>
+          </p:sp>
+        </mc:Fallback>
+      </mc:AlternateContent>
+      <p:sp>
+        <p:nvSpPr>
+          <p:cNvPr id="15" name="TextBox 4"/>
+          <p:cNvSpPr txBox="1"/>
+          <p:nvPr/>
+        </p:nvSpPr>
+        <p:spPr>
+          <a:xfrm>
+            <a:off x="1014314" y="1117167"/>
+            <a:ext cx="7918671" cy="584775"/>
+          </a:xfrm>
+          <a:prstGeom prst="rect">
+            <a:avLst/>
+          </a:prstGeom>
+          <a:noFill/>
+          <a:ln cap="flat">
+            <a:noFill/>
+          </a:ln>
+        </p:spPr>
+        <p:txBody>
+          <a:bodyPr vert="horz" wrap="square" lIns="91440" tIns="45720" rIns="91440" bIns="45720" anchor="t" anchorCtr="0" compatLnSpc="1">
+            <a:spAutoFit/>
+          </a:bodyPr>
+          <a:lstStyle/>
+          <a:p>
+            <a:pPr marL="0" marR="0" lvl="0" indent="0" algn="l" defTabSz="914400" rtl="0" fontAlgn="auto" hangingPunct="1">
+              <a:lnSpc>
+                <a:spcPct val="100000"/>
+              </a:lnSpc>
+              <a:spcBef>
+                <a:spcPts val="0"/>
+              </a:spcBef>
+              <a:spcAft>
+                <a:spcPts val="0"/>
+              </a:spcAft>
+              <a:buNone/>
+              <a:tabLst/>
+              <a:defRPr sz="1800" b="0" i="0" u="none" strike="noStrike" kern="0" cap="none" spc="0" baseline="0">
+                <a:solidFill>
+                  <a:srgbClr val="000000"/>
+                </a:solidFill>
+                <a:uFillTx/>
+              </a:defRPr>
+            </a:pPr>
+            <a:r>
+              <a:rPr lang="en-US" sz="3200" dirty="0">
+                <a:solidFill>
+                  <a:srgbClr val="000000"/>
+                </a:solidFill>
+                <a:latin typeface="Calibri"/>
+              </a:rPr>
+              <a:t>Exact</a:t>
+            </a:r>
+            <a:r>
+              <a:rPr lang="en-US" sz="3200" b="0" i="0" u="none" strike="noStrike" kern="1200" cap="none" spc="0" baseline="0" dirty="0">
+                <a:solidFill>
+                  <a:srgbClr val="000000"/>
+                </a:solidFill>
+                <a:uFillTx/>
+                <a:latin typeface="Calibri"/>
+              </a:rPr>
+              <a:t> algorithm based on suffix array</a:t>
+            </a:r>
+            <a:r>
+              <a:rPr lang="en-US" sz="3200" b="0" i="0" u="none" strike="noStrike" kern="1200" cap="none" spc="0" dirty="0">
+                <a:solidFill>
+                  <a:srgbClr val="000000"/>
+                </a:solidFill>
+                <a:uFillTx/>
+                <a:latin typeface="Calibri"/>
+              </a:rPr>
+              <a:t> (</a:t>
+            </a:r>
+            <a:r>
+              <a:rPr lang="en-US" sz="3200" dirty="0" err="1">
+                <a:solidFill>
+                  <a:srgbClr val="000000"/>
+                </a:solidFill>
+                <a:latin typeface="Calibri"/>
+              </a:rPr>
+              <a:t>sa</a:t>
+            </a:r>
+            <a:r>
+              <a:rPr lang="en-US" sz="3200" b="0" i="0" u="none" strike="noStrike" kern="1200" cap="none" spc="0" baseline="0" dirty="0" err="1">
+                <a:solidFill>
+                  <a:srgbClr val="000000"/>
+                </a:solidFill>
+                <a:uFillTx/>
+                <a:latin typeface="Calibri"/>
+              </a:rPr>
+              <a:t>CSC</a:t>
+            </a:r>
+            <a:r>
+              <a:rPr lang="en-US" sz="3200" b="0" i="0" u="none" strike="noStrike" kern="1200" cap="none" spc="0" baseline="0" dirty="0">
+                <a:solidFill>
+                  <a:srgbClr val="000000"/>
+                </a:solidFill>
+                <a:uFillTx/>
+                <a:latin typeface="Calibri"/>
+              </a:rPr>
+              <a:t>)</a:t>
+            </a:r>
+            <a:endParaRPr lang="en-US" sz="3200" b="1" i="0" u="none" strike="noStrike" kern="1200" cap="none" spc="0" baseline="0" dirty="0">
+              <a:solidFill>
+                <a:srgbClr val="000000"/>
+              </a:solidFill>
+              <a:uFillTx/>
+              <a:latin typeface="Calibri"/>
+            </a:endParaRPr>
+          </a:p>
+        </p:txBody>
+      </p:sp>
+    </p:spTree>
+    <p:extLst>
+      <p:ext uri="{BB962C8B-B14F-4D97-AF65-F5344CB8AC3E}">
+        <p14:creationId xmlns:p14="http://schemas.microsoft.com/office/powerpoint/2010/main" val="1149262670"/>
+      </p:ext>
+    </p:extLst>
+  </p:cSld>
+  <p:clrMapOvr>
+    <a:masterClrMapping/>
+  </p:clrMapOvr>
+</p:sld>
+</file>
+
+<file path=ppt/slides/slide14.xml><?xml version="1.0" encoding="utf-8"?>
+<p:sld xmlns:a="http://schemas.openxmlformats.org/drawingml/2006/main" xmlns:r="http://schemas.openxmlformats.org/officeDocument/2006/relationships" xmlns:p="http://schemas.openxmlformats.org/presentationml/2006/main">
+  <p:cSld>
+    <p:spTree>
+      <p:nvGrpSpPr>
+        <p:cNvPr id="1" name=""/>
+        <p:cNvGrpSpPr/>
+        <p:nvPr/>
+      </p:nvGrpSpPr>
+      <p:grpSpPr>
+        <a:xfrm>
+          <a:off x="0" y="0"/>
+          <a:ext cx="0" cy="0"/>
+          <a:chOff x="0" y="0"/>
+          <a:chExt cx="0" cy="0"/>
+        </a:xfrm>
+      </p:grpSpPr>
+      <p:sp>
+        <p:nvSpPr>
+          <p:cNvPr id="2" name="TextBox 1"/>
+          <p:cNvSpPr txBox="1"/>
+          <p:nvPr/>
+        </p:nvSpPr>
+        <p:spPr>
+          <a:xfrm>
+            <a:off x="0" y="6488664"/>
+            <a:ext cx="12191996" cy="369335"/>
+          </a:xfrm>
+          <a:prstGeom prst="rect">
+            <a:avLst/>
+          </a:prstGeom>
+          <a:solidFill>
+            <a:srgbClr val="333F50"/>
+          </a:solidFill>
+          <a:ln cap="flat">
+            <a:noFill/>
+          </a:ln>
+        </p:spPr>
+        <p:txBody>
+          <a:bodyPr vert="horz" wrap="square" lIns="91440" tIns="45720" rIns="91440" bIns="45720" anchor="t" anchorCtr="0" compatLnSpc="1">
+            <a:spAutoFit/>
+          </a:bodyPr>
+          <a:lstStyle/>
+          <a:p>
+            <a:pPr marL="0" marR="0" lvl="0" indent="0" algn="r" defTabSz="914400" rtl="0" fontAlgn="auto" hangingPunct="1">
+              <a:lnSpc>
+                <a:spcPct val="100000"/>
+              </a:lnSpc>
+              <a:spcBef>
+                <a:spcPts val="0"/>
+              </a:spcBef>
+              <a:spcAft>
+                <a:spcPts val="0"/>
+              </a:spcAft>
+              <a:buNone/>
+              <a:tabLst/>
+              <a:defRPr sz="1800" b="0" i="0" u="none" strike="noStrike" kern="0" cap="none" spc="0" baseline="0">
+                <a:solidFill>
+                  <a:srgbClr val="000000"/>
+                </a:solidFill>
+                <a:uFillTx/>
+              </a:defRPr>
+            </a:pPr>
+            <a:r>
+              <a:rPr lang="en-US" sz="1800" b="0" i="0" u="none" strike="noStrike" kern="1200" cap="none" spc="0" baseline="0">
+                <a:solidFill>
+                  <a:srgbClr val="FFFFFF"/>
+                </a:solidFill>
+                <a:uFillTx/>
+                <a:latin typeface="Calibri"/>
+              </a:rPr>
+              <a:t> </a:t>
+            </a:r>
+            <a:r>
+              <a:rPr lang="en-US" sz="1600" b="0" i="0" u="none" strike="noStrike" kern="1200" cap="none" spc="0" baseline="0">
+                <a:solidFill>
+                  <a:srgbClr val="FFFFFF"/>
+                </a:solidFill>
+                <a:uFillTx/>
+                <a:latin typeface="Calibri"/>
+              </a:rPr>
+              <a:t>Roberto Zanotto |18/05/16</a:t>
+            </a:r>
+          </a:p>
+        </p:txBody>
+      </p:sp>
+      <p:sp>
+        <p:nvSpPr>
           <p:cNvPr id="3" name="TextBox 4"/>
           <p:cNvSpPr txBox="1"/>
           <p:nvPr/>
@@ -8014,8 +9808,8 @@
           </a:p>
         </p:txBody>
       </p:sp>
-      <mc:AlternateContent xmlns:mc="http://schemas.openxmlformats.org/markup-compatibility/2006">
-        <mc:Choice xmlns:a14="http://schemas.microsoft.com/office/drawing/2010/main" Requires="a14">
+      <mc:AlternateContent xmlns:mc="http://schemas.openxmlformats.org/markup-compatibility/2006" xmlns:a14="http://schemas.microsoft.com/office/drawing/2010/main">
+        <mc:Choice Requires="a14">
           <p:sp>
             <p:nvSpPr>
               <p:cNvPr id="16" name="TextBox 14"/>
@@ -8133,7 +9927,7 @@
             </p:txBody>
           </p:sp>
         </mc:Choice>
-        <mc:Fallback>
+        <mc:Fallback xmlns="">
           <p:sp>
             <p:nvSpPr>
               <p:cNvPr id="16" name="TextBox 14"/>
@@ -8175,8 +9969,8 @@
           </p:sp>
         </mc:Fallback>
       </mc:AlternateContent>
-      <mc:AlternateContent xmlns:mc="http://schemas.openxmlformats.org/markup-compatibility/2006">
-        <mc:Choice xmlns:a14="http://schemas.microsoft.com/office/drawing/2010/main" Requires="a14">
+      <mc:AlternateContent xmlns:mc="http://schemas.openxmlformats.org/markup-compatibility/2006" xmlns:a14="http://schemas.microsoft.com/office/drawing/2010/main">
+        <mc:Choice Requires="a14">
           <p:sp>
             <p:nvSpPr>
               <p:cNvPr id="18" name="TextBox 14"/>
@@ -8301,7 +10095,7 @@
             </p:txBody>
           </p:sp>
         </mc:Choice>
-        <mc:Fallback>
+        <mc:Fallback xmlns="">
           <p:sp>
             <p:nvSpPr>
               <p:cNvPr id="18" name="TextBox 14"/>
@@ -8343,8 +10137,8 @@
           </p:sp>
         </mc:Fallback>
       </mc:AlternateContent>
-      <mc:AlternateContent xmlns:mc="http://schemas.openxmlformats.org/markup-compatibility/2006">
-        <mc:Choice xmlns:a14="http://schemas.microsoft.com/office/drawing/2010/main" Requires="a14">
+      <mc:AlternateContent xmlns:mc="http://schemas.openxmlformats.org/markup-compatibility/2006" xmlns:a14="http://schemas.microsoft.com/office/drawing/2010/main">
+        <mc:Choice Requires="a14">
           <p:sp>
             <p:nvSpPr>
               <p:cNvPr id="11" name="TextBox 14"/>
@@ -8469,7 +10263,7 @@
             </p:txBody>
           </p:sp>
         </mc:Choice>
-        <mc:Fallback>
+        <mc:Fallback xmlns="">
           <p:sp>
             <p:nvSpPr>
               <p:cNvPr id="11" name="TextBox 14"/>
@@ -8524,7 +10318,7 @@
 </p:sld>
 </file>
 
-<file path=ppt/slides/slide13.xml><?xml version="1.0" encoding="utf-8"?>
+<file path=ppt/slides/slide15.xml><?xml version="1.0" encoding="utf-8"?>
 <p:sld xmlns:a="http://schemas.openxmlformats.org/drawingml/2006/main" xmlns:r="http://schemas.openxmlformats.org/officeDocument/2006/relationships" xmlns:p="http://schemas.openxmlformats.org/presentationml/2006/main">
   <p:cSld>
     <p:spTree>
@@ -8765,8 +10559,8 @@
           </a:p>
         </p:txBody>
       </p:sp>
-      <mc:AlternateContent xmlns:mc="http://schemas.openxmlformats.org/markup-compatibility/2006">
-        <mc:Choice xmlns:a14="http://schemas.microsoft.com/office/drawing/2010/main" Requires="a14">
+      <mc:AlternateContent xmlns:mc="http://schemas.openxmlformats.org/markup-compatibility/2006" xmlns:a14="http://schemas.microsoft.com/office/drawing/2010/main">
+        <mc:Choice Requires="a14">
           <p:sp>
             <p:nvSpPr>
               <p:cNvPr id="16" name="TextBox 14"/>
@@ -8950,7 +10744,7 @@
             </p:txBody>
           </p:sp>
         </mc:Choice>
-        <mc:Fallback>
+        <mc:Fallback xmlns="">
           <p:sp>
             <p:nvSpPr>
               <p:cNvPr id="16" name="TextBox 14"/>
@@ -8992,8 +10786,8 @@
           </p:sp>
         </mc:Fallback>
       </mc:AlternateContent>
-      <mc:AlternateContent xmlns:mc="http://schemas.openxmlformats.org/markup-compatibility/2006">
-        <mc:Choice xmlns:a14="http://schemas.microsoft.com/office/drawing/2010/main" Requires="a14">
+      <mc:AlternateContent xmlns:mc="http://schemas.openxmlformats.org/markup-compatibility/2006" xmlns:a14="http://schemas.microsoft.com/office/drawing/2010/main">
+        <mc:Choice Requires="a14">
           <p:sp>
             <p:nvSpPr>
               <p:cNvPr id="20" name="TextBox 14"/>
@@ -9152,7 +10946,7 @@
             </p:txBody>
           </p:sp>
         </mc:Choice>
-        <mc:Fallback>
+        <mc:Fallback xmlns="">
           <p:sp>
             <p:nvSpPr>
               <p:cNvPr id="20" name="TextBox 14"/>
@@ -10425,8 +12219,8 @@
           </a:p>
         </p:txBody>
       </p:sp>
-      <mc:AlternateContent xmlns:mc="http://schemas.openxmlformats.org/markup-compatibility/2006">
-        <mc:Choice xmlns:a14="http://schemas.microsoft.com/office/drawing/2010/main" Requires="a14">
+      <mc:AlternateContent xmlns:mc="http://schemas.openxmlformats.org/markup-compatibility/2006" xmlns:a14="http://schemas.microsoft.com/office/drawing/2010/main">
+        <mc:Choice Requires="a14">
           <p:sp>
             <p:nvSpPr>
               <p:cNvPr id="14" name="TextBox 13"/>
@@ -10476,7 +12270,7 @@
             </p:txBody>
           </p:sp>
         </mc:Choice>
-        <mc:Fallback>
+        <mc:Fallback xmlns="">
           <p:sp>
             <p:nvSpPr>
               <p:cNvPr id="14" name="TextBox 13"/>
@@ -10515,8 +12309,8 @@
           </p:sp>
         </mc:Fallback>
       </mc:AlternateContent>
-      <mc:AlternateContent xmlns:mc="http://schemas.openxmlformats.org/markup-compatibility/2006">
-        <mc:Choice xmlns:a14="http://schemas.microsoft.com/office/drawing/2010/main" Requires="a14">
+      <mc:AlternateContent xmlns:mc="http://schemas.openxmlformats.org/markup-compatibility/2006" xmlns:a14="http://schemas.microsoft.com/office/drawing/2010/main">
+        <mc:Choice Requires="a14">
           <p:sp>
             <p:nvSpPr>
               <p:cNvPr id="15" name="TextBox 14"/>
@@ -10566,7 +12360,7 @@
             </p:txBody>
           </p:sp>
         </mc:Choice>
-        <mc:Fallback>
+        <mc:Fallback xmlns="">
           <p:sp>
             <p:nvSpPr>
               <p:cNvPr id="15" name="TextBox 14"/>
@@ -10605,8 +12399,8 @@
           </p:sp>
         </mc:Fallback>
       </mc:AlternateContent>
-      <mc:AlternateContent xmlns:mc="http://schemas.openxmlformats.org/markup-compatibility/2006">
-        <mc:Choice xmlns:a14="http://schemas.microsoft.com/office/drawing/2010/main" Requires="a14">
+      <mc:AlternateContent xmlns:mc="http://schemas.openxmlformats.org/markup-compatibility/2006" xmlns:a14="http://schemas.microsoft.com/office/drawing/2010/main">
+        <mc:Choice Requires="a14">
           <p:sp>
             <p:nvSpPr>
               <p:cNvPr id="17" name="TextBox 14"/>
@@ -10682,7 +12476,7 @@
             </p:txBody>
           </p:sp>
         </mc:Choice>
-        <mc:Fallback>
+        <mc:Fallback xmlns="">
           <p:sp>
             <p:nvSpPr>
               <p:cNvPr id="17" name="TextBox 14"/>
@@ -10770,7 +12564,7 @@
 </p:sld>
 </file>
 
-<file path=ppt/slides/slide14.xml><?xml version="1.0" encoding="utf-8"?>
+<file path=ppt/slides/slide16.xml><?xml version="1.0" encoding="utf-8"?>
 <p:sld xmlns:a="http://schemas.openxmlformats.org/drawingml/2006/main" xmlns:r="http://schemas.openxmlformats.org/officeDocument/2006/relationships" xmlns:p="http://schemas.openxmlformats.org/presentationml/2006/main">
   <p:cSld>
     <p:spTree>
@@ -11493,7 +13287,7 @@
 </p:sld>
 </file>
 
-<file path=ppt/slides/slide15.xml><?xml version="1.0" encoding="utf-8"?>
+<file path=ppt/slides/slide17.xml><?xml version="1.0" encoding="utf-8"?>
 <p:sld xmlns:a="http://schemas.openxmlformats.org/drawingml/2006/main" xmlns:r="http://schemas.openxmlformats.org/officeDocument/2006/relationships" xmlns:p="http://schemas.openxmlformats.org/presentationml/2006/main">
   <p:cSld>
     <p:spTree>
@@ -12713,7 +14507,7 @@
 </p:sld>
 </file>
 
-<file path=ppt/slides/slide16.xml><?xml version="1.0" encoding="utf-8"?>
+<file path=ppt/slides/slide18.xml><?xml version="1.0" encoding="utf-8"?>
 <p:sld xmlns:a="http://schemas.openxmlformats.org/drawingml/2006/main" xmlns:r="http://schemas.openxmlformats.org/officeDocument/2006/relationships" xmlns:p="http://schemas.openxmlformats.org/presentationml/2006/main">
   <p:cSld>
     <p:spTree>
@@ -17710,8 +19504,8 @@
             </p:nvSpPr>
             <p:spPr>
               <a:xfrm>
-                <a:off x="1014313" y="3999637"/>
-                <a:ext cx="10163363" cy="649858"/>
+                <a:off x="1014313" y="3690144"/>
+                <a:ext cx="10163363" cy="490199"/>
               </a:xfrm>
               <a:prstGeom prst="rect">
                 <a:avLst/>
@@ -17736,14 +19530,87 @@
                   </a:defRPr>
                 </a:pPr>
                 <a:r>
-                  <a:rPr lang="el-GR" sz="2400" b="0" i="0" u="none" strike="noStrike" kern="1200" cap="none" spc="0" baseline="0" dirty="0">
+                  <a:rPr lang="en-US" sz="2400" dirty="0">
                     <a:solidFill>
                       <a:srgbClr val="000000"/>
                     </a:solidFill>
-                    <a:uFillTx/>
                     <a:latin typeface="Calibri"/>
                   </a:rPr>
-                  <a:t>β</a:t>
+                  <a:t>where </a:t>
+                </a:r>
+                <a14:m>
+                  <m:oMath xmlns:m="http://schemas.openxmlformats.org/officeDocument/2006/math">
+                    <m:sSub>
+                      <m:sSubPr>
+                        <m:ctrlPr>
+                          <a:rPr lang="en-US" sz="2400" i="1">
+                            <a:latin typeface="Cambria Math" panose="02040503050406030204" pitchFamily="18" charset="0"/>
+                          </a:rPr>
+                        </m:ctrlPr>
+                      </m:sSubPr>
+                      <m:e>
+                        <m:r>
+                          <a:rPr lang="en-US" sz="2400" i="1">
+                            <a:latin typeface="Cambria Math" panose="02040503050406030204" pitchFamily="18" charset="0"/>
+                          </a:rPr>
+                          <m:t>𝐺</m:t>
+                        </m:r>
+                      </m:e>
+                      <m:sub>
+                        <m:r>
+                          <a:rPr lang="en-US" sz="2400" i="1">
+                            <a:latin typeface="Cambria Math" panose="02040503050406030204" pitchFamily="18" charset="0"/>
+                          </a:rPr>
+                          <m:t>𝑞</m:t>
+                        </m:r>
+                      </m:sub>
+                    </m:sSub>
+                    <m:d>
+                      <m:dPr>
+                        <m:ctrlPr>
+                          <a:rPr lang="en-US" sz="2400" i="1">
+                            <a:latin typeface="Cambria Math" panose="02040503050406030204" pitchFamily="18" charset="0"/>
+                          </a:rPr>
+                        </m:ctrlPr>
+                      </m:dPr>
+                      <m:e>
+                        <m:r>
+                          <a:rPr lang="en-US" sz="2400" i="1">
+                            <a:latin typeface="Cambria Math" panose="02040503050406030204" pitchFamily="18" charset="0"/>
+                          </a:rPr>
+                          <m:t>𝑥</m:t>
+                        </m:r>
+                      </m:e>
+                    </m:d>
+                    <m:d>
+                      <m:dPr>
+                        <m:begChr m:val="["/>
+                        <m:endChr m:val="]"/>
+                        <m:ctrlPr>
+                          <a:rPr lang="en-US" sz="2400" i="1">
+                            <a:latin typeface="Cambria Math" panose="02040503050406030204" pitchFamily="18" charset="0"/>
+                          </a:rPr>
+                        </m:ctrlPr>
+                      </m:dPr>
+                      <m:e>
+                        <m:r>
+                          <a:rPr lang="en-US" sz="2400" i="1">
+                            <a:latin typeface="Cambria Math" panose="02040503050406030204" pitchFamily="18" charset="0"/>
+                          </a:rPr>
+                          <m:t>𝑣</m:t>
+                        </m:r>
+                      </m:e>
+                    </m:d>
+                  </m:oMath>
+                </a14:m>
+                <a:r>
+                  <a:rPr lang="en-US" sz="2400" dirty="0">
+                    <a:solidFill>
+                      <a:srgbClr val="000000"/>
+                    </a:solidFill>
+                    <a:latin typeface="Calibri"/>
+                  </a:rPr>
+                  <a:t> </a:t>
                 </a:r>
                 <a:r>
                   <a:rPr lang="en-US" sz="2400" b="0" i="0" u="none" strike="noStrike" kern="1200" cap="none" spc="0" baseline="0" dirty="0">
@@ -17753,127 +19620,48 @@
                     <a:uFillTx/>
                     <a:latin typeface="Calibri"/>
                   </a:rPr>
-                  <a:t>-</a:t>
+                  <a:t>counts</a:t>
                 </a:r>
                 <a:r>
-                  <a:rPr lang="en-US" sz="2400" b="0" i="0" u="none" strike="noStrike" kern="1200" cap="none" spc="0" baseline="0" dirty="0" err="1">
+                  <a:rPr lang="en-US" sz="2400" b="0" i="0" u="none" strike="noStrike" kern="1200" cap="none" spc="0" dirty="0">
                     <a:solidFill>
                       <a:srgbClr val="000000"/>
                     </a:solidFill>
                     <a:uFillTx/>
                     <a:latin typeface="Calibri"/>
                   </a:rPr>
-                  <a:t>blockwise</a:t>
+                  <a:t> the number of occurrences of q-gram </a:t>
                 </a:r>
+                <a14:m>
+                  <m:oMath xmlns:m="http://schemas.openxmlformats.org/officeDocument/2006/math">
+                    <m:r>
+                      <a:rPr lang="en-US" sz="2400" i="1">
+                        <a:latin typeface="Cambria Math" panose="02040503050406030204" pitchFamily="18" charset="0"/>
+                      </a:rPr>
+                      <m:t>𝑣</m:t>
+                    </m:r>
+                  </m:oMath>
+                </a14:m>
                 <a:r>
-                  <a:rPr lang="en-US" sz="2400" b="0" i="0" u="none" strike="noStrike" kern="1200" cap="none" spc="0" baseline="0" dirty="0">
+                  <a:rPr lang="en-US" sz="2400" b="0" i="0" u="none" strike="noStrike" kern="1200" cap="none" spc="0" dirty="0">
                     <a:solidFill>
                       <a:srgbClr val="000000"/>
                     </a:solidFill>
                     <a:uFillTx/>
                     <a:latin typeface="Calibri"/>
                   </a:rPr>
-                  <a:t> q-gram distance, more accurate, linear time and </a:t>
+                  <a:t> in </a:t>
                 </a:r>
                 <a14:m>
                   <m:oMath xmlns:m="http://schemas.openxmlformats.org/officeDocument/2006/math">
                     <m:r>
                       <a:rPr lang="en-US" sz="2400" i="1">
-                        <a:solidFill>
-                          <a:srgbClr val="000000"/>
-                        </a:solidFill>
                         <a:latin typeface="Cambria Math" panose="02040503050406030204" pitchFamily="18" charset="0"/>
-                        <a:ea typeface="Cambria Math" panose="02040503050406030204" pitchFamily="18" charset="0"/>
                       </a:rPr>
-                      <m:t>𝒪</m:t>
-                    </m:r>
-                    <m:r>
-                      <a:rPr lang="en-US" sz="2400" i="1">
-                        <a:solidFill>
-                          <a:srgbClr val="000000"/>
-                        </a:solidFill>
-                        <a:latin typeface="Cambria Math" panose="02040503050406030204" pitchFamily="18" charset="0"/>
-                        <a:ea typeface="Cambria Math" panose="02040503050406030204" pitchFamily="18" charset="0"/>
-                      </a:rPr>
-                      <m:t>(</m:t>
-                    </m:r>
-                    <m:f>
-                      <m:fPr>
-                        <m:ctrlPr>
-                          <a:rPr lang="en-US" sz="2400" i="1">
-                            <a:solidFill>
-                              <a:srgbClr val="000000"/>
-                            </a:solidFill>
-                            <a:latin typeface="Cambria Math" panose="02040503050406030204" pitchFamily="18" charset="0"/>
-                            <a:ea typeface="Cambria Math" panose="02040503050406030204" pitchFamily="18" charset="0"/>
-                          </a:rPr>
-                        </m:ctrlPr>
-                      </m:fPr>
-                      <m:num>
-                        <m:r>
-                          <a:rPr lang="en-US" sz="2400" i="1">
-                            <a:solidFill>
-                              <a:srgbClr val="000000"/>
-                            </a:solidFill>
-                            <a:latin typeface="Cambria Math" panose="02040503050406030204" pitchFamily="18" charset="0"/>
-                            <a:ea typeface="Cambria Math" panose="02040503050406030204" pitchFamily="18" charset="0"/>
-                          </a:rPr>
-                          <m:t>𝑚</m:t>
-                        </m:r>
-                        <m:r>
-                          <a:rPr lang="en-US" sz="2400" b="0" i="1" smtClean="0">
-                            <a:solidFill>
-                              <a:srgbClr val="000000"/>
-                            </a:solidFill>
-                            <a:latin typeface="Cambria Math" panose="02040503050406030204" pitchFamily="18" charset="0"/>
-                            <a:ea typeface="Cambria Math" panose="02040503050406030204" pitchFamily="18" charset="0"/>
-                          </a:rPr>
-                          <m:t>+</m:t>
-                        </m:r>
-                        <m:r>
-                          <a:rPr lang="en-US" sz="2400" b="0" i="1" smtClean="0">
-                            <a:solidFill>
-                              <a:srgbClr val="000000"/>
-                            </a:solidFill>
-                            <a:latin typeface="Cambria Math" panose="02040503050406030204" pitchFamily="18" charset="0"/>
-                            <a:ea typeface="Cambria Math" panose="02040503050406030204" pitchFamily="18" charset="0"/>
-                          </a:rPr>
-                          <m:t>𝑛</m:t>
-                        </m:r>
-                      </m:num>
-                      <m:den>
-                        <m:r>
-                          <a:rPr lang="en-US" sz="2400" i="1">
-                            <a:solidFill>
-                              <a:srgbClr val="000000"/>
-                            </a:solidFill>
-                            <a:latin typeface="Cambria Math" panose="02040503050406030204" pitchFamily="18" charset="0"/>
-                            <a:ea typeface="Cambria Math" panose="02040503050406030204" pitchFamily="18" charset="0"/>
-                          </a:rPr>
-                          <m:t>𝛽</m:t>
-                        </m:r>
-                      </m:den>
-                    </m:f>
-                    <m:r>
-                      <a:rPr lang="en-US" sz="2400" i="1">
-                        <a:solidFill>
-                          <a:srgbClr val="000000"/>
-                        </a:solidFill>
-                        <a:latin typeface="Cambria Math" panose="02040503050406030204" pitchFamily="18" charset="0"/>
-                        <a:ea typeface="Cambria Math" panose="02040503050406030204" pitchFamily="18" charset="0"/>
-                      </a:rPr>
-                      <m:t>)</m:t>
+                      <m:t>𝑥</m:t>
                     </m:r>
                   </m:oMath>
                 </a14:m>
-                <a:r>
-                  <a:rPr lang="en-US" sz="2400" dirty="0">
-                    <a:solidFill>
-                      <a:srgbClr val="000000"/>
-                    </a:solidFill>
-                  </a:rPr>
-                  <a:t> space</a:t>
-                </a:r>
                 <a:r>
                   <a:rPr lang="en-US" sz="2400" b="0" i="0" u="none" strike="noStrike" kern="1200" cap="none" spc="0" baseline="0" dirty="0">
                     <a:solidFill>
@@ -17899,8 +19687,8 @@
             </p:nvSpPr>
             <p:spPr>
               <a:xfrm>
-                <a:off x="1014313" y="3999637"/>
-                <a:ext cx="10163363" cy="649858"/>
+                <a:off x="1014313" y="3690144"/>
+                <a:ext cx="10163363" cy="490199"/>
               </a:xfrm>
               <a:prstGeom prst="rect">
                 <a:avLst/>
@@ -17908,7 +19696,7 @@
               <a:blipFill>
                 <a:blip r:embed="rId2"/>
                 <a:stretch>
-                  <a:fillRect l="-899" b="-1869"/>
+                  <a:fillRect l="-899" t="-8642" b="-22222"/>
                 </a:stretch>
               </a:blipFill>
               <a:ln cap="flat">
@@ -17930,8 +19718,8 @@
           </p:sp>
         </mc:Fallback>
       </mc:AlternateContent>
-      <mc:AlternateContent xmlns:mc="http://schemas.openxmlformats.org/markup-compatibility/2006" xmlns:a14="http://schemas.microsoft.com/office/drawing/2010/main">
-        <mc:Choice Requires="a14">
+      <mc:AlternateContent xmlns:mc="http://schemas.openxmlformats.org/markup-compatibility/2006">
+        <mc:Choice xmlns:a14="http://schemas.microsoft.com/office/drawing/2010/main" Requires="a14">
           <p:sp>
             <p:nvSpPr>
               <p:cNvPr id="6" name="TextBox 5"/>
@@ -17940,7 +19728,7 @@
             </p:nvSpPr>
             <p:spPr>
               <a:xfrm>
-                <a:off x="1014313" y="2598090"/>
+                <a:off x="1014313" y="2640294"/>
                 <a:ext cx="5146537" cy="941412"/>
               </a:xfrm>
               <a:prstGeom prst="rect">
@@ -18229,7 +20017,7 @@
             </p:txBody>
           </p:sp>
         </mc:Choice>
-        <mc:Fallback xmlns="">
+        <mc:Fallback>
           <p:sp>
             <p:nvSpPr>
               <p:cNvPr id="6" name="TextBox 5"/>
@@ -18240,7 +20028,7 @@
             </p:nvSpPr>
             <p:spPr>
               <a:xfrm>
-                <a:off x="1014313" y="2598090"/>
+                <a:off x="1014313" y="2640294"/>
                 <a:ext cx="5146537" cy="941412"/>
               </a:xfrm>
               <a:prstGeom prst="rect">
@@ -18276,7 +20064,7 @@
         </p:nvSpPr>
         <p:spPr>
           <a:xfrm>
-            <a:off x="1014315" y="2047968"/>
+            <a:off x="1014315" y="2090172"/>
             <a:ext cx="10163363" cy="461665"/>
           </a:xfrm>
           <a:prstGeom prst="rect">
@@ -18320,11 +20108,984 @@
                 <a:uFillTx/>
                 <a:latin typeface="Calibri"/>
               </a:rPr>
-              <a:t>Approximation of edit distance, can be computed in linear time and space.</a:t>
-            </a:r>
+              <a:t>Approximation of edit distance,</a:t>
+            </a:r>
+            <a:r>
+              <a:rPr lang="en-US" sz="2400" b="0" i="0" u="none" strike="noStrike" kern="1200" cap="none" spc="0" dirty="0">
+                <a:solidFill>
+                  <a:srgbClr val="000000"/>
+                </a:solidFill>
+                <a:uFillTx/>
+                <a:latin typeface="Calibri"/>
+              </a:rPr>
+              <a:t> defined as:</a:t>
+            </a:r>
+            <a:endParaRPr lang="en-US" sz="2400" b="0" i="0" u="none" strike="noStrike" kern="1200" cap="none" spc="0" baseline="0" dirty="0">
+              <a:solidFill>
+                <a:srgbClr val="000000"/>
+              </a:solidFill>
+              <a:uFillTx/>
+              <a:latin typeface="Calibri"/>
+            </a:endParaRPr>
           </a:p>
         </p:txBody>
       </p:sp>
+      <mc:AlternateContent xmlns:mc="http://schemas.openxmlformats.org/markup-compatibility/2006">
+        <mc:Choice xmlns:a14="http://schemas.microsoft.com/office/drawing/2010/main" Requires="a14">
+          <p:sp>
+            <p:nvSpPr>
+              <p:cNvPr id="15" name="TextBox 14"/>
+              <p:cNvSpPr txBox="1"/>
+              <p:nvPr/>
+            </p:nvSpPr>
+            <p:spPr>
+              <a:xfrm>
+                <a:off x="1014312" y="4570158"/>
+                <a:ext cx="10163363" cy="859531"/>
+              </a:xfrm>
+              <a:prstGeom prst="rect">
+                <a:avLst/>
+              </a:prstGeom>
+              <a:noFill/>
+              <a:ln cap="flat">
+                <a:noFill/>
+              </a:ln>
+            </p:spPr>
+            <p:txBody>
+              <a:bodyPr vert="horz" wrap="square" lIns="91440" tIns="45720" rIns="91440" bIns="45720" anchor="t" anchorCtr="0" compatLnSpc="1">
+                <a:spAutoFit/>
+              </a:bodyPr>
+              <a:lstStyle/>
+              <a:p>
+                <a:pPr lvl="0">
+                  <a:defRPr sz="1800" b="0" i="0" u="none" strike="noStrike" kern="0" cap="none" spc="0" baseline="0">
+                    <a:solidFill>
+                      <a:srgbClr val="000000"/>
+                    </a:solidFill>
+                    <a:uFillTx/>
+                  </a:defRPr>
+                </a:pPr>
+                <a:r>
+                  <a:rPr lang="en-US" sz="2400" dirty="0">
+                    <a:solidFill>
+                      <a:srgbClr val="000000"/>
+                    </a:solidFill>
+                    <a:latin typeface="Calibri"/>
+                  </a:rPr>
+                  <a:t>Can be computed in linear time and space with an hash table that</a:t>
+                </a:r>
+              </a:p>
+              <a:p>
+                <a:pPr lvl="0">
+                  <a:defRPr sz="1800" b="0" i="0" u="none" strike="noStrike" kern="0" cap="none" spc="0" baseline="0">
+                    <a:solidFill>
+                      <a:srgbClr val="000000"/>
+                    </a:solidFill>
+                    <a:uFillTx/>
+                  </a:defRPr>
+                </a:pPr>
+                <a:r>
+                  <a:rPr lang="en-US" sz="2400" dirty="0">
+                    <a:solidFill>
+                      <a:srgbClr val="000000"/>
+                    </a:solidFill>
+                    <a:latin typeface="Calibri"/>
+                  </a:rPr>
+                  <a:t>associates to each </a:t>
+                </a:r>
+                <a14:m>
+                  <m:oMath xmlns:m="http://schemas.openxmlformats.org/officeDocument/2006/math">
+                    <m:r>
+                      <a:rPr lang="en-US" sz="2400" i="1">
+                        <a:latin typeface="Cambria Math" panose="02040503050406030204" pitchFamily="18" charset="0"/>
+                      </a:rPr>
+                      <m:t>𝑣</m:t>
+                    </m:r>
+                    <m:r>
+                      <a:rPr lang="en-US" sz="2400" b="0" i="0" smtClean="0">
+                        <a:latin typeface="Cambria Math" panose="02040503050406030204" pitchFamily="18" charset="0"/>
+                      </a:rPr>
+                      <m:t> </m:t>
+                    </m:r>
+                  </m:oMath>
+                </a14:m>
+                <a:r>
+                  <a:rPr lang="en-US" sz="2400" dirty="0">
+                    <a:solidFill>
+                      <a:srgbClr val="000000"/>
+                    </a:solidFill>
+                    <a:latin typeface="Calibri"/>
+                  </a:rPr>
+                  <a:t>the </a:t>
+                </a:r>
+                <a14:m>
+                  <m:oMath xmlns:m="http://schemas.openxmlformats.org/officeDocument/2006/math">
+                    <m:r>
+                      <a:rPr lang="en-US" sz="2400" i="1" dirty="0" smtClean="0">
+                        <a:solidFill>
+                          <a:srgbClr val="000000"/>
+                        </a:solidFill>
+                        <a:latin typeface="Cambria Math" panose="02040503050406030204" pitchFamily="18" charset="0"/>
+                      </a:rPr>
+                      <m:t>𝑑𝑖𝑓𝑓</m:t>
+                    </m:r>
+                  </m:oMath>
+                </a14:m>
+                <a:r>
+                  <a:rPr lang="en-US" sz="2400" dirty="0">
+                    <a:solidFill>
+                      <a:srgbClr val="000000"/>
+                    </a:solidFill>
+                    <a:latin typeface="Calibri"/>
+                  </a:rPr>
+                  <a:t> </a:t>
+                </a:r>
+                <a14:m>
+                  <m:oMath xmlns:m="http://schemas.openxmlformats.org/officeDocument/2006/math">
+                    <m:sSub>
+                      <m:sSubPr>
+                        <m:ctrlPr>
+                          <a:rPr lang="en-US" sz="2400" i="1">
+                            <a:latin typeface="Cambria Math" panose="02040503050406030204" pitchFamily="18" charset="0"/>
+                          </a:rPr>
+                        </m:ctrlPr>
+                      </m:sSubPr>
+                      <m:e>
+                        <m:r>
+                          <a:rPr lang="en-US" sz="2400" i="1">
+                            <a:latin typeface="Cambria Math" panose="02040503050406030204" pitchFamily="18" charset="0"/>
+                          </a:rPr>
+                          <m:t>𝐺</m:t>
+                        </m:r>
+                      </m:e>
+                      <m:sub>
+                        <m:r>
+                          <a:rPr lang="en-US" sz="2400" i="1">
+                            <a:latin typeface="Cambria Math" panose="02040503050406030204" pitchFamily="18" charset="0"/>
+                          </a:rPr>
+                          <m:t>𝑞</m:t>
+                        </m:r>
+                      </m:sub>
+                    </m:sSub>
+                    <m:d>
+                      <m:dPr>
+                        <m:ctrlPr>
+                          <a:rPr lang="en-US" sz="2400" i="1">
+                            <a:latin typeface="Cambria Math" panose="02040503050406030204" pitchFamily="18" charset="0"/>
+                          </a:rPr>
+                        </m:ctrlPr>
+                      </m:dPr>
+                      <m:e>
+                        <m:r>
+                          <a:rPr lang="en-US" sz="2400" i="1">
+                            <a:latin typeface="Cambria Math" panose="02040503050406030204" pitchFamily="18" charset="0"/>
+                          </a:rPr>
+                          <m:t>𝑥</m:t>
+                        </m:r>
+                      </m:e>
+                    </m:d>
+                    <m:d>
+                      <m:dPr>
+                        <m:begChr m:val="["/>
+                        <m:endChr m:val="]"/>
+                        <m:ctrlPr>
+                          <a:rPr lang="en-US" sz="2400" i="1">
+                            <a:latin typeface="Cambria Math" panose="02040503050406030204" pitchFamily="18" charset="0"/>
+                          </a:rPr>
+                        </m:ctrlPr>
+                      </m:dPr>
+                      <m:e>
+                        <m:r>
+                          <a:rPr lang="en-US" sz="2400" i="1">
+                            <a:latin typeface="Cambria Math" panose="02040503050406030204" pitchFamily="18" charset="0"/>
+                          </a:rPr>
+                          <m:t>𝑣</m:t>
+                        </m:r>
+                      </m:e>
+                    </m:d>
+                    <m:r>
+                      <a:rPr lang="en-US" sz="2400" i="1">
+                        <a:latin typeface="Cambria Math" panose="02040503050406030204" pitchFamily="18" charset="0"/>
+                      </a:rPr>
+                      <m:t>− </m:t>
+                    </m:r>
+                    <m:sSub>
+                      <m:sSubPr>
+                        <m:ctrlPr>
+                          <a:rPr lang="en-US" sz="2400" i="1">
+                            <a:latin typeface="Cambria Math" panose="02040503050406030204" pitchFamily="18" charset="0"/>
+                          </a:rPr>
+                        </m:ctrlPr>
+                      </m:sSubPr>
+                      <m:e>
+                        <m:r>
+                          <a:rPr lang="en-US" sz="2400" i="1">
+                            <a:latin typeface="Cambria Math" panose="02040503050406030204" pitchFamily="18" charset="0"/>
+                          </a:rPr>
+                          <m:t>𝐺</m:t>
+                        </m:r>
+                      </m:e>
+                      <m:sub>
+                        <m:r>
+                          <a:rPr lang="en-US" sz="2400" i="1">
+                            <a:latin typeface="Cambria Math" panose="02040503050406030204" pitchFamily="18" charset="0"/>
+                          </a:rPr>
+                          <m:t>𝑞</m:t>
+                        </m:r>
+                      </m:sub>
+                    </m:sSub>
+                    <m:d>
+                      <m:dPr>
+                        <m:ctrlPr>
+                          <a:rPr lang="en-US" sz="2400" i="1">
+                            <a:latin typeface="Cambria Math" panose="02040503050406030204" pitchFamily="18" charset="0"/>
+                          </a:rPr>
+                        </m:ctrlPr>
+                      </m:dPr>
+                      <m:e>
+                        <m:r>
+                          <a:rPr lang="en-US" sz="2400" i="1">
+                            <a:latin typeface="Cambria Math" panose="02040503050406030204" pitchFamily="18" charset="0"/>
+                          </a:rPr>
+                          <m:t>𝑦</m:t>
+                        </m:r>
+                      </m:e>
+                    </m:d>
+                    <m:d>
+                      <m:dPr>
+                        <m:begChr m:val="["/>
+                        <m:endChr m:val="]"/>
+                        <m:ctrlPr>
+                          <a:rPr lang="en-US" sz="2400" i="1">
+                            <a:latin typeface="Cambria Math" panose="02040503050406030204" pitchFamily="18" charset="0"/>
+                          </a:rPr>
+                        </m:ctrlPr>
+                      </m:dPr>
+                      <m:e>
+                        <m:r>
+                          <a:rPr lang="en-US" sz="2400" i="1">
+                            <a:latin typeface="Cambria Math" panose="02040503050406030204" pitchFamily="18" charset="0"/>
+                          </a:rPr>
+                          <m:t>𝑣</m:t>
+                        </m:r>
+                      </m:e>
+                    </m:d>
+                  </m:oMath>
+                </a14:m>
+                <a:endParaRPr lang="en-US" sz="2400" b="0" i="0" u="none" strike="noStrike" kern="1200" cap="none" spc="0" baseline="0" dirty="0">
+                  <a:solidFill>
+                    <a:srgbClr val="000000"/>
+                  </a:solidFill>
+                  <a:uFillTx/>
+                  <a:latin typeface="Calibri"/>
+                </a:endParaRPr>
+              </a:p>
+            </p:txBody>
+          </p:sp>
+        </mc:Choice>
+        <mc:Fallback>
+          <p:sp>
+            <p:nvSpPr>
+              <p:cNvPr id="15" name="TextBox 14"/>
+              <p:cNvSpPr txBox="1">
+                <a:spLocks noRot="1" noChangeAspect="1" noMove="1" noResize="1" noEditPoints="1" noAdjustHandles="1" noChangeArrowheads="1" noChangeShapeType="1" noTextEdit="1"/>
+              </p:cNvSpPr>
+              <p:nvPr/>
+            </p:nvSpPr>
+            <p:spPr>
+              <a:xfrm>
+                <a:off x="1014312" y="4570158"/>
+                <a:ext cx="10163363" cy="859531"/>
+              </a:xfrm>
+              <a:prstGeom prst="rect">
+                <a:avLst/>
+              </a:prstGeom>
+              <a:blipFill>
+                <a:blip r:embed="rId4"/>
+                <a:stretch>
+                  <a:fillRect l="-899" t="-5674" b="-12766"/>
+                </a:stretch>
+              </a:blipFill>
+              <a:ln cap="flat">
+                <a:noFill/>
+              </a:ln>
+            </p:spPr>
+            <p:txBody>
+              <a:bodyPr/>
+              <a:lstStyle/>
+              <a:p>
+                <a:r>
+                  <a:rPr lang="en-US">
+                    <a:noFill/>
+                  </a:rPr>
+                  <a:t> </a:t>
+                </a:r>
+              </a:p>
+            </p:txBody>
+          </p:sp>
+        </mc:Fallback>
+      </mc:AlternateContent>
+    </p:spTree>
+    <p:extLst>
+      <p:ext uri="{BB962C8B-B14F-4D97-AF65-F5344CB8AC3E}">
+        <p14:creationId xmlns:p14="http://schemas.microsoft.com/office/powerpoint/2010/main" val="411306205"/>
+      </p:ext>
+    </p:extLst>
+  </p:cSld>
+  <p:clrMapOvr>
+    <a:masterClrMapping/>
+  </p:clrMapOvr>
+</p:sld>
+</file>
+
+<file path=ppt/slides/slide7.xml><?xml version="1.0" encoding="utf-8"?>
+<p:sld xmlns:a="http://schemas.openxmlformats.org/drawingml/2006/main" xmlns:r="http://schemas.openxmlformats.org/officeDocument/2006/relationships" xmlns:p="http://schemas.openxmlformats.org/presentationml/2006/main">
+  <p:cSld>
+    <p:spTree>
+      <p:nvGrpSpPr>
+        <p:cNvPr id="1" name=""/>
+        <p:cNvGrpSpPr/>
+        <p:nvPr/>
+      </p:nvGrpSpPr>
+      <p:grpSpPr>
+        <a:xfrm>
+          <a:off x="0" y="0"/>
+          <a:ext cx="0" cy="0"/>
+          <a:chOff x="0" y="0"/>
+          <a:chExt cx="0" cy="0"/>
+        </a:xfrm>
+      </p:grpSpPr>
+      <p:sp>
+        <p:nvSpPr>
+          <p:cNvPr id="2" name="TextBox 1"/>
+          <p:cNvSpPr txBox="1"/>
+          <p:nvPr/>
+        </p:nvSpPr>
+        <p:spPr>
+          <a:xfrm>
+            <a:off x="0" y="6488664"/>
+            <a:ext cx="12191996" cy="369335"/>
+          </a:xfrm>
+          <a:prstGeom prst="rect">
+            <a:avLst/>
+          </a:prstGeom>
+          <a:solidFill>
+            <a:srgbClr val="333F50"/>
+          </a:solidFill>
+          <a:ln cap="flat">
+            <a:noFill/>
+          </a:ln>
+        </p:spPr>
+        <p:txBody>
+          <a:bodyPr vert="horz" wrap="square" lIns="91440" tIns="45720" rIns="91440" bIns="45720" anchor="t" anchorCtr="0" compatLnSpc="1">
+            <a:spAutoFit/>
+          </a:bodyPr>
+          <a:lstStyle/>
+          <a:p>
+            <a:pPr marL="0" marR="0" lvl="0" indent="0" algn="r" defTabSz="914400" rtl="0" fontAlgn="auto" hangingPunct="1">
+              <a:lnSpc>
+                <a:spcPct val="100000"/>
+              </a:lnSpc>
+              <a:spcBef>
+                <a:spcPts val="0"/>
+              </a:spcBef>
+              <a:spcAft>
+                <a:spcPts val="0"/>
+              </a:spcAft>
+              <a:buNone/>
+              <a:tabLst/>
+              <a:defRPr sz="1800" b="0" i="0" u="none" strike="noStrike" kern="0" cap="none" spc="0" baseline="0">
+                <a:solidFill>
+                  <a:srgbClr val="000000"/>
+                </a:solidFill>
+                <a:uFillTx/>
+              </a:defRPr>
+            </a:pPr>
+            <a:r>
+              <a:rPr lang="en-US" sz="1800" b="0" i="0" u="none" strike="noStrike" kern="1200" cap="none" spc="0" baseline="0">
+                <a:solidFill>
+                  <a:srgbClr val="FFFFFF"/>
+                </a:solidFill>
+                <a:uFillTx/>
+                <a:latin typeface="Calibri"/>
+              </a:rPr>
+              <a:t> </a:t>
+            </a:r>
+            <a:r>
+              <a:rPr lang="en-US" sz="1600" b="0" i="0" u="none" strike="noStrike" kern="1200" cap="none" spc="0" baseline="0">
+                <a:solidFill>
+                  <a:srgbClr val="FFFFFF"/>
+                </a:solidFill>
+                <a:uFillTx/>
+                <a:latin typeface="Calibri"/>
+              </a:rPr>
+              <a:t>Roberto Zanotto |18/05/16</a:t>
+            </a:r>
+          </a:p>
+        </p:txBody>
+      </p:sp>
+      <p:sp>
+        <p:nvSpPr>
+          <p:cNvPr id="3" name="TextBox 4"/>
+          <p:cNvSpPr txBox="1"/>
+          <p:nvPr/>
+        </p:nvSpPr>
+        <p:spPr>
+          <a:xfrm>
+            <a:off x="1014313" y="994017"/>
+            <a:ext cx="8157822" cy="584775"/>
+          </a:xfrm>
+          <a:prstGeom prst="rect">
+            <a:avLst/>
+          </a:prstGeom>
+          <a:noFill/>
+          <a:ln cap="flat">
+            <a:noFill/>
+          </a:ln>
+        </p:spPr>
+        <p:txBody>
+          <a:bodyPr vert="horz" wrap="square" lIns="91440" tIns="45720" rIns="91440" bIns="45720" anchor="t" anchorCtr="0" compatLnSpc="1">
+            <a:spAutoFit/>
+          </a:bodyPr>
+          <a:lstStyle/>
+          <a:p>
+            <a:pPr lvl="0">
+              <a:defRPr sz="1800" b="0" i="0" u="none" strike="noStrike" kern="0" cap="none" spc="0" baseline="0">
+                <a:solidFill>
+                  <a:srgbClr val="000000"/>
+                </a:solidFill>
+                <a:uFillTx/>
+              </a:defRPr>
+            </a:pPr>
+            <a:r>
+              <a:rPr lang="el-GR" sz="3200" dirty="0">
+                <a:solidFill>
+                  <a:srgbClr val="000000"/>
+                </a:solidFill>
+              </a:rPr>
+              <a:t>β</a:t>
+            </a:r>
+            <a:r>
+              <a:rPr lang="en-US" sz="3200" dirty="0">
+                <a:solidFill>
+                  <a:srgbClr val="000000"/>
+                </a:solidFill>
+              </a:rPr>
+              <a:t>-</a:t>
+            </a:r>
+            <a:r>
+              <a:rPr lang="en-US" sz="3200" dirty="0" err="1">
+                <a:solidFill>
+                  <a:srgbClr val="000000"/>
+                </a:solidFill>
+              </a:rPr>
+              <a:t>blockwise</a:t>
+            </a:r>
+            <a:r>
+              <a:rPr lang="en-US" sz="3200" dirty="0">
+                <a:solidFill>
+                  <a:srgbClr val="000000"/>
+                </a:solidFill>
+              </a:rPr>
+              <a:t> q-gram distance</a:t>
+            </a:r>
+            <a:endParaRPr lang="en-US" sz="3200" b="0" i="0" u="none" strike="noStrike" kern="1200" cap="none" spc="0" baseline="0" dirty="0">
+              <a:solidFill>
+                <a:srgbClr val="000000"/>
+              </a:solidFill>
+              <a:uFillTx/>
+              <a:latin typeface="Calibri"/>
+            </a:endParaRPr>
+          </a:p>
+        </p:txBody>
+      </p:sp>
+      <p:sp>
+        <p:nvSpPr>
+          <p:cNvPr id="7" name="TextBox 15"/>
+          <p:cNvSpPr txBox="1"/>
+          <p:nvPr/>
+        </p:nvSpPr>
+        <p:spPr>
+          <a:xfrm>
+            <a:off x="0" y="0"/>
+            <a:ext cx="12191996" cy="369335"/>
+          </a:xfrm>
+          <a:prstGeom prst="rect">
+            <a:avLst/>
+          </a:prstGeom>
+          <a:solidFill>
+            <a:srgbClr val="333F50"/>
+          </a:solidFill>
+          <a:ln cap="flat">
+            <a:noFill/>
+          </a:ln>
+        </p:spPr>
+        <p:txBody>
+          <a:bodyPr vert="horz" wrap="square" lIns="91440" tIns="45720" rIns="91440" bIns="45720" anchor="t" anchorCtr="0" compatLnSpc="1">
+            <a:spAutoFit/>
+          </a:bodyPr>
+          <a:lstStyle/>
+          <a:p>
+            <a:pPr marL="0" marR="0" lvl="0" indent="0" algn="l" defTabSz="914400" rtl="0" fontAlgn="auto" hangingPunct="1">
+              <a:lnSpc>
+                <a:spcPct val="100000"/>
+              </a:lnSpc>
+              <a:spcBef>
+                <a:spcPts val="0"/>
+              </a:spcBef>
+              <a:spcAft>
+                <a:spcPts val="0"/>
+              </a:spcAft>
+              <a:buNone/>
+              <a:tabLst/>
+              <a:defRPr sz="1800" b="0" i="0" u="none" strike="noStrike" kern="0" cap="none" spc="0" baseline="0">
+                <a:solidFill>
+                  <a:srgbClr val="000000"/>
+                </a:solidFill>
+                <a:uFillTx/>
+              </a:defRPr>
+            </a:pPr>
+            <a:r>
+              <a:rPr lang="en-US" sz="1800" b="0" i="0" u="none" strike="noStrike" kern="1200" cap="none" spc="0" baseline="0">
+                <a:solidFill>
+                  <a:srgbClr val="FFFFFF"/>
+                </a:solidFill>
+                <a:uFillTx/>
+                <a:latin typeface="Corbel" pitchFamily="34"/>
+              </a:rPr>
+              <a:t> CIRCULAR SEQUENCE COMPARISON: ALGORITHMS AND APPLICATIONS</a:t>
+            </a:r>
+          </a:p>
+        </p:txBody>
+      </p:sp>
+      <mc:AlternateContent xmlns:mc="http://schemas.openxmlformats.org/markup-compatibility/2006">
+        <mc:Choice xmlns:a14="http://schemas.microsoft.com/office/drawing/2010/main" Requires="a14">
+          <p:sp>
+            <p:nvSpPr>
+              <p:cNvPr id="14" name="TextBox 14"/>
+              <p:cNvSpPr txBox="1"/>
+              <p:nvPr/>
+            </p:nvSpPr>
+            <p:spPr>
+              <a:xfrm>
+                <a:off x="1014313" y="4615022"/>
+                <a:ext cx="10163363" cy="1173078"/>
+              </a:xfrm>
+              <a:prstGeom prst="rect">
+                <a:avLst/>
+              </a:prstGeom>
+              <a:noFill/>
+              <a:ln cap="flat">
+                <a:noFill/>
+              </a:ln>
+            </p:spPr>
+            <p:txBody>
+              <a:bodyPr vert="horz" wrap="square" lIns="91440" tIns="45720" rIns="91440" bIns="45720" anchor="t" anchorCtr="0" compatLnSpc="1">
+                <a:spAutoFit/>
+              </a:bodyPr>
+              <a:lstStyle/>
+              <a:p>
+                <a:pPr lvl="0">
+                  <a:defRPr sz="1800" b="0" i="0" u="none" strike="noStrike" kern="0" cap="none" spc="0" baseline="0">
+                    <a:solidFill>
+                      <a:srgbClr val="000000"/>
+                    </a:solidFill>
+                    <a:uFillTx/>
+                  </a:defRPr>
+                </a:pPr>
+                <a:r>
+                  <a:rPr lang="en-US" sz="2400" dirty="0">
+                    <a:solidFill>
+                      <a:srgbClr val="000000"/>
+                    </a:solidFill>
+                    <a:latin typeface="Calibri"/>
+                  </a:rPr>
+                  <a:t>G</a:t>
+                </a:r>
+                <a:r>
+                  <a:rPr lang="en-US" sz="2400" b="0" i="0" u="none" strike="noStrike" kern="1200" cap="none" spc="0" baseline="0" dirty="0">
+                    <a:solidFill>
+                      <a:srgbClr val="000000"/>
+                    </a:solidFill>
+                    <a:uFillTx/>
+                    <a:latin typeface="Calibri"/>
+                  </a:rPr>
+                  <a:t>eneralization of the q-gram distance, more accurate, ensures better locality.</a:t>
+                </a:r>
+              </a:p>
+              <a:p>
+                <a:pPr lvl="0">
+                  <a:defRPr sz="1800" b="0" i="0" u="none" strike="noStrike" kern="0" cap="none" spc="0" baseline="0">
+                    <a:solidFill>
+                      <a:srgbClr val="000000"/>
+                    </a:solidFill>
+                    <a:uFillTx/>
+                  </a:defRPr>
+                </a:pPr>
+                <a:r>
+                  <a:rPr lang="en-US" sz="1000" dirty="0">
+                    <a:solidFill>
+                      <a:srgbClr val="000000"/>
+                    </a:solidFill>
+                    <a:latin typeface="Calibri"/>
+                  </a:rPr>
+                  <a:t> </a:t>
+                </a:r>
+              </a:p>
+              <a:p>
+                <a:pPr lvl="0">
+                  <a:defRPr sz="1800" b="0" i="0" u="none" strike="noStrike" kern="0" cap="none" spc="0" baseline="0">
+                    <a:solidFill>
+                      <a:srgbClr val="000000"/>
+                    </a:solidFill>
+                    <a:uFillTx/>
+                  </a:defRPr>
+                </a:pPr>
+                <a:r>
+                  <a:rPr lang="en-US" sz="2400" dirty="0">
+                    <a:solidFill>
+                      <a:srgbClr val="000000"/>
+                    </a:solidFill>
+                    <a:latin typeface="Calibri"/>
+                  </a:rPr>
+                  <a:t>Can be computed in linear</a:t>
+                </a:r>
+                <a:r>
+                  <a:rPr lang="en-US" sz="2400" b="0" i="0" u="none" strike="noStrike" kern="1200" cap="none" spc="0" baseline="0" dirty="0">
+                    <a:solidFill>
+                      <a:srgbClr val="000000"/>
+                    </a:solidFill>
+                    <a:uFillTx/>
+                    <a:latin typeface="Calibri"/>
+                  </a:rPr>
+                  <a:t> time and </a:t>
+                </a:r>
+                <a14:m>
+                  <m:oMath xmlns:m="http://schemas.openxmlformats.org/officeDocument/2006/math">
+                    <m:r>
+                      <a:rPr lang="en-US" sz="2400" i="1">
+                        <a:solidFill>
+                          <a:srgbClr val="000000"/>
+                        </a:solidFill>
+                        <a:latin typeface="Cambria Math" panose="02040503050406030204" pitchFamily="18" charset="0"/>
+                        <a:ea typeface="Cambria Math" panose="02040503050406030204" pitchFamily="18" charset="0"/>
+                      </a:rPr>
+                      <m:t>𝒪</m:t>
+                    </m:r>
+                    <m:r>
+                      <a:rPr lang="en-US" sz="2400" i="1">
+                        <a:solidFill>
+                          <a:srgbClr val="000000"/>
+                        </a:solidFill>
+                        <a:latin typeface="Cambria Math" panose="02040503050406030204" pitchFamily="18" charset="0"/>
+                        <a:ea typeface="Cambria Math" panose="02040503050406030204" pitchFamily="18" charset="0"/>
+                      </a:rPr>
+                      <m:t>(</m:t>
+                    </m:r>
+                    <m:f>
+                      <m:fPr>
+                        <m:ctrlPr>
+                          <a:rPr lang="en-US" sz="2400" i="1">
+                            <a:solidFill>
+                              <a:srgbClr val="000000"/>
+                            </a:solidFill>
+                            <a:latin typeface="Cambria Math" panose="02040503050406030204" pitchFamily="18" charset="0"/>
+                            <a:ea typeface="Cambria Math" panose="02040503050406030204" pitchFamily="18" charset="0"/>
+                          </a:rPr>
+                        </m:ctrlPr>
+                      </m:fPr>
+                      <m:num>
+                        <m:r>
+                          <a:rPr lang="en-US" sz="2400" i="1">
+                            <a:solidFill>
+                              <a:srgbClr val="000000"/>
+                            </a:solidFill>
+                            <a:latin typeface="Cambria Math" panose="02040503050406030204" pitchFamily="18" charset="0"/>
+                            <a:ea typeface="Cambria Math" panose="02040503050406030204" pitchFamily="18" charset="0"/>
+                          </a:rPr>
+                          <m:t>𝑚</m:t>
+                        </m:r>
+                        <m:r>
+                          <a:rPr lang="en-US" sz="2400" b="0" i="1" smtClean="0">
+                            <a:solidFill>
+                              <a:srgbClr val="000000"/>
+                            </a:solidFill>
+                            <a:latin typeface="Cambria Math" panose="02040503050406030204" pitchFamily="18" charset="0"/>
+                            <a:ea typeface="Cambria Math" panose="02040503050406030204" pitchFamily="18" charset="0"/>
+                          </a:rPr>
+                          <m:t>+</m:t>
+                        </m:r>
+                        <m:r>
+                          <a:rPr lang="en-US" sz="2400" b="0" i="1" smtClean="0">
+                            <a:solidFill>
+                              <a:srgbClr val="000000"/>
+                            </a:solidFill>
+                            <a:latin typeface="Cambria Math" panose="02040503050406030204" pitchFamily="18" charset="0"/>
+                            <a:ea typeface="Cambria Math" panose="02040503050406030204" pitchFamily="18" charset="0"/>
+                          </a:rPr>
+                          <m:t>𝑛</m:t>
+                        </m:r>
+                      </m:num>
+                      <m:den>
+                        <m:r>
+                          <a:rPr lang="en-US" sz="2400" i="1">
+                            <a:solidFill>
+                              <a:srgbClr val="000000"/>
+                            </a:solidFill>
+                            <a:latin typeface="Cambria Math" panose="02040503050406030204" pitchFamily="18" charset="0"/>
+                            <a:ea typeface="Cambria Math" panose="02040503050406030204" pitchFamily="18" charset="0"/>
+                          </a:rPr>
+                          <m:t>𝛽</m:t>
+                        </m:r>
+                      </m:den>
+                    </m:f>
+                    <m:r>
+                      <a:rPr lang="en-US" sz="2400" i="1">
+                        <a:solidFill>
+                          <a:srgbClr val="000000"/>
+                        </a:solidFill>
+                        <a:latin typeface="Cambria Math" panose="02040503050406030204" pitchFamily="18" charset="0"/>
+                        <a:ea typeface="Cambria Math" panose="02040503050406030204" pitchFamily="18" charset="0"/>
+                      </a:rPr>
+                      <m:t>)</m:t>
+                    </m:r>
+                  </m:oMath>
+                </a14:m>
+                <a:r>
+                  <a:rPr lang="en-US" sz="2400" dirty="0">
+                    <a:solidFill>
+                      <a:srgbClr val="000000"/>
+                    </a:solidFill>
+                  </a:rPr>
+                  <a:t> space</a:t>
+                </a:r>
+                <a:r>
+                  <a:rPr lang="en-US" sz="2400" b="0" i="0" u="none" strike="noStrike" kern="1200" cap="none" spc="0" baseline="0" dirty="0">
+                    <a:solidFill>
+                      <a:srgbClr val="000000"/>
+                    </a:solidFill>
+                    <a:uFillTx/>
+                    <a:latin typeface="Calibri"/>
+                  </a:rPr>
+                  <a:t>.</a:t>
+                </a:r>
+              </a:p>
+            </p:txBody>
+          </p:sp>
+        </mc:Choice>
+        <mc:Fallback>
+          <p:sp>
+            <p:nvSpPr>
+              <p:cNvPr id="14" name="TextBox 14"/>
+              <p:cNvSpPr txBox="1">
+                <a:spLocks noRot="1" noChangeAspect="1" noMove="1" noResize="1" noEditPoints="1" noAdjustHandles="1" noChangeArrowheads="1" noChangeShapeType="1" noTextEdit="1"/>
+              </p:cNvSpPr>
+              <p:nvPr/>
+            </p:nvSpPr>
+            <p:spPr>
+              <a:xfrm>
+                <a:off x="1014313" y="4615022"/>
+                <a:ext cx="10163363" cy="1173078"/>
+              </a:xfrm>
+              <a:prstGeom prst="rect">
+                <a:avLst/>
+              </a:prstGeom>
+              <a:blipFill>
+                <a:blip r:embed="rId2"/>
+                <a:stretch>
+                  <a:fillRect l="-899" t="-4167" b="-1042"/>
+                </a:stretch>
+              </a:blipFill>
+              <a:ln cap="flat">
+                <a:noFill/>
+              </a:ln>
+            </p:spPr>
+            <p:txBody>
+              <a:bodyPr/>
+              <a:lstStyle/>
+              <a:p>
+                <a:r>
+                  <a:rPr lang="en-US">
+                    <a:noFill/>
+                  </a:rPr>
+                  <a:t> </a:t>
+                </a:r>
+              </a:p>
+            </p:txBody>
+          </p:sp>
+        </mc:Fallback>
+      </mc:AlternateContent>
+      <mc:AlternateContent xmlns:mc="http://schemas.openxmlformats.org/markup-compatibility/2006">
+        <mc:Choice xmlns:a14="http://schemas.microsoft.com/office/drawing/2010/main" Requires="a14">
+          <p:sp>
+            <p:nvSpPr>
+              <p:cNvPr id="16" name="TextBox 14"/>
+              <p:cNvSpPr txBox="1"/>
+              <p:nvPr/>
+            </p:nvSpPr>
+            <p:spPr>
+              <a:xfrm>
+                <a:off x="1014316" y="2047968"/>
+                <a:ext cx="9648996" cy="830997"/>
+              </a:xfrm>
+              <a:prstGeom prst="rect">
+                <a:avLst/>
+              </a:prstGeom>
+              <a:noFill/>
+              <a:ln cap="flat">
+                <a:noFill/>
+              </a:ln>
+            </p:spPr>
+            <p:txBody>
+              <a:bodyPr vert="horz" wrap="square" lIns="91440" tIns="45720" rIns="91440" bIns="45720" anchor="t" anchorCtr="0" compatLnSpc="1">
+                <a:spAutoFit/>
+              </a:bodyPr>
+              <a:lstStyle/>
+              <a:p>
+                <a:pPr lvl="0">
+                  <a:defRPr sz="1800" b="0" i="0" u="none" strike="noStrike" kern="0" cap="none" spc="0" baseline="0">
+                    <a:solidFill>
+                      <a:srgbClr val="000000"/>
+                    </a:solidFill>
+                    <a:uFillTx/>
+                  </a:defRPr>
+                </a:pPr>
+                <a14:m>
+                  <m:oMath xmlns:m="http://schemas.openxmlformats.org/officeDocument/2006/math">
+                    <m:r>
+                      <a:rPr lang="en-US" sz="2400" i="1" smtClean="0">
+                        <a:latin typeface="Cambria Math" panose="02040503050406030204" pitchFamily="18" charset="0"/>
+                      </a:rPr>
+                      <m:t>𝑥</m:t>
+                    </m:r>
+                  </m:oMath>
+                </a14:m>
+                <a:r>
+                  <a:rPr lang="en-US" sz="2400" b="0" i="0" u="none" strike="noStrike" kern="1200" cap="none" spc="0" baseline="0" dirty="0">
+                    <a:solidFill>
+                      <a:srgbClr val="000000"/>
+                    </a:solidFill>
+                    <a:uFillTx/>
+                    <a:latin typeface="Calibri"/>
+                  </a:rPr>
+                  <a:t> and </a:t>
+                </a:r>
+                <a14:m>
+                  <m:oMath xmlns:m="http://schemas.openxmlformats.org/officeDocument/2006/math">
+                    <m:r>
+                      <a:rPr lang="en-US" sz="2400" b="0" i="1" u="none" strike="noStrike" kern="1200" cap="none" spc="0" baseline="0" smtClean="0">
+                        <a:solidFill>
+                          <a:srgbClr val="000000"/>
+                        </a:solidFill>
+                        <a:uFillTx/>
+                        <a:latin typeface="Cambria Math" panose="02040503050406030204" pitchFamily="18" charset="0"/>
+                      </a:rPr>
+                      <m:t>𝑦</m:t>
+                    </m:r>
+                  </m:oMath>
+                </a14:m>
+                <a:r>
+                  <a:rPr lang="en-US" sz="2400" b="0" i="0" u="none" strike="noStrike" kern="1200" cap="none" spc="0" baseline="0" dirty="0">
+                    <a:solidFill>
+                      <a:srgbClr val="000000"/>
+                    </a:solidFill>
+                    <a:uFillTx/>
+                    <a:latin typeface="Calibri"/>
+                  </a:rPr>
+                  <a:t> are divided in blocks, </a:t>
+                </a:r>
+                <a:r>
+                  <a:rPr lang="en-US" sz="2400" b="0" i="0" u="none" strike="noStrike" kern="1200" cap="none" spc="0" baseline="0" dirty="0" err="1">
+                    <a:solidFill>
+                      <a:srgbClr val="000000"/>
+                    </a:solidFill>
+                    <a:uFillTx/>
+                    <a:latin typeface="Calibri"/>
+                  </a:rPr>
+                  <a:t>blockwise</a:t>
+                </a:r>
+                <a:r>
+                  <a:rPr lang="en-US" sz="2400" b="0" i="0" u="none" strike="noStrike" kern="1200" cap="none" spc="0" baseline="0" dirty="0">
+                    <a:solidFill>
+                      <a:srgbClr val="000000"/>
+                    </a:solidFill>
+                    <a:uFillTx/>
+                    <a:latin typeface="Calibri"/>
+                  </a:rPr>
+                  <a:t> distance is the sum of the distances</a:t>
+                </a:r>
+                <a:r>
+                  <a:rPr lang="en-US" sz="2400" b="0" i="0" u="none" strike="noStrike" kern="1200" cap="none" spc="0" dirty="0">
+                    <a:solidFill>
+                      <a:srgbClr val="000000"/>
+                    </a:solidFill>
+                    <a:uFillTx/>
+                    <a:latin typeface="Calibri"/>
+                  </a:rPr>
+                  <a:t> o</a:t>
+                </a:r>
+                <a:r>
+                  <a:rPr lang="en-US" sz="2400" dirty="0">
+                    <a:solidFill>
+                      <a:srgbClr val="000000"/>
+                    </a:solidFill>
+                    <a:latin typeface="Calibri"/>
+                  </a:rPr>
+                  <a:t>f all the block pairs</a:t>
+                </a:r>
+                <a:endParaRPr lang="en-US" sz="2400" b="0" i="0" u="none" strike="noStrike" kern="1200" cap="none" spc="0" baseline="0" dirty="0">
+                  <a:solidFill>
+                    <a:srgbClr val="000000"/>
+                  </a:solidFill>
+                  <a:uFillTx/>
+                  <a:latin typeface="Calibri"/>
+                </a:endParaRPr>
+              </a:p>
+            </p:txBody>
+          </p:sp>
+        </mc:Choice>
+        <mc:Fallback>
+          <p:sp>
+            <p:nvSpPr>
+              <p:cNvPr id="16" name="TextBox 14"/>
+              <p:cNvSpPr txBox="1">
+                <a:spLocks noRot="1" noChangeAspect="1" noMove="1" noResize="1" noEditPoints="1" noAdjustHandles="1" noChangeArrowheads="1" noChangeShapeType="1" noTextEdit="1"/>
+              </p:cNvSpPr>
+              <p:nvPr/>
+            </p:nvSpPr>
+            <p:spPr>
+              <a:xfrm>
+                <a:off x="1014316" y="2047968"/>
+                <a:ext cx="9648996" cy="830997"/>
+              </a:xfrm>
+              <a:prstGeom prst="rect">
+                <a:avLst/>
+              </a:prstGeom>
+              <a:blipFill>
+                <a:blip r:embed="rId3"/>
+                <a:stretch>
+                  <a:fillRect l="-948" t="-5882" r="-505" b="-16176"/>
+                </a:stretch>
+              </a:blipFill>
+              <a:ln cap="flat">
+                <a:noFill/>
+              </a:ln>
+            </p:spPr>
+            <p:txBody>
+              <a:bodyPr/>
+              <a:lstStyle/>
+              <a:p>
+                <a:r>
+                  <a:rPr lang="en-US">
+                    <a:noFill/>
+                  </a:rPr>
+                  <a:t> </a:t>
+                </a:r>
+              </a:p>
+            </p:txBody>
+          </p:sp>
+        </mc:Fallback>
+      </mc:AlternateContent>
       <p:sp>
         <p:nvSpPr>
           <p:cNvPr id="17" name="TextBox 3"/>
@@ -18333,7 +21094,7 @@
         </p:nvSpPr>
         <p:spPr>
           <a:xfrm>
-            <a:off x="3180739" y="4752159"/>
+            <a:off x="3180739" y="3256964"/>
             <a:ext cx="3642095" cy="338554"/>
           </a:xfrm>
           <a:prstGeom prst="rect">
@@ -18568,7 +21329,7 @@
         </p:nvSpPr>
         <p:spPr>
           <a:xfrm>
-            <a:off x="3180738" y="5260755"/>
+            <a:off x="3180738" y="3765560"/>
             <a:ext cx="3642095" cy="338554"/>
           </a:xfrm>
           <a:prstGeom prst="rect">
@@ -18793,64 +21554,8 @@
           </a:p>
         </p:txBody>
       </p:sp>
-      <p:sp>
-        <p:nvSpPr>
-          <p:cNvPr id="10" name="TextBox 14"/>
-          <p:cNvSpPr txBox="1"/>
-          <p:nvPr/>
-        </p:nvSpPr>
-        <p:spPr>
-          <a:xfrm>
-            <a:off x="7412774" y="4949572"/>
-            <a:ext cx="2912912" cy="461665"/>
-          </a:xfrm>
-          <a:prstGeom prst="rect">
-            <a:avLst/>
-          </a:prstGeom>
-          <a:noFill/>
-          <a:ln cap="flat">
-            <a:noFill/>
-          </a:ln>
-        </p:spPr>
-        <p:txBody>
-          <a:bodyPr vert="horz" wrap="square" lIns="91440" tIns="45720" rIns="91440" bIns="45720" anchor="t" anchorCtr="0" compatLnSpc="1">
-            <a:spAutoFit/>
-          </a:bodyPr>
-          <a:lstStyle/>
-          <a:p>
-            <a:pPr lvl="0">
-              <a:defRPr sz="1800" b="0" i="0" u="none" strike="noStrike" kern="0" cap="none" spc="0" baseline="0">
-                <a:solidFill>
-                  <a:srgbClr val="000000"/>
-                </a:solidFill>
-                <a:uFillTx/>
-              </a:defRPr>
-            </a:pPr>
-            <a:r>
-              <a:rPr lang="el-GR" sz="2400" b="0" i="0" u="none" strike="noStrike" kern="1200" cap="none" spc="0" baseline="0" dirty="0">
-                <a:solidFill>
-                  <a:srgbClr val="000000"/>
-                </a:solidFill>
-                <a:uFillTx/>
-                <a:latin typeface="Calibri"/>
-              </a:rPr>
-              <a:t>∑</a:t>
-            </a:r>
-            <a:r>
-              <a:rPr lang="en-US" sz="2400" b="0" i="0" u="none" strike="noStrike" kern="1200" cap="none" spc="0" baseline="0" dirty="0">
-                <a:solidFill>
-                  <a:srgbClr val="000000"/>
-                </a:solidFill>
-                <a:uFillTx/>
-                <a:latin typeface="Calibri"/>
-              </a:rPr>
-              <a:t> for each block pair</a:t>
-            </a:r>
-          </a:p>
-        </p:txBody>
-      </p:sp>
-      <mc:AlternateContent xmlns:mc="http://schemas.openxmlformats.org/markup-compatibility/2006" xmlns:a14="http://schemas.microsoft.com/office/drawing/2010/main">
-        <mc:Choice Requires="a14">
+      <mc:AlternateContent xmlns:mc="http://schemas.openxmlformats.org/markup-compatibility/2006">
+        <mc:Choice xmlns:a14="http://schemas.microsoft.com/office/drawing/2010/main" Requires="a14">
           <p:sp>
             <p:nvSpPr>
               <p:cNvPr id="11" name="TextBox 10"/>
@@ -18859,7 +21564,7 @@
             </p:nvSpPr>
             <p:spPr>
               <a:xfrm>
-                <a:off x="2854602" y="4707313"/>
+                <a:off x="2854602" y="3212118"/>
                 <a:ext cx="241733" cy="369332"/>
               </a:xfrm>
               <a:prstGeom prst="rect">
@@ -18894,7 +21599,7 @@
             </p:txBody>
           </p:sp>
         </mc:Choice>
-        <mc:Fallback xmlns="">
+        <mc:Fallback>
           <p:sp>
             <p:nvSpPr>
               <p:cNvPr id="11" name="TextBox 10"/>
@@ -18905,7 +21610,7 @@
             </p:nvSpPr>
             <p:spPr>
               <a:xfrm>
-                <a:off x="2854602" y="4707313"/>
+                <a:off x="2854602" y="3212118"/>
                 <a:ext cx="241733" cy="369332"/>
               </a:xfrm>
               <a:prstGeom prst="rect">
@@ -18933,8 +21638,8 @@
           </p:sp>
         </mc:Fallback>
       </mc:AlternateContent>
-      <mc:AlternateContent xmlns:mc="http://schemas.openxmlformats.org/markup-compatibility/2006" xmlns:a14="http://schemas.microsoft.com/office/drawing/2010/main">
-        <mc:Choice Requires="a14">
+      <mc:AlternateContent xmlns:mc="http://schemas.openxmlformats.org/markup-compatibility/2006">
+        <mc:Choice xmlns:a14="http://schemas.microsoft.com/office/drawing/2010/main" Requires="a14">
           <p:sp>
             <p:nvSpPr>
               <p:cNvPr id="12" name="TextBox 11"/>
@@ -18943,7 +21648,7 @@
             </p:nvSpPr>
             <p:spPr>
               <a:xfrm>
-                <a:off x="2840533" y="5217230"/>
+                <a:off x="2840533" y="3722035"/>
                 <a:ext cx="245708" cy="369332"/>
               </a:xfrm>
               <a:prstGeom prst="rect">
@@ -18978,7 +21683,7 @@
             </p:txBody>
           </p:sp>
         </mc:Choice>
-        <mc:Fallback xmlns="">
+        <mc:Fallback>
           <p:sp>
             <p:nvSpPr>
               <p:cNvPr id="12" name="TextBox 11"/>
@@ -18989,7 +21694,7 @@
             </p:nvSpPr>
             <p:spPr>
               <a:xfrm>
-                <a:off x="2840533" y="5217230"/>
+                <a:off x="2840533" y="3722035"/>
                 <a:ext cx="245708" cy="369332"/>
               </a:xfrm>
               <a:prstGeom prst="rect">
@@ -19017,8 +21722,8 @@
           </p:sp>
         </mc:Fallback>
       </mc:AlternateContent>
-      <mc:AlternateContent xmlns:mc="http://schemas.openxmlformats.org/markup-compatibility/2006" xmlns:a14="http://schemas.microsoft.com/office/drawing/2010/main">
-        <mc:Choice Requires="a14">
+      <mc:AlternateContent xmlns:mc="http://schemas.openxmlformats.org/markup-compatibility/2006">
+        <mc:Choice xmlns:a14="http://schemas.microsoft.com/office/drawing/2010/main" Requires="a14">
           <p:sp>
             <p:nvSpPr>
               <p:cNvPr id="13" name="TextBox 12"/>
@@ -19027,7 +21732,7 @@
             </p:nvSpPr>
             <p:spPr>
               <a:xfrm>
-                <a:off x="1014313" y="4979291"/>
+                <a:off x="1014313" y="3484096"/>
                 <a:ext cx="1396729" cy="402226"/>
               </a:xfrm>
               <a:prstGeom prst="rect">
@@ -19124,7 +21829,7 @@
             </p:txBody>
           </p:sp>
         </mc:Choice>
-        <mc:Fallback xmlns="">
+        <mc:Fallback>
           <p:sp>
             <p:nvSpPr>
               <p:cNvPr id="13" name="TextBox 12"/>
@@ -19135,7 +21840,7 @@
             </p:nvSpPr>
             <p:spPr>
               <a:xfrm>
-                <a:off x="1014313" y="4979291"/>
+                <a:off x="1014313" y="3484096"/>
                 <a:ext cx="1396729" cy="402226"/>
               </a:xfrm>
               <a:prstGeom prst="rect">
@@ -19176,7 +21881,7 @@
 </p:sld>
 </file>
 
-<file path=ppt/slides/slide7.xml><?xml version="1.0" encoding="utf-8"?>
+<file path=ppt/slides/slide8.xml><?xml version="1.0" encoding="utf-8"?>
 <p:sld xmlns:a="http://schemas.openxmlformats.org/drawingml/2006/main" xmlns:r="http://schemas.openxmlformats.org/officeDocument/2006/relationships" xmlns:p="http://schemas.openxmlformats.org/presentationml/2006/main">
   <p:cSld>
     <p:spTree>
@@ -19378,8 +22083,8 @@
           </a:p>
         </p:txBody>
       </p:sp>
-      <mc:AlternateContent xmlns:mc="http://schemas.openxmlformats.org/markup-compatibility/2006">
-        <mc:Choice xmlns:a14="http://schemas.microsoft.com/office/drawing/2010/main" Requires="a14">
+      <mc:AlternateContent xmlns:mc="http://schemas.openxmlformats.org/markup-compatibility/2006" xmlns:a14="http://schemas.microsoft.com/office/drawing/2010/main">
+        <mc:Choice Requires="a14">
           <p:sp>
             <p:nvSpPr>
               <p:cNvPr id="16" name="TextBox 14"/>
@@ -19858,7 +22563,7 @@
             </p:txBody>
           </p:sp>
         </mc:Choice>
-        <mc:Fallback>
+        <mc:Fallback xmlns="">
           <p:sp>
             <p:nvSpPr>
               <p:cNvPr id="16" name="TextBox 14"/>
@@ -20125,7 +22830,7 @@
 </p:sld>
 </file>
 
-<file path=ppt/slides/slide8.xml><?xml version="1.0" encoding="utf-8"?>
+<file path=ppt/slides/slide9.xml><?xml version="1.0" encoding="utf-8"?>
 <p:sld xmlns:a="http://schemas.openxmlformats.org/drawingml/2006/main" xmlns:r="http://schemas.openxmlformats.org/officeDocument/2006/relationships" xmlns:p="http://schemas.openxmlformats.org/presentationml/2006/main">
   <p:cSld>
     <p:spTree>
@@ -21934,1235 +24639,6 @@
 </p:sld>
 </file>
 
-<file path=ppt/slides/slide9.xml><?xml version="1.0" encoding="utf-8"?>
-<p:sld xmlns:a="http://schemas.openxmlformats.org/drawingml/2006/main" xmlns:r="http://schemas.openxmlformats.org/officeDocument/2006/relationships" xmlns:p="http://schemas.openxmlformats.org/presentationml/2006/main">
-  <p:cSld>
-    <p:spTree>
-      <p:nvGrpSpPr>
-        <p:cNvPr id="1" name=""/>
-        <p:cNvGrpSpPr/>
-        <p:nvPr/>
-      </p:nvGrpSpPr>
-      <p:grpSpPr>
-        <a:xfrm>
-          <a:off x="0" y="0"/>
-          <a:ext cx="0" cy="0"/>
-          <a:chOff x="0" y="0"/>
-          <a:chExt cx="0" cy="0"/>
-        </a:xfrm>
-      </p:grpSpPr>
-      <p:sp>
-        <p:nvSpPr>
-          <p:cNvPr id="2" name="TextBox 1"/>
-          <p:cNvSpPr txBox="1"/>
-          <p:nvPr/>
-        </p:nvSpPr>
-        <p:spPr>
-          <a:xfrm>
-            <a:off x="0" y="6488664"/>
-            <a:ext cx="12191996" cy="369335"/>
-          </a:xfrm>
-          <a:prstGeom prst="rect">
-            <a:avLst/>
-          </a:prstGeom>
-          <a:solidFill>
-            <a:srgbClr val="333F50"/>
-          </a:solidFill>
-          <a:ln cap="flat">
-            <a:noFill/>
-          </a:ln>
-        </p:spPr>
-        <p:txBody>
-          <a:bodyPr vert="horz" wrap="square" lIns="91440" tIns="45720" rIns="91440" bIns="45720" anchor="t" anchorCtr="0" compatLnSpc="1">
-            <a:spAutoFit/>
-          </a:bodyPr>
-          <a:lstStyle/>
-          <a:p>
-            <a:pPr marL="0" marR="0" lvl="0" indent="0" algn="r" defTabSz="914400" rtl="0" fontAlgn="auto" hangingPunct="1">
-              <a:lnSpc>
-                <a:spcPct val="100000"/>
-              </a:lnSpc>
-              <a:spcBef>
-                <a:spcPts val="0"/>
-              </a:spcBef>
-              <a:spcAft>
-                <a:spcPts val="0"/>
-              </a:spcAft>
-              <a:buNone/>
-              <a:tabLst/>
-              <a:defRPr sz="1800" b="0" i="0" u="none" strike="noStrike" kern="0" cap="none" spc="0" baseline="0">
-                <a:solidFill>
-                  <a:srgbClr val="000000"/>
-                </a:solidFill>
-                <a:uFillTx/>
-              </a:defRPr>
-            </a:pPr>
-            <a:r>
-              <a:rPr lang="en-US" sz="1800" b="0" i="0" u="none" strike="noStrike" kern="1200" cap="none" spc="0" baseline="0">
-                <a:solidFill>
-                  <a:srgbClr val="FFFFFF"/>
-                </a:solidFill>
-                <a:uFillTx/>
-                <a:latin typeface="Calibri"/>
-              </a:rPr>
-              <a:t> </a:t>
-            </a:r>
-            <a:r>
-              <a:rPr lang="en-US" sz="1600" b="0" i="0" u="none" strike="noStrike" kern="1200" cap="none" spc="0" baseline="0">
-                <a:solidFill>
-                  <a:srgbClr val="FFFFFF"/>
-                </a:solidFill>
-                <a:uFillTx/>
-                <a:latin typeface="Calibri"/>
-              </a:rPr>
-              <a:t>Roberto Zanotto |18/05/16</a:t>
-            </a:r>
-          </a:p>
-        </p:txBody>
-      </p:sp>
-      <p:sp>
-        <p:nvSpPr>
-          <p:cNvPr id="3" name="TextBox 4"/>
-          <p:cNvSpPr txBox="1"/>
-          <p:nvPr/>
-        </p:nvSpPr>
-        <p:spPr>
-          <a:xfrm>
-            <a:off x="1014316" y="791702"/>
-            <a:ext cx="8087484" cy="584775"/>
-          </a:xfrm>
-          <a:prstGeom prst="rect">
-            <a:avLst/>
-          </a:prstGeom>
-          <a:noFill/>
-          <a:ln cap="flat">
-            <a:noFill/>
-          </a:ln>
-        </p:spPr>
-        <p:txBody>
-          <a:bodyPr vert="horz" wrap="square" lIns="91440" tIns="45720" rIns="91440" bIns="45720" anchor="t" anchorCtr="0" compatLnSpc="1">
-            <a:spAutoFit/>
-          </a:bodyPr>
-          <a:lstStyle/>
-          <a:p>
-            <a:pPr marL="0" marR="0" lvl="0" indent="0" algn="l" defTabSz="914400" rtl="0" fontAlgn="auto" hangingPunct="1">
-              <a:lnSpc>
-                <a:spcPct val="100000"/>
-              </a:lnSpc>
-              <a:spcBef>
-                <a:spcPts val="0"/>
-              </a:spcBef>
-              <a:spcAft>
-                <a:spcPts val="0"/>
-              </a:spcAft>
-              <a:buNone/>
-              <a:tabLst/>
-              <a:defRPr sz="1800" b="0" i="0" u="none" strike="noStrike" kern="0" cap="none" spc="0" baseline="0">
-                <a:solidFill>
-                  <a:srgbClr val="000000"/>
-                </a:solidFill>
-                <a:uFillTx/>
-              </a:defRPr>
-            </a:pPr>
-            <a:r>
-              <a:rPr lang="en-US" sz="3200" b="0" i="0" u="none" strike="noStrike" kern="1200" cap="none" spc="0" baseline="0" dirty="0">
-                <a:solidFill>
-                  <a:srgbClr val="000000"/>
-                </a:solidFill>
-                <a:uFillTx/>
-                <a:latin typeface="Calibri"/>
-              </a:rPr>
-              <a:t>Analysis of </a:t>
-            </a:r>
-            <a:r>
-              <a:rPr lang="en-US" sz="3200" b="0" i="0" u="none" strike="noStrike" kern="1200" cap="none" spc="0" baseline="0" dirty="0" err="1">
-                <a:solidFill>
-                  <a:srgbClr val="000000"/>
-                </a:solidFill>
-                <a:uFillTx/>
-                <a:latin typeface="Calibri"/>
-              </a:rPr>
-              <a:t>hCSC</a:t>
-            </a:r>
-            <a:endParaRPr lang="en-US" sz="3200" b="0" i="0" u="none" strike="noStrike" kern="1200" cap="none" spc="0" baseline="0" dirty="0">
-              <a:solidFill>
-                <a:srgbClr val="000000"/>
-              </a:solidFill>
-              <a:uFillTx/>
-              <a:latin typeface="Calibri"/>
-            </a:endParaRPr>
-          </a:p>
-        </p:txBody>
-      </p:sp>
-      <p:sp>
-        <p:nvSpPr>
-          <p:cNvPr id="7" name="TextBox 15"/>
-          <p:cNvSpPr txBox="1"/>
-          <p:nvPr/>
-        </p:nvSpPr>
-        <p:spPr>
-          <a:xfrm>
-            <a:off x="0" y="0"/>
-            <a:ext cx="12191996" cy="369335"/>
-          </a:xfrm>
-          <a:prstGeom prst="rect">
-            <a:avLst/>
-          </a:prstGeom>
-          <a:solidFill>
-            <a:srgbClr val="333F50"/>
-          </a:solidFill>
-          <a:ln cap="flat">
-            <a:noFill/>
-          </a:ln>
-        </p:spPr>
-        <p:txBody>
-          <a:bodyPr vert="horz" wrap="square" lIns="91440" tIns="45720" rIns="91440" bIns="45720" anchor="t" anchorCtr="0" compatLnSpc="1">
-            <a:spAutoFit/>
-          </a:bodyPr>
-          <a:lstStyle/>
-          <a:p>
-            <a:pPr marL="0" marR="0" lvl="0" indent="0" algn="l" defTabSz="914400" rtl="0" fontAlgn="auto" hangingPunct="1">
-              <a:lnSpc>
-                <a:spcPct val="100000"/>
-              </a:lnSpc>
-              <a:spcBef>
-                <a:spcPts val="0"/>
-              </a:spcBef>
-              <a:spcAft>
-                <a:spcPts val="0"/>
-              </a:spcAft>
-              <a:buNone/>
-              <a:tabLst/>
-              <a:defRPr sz="1800" b="0" i="0" u="none" strike="noStrike" kern="0" cap="none" spc="0" baseline="0">
-                <a:solidFill>
-                  <a:srgbClr val="000000"/>
-                </a:solidFill>
-                <a:uFillTx/>
-              </a:defRPr>
-            </a:pPr>
-            <a:r>
-              <a:rPr lang="en-US" sz="1800" b="0" i="0" u="none" strike="noStrike" kern="1200" cap="none" spc="0" baseline="0">
-                <a:solidFill>
-                  <a:srgbClr val="FFFFFF"/>
-                </a:solidFill>
-                <a:uFillTx/>
-                <a:latin typeface="Corbel" pitchFamily="34"/>
-              </a:rPr>
-              <a:t> CIRCULAR SEQUENCE COMPARISON: ALGORITHMS AND APPLICATIONS</a:t>
-            </a:r>
-          </a:p>
-        </p:txBody>
-      </p:sp>
-      <mc:AlternateContent xmlns:mc="http://schemas.openxmlformats.org/markup-compatibility/2006" xmlns:a14="http://schemas.microsoft.com/office/drawing/2010/main">
-        <mc:Choice Requires="a14">
-          <p:sp>
-            <p:nvSpPr>
-              <p:cNvPr id="16" name="TextBox 14"/>
-              <p:cNvSpPr txBox="1"/>
-              <p:nvPr/>
-            </p:nvSpPr>
-            <p:spPr>
-              <a:xfrm>
-                <a:off x="1014316" y="1770708"/>
-                <a:ext cx="10163363" cy="461665"/>
-              </a:xfrm>
-              <a:prstGeom prst="rect">
-                <a:avLst/>
-              </a:prstGeom>
-              <a:noFill/>
-              <a:ln cap="flat">
-                <a:noFill/>
-              </a:ln>
-            </p:spPr>
-            <p:txBody>
-              <a:bodyPr vert="horz" wrap="square" lIns="91440" tIns="45720" rIns="91440" bIns="45720" anchor="t" anchorCtr="0" compatLnSpc="1">
-                <a:spAutoFit/>
-              </a:bodyPr>
-              <a:lstStyle/>
-              <a:p>
-                <a:pPr lvl="0">
-                  <a:defRPr sz="1800" b="0" i="0" u="none" strike="noStrike" kern="0" cap="none" spc="0" baseline="0">
-                    <a:solidFill>
-                      <a:srgbClr val="000000"/>
-                    </a:solidFill>
-                    <a:uFillTx/>
-                  </a:defRPr>
-                </a:pPr>
-                <a:r>
-                  <a:rPr lang="en-US" sz="2400" dirty="0">
-                    <a:solidFill>
-                      <a:srgbClr val="000000"/>
-                    </a:solidFill>
-                    <a:latin typeface="Calibri"/>
-                  </a:rPr>
-                  <a:t>Step 2 (block-by-block search)	</a:t>
-                </a:r>
-                <a14:m>
-                  <m:oMath xmlns:m="http://schemas.openxmlformats.org/officeDocument/2006/math">
-                    <m:r>
-                      <a:rPr lang="en-US" sz="2400" b="0" i="1" u="none" strike="noStrike" kern="1200" cap="none" spc="0" baseline="0" smtClean="0">
-                        <a:solidFill>
-                          <a:srgbClr val="000000"/>
-                        </a:solidFill>
-                        <a:uFillTx/>
-                        <a:latin typeface="Cambria Math" panose="02040503050406030204" pitchFamily="18" charset="0"/>
-                        <a:ea typeface="Cambria Math" panose="02040503050406030204" pitchFamily="18" charset="0"/>
-                      </a:rPr>
-                      <m:t>𝒪</m:t>
-                    </m:r>
-                    <m:r>
-                      <a:rPr lang="en-US" sz="2400" b="0" i="1" u="none" strike="noStrike" kern="1200" cap="none" spc="0" baseline="0" smtClean="0">
-                        <a:solidFill>
-                          <a:srgbClr val="000000"/>
-                        </a:solidFill>
-                        <a:uFillTx/>
-                        <a:latin typeface="Cambria Math" panose="02040503050406030204" pitchFamily="18" charset="0"/>
-                        <a:ea typeface="Cambria Math" panose="02040503050406030204" pitchFamily="18" charset="0"/>
-                      </a:rPr>
-                      <m:t>(</m:t>
-                    </m:r>
-                    <m:r>
-                      <a:rPr lang="en-US" sz="2400" b="0" i="1" u="none" strike="noStrike" kern="1200" cap="none" spc="0" baseline="0" smtClean="0">
-                        <a:solidFill>
-                          <a:srgbClr val="000000"/>
-                        </a:solidFill>
-                        <a:uFillTx/>
-                        <a:latin typeface="Cambria Math" panose="02040503050406030204" pitchFamily="18" charset="0"/>
-                        <a:ea typeface="Cambria Math" panose="02040503050406030204" pitchFamily="18" charset="0"/>
-                      </a:rPr>
-                      <m:t>𝛽</m:t>
-                    </m:r>
-                    <m:d>
-                      <m:dPr>
-                        <m:ctrlPr>
-                          <a:rPr lang="en-US" sz="2400" b="0" i="1" u="none" strike="noStrike" kern="1200" cap="none" spc="0" baseline="0" smtClean="0">
-                            <a:solidFill>
-                              <a:srgbClr val="000000"/>
-                            </a:solidFill>
-                            <a:uFillTx/>
-                            <a:latin typeface="Cambria Math" panose="02040503050406030204" pitchFamily="18" charset="0"/>
-                            <a:ea typeface="Cambria Math" panose="02040503050406030204" pitchFamily="18" charset="0"/>
-                          </a:rPr>
-                        </m:ctrlPr>
-                      </m:dPr>
-                      <m:e>
-                        <m:r>
-                          <a:rPr lang="en-US" sz="2400" b="0" i="1" u="none" strike="noStrike" kern="1200" cap="none" spc="0" baseline="0" smtClean="0">
-                            <a:solidFill>
-                              <a:srgbClr val="000000"/>
-                            </a:solidFill>
-                            <a:uFillTx/>
-                            <a:latin typeface="Cambria Math" panose="02040503050406030204" pitchFamily="18" charset="0"/>
-                            <a:ea typeface="Cambria Math" panose="02040503050406030204" pitchFamily="18" charset="0"/>
-                          </a:rPr>
-                          <m:t>𝑚</m:t>
-                        </m:r>
-                        <m:r>
-                          <a:rPr lang="en-US" sz="2400" b="0" i="1" u="none" strike="noStrike" kern="1200" cap="none" spc="0" baseline="0" smtClean="0">
-                            <a:solidFill>
-                              <a:srgbClr val="000000"/>
-                            </a:solidFill>
-                            <a:uFillTx/>
-                            <a:latin typeface="Cambria Math" panose="02040503050406030204" pitchFamily="18" charset="0"/>
-                            <a:ea typeface="Cambria Math" panose="02040503050406030204" pitchFamily="18" charset="0"/>
-                          </a:rPr>
-                          <m:t>+</m:t>
-                        </m:r>
-                        <m:r>
-                          <a:rPr lang="en-US" sz="2400" b="0" i="1" u="none" strike="noStrike" kern="1200" cap="none" spc="0" baseline="0" smtClean="0">
-                            <a:solidFill>
-                              <a:srgbClr val="000000"/>
-                            </a:solidFill>
-                            <a:uFillTx/>
-                            <a:latin typeface="Cambria Math" panose="02040503050406030204" pitchFamily="18" charset="0"/>
-                            <a:ea typeface="Cambria Math" panose="02040503050406030204" pitchFamily="18" charset="0"/>
-                          </a:rPr>
-                          <m:t>𝑛</m:t>
-                        </m:r>
-                      </m:e>
-                    </m:d>
-                    <m:r>
-                      <a:rPr lang="en-US" sz="2400" b="0" i="1" u="none" strike="noStrike" kern="1200" cap="none" spc="0" baseline="0" smtClean="0">
-                        <a:solidFill>
-                          <a:srgbClr val="000000"/>
-                        </a:solidFill>
-                        <a:uFillTx/>
-                        <a:latin typeface="Cambria Math" panose="02040503050406030204" pitchFamily="18" charset="0"/>
-                        <a:ea typeface="Cambria Math" panose="02040503050406030204" pitchFamily="18" charset="0"/>
-                      </a:rPr>
-                      <m:t>)</m:t>
-                    </m:r>
-                  </m:oMath>
-                </a14:m>
-                <a:endParaRPr lang="en-US" sz="2400" b="0" i="0" u="none" strike="noStrike" kern="1200" cap="none" spc="0" baseline="0" dirty="0">
-                  <a:solidFill>
-                    <a:srgbClr val="000000"/>
-                  </a:solidFill>
-                  <a:uFillTx/>
-                  <a:latin typeface="Calibri"/>
-                </a:endParaRPr>
-              </a:p>
-            </p:txBody>
-          </p:sp>
-        </mc:Choice>
-        <mc:Fallback xmlns="">
-          <p:sp>
-            <p:nvSpPr>
-              <p:cNvPr id="16" name="TextBox 14"/>
-              <p:cNvSpPr txBox="1">
-                <a:spLocks noRot="1" noChangeAspect="1" noMove="1" noResize="1" noEditPoints="1" noAdjustHandles="1" noChangeArrowheads="1" noChangeShapeType="1" noTextEdit="1"/>
-              </p:cNvSpPr>
-              <p:nvPr/>
-            </p:nvSpPr>
-            <p:spPr>
-              <a:xfrm>
-                <a:off x="1014316" y="1770708"/>
-                <a:ext cx="10163363" cy="461665"/>
-              </a:xfrm>
-              <a:prstGeom prst="rect">
-                <a:avLst/>
-              </a:prstGeom>
-              <a:blipFill>
-                <a:blip r:embed="rId2"/>
-                <a:stretch>
-                  <a:fillRect l="-899" t="-10526" b="-28947"/>
-                </a:stretch>
-              </a:blipFill>
-              <a:ln cap="flat">
-                <a:noFill/>
-              </a:ln>
-            </p:spPr>
-            <p:txBody>
-              <a:bodyPr/>
-              <a:lstStyle/>
-              <a:p>
-                <a:r>
-                  <a:rPr lang="en-US">
-                    <a:noFill/>
-                  </a:rPr>
-                  <a:t> </a:t>
-                </a:r>
-              </a:p>
-            </p:txBody>
-          </p:sp>
-        </mc:Fallback>
-      </mc:AlternateContent>
-      <mc:AlternateContent xmlns:mc="http://schemas.openxmlformats.org/markup-compatibility/2006" xmlns:a14="http://schemas.microsoft.com/office/drawing/2010/main">
-        <mc:Choice Requires="a14">
-          <p:sp>
-            <p:nvSpPr>
-              <p:cNvPr id="18" name="TextBox 14"/>
-              <p:cNvSpPr txBox="1"/>
-              <p:nvPr/>
-            </p:nvSpPr>
-            <p:spPr>
-              <a:xfrm>
-                <a:off x="1014315" y="2404522"/>
-                <a:ext cx="10163363" cy="631520"/>
-              </a:xfrm>
-              <a:prstGeom prst="rect">
-                <a:avLst/>
-              </a:prstGeom>
-              <a:noFill/>
-              <a:ln cap="flat">
-                <a:noFill/>
-              </a:ln>
-            </p:spPr>
-            <p:txBody>
-              <a:bodyPr vert="horz" wrap="square" lIns="91440" tIns="45720" rIns="91440" bIns="45720" anchor="t" anchorCtr="0" compatLnSpc="1">
-                <a:spAutoFit/>
-              </a:bodyPr>
-              <a:lstStyle/>
-              <a:p>
-                <a:pPr>
-                  <a:defRPr sz="1800" b="0" i="0" u="none" strike="noStrike" kern="0" cap="none" spc="0" baseline="0">
-                    <a:solidFill>
-                      <a:srgbClr val="000000"/>
-                    </a:solidFill>
-                    <a:uFillTx/>
-                  </a:defRPr>
-                </a:pPr>
-                <a:r>
-                  <a:rPr lang="en-US" sz="2400" dirty="0">
-                    <a:solidFill>
-                      <a:srgbClr val="000000"/>
-                    </a:solidFill>
-                  </a:rPr>
-                  <a:t>Step 3 (char-by-char local search)	</a:t>
-                </a:r>
-                <a14:m>
-                  <m:oMath xmlns:m="http://schemas.openxmlformats.org/officeDocument/2006/math">
-                    <m:r>
-                      <a:rPr lang="en-US" sz="2400" i="1">
-                        <a:solidFill>
-                          <a:srgbClr val="000000"/>
-                        </a:solidFill>
-                        <a:latin typeface="Cambria Math" panose="02040503050406030204" pitchFamily="18" charset="0"/>
-                        <a:ea typeface="Cambria Math" panose="02040503050406030204" pitchFamily="18" charset="0"/>
-                      </a:rPr>
-                      <m:t>𝒪</m:t>
-                    </m:r>
-                    <m:r>
-                      <a:rPr lang="en-US" sz="2400" i="1">
-                        <a:solidFill>
-                          <a:srgbClr val="000000"/>
-                        </a:solidFill>
-                        <a:latin typeface="Cambria Math" panose="02040503050406030204" pitchFamily="18" charset="0"/>
-                        <a:ea typeface="Cambria Math" panose="02040503050406030204" pitchFamily="18" charset="0"/>
-                      </a:rPr>
-                      <m:t>(</m:t>
-                    </m:r>
-                    <m:f>
-                      <m:fPr>
-                        <m:ctrlPr>
-                          <a:rPr lang="en-US" sz="2400" b="0" i="1" smtClean="0">
-                            <a:solidFill>
-                              <a:srgbClr val="000000"/>
-                            </a:solidFill>
-                            <a:latin typeface="Cambria Math" panose="02040503050406030204" pitchFamily="18" charset="0"/>
-                            <a:ea typeface="Cambria Math" panose="02040503050406030204" pitchFamily="18" charset="0"/>
-                          </a:rPr>
-                        </m:ctrlPr>
-                      </m:fPr>
-                      <m:num>
-                        <m:r>
-                          <a:rPr lang="en-US" sz="2400" b="0" i="1" smtClean="0">
-                            <a:solidFill>
-                              <a:srgbClr val="000000"/>
-                            </a:solidFill>
-                            <a:latin typeface="Cambria Math" panose="02040503050406030204" pitchFamily="18" charset="0"/>
-                            <a:ea typeface="Cambria Math" panose="02040503050406030204" pitchFamily="18" charset="0"/>
-                          </a:rPr>
-                          <m:t>𝑚</m:t>
-                        </m:r>
-                      </m:num>
-                      <m:den>
-                        <m:r>
-                          <a:rPr lang="en-US" sz="2400" i="1">
-                            <a:solidFill>
-                              <a:srgbClr val="000000"/>
-                            </a:solidFill>
-                            <a:latin typeface="Cambria Math" panose="02040503050406030204" pitchFamily="18" charset="0"/>
-                            <a:ea typeface="Cambria Math" panose="02040503050406030204" pitchFamily="18" charset="0"/>
-                          </a:rPr>
-                          <m:t>𝛽</m:t>
-                        </m:r>
-                      </m:den>
-                    </m:f>
-                    <m:d>
-                      <m:dPr>
-                        <m:ctrlPr>
-                          <a:rPr lang="en-US" sz="2400" i="1">
-                            <a:solidFill>
-                              <a:srgbClr val="000000"/>
-                            </a:solidFill>
-                            <a:latin typeface="Cambria Math" panose="02040503050406030204" pitchFamily="18" charset="0"/>
-                            <a:ea typeface="Cambria Math" panose="02040503050406030204" pitchFamily="18" charset="0"/>
-                          </a:rPr>
-                        </m:ctrlPr>
-                      </m:dPr>
-                      <m:e>
-                        <m:r>
-                          <a:rPr lang="en-US" sz="2400" i="1">
-                            <a:solidFill>
-                              <a:srgbClr val="000000"/>
-                            </a:solidFill>
-                            <a:latin typeface="Cambria Math" panose="02040503050406030204" pitchFamily="18" charset="0"/>
-                            <a:ea typeface="Cambria Math" panose="02040503050406030204" pitchFamily="18" charset="0"/>
-                          </a:rPr>
-                          <m:t>𝑚</m:t>
-                        </m:r>
-                        <m:r>
-                          <a:rPr lang="en-US" sz="2400" i="1">
-                            <a:solidFill>
-                              <a:srgbClr val="000000"/>
-                            </a:solidFill>
-                            <a:latin typeface="Cambria Math" panose="02040503050406030204" pitchFamily="18" charset="0"/>
-                            <a:ea typeface="Cambria Math" panose="02040503050406030204" pitchFamily="18" charset="0"/>
-                          </a:rPr>
-                          <m:t>+</m:t>
-                        </m:r>
-                        <m:r>
-                          <a:rPr lang="en-US" sz="2400" i="1">
-                            <a:solidFill>
-                              <a:srgbClr val="000000"/>
-                            </a:solidFill>
-                            <a:latin typeface="Cambria Math" panose="02040503050406030204" pitchFamily="18" charset="0"/>
-                            <a:ea typeface="Cambria Math" panose="02040503050406030204" pitchFamily="18" charset="0"/>
-                          </a:rPr>
-                          <m:t>𝑛</m:t>
-                        </m:r>
-                      </m:e>
-                    </m:d>
-                    <m:r>
-                      <a:rPr lang="en-US" sz="2400" i="1">
-                        <a:solidFill>
-                          <a:srgbClr val="000000"/>
-                        </a:solidFill>
-                        <a:latin typeface="Cambria Math" panose="02040503050406030204" pitchFamily="18" charset="0"/>
-                        <a:ea typeface="Cambria Math" panose="02040503050406030204" pitchFamily="18" charset="0"/>
-                      </a:rPr>
-                      <m:t>)</m:t>
-                    </m:r>
-                  </m:oMath>
-                </a14:m>
-                <a:endParaRPr lang="en-US" sz="2400" dirty="0">
-                  <a:solidFill>
-                    <a:srgbClr val="000000"/>
-                  </a:solidFill>
-                </a:endParaRPr>
-              </a:p>
-            </p:txBody>
-          </p:sp>
-        </mc:Choice>
-        <mc:Fallback xmlns="">
-          <p:sp>
-            <p:nvSpPr>
-              <p:cNvPr id="18" name="TextBox 14"/>
-              <p:cNvSpPr txBox="1">
-                <a:spLocks noRot="1" noChangeAspect="1" noMove="1" noResize="1" noEditPoints="1" noAdjustHandles="1" noChangeArrowheads="1" noChangeShapeType="1" noTextEdit="1"/>
-              </p:cNvSpPr>
-              <p:nvPr/>
-            </p:nvSpPr>
-            <p:spPr>
-              <a:xfrm>
-                <a:off x="1014315" y="2404522"/>
-                <a:ext cx="10163363" cy="631520"/>
-              </a:xfrm>
-              <a:prstGeom prst="rect">
-                <a:avLst/>
-              </a:prstGeom>
-              <a:blipFill>
-                <a:blip r:embed="rId3"/>
-                <a:stretch>
-                  <a:fillRect l="-899" b="-1923"/>
-                </a:stretch>
-              </a:blipFill>
-              <a:ln cap="flat">
-                <a:noFill/>
-              </a:ln>
-            </p:spPr>
-            <p:txBody>
-              <a:bodyPr/>
-              <a:lstStyle/>
-              <a:p>
-                <a:r>
-                  <a:rPr lang="en-US">
-                    <a:noFill/>
-                  </a:rPr>
-                  <a:t> </a:t>
-                </a:r>
-              </a:p>
-            </p:txBody>
-          </p:sp>
-        </mc:Fallback>
-      </mc:AlternateContent>
-      <mc:AlternateContent xmlns:mc="http://schemas.openxmlformats.org/markup-compatibility/2006" xmlns:a14="http://schemas.microsoft.com/office/drawing/2010/main">
-        <mc:Choice Requires="a14">
-          <p:sp>
-            <p:nvSpPr>
-              <p:cNvPr id="19" name="TextBox 14"/>
-              <p:cNvSpPr txBox="1"/>
-              <p:nvPr/>
-            </p:nvSpPr>
-            <p:spPr>
-              <a:xfrm>
-                <a:off x="1014312" y="3022432"/>
-                <a:ext cx="10163363" cy="922176"/>
-              </a:xfrm>
-              <a:prstGeom prst="rect">
-                <a:avLst/>
-              </a:prstGeom>
-              <a:noFill/>
-              <a:ln cap="flat">
-                <a:noFill/>
-              </a:ln>
-            </p:spPr>
-            <p:txBody>
-              <a:bodyPr vert="horz" wrap="square" lIns="91440" tIns="45720" rIns="91440" bIns="45720" anchor="t" anchorCtr="0" compatLnSpc="1">
-                <a:spAutoFit/>
-              </a:bodyPr>
-              <a:lstStyle/>
-              <a:p>
-                <a:pPr>
-                  <a:defRPr sz="1800" b="0" i="0" u="none" strike="noStrike" kern="0" cap="none" spc="0" baseline="0">
-                    <a:solidFill>
-                      <a:srgbClr val="000000"/>
-                    </a:solidFill>
-                    <a:uFillTx/>
-                  </a:defRPr>
-                </a:pPr>
-                <a:r>
-                  <a:rPr lang="en-US" sz="2400" dirty="0">
-                    <a:solidFill>
-                      <a:srgbClr val="000000"/>
-                    </a:solidFill>
-                  </a:rPr>
-                  <a:t>Total					</a:t>
-                </a:r>
-                <a14:m>
-                  <m:oMath xmlns:m="http://schemas.openxmlformats.org/officeDocument/2006/math">
-                    <m:r>
-                      <a:rPr lang="en-US" sz="2400" i="1">
-                        <a:solidFill>
-                          <a:srgbClr val="000000"/>
-                        </a:solidFill>
-                        <a:latin typeface="Cambria Math" panose="02040503050406030204" pitchFamily="18" charset="0"/>
-                        <a:ea typeface="Cambria Math" panose="02040503050406030204" pitchFamily="18" charset="0"/>
-                      </a:rPr>
-                      <m:t>𝒪</m:t>
-                    </m:r>
-                    <m:d>
-                      <m:dPr>
-                        <m:ctrlPr>
-                          <a:rPr lang="en-US" sz="2400" i="1">
-                            <a:solidFill>
-                              <a:srgbClr val="000000"/>
-                            </a:solidFill>
-                            <a:latin typeface="Cambria Math" panose="02040503050406030204" pitchFamily="18" charset="0"/>
-                            <a:ea typeface="Cambria Math" panose="02040503050406030204" pitchFamily="18" charset="0"/>
-                          </a:rPr>
-                        </m:ctrlPr>
-                      </m:dPr>
-                      <m:e>
-                        <m:d>
-                          <m:dPr>
-                            <m:ctrlPr>
-                              <a:rPr lang="en-US" sz="2400" b="0" i="1" smtClean="0">
-                                <a:solidFill>
-                                  <a:srgbClr val="000000"/>
-                                </a:solidFill>
-                                <a:latin typeface="Cambria Math" panose="02040503050406030204" pitchFamily="18" charset="0"/>
-                                <a:ea typeface="Cambria Math" panose="02040503050406030204" pitchFamily="18" charset="0"/>
-                              </a:rPr>
-                            </m:ctrlPr>
-                          </m:dPr>
-                          <m:e>
-                            <m:r>
-                              <a:rPr lang="en-US" sz="2400" i="1">
-                                <a:solidFill>
-                                  <a:srgbClr val="000000"/>
-                                </a:solidFill>
-                                <a:latin typeface="Cambria Math" panose="02040503050406030204" pitchFamily="18" charset="0"/>
-                                <a:ea typeface="Cambria Math" panose="02040503050406030204" pitchFamily="18" charset="0"/>
-                              </a:rPr>
-                              <m:t>𝛽</m:t>
-                            </m:r>
-                            <m:r>
-                              <a:rPr lang="en-US" sz="2400" b="0" i="1" smtClean="0">
-                                <a:solidFill>
-                                  <a:srgbClr val="000000"/>
-                                </a:solidFill>
-                                <a:latin typeface="Cambria Math" panose="02040503050406030204" pitchFamily="18" charset="0"/>
-                                <a:ea typeface="Cambria Math" panose="02040503050406030204" pitchFamily="18" charset="0"/>
-                              </a:rPr>
-                              <m:t>+</m:t>
-                            </m:r>
-                            <m:f>
-                              <m:fPr>
-                                <m:ctrlPr>
-                                  <a:rPr lang="en-US" sz="2400" i="1">
-                                    <a:solidFill>
-                                      <a:srgbClr val="000000"/>
-                                    </a:solidFill>
-                                    <a:latin typeface="Cambria Math" panose="02040503050406030204" pitchFamily="18" charset="0"/>
-                                    <a:ea typeface="Cambria Math" panose="02040503050406030204" pitchFamily="18" charset="0"/>
-                                  </a:rPr>
-                                </m:ctrlPr>
-                              </m:fPr>
-                              <m:num>
-                                <m:r>
-                                  <a:rPr lang="en-US" sz="2400" i="1">
-                                    <a:solidFill>
-                                      <a:srgbClr val="000000"/>
-                                    </a:solidFill>
-                                    <a:latin typeface="Cambria Math" panose="02040503050406030204" pitchFamily="18" charset="0"/>
-                                    <a:ea typeface="Cambria Math" panose="02040503050406030204" pitchFamily="18" charset="0"/>
-                                  </a:rPr>
-                                  <m:t>𝑚</m:t>
-                                </m:r>
-                              </m:num>
-                              <m:den>
-                                <m:r>
-                                  <a:rPr lang="en-US" sz="2400" i="1">
-                                    <a:solidFill>
-                                      <a:srgbClr val="000000"/>
-                                    </a:solidFill>
-                                    <a:latin typeface="Cambria Math" panose="02040503050406030204" pitchFamily="18" charset="0"/>
-                                    <a:ea typeface="Cambria Math" panose="02040503050406030204" pitchFamily="18" charset="0"/>
-                                  </a:rPr>
-                                  <m:t>𝛽</m:t>
-                                </m:r>
-                              </m:den>
-                            </m:f>
-                          </m:e>
-                        </m:d>
-                        <m:d>
-                          <m:dPr>
-                            <m:ctrlPr>
-                              <a:rPr lang="en-US" sz="2400" i="1">
-                                <a:solidFill>
-                                  <a:srgbClr val="000000"/>
-                                </a:solidFill>
-                                <a:latin typeface="Cambria Math" panose="02040503050406030204" pitchFamily="18" charset="0"/>
-                                <a:ea typeface="Cambria Math" panose="02040503050406030204" pitchFamily="18" charset="0"/>
-                              </a:rPr>
-                            </m:ctrlPr>
-                          </m:dPr>
-                          <m:e>
-                            <m:r>
-                              <a:rPr lang="en-US" sz="2400" i="1">
-                                <a:solidFill>
-                                  <a:srgbClr val="000000"/>
-                                </a:solidFill>
-                                <a:latin typeface="Cambria Math" panose="02040503050406030204" pitchFamily="18" charset="0"/>
-                                <a:ea typeface="Cambria Math" panose="02040503050406030204" pitchFamily="18" charset="0"/>
-                              </a:rPr>
-                              <m:t>𝑚</m:t>
-                            </m:r>
-                            <m:r>
-                              <a:rPr lang="en-US" sz="2400" i="1">
-                                <a:solidFill>
-                                  <a:srgbClr val="000000"/>
-                                </a:solidFill>
-                                <a:latin typeface="Cambria Math" panose="02040503050406030204" pitchFamily="18" charset="0"/>
-                                <a:ea typeface="Cambria Math" panose="02040503050406030204" pitchFamily="18" charset="0"/>
-                              </a:rPr>
-                              <m:t>+</m:t>
-                            </m:r>
-                            <m:r>
-                              <a:rPr lang="en-US" sz="2400" i="1">
-                                <a:solidFill>
-                                  <a:srgbClr val="000000"/>
-                                </a:solidFill>
-                                <a:latin typeface="Cambria Math" panose="02040503050406030204" pitchFamily="18" charset="0"/>
-                                <a:ea typeface="Cambria Math" panose="02040503050406030204" pitchFamily="18" charset="0"/>
-                              </a:rPr>
-                              <m:t>𝑛</m:t>
-                            </m:r>
-                          </m:e>
-                        </m:d>
-                      </m:e>
-                    </m:d>
-                  </m:oMath>
-                </a14:m>
-                <a:r>
-                  <a:rPr lang="en-US" sz="2400" dirty="0">
-                    <a:solidFill>
-                      <a:srgbClr val="000000"/>
-                    </a:solidFill>
-                  </a:rPr>
-                  <a:t> </a:t>
-                </a:r>
-              </a:p>
-            </p:txBody>
-          </p:sp>
-        </mc:Choice>
-        <mc:Fallback xmlns="">
-          <p:sp>
-            <p:nvSpPr>
-              <p:cNvPr id="19" name="TextBox 14"/>
-              <p:cNvSpPr txBox="1">
-                <a:spLocks noRot="1" noChangeAspect="1" noMove="1" noResize="1" noEditPoints="1" noAdjustHandles="1" noChangeArrowheads="1" noChangeShapeType="1" noTextEdit="1"/>
-              </p:cNvSpPr>
-              <p:nvPr/>
-            </p:nvSpPr>
-            <p:spPr>
-              <a:xfrm>
-                <a:off x="1014312" y="3022432"/>
-                <a:ext cx="10163363" cy="922176"/>
-              </a:xfrm>
-              <a:prstGeom prst="rect">
-                <a:avLst/>
-              </a:prstGeom>
-              <a:blipFill>
-                <a:blip r:embed="rId4"/>
-                <a:stretch>
-                  <a:fillRect l="-899"/>
-                </a:stretch>
-              </a:blipFill>
-              <a:ln cap="flat">
-                <a:noFill/>
-              </a:ln>
-            </p:spPr>
-            <p:txBody>
-              <a:bodyPr/>
-              <a:lstStyle/>
-              <a:p>
-                <a:r>
-                  <a:rPr lang="en-US">
-                    <a:noFill/>
-                  </a:rPr>
-                  <a:t> </a:t>
-                </a:r>
-              </a:p>
-            </p:txBody>
-          </p:sp>
-        </mc:Fallback>
-      </mc:AlternateContent>
-      <p:sp>
-        <p:nvSpPr>
-          <p:cNvPr id="20" name="TextBox 14"/>
-          <p:cNvSpPr txBox="1"/>
-          <p:nvPr/>
-        </p:nvSpPr>
-        <p:spPr>
-          <a:xfrm>
-            <a:off x="1014312" y="5553392"/>
-            <a:ext cx="10163363" cy="461665"/>
-          </a:xfrm>
-          <a:prstGeom prst="rect">
-            <a:avLst/>
-          </a:prstGeom>
-          <a:noFill/>
-          <a:ln cap="flat">
-            <a:noFill/>
-          </a:ln>
-        </p:spPr>
-        <p:txBody>
-          <a:bodyPr vert="horz" wrap="square" lIns="91440" tIns="45720" rIns="91440" bIns="45720" anchor="t" anchorCtr="0" compatLnSpc="1">
-            <a:spAutoFit/>
-          </a:bodyPr>
-          <a:lstStyle/>
-          <a:p>
-            <a:pPr>
-              <a:defRPr sz="1800" b="0" i="0" u="none" strike="noStrike" kern="0" cap="none" spc="0" baseline="0">
-                <a:solidFill>
-                  <a:srgbClr val="000000"/>
-                </a:solidFill>
-                <a:uFillTx/>
-              </a:defRPr>
-            </a:pPr>
-            <a:r>
-              <a:rPr lang="en-US" sz="2400" dirty="0">
-                <a:solidFill>
-                  <a:srgbClr val="000000"/>
-                </a:solidFill>
-              </a:rPr>
-              <a:t>Does not necessarily find global optimum!</a:t>
-            </a:r>
-          </a:p>
-        </p:txBody>
-      </p:sp>
-      <p:sp>
-        <p:nvSpPr>
-          <p:cNvPr id="21" name="TextBox 14"/>
-          <p:cNvSpPr txBox="1"/>
-          <p:nvPr/>
-        </p:nvSpPr>
-        <p:spPr>
-          <a:xfrm>
-            <a:off x="1014312" y="4813149"/>
-            <a:ext cx="10163363" cy="461665"/>
-          </a:xfrm>
-          <a:prstGeom prst="rect">
-            <a:avLst/>
-          </a:prstGeom>
-          <a:noFill/>
-          <a:ln cap="flat">
-            <a:noFill/>
-          </a:ln>
-        </p:spPr>
-        <p:txBody>
-          <a:bodyPr vert="horz" wrap="square" lIns="91440" tIns="45720" rIns="91440" bIns="45720" anchor="t" anchorCtr="0" compatLnSpc="1">
-            <a:spAutoFit/>
-          </a:bodyPr>
-          <a:lstStyle/>
-          <a:p>
-            <a:pPr>
-              <a:defRPr sz="1800" b="0" i="0" u="none" strike="noStrike" kern="0" cap="none" spc="0" baseline="0">
-                <a:solidFill>
-                  <a:srgbClr val="000000"/>
-                </a:solidFill>
-                <a:uFillTx/>
-              </a:defRPr>
-            </a:pPr>
-            <a:r>
-              <a:rPr lang="en-US" sz="2400" dirty="0">
-                <a:solidFill>
-                  <a:srgbClr val="000000"/>
-                </a:solidFill>
-              </a:rPr>
-              <a:t>Linear additional space</a:t>
-            </a:r>
-          </a:p>
-        </p:txBody>
-      </p:sp>
-      <mc:AlternateContent xmlns:mc="http://schemas.openxmlformats.org/markup-compatibility/2006" xmlns:a14="http://schemas.microsoft.com/office/drawing/2010/main">
-        <mc:Choice Requires="a14">
-          <p:sp>
-            <p:nvSpPr>
-              <p:cNvPr id="22" name="TextBox 14"/>
-              <p:cNvSpPr txBox="1"/>
-              <p:nvPr/>
-            </p:nvSpPr>
-            <p:spPr>
-              <a:xfrm>
-                <a:off x="1014312" y="4018557"/>
-                <a:ext cx="10163363" cy="461665"/>
-              </a:xfrm>
-              <a:prstGeom prst="rect">
-                <a:avLst/>
-              </a:prstGeom>
-              <a:noFill/>
-              <a:ln cap="flat">
-                <a:noFill/>
-              </a:ln>
-            </p:spPr>
-            <p:txBody>
-              <a:bodyPr vert="horz" wrap="square" lIns="91440" tIns="45720" rIns="91440" bIns="45720" anchor="t" anchorCtr="0" compatLnSpc="1">
-                <a:spAutoFit/>
-              </a:bodyPr>
-              <a:lstStyle/>
-              <a:p>
-                <a:pPr>
-                  <a:defRPr sz="1800" b="0" i="0" u="none" strike="noStrike" kern="0" cap="none" spc="0" baseline="0">
-                    <a:solidFill>
-                      <a:srgbClr val="000000"/>
-                    </a:solidFill>
-                    <a:uFillTx/>
-                  </a:defRPr>
-                </a:pPr>
-                <a:r>
-                  <a:rPr lang="en-US" sz="2400" dirty="0">
-                    <a:solidFill>
-                      <a:srgbClr val="000000"/>
-                    </a:solidFill>
-                  </a:rPr>
-                  <a:t>By letting </a:t>
-                </a:r>
-                <a14:m>
-                  <m:oMath xmlns:m="http://schemas.openxmlformats.org/officeDocument/2006/math">
-                    <m:r>
-                      <m:rPr>
-                        <m:sty m:val="p"/>
-                      </m:rPr>
-                      <a:rPr lang="el-GR" sz="2400" i="1">
-                        <a:solidFill>
-                          <a:srgbClr val="000000"/>
-                        </a:solidFill>
-                        <a:latin typeface="Cambria Math" panose="02040503050406030204" pitchFamily="18" charset="0"/>
-                        <a:ea typeface="Cambria Math" panose="02040503050406030204" pitchFamily="18" charset="0"/>
-                      </a:rPr>
-                      <m:t>β</m:t>
-                    </m:r>
-                    <m:r>
-                      <a:rPr lang="en-US" sz="2400" i="1">
-                        <a:solidFill>
-                          <a:srgbClr val="000000"/>
-                        </a:solidFill>
-                        <a:latin typeface="Cambria Math" panose="02040503050406030204" pitchFamily="18" charset="0"/>
-                        <a:ea typeface="Cambria Math" panose="02040503050406030204" pitchFamily="18" charset="0"/>
-                      </a:rPr>
-                      <m:t>=</m:t>
-                    </m:r>
-                    <m:rad>
-                      <m:radPr>
-                        <m:degHide m:val="on"/>
-                        <m:ctrlPr>
-                          <a:rPr lang="en-US" sz="2400" i="1">
-                            <a:solidFill>
-                              <a:srgbClr val="000000"/>
-                            </a:solidFill>
-                            <a:latin typeface="Cambria Math" panose="02040503050406030204" pitchFamily="18" charset="0"/>
-                            <a:ea typeface="Cambria Math" panose="02040503050406030204" pitchFamily="18" charset="0"/>
-                          </a:rPr>
-                        </m:ctrlPr>
-                      </m:radPr>
-                      <m:deg/>
-                      <m:e>
-                        <m:r>
-                          <a:rPr lang="en-US" sz="2400" i="1">
-                            <a:solidFill>
-                              <a:srgbClr val="000000"/>
-                            </a:solidFill>
-                            <a:latin typeface="Cambria Math" panose="02040503050406030204" pitchFamily="18" charset="0"/>
-                            <a:ea typeface="Cambria Math" panose="02040503050406030204" pitchFamily="18" charset="0"/>
-                          </a:rPr>
-                          <m:t>𝑚</m:t>
-                        </m:r>
-                      </m:e>
-                    </m:rad>
-                  </m:oMath>
-                </a14:m>
-                <a:r>
-                  <a:rPr lang="en-US" sz="2400" dirty="0">
-                    <a:solidFill>
-                      <a:srgbClr val="000000"/>
-                    </a:solidFill>
-                  </a:rPr>
-                  <a:t>			</a:t>
-                </a:r>
-                <a14:m>
-                  <m:oMath xmlns:m="http://schemas.openxmlformats.org/officeDocument/2006/math">
-                    <m:r>
-                      <a:rPr lang="en-US" sz="2400" i="1">
-                        <a:solidFill>
-                          <a:srgbClr val="000000"/>
-                        </a:solidFill>
-                        <a:latin typeface="Cambria Math" panose="02040503050406030204" pitchFamily="18" charset="0"/>
-                        <a:ea typeface="Cambria Math" panose="02040503050406030204" pitchFamily="18" charset="0"/>
-                      </a:rPr>
-                      <m:t>𝒪</m:t>
-                    </m:r>
-                    <m:r>
-                      <a:rPr lang="en-US" sz="2400" i="1">
-                        <a:solidFill>
-                          <a:srgbClr val="000000"/>
-                        </a:solidFill>
-                        <a:latin typeface="Cambria Math" panose="02040503050406030204" pitchFamily="18" charset="0"/>
-                        <a:ea typeface="Cambria Math" panose="02040503050406030204" pitchFamily="18" charset="0"/>
-                      </a:rPr>
-                      <m:t>(</m:t>
-                    </m:r>
-                    <m:rad>
-                      <m:radPr>
-                        <m:degHide m:val="on"/>
-                        <m:ctrlPr>
-                          <a:rPr lang="en-US" sz="2400" i="1">
-                            <a:solidFill>
-                              <a:srgbClr val="000000"/>
-                            </a:solidFill>
-                            <a:latin typeface="Cambria Math" panose="02040503050406030204" pitchFamily="18" charset="0"/>
-                            <a:ea typeface="Cambria Math" panose="02040503050406030204" pitchFamily="18" charset="0"/>
-                          </a:rPr>
-                        </m:ctrlPr>
-                      </m:radPr>
-                      <m:deg/>
-                      <m:e>
-                        <m:r>
-                          <a:rPr lang="en-US" sz="2400" i="1">
-                            <a:solidFill>
-                              <a:srgbClr val="000000"/>
-                            </a:solidFill>
-                            <a:latin typeface="Cambria Math" panose="02040503050406030204" pitchFamily="18" charset="0"/>
-                            <a:ea typeface="Cambria Math" panose="02040503050406030204" pitchFamily="18" charset="0"/>
-                          </a:rPr>
-                          <m:t>𝑚</m:t>
-                        </m:r>
-                      </m:e>
-                    </m:rad>
-                    <m:d>
-                      <m:dPr>
-                        <m:ctrlPr>
-                          <a:rPr lang="en-US" sz="2400" i="1">
-                            <a:solidFill>
-                              <a:srgbClr val="000000"/>
-                            </a:solidFill>
-                            <a:latin typeface="Cambria Math" panose="02040503050406030204" pitchFamily="18" charset="0"/>
-                            <a:ea typeface="Cambria Math" panose="02040503050406030204" pitchFamily="18" charset="0"/>
-                          </a:rPr>
-                        </m:ctrlPr>
-                      </m:dPr>
-                      <m:e>
-                        <m:r>
-                          <a:rPr lang="en-US" sz="2400" i="1">
-                            <a:solidFill>
-                              <a:srgbClr val="000000"/>
-                            </a:solidFill>
-                            <a:latin typeface="Cambria Math" panose="02040503050406030204" pitchFamily="18" charset="0"/>
-                            <a:ea typeface="Cambria Math" panose="02040503050406030204" pitchFamily="18" charset="0"/>
-                          </a:rPr>
-                          <m:t>𝑚</m:t>
-                        </m:r>
-                        <m:r>
-                          <a:rPr lang="en-US" sz="2400" i="1">
-                            <a:solidFill>
-                              <a:srgbClr val="000000"/>
-                            </a:solidFill>
-                            <a:latin typeface="Cambria Math" panose="02040503050406030204" pitchFamily="18" charset="0"/>
-                            <a:ea typeface="Cambria Math" panose="02040503050406030204" pitchFamily="18" charset="0"/>
-                          </a:rPr>
-                          <m:t>+</m:t>
-                        </m:r>
-                        <m:r>
-                          <a:rPr lang="en-US" sz="2400" i="1">
-                            <a:solidFill>
-                              <a:srgbClr val="000000"/>
-                            </a:solidFill>
-                            <a:latin typeface="Cambria Math" panose="02040503050406030204" pitchFamily="18" charset="0"/>
-                            <a:ea typeface="Cambria Math" panose="02040503050406030204" pitchFamily="18" charset="0"/>
-                          </a:rPr>
-                          <m:t>𝑛</m:t>
-                        </m:r>
-                      </m:e>
-                    </m:d>
-                    <m:r>
-                      <a:rPr lang="en-US" sz="2400" i="1">
-                        <a:solidFill>
-                          <a:srgbClr val="000000"/>
-                        </a:solidFill>
-                        <a:latin typeface="Cambria Math" panose="02040503050406030204" pitchFamily="18" charset="0"/>
-                        <a:ea typeface="Cambria Math" panose="02040503050406030204" pitchFamily="18" charset="0"/>
-                      </a:rPr>
-                      <m:t>)</m:t>
-                    </m:r>
-                  </m:oMath>
-                </a14:m>
-                <a:endParaRPr lang="en-US" sz="2400" dirty="0">
-                  <a:solidFill>
-                    <a:srgbClr val="000000"/>
-                  </a:solidFill>
-                </a:endParaRPr>
-              </a:p>
-            </p:txBody>
-          </p:sp>
-        </mc:Choice>
-        <mc:Fallback xmlns="">
-          <p:sp>
-            <p:nvSpPr>
-              <p:cNvPr id="22" name="TextBox 14"/>
-              <p:cNvSpPr txBox="1">
-                <a:spLocks noRot="1" noChangeAspect="1" noMove="1" noResize="1" noEditPoints="1" noAdjustHandles="1" noChangeArrowheads="1" noChangeShapeType="1" noTextEdit="1"/>
-              </p:cNvSpPr>
-              <p:nvPr/>
-            </p:nvSpPr>
-            <p:spPr>
-              <a:xfrm>
-                <a:off x="1014312" y="4018557"/>
-                <a:ext cx="10163363" cy="461665"/>
-              </a:xfrm>
-              <a:prstGeom prst="rect">
-                <a:avLst/>
-              </a:prstGeom>
-              <a:blipFill>
-                <a:blip r:embed="rId5"/>
-                <a:stretch>
-                  <a:fillRect l="-899" t="-9211" b="-30263"/>
-                </a:stretch>
-              </a:blipFill>
-              <a:ln cap="flat">
-                <a:noFill/>
-              </a:ln>
-            </p:spPr>
-            <p:txBody>
-              <a:bodyPr/>
-              <a:lstStyle/>
-              <a:p>
-                <a:r>
-                  <a:rPr lang="en-US">
-                    <a:noFill/>
-                  </a:rPr>
-                  <a:t> </a:t>
-                </a:r>
-              </a:p>
-            </p:txBody>
-          </p:sp>
-        </mc:Fallback>
-      </mc:AlternateContent>
-    </p:spTree>
-    <p:extLst>
-      <p:ext uri="{BB962C8B-B14F-4D97-AF65-F5344CB8AC3E}">
-        <p14:creationId xmlns:p14="http://schemas.microsoft.com/office/powerpoint/2010/main" val="2723225820"/>
-      </p:ext>
-    </p:extLst>
-  </p:cSld>
-  <p:clrMapOvr>
-    <a:masterClrMapping/>
-  </p:clrMapOvr>
-</p:sld>
-</file>
-
 <file path=ppt/theme/theme1.xml><?xml version="1.0" encoding="utf-8"?>
 <a:theme xmlns:a="http://schemas.openxmlformats.org/drawingml/2006/main" name="Office Theme">
   <a:themeElements>
